--- a/EPSI - Module IaC.pptx
+++ b/EPSI - Module IaC.pptx
@@ -5,7 +5,7 @@
     <p:sldMasterId id="2147483751" r:id="rId1"/>
   </p:sldMasterIdLst>
   <p:notesMasterIdLst>
-    <p:notesMasterId r:id="rId19"/>
+    <p:notesMasterId r:id="rId29"/>
   </p:notesMasterIdLst>
   <p:sldIdLst>
     <p:sldId id="256" r:id="rId2"/>
@@ -25,6 +25,16 @@
     <p:sldId id="270" r:id="rId16"/>
     <p:sldId id="271" r:id="rId17"/>
     <p:sldId id="272" r:id="rId18"/>
+    <p:sldId id="273" r:id="rId19"/>
+    <p:sldId id="283" r:id="rId20"/>
+    <p:sldId id="274" r:id="rId21"/>
+    <p:sldId id="275" r:id="rId22"/>
+    <p:sldId id="276" r:id="rId23"/>
+    <p:sldId id="277" r:id="rId24"/>
+    <p:sldId id="280" r:id="rId25"/>
+    <p:sldId id="281" r:id="rId26"/>
+    <p:sldId id="279" r:id="rId27"/>
+    <p:sldId id="282" r:id="rId28"/>
   </p:sldIdLst>
   <p:sldSz cx="12192000" cy="6858000"/>
   <p:notesSz cx="6858000" cy="9144000"/>
@@ -564,6 +574,258 @@
 </p:notes>
 </file>
 
+<file path=ppt/notesSlides/notesSlide10.xml><?xml version="1.0" encoding="utf-8"?>
+<p:notes xmlns:a="http://schemas.openxmlformats.org/drawingml/2006/main" xmlns:r="http://schemas.openxmlformats.org/officeDocument/2006/relationships" xmlns:p="http://schemas.openxmlformats.org/presentationml/2006/main">
+  <p:cSld>
+    <p:spTree>
+      <p:nvGrpSpPr>
+        <p:cNvPr id="1" name=""/>
+        <p:cNvGrpSpPr/>
+        <p:nvPr/>
+      </p:nvGrpSpPr>
+      <p:grpSpPr>
+        <a:xfrm>
+          <a:off x="0" y="0"/>
+          <a:ext cx="0" cy="0"/>
+          <a:chOff x="0" y="0"/>
+          <a:chExt cx="0" cy="0"/>
+        </a:xfrm>
+      </p:grpSpPr>
+      <p:sp>
+        <p:nvSpPr>
+          <p:cNvPr id="2" name="Espace réservé de l'image des diapositives 1"/>
+          <p:cNvSpPr>
+            <a:spLocks noGrp="1" noRot="1" noChangeAspect="1"/>
+          </p:cNvSpPr>
+          <p:nvPr>
+            <p:ph type="sldImg"/>
+          </p:nvPr>
+        </p:nvSpPr>
+        <p:spPr/>
+      </p:sp>
+      <p:sp>
+        <p:nvSpPr>
+          <p:cNvPr id="3" name="Espace réservé des notes 2"/>
+          <p:cNvSpPr>
+            <a:spLocks noGrp="1"/>
+          </p:cNvSpPr>
+          <p:nvPr>
+            <p:ph type="body" idx="1"/>
+          </p:nvPr>
+        </p:nvSpPr>
+        <p:spPr/>
+        <p:txBody>
+          <a:bodyPr/>
+          <a:lstStyle/>
+          <a:p>
+            <a:endParaRPr lang="fr-FR" dirty="0"/>
+          </a:p>
+        </p:txBody>
+      </p:sp>
+      <p:sp>
+        <p:nvSpPr>
+          <p:cNvPr id="4" name="Espace réservé du numéro de diapositive 3"/>
+          <p:cNvSpPr>
+            <a:spLocks noGrp="1"/>
+          </p:cNvSpPr>
+          <p:nvPr>
+            <p:ph type="sldNum" sz="quarter" idx="5"/>
+          </p:nvPr>
+        </p:nvSpPr>
+        <p:spPr/>
+        <p:txBody>
+          <a:bodyPr/>
+          <a:lstStyle/>
+          <a:p>
+            <a:fld id="{31698029-4D65-5B41-A6D9-E9D164CD07D4}" type="slidenum">
+              <a:rPr lang="fr-FR" smtClean="0"/>
+              <a:t>24</a:t>
+            </a:fld>
+            <a:endParaRPr lang="fr-FR"/>
+          </a:p>
+        </p:txBody>
+      </p:sp>
+    </p:spTree>
+    <p:extLst>
+      <p:ext uri="{BB962C8B-B14F-4D97-AF65-F5344CB8AC3E}">
+        <p14:creationId xmlns:p14="http://schemas.microsoft.com/office/powerpoint/2010/main" val="371472045"/>
+      </p:ext>
+    </p:extLst>
+  </p:cSld>
+  <p:clrMapOvr>
+    <a:masterClrMapping/>
+  </p:clrMapOvr>
+</p:notes>
+</file>
+
+<file path=ppt/notesSlides/notesSlide11.xml><?xml version="1.0" encoding="utf-8"?>
+<p:notes xmlns:a="http://schemas.openxmlformats.org/drawingml/2006/main" xmlns:r="http://schemas.openxmlformats.org/officeDocument/2006/relationships" xmlns:p="http://schemas.openxmlformats.org/presentationml/2006/main">
+  <p:cSld>
+    <p:spTree>
+      <p:nvGrpSpPr>
+        <p:cNvPr id="1" name=""/>
+        <p:cNvGrpSpPr/>
+        <p:nvPr/>
+      </p:nvGrpSpPr>
+      <p:grpSpPr>
+        <a:xfrm>
+          <a:off x="0" y="0"/>
+          <a:ext cx="0" cy="0"/>
+          <a:chOff x="0" y="0"/>
+          <a:chExt cx="0" cy="0"/>
+        </a:xfrm>
+      </p:grpSpPr>
+      <p:sp>
+        <p:nvSpPr>
+          <p:cNvPr id="2" name="Espace réservé de l'image des diapositives 1"/>
+          <p:cNvSpPr>
+            <a:spLocks noGrp="1" noRot="1" noChangeAspect="1"/>
+          </p:cNvSpPr>
+          <p:nvPr>
+            <p:ph type="sldImg"/>
+          </p:nvPr>
+        </p:nvSpPr>
+        <p:spPr/>
+      </p:sp>
+      <p:sp>
+        <p:nvSpPr>
+          <p:cNvPr id="3" name="Espace réservé des notes 2"/>
+          <p:cNvSpPr>
+            <a:spLocks noGrp="1"/>
+          </p:cNvSpPr>
+          <p:nvPr>
+            <p:ph type="body" idx="1"/>
+          </p:nvPr>
+        </p:nvSpPr>
+        <p:spPr/>
+        <p:txBody>
+          <a:bodyPr/>
+          <a:lstStyle/>
+          <a:p>
+            <a:endParaRPr lang="fr-FR" dirty="0"/>
+          </a:p>
+        </p:txBody>
+      </p:sp>
+      <p:sp>
+        <p:nvSpPr>
+          <p:cNvPr id="4" name="Espace réservé du numéro de diapositive 3"/>
+          <p:cNvSpPr>
+            <a:spLocks noGrp="1"/>
+          </p:cNvSpPr>
+          <p:nvPr>
+            <p:ph type="sldNum" sz="quarter" idx="5"/>
+          </p:nvPr>
+        </p:nvSpPr>
+        <p:spPr/>
+        <p:txBody>
+          <a:bodyPr/>
+          <a:lstStyle/>
+          <a:p>
+            <a:fld id="{31698029-4D65-5B41-A6D9-E9D164CD07D4}" type="slidenum">
+              <a:rPr lang="fr-FR" smtClean="0"/>
+              <a:t>25</a:t>
+            </a:fld>
+            <a:endParaRPr lang="fr-FR"/>
+          </a:p>
+        </p:txBody>
+      </p:sp>
+    </p:spTree>
+    <p:extLst>
+      <p:ext uri="{BB962C8B-B14F-4D97-AF65-F5344CB8AC3E}">
+        <p14:creationId xmlns:p14="http://schemas.microsoft.com/office/powerpoint/2010/main" val="2555554287"/>
+      </p:ext>
+    </p:extLst>
+  </p:cSld>
+  <p:clrMapOvr>
+    <a:masterClrMapping/>
+  </p:clrMapOvr>
+</p:notes>
+</file>
+
+<file path=ppt/notesSlides/notesSlide12.xml><?xml version="1.0" encoding="utf-8"?>
+<p:notes xmlns:a="http://schemas.openxmlformats.org/drawingml/2006/main" xmlns:r="http://schemas.openxmlformats.org/officeDocument/2006/relationships" xmlns:p="http://schemas.openxmlformats.org/presentationml/2006/main">
+  <p:cSld>
+    <p:spTree>
+      <p:nvGrpSpPr>
+        <p:cNvPr id="1" name=""/>
+        <p:cNvGrpSpPr/>
+        <p:nvPr/>
+      </p:nvGrpSpPr>
+      <p:grpSpPr>
+        <a:xfrm>
+          <a:off x="0" y="0"/>
+          <a:ext cx="0" cy="0"/>
+          <a:chOff x="0" y="0"/>
+          <a:chExt cx="0" cy="0"/>
+        </a:xfrm>
+      </p:grpSpPr>
+      <p:sp>
+        <p:nvSpPr>
+          <p:cNvPr id="2" name="Espace réservé de l'image des diapositives 1"/>
+          <p:cNvSpPr>
+            <a:spLocks noGrp="1" noRot="1" noChangeAspect="1"/>
+          </p:cNvSpPr>
+          <p:nvPr>
+            <p:ph type="sldImg"/>
+          </p:nvPr>
+        </p:nvSpPr>
+        <p:spPr/>
+      </p:sp>
+      <p:sp>
+        <p:nvSpPr>
+          <p:cNvPr id="3" name="Espace réservé des notes 2"/>
+          <p:cNvSpPr>
+            <a:spLocks noGrp="1"/>
+          </p:cNvSpPr>
+          <p:nvPr>
+            <p:ph type="body" idx="1"/>
+          </p:nvPr>
+        </p:nvSpPr>
+        <p:spPr/>
+        <p:txBody>
+          <a:bodyPr/>
+          <a:lstStyle/>
+          <a:p>
+            <a:endParaRPr lang="fr-FR" dirty="0"/>
+          </a:p>
+        </p:txBody>
+      </p:sp>
+      <p:sp>
+        <p:nvSpPr>
+          <p:cNvPr id="4" name="Espace réservé du numéro de diapositive 3"/>
+          <p:cNvSpPr>
+            <a:spLocks noGrp="1"/>
+          </p:cNvSpPr>
+          <p:nvPr>
+            <p:ph type="sldNum" sz="quarter" idx="5"/>
+          </p:nvPr>
+        </p:nvSpPr>
+        <p:spPr/>
+        <p:txBody>
+          <a:bodyPr/>
+          <a:lstStyle/>
+          <a:p>
+            <a:fld id="{31698029-4D65-5B41-A6D9-E9D164CD07D4}" type="slidenum">
+              <a:rPr lang="fr-FR" smtClean="0"/>
+              <a:t>26</a:t>
+            </a:fld>
+            <a:endParaRPr lang="fr-FR"/>
+          </a:p>
+        </p:txBody>
+      </p:sp>
+    </p:spTree>
+    <p:extLst>
+      <p:ext uri="{BB962C8B-B14F-4D97-AF65-F5344CB8AC3E}">
+        <p14:creationId xmlns:p14="http://schemas.microsoft.com/office/powerpoint/2010/main" val="348164960"/>
+      </p:ext>
+    </p:extLst>
+  </p:cSld>
+  <p:clrMapOvr>
+    <a:masterClrMapping/>
+  </p:clrMapOvr>
+</p:notes>
+</file>
+
 <file path=ppt/notesSlides/notesSlide2.xml><?xml version="1.0" encoding="utf-8"?>
 <p:notes xmlns:a="http://schemas.openxmlformats.org/drawingml/2006/main" xmlns:r="http://schemas.openxmlformats.org/officeDocument/2006/relationships" xmlns:p="http://schemas.openxmlformats.org/presentationml/2006/main">
   <p:cSld>
@@ -1109,6 +1371,342 @@
     <p:extLst>
       <p:ext uri="{BB962C8B-B14F-4D97-AF65-F5344CB8AC3E}">
         <p14:creationId xmlns:p14="http://schemas.microsoft.com/office/powerpoint/2010/main" val="1393827246"/>
+      </p:ext>
+    </p:extLst>
+  </p:cSld>
+  <p:clrMapOvr>
+    <a:masterClrMapping/>
+  </p:clrMapOvr>
+</p:notes>
+</file>
+
+<file path=ppt/notesSlides/notesSlide6.xml><?xml version="1.0" encoding="utf-8"?>
+<p:notes xmlns:a="http://schemas.openxmlformats.org/drawingml/2006/main" xmlns:r="http://schemas.openxmlformats.org/officeDocument/2006/relationships" xmlns:p="http://schemas.openxmlformats.org/presentationml/2006/main">
+  <p:cSld>
+    <p:spTree>
+      <p:nvGrpSpPr>
+        <p:cNvPr id="1" name=""/>
+        <p:cNvGrpSpPr/>
+        <p:nvPr/>
+      </p:nvGrpSpPr>
+      <p:grpSpPr>
+        <a:xfrm>
+          <a:off x="0" y="0"/>
+          <a:ext cx="0" cy="0"/>
+          <a:chOff x="0" y="0"/>
+          <a:chExt cx="0" cy="0"/>
+        </a:xfrm>
+      </p:grpSpPr>
+      <p:sp>
+        <p:nvSpPr>
+          <p:cNvPr id="2" name="Espace réservé de l'image des diapositives 1"/>
+          <p:cNvSpPr>
+            <a:spLocks noGrp="1" noRot="1" noChangeAspect="1"/>
+          </p:cNvSpPr>
+          <p:nvPr>
+            <p:ph type="sldImg"/>
+          </p:nvPr>
+        </p:nvSpPr>
+        <p:spPr/>
+      </p:sp>
+      <p:sp>
+        <p:nvSpPr>
+          <p:cNvPr id="3" name="Espace réservé des notes 2"/>
+          <p:cNvSpPr>
+            <a:spLocks noGrp="1"/>
+          </p:cNvSpPr>
+          <p:nvPr>
+            <p:ph type="body" idx="1"/>
+          </p:nvPr>
+        </p:nvSpPr>
+        <p:spPr/>
+        <p:txBody>
+          <a:bodyPr/>
+          <a:lstStyle/>
+          <a:p>
+            <a:endParaRPr lang="fr-FR" dirty="0"/>
+          </a:p>
+        </p:txBody>
+      </p:sp>
+      <p:sp>
+        <p:nvSpPr>
+          <p:cNvPr id="4" name="Espace réservé du numéro de diapositive 3"/>
+          <p:cNvSpPr>
+            <a:spLocks noGrp="1"/>
+          </p:cNvSpPr>
+          <p:nvPr>
+            <p:ph type="sldNum" sz="quarter" idx="5"/>
+          </p:nvPr>
+        </p:nvSpPr>
+        <p:spPr/>
+        <p:txBody>
+          <a:bodyPr/>
+          <a:lstStyle/>
+          <a:p>
+            <a:fld id="{31698029-4D65-5B41-A6D9-E9D164CD07D4}" type="slidenum">
+              <a:rPr lang="fr-FR" smtClean="0"/>
+              <a:t>20</a:t>
+            </a:fld>
+            <a:endParaRPr lang="fr-FR"/>
+          </a:p>
+        </p:txBody>
+      </p:sp>
+    </p:spTree>
+    <p:extLst>
+      <p:ext uri="{BB962C8B-B14F-4D97-AF65-F5344CB8AC3E}">
+        <p14:creationId xmlns:p14="http://schemas.microsoft.com/office/powerpoint/2010/main" val="2272491300"/>
+      </p:ext>
+    </p:extLst>
+  </p:cSld>
+  <p:clrMapOvr>
+    <a:masterClrMapping/>
+  </p:clrMapOvr>
+</p:notes>
+</file>
+
+<file path=ppt/notesSlides/notesSlide7.xml><?xml version="1.0" encoding="utf-8"?>
+<p:notes xmlns:a="http://schemas.openxmlformats.org/drawingml/2006/main" xmlns:r="http://schemas.openxmlformats.org/officeDocument/2006/relationships" xmlns:p="http://schemas.openxmlformats.org/presentationml/2006/main">
+  <p:cSld>
+    <p:spTree>
+      <p:nvGrpSpPr>
+        <p:cNvPr id="1" name=""/>
+        <p:cNvGrpSpPr/>
+        <p:nvPr/>
+      </p:nvGrpSpPr>
+      <p:grpSpPr>
+        <a:xfrm>
+          <a:off x="0" y="0"/>
+          <a:ext cx="0" cy="0"/>
+          <a:chOff x="0" y="0"/>
+          <a:chExt cx="0" cy="0"/>
+        </a:xfrm>
+      </p:grpSpPr>
+      <p:sp>
+        <p:nvSpPr>
+          <p:cNvPr id="2" name="Espace réservé de l'image des diapositives 1"/>
+          <p:cNvSpPr>
+            <a:spLocks noGrp="1" noRot="1" noChangeAspect="1"/>
+          </p:cNvSpPr>
+          <p:nvPr>
+            <p:ph type="sldImg"/>
+          </p:nvPr>
+        </p:nvSpPr>
+        <p:spPr/>
+      </p:sp>
+      <p:sp>
+        <p:nvSpPr>
+          <p:cNvPr id="3" name="Espace réservé des notes 2"/>
+          <p:cNvSpPr>
+            <a:spLocks noGrp="1"/>
+          </p:cNvSpPr>
+          <p:nvPr>
+            <p:ph type="body" idx="1"/>
+          </p:nvPr>
+        </p:nvSpPr>
+        <p:spPr/>
+        <p:txBody>
+          <a:bodyPr/>
+          <a:lstStyle/>
+          <a:p>
+            <a:endParaRPr lang="fr-FR" dirty="0"/>
+          </a:p>
+        </p:txBody>
+      </p:sp>
+      <p:sp>
+        <p:nvSpPr>
+          <p:cNvPr id="4" name="Espace réservé du numéro de diapositive 3"/>
+          <p:cNvSpPr>
+            <a:spLocks noGrp="1"/>
+          </p:cNvSpPr>
+          <p:nvPr>
+            <p:ph type="sldNum" sz="quarter" idx="5"/>
+          </p:nvPr>
+        </p:nvSpPr>
+        <p:spPr/>
+        <p:txBody>
+          <a:bodyPr/>
+          <a:lstStyle/>
+          <a:p>
+            <a:fld id="{31698029-4D65-5B41-A6D9-E9D164CD07D4}" type="slidenum">
+              <a:rPr lang="fr-FR" smtClean="0"/>
+              <a:t>21</a:t>
+            </a:fld>
+            <a:endParaRPr lang="fr-FR"/>
+          </a:p>
+        </p:txBody>
+      </p:sp>
+    </p:spTree>
+    <p:extLst>
+      <p:ext uri="{BB962C8B-B14F-4D97-AF65-F5344CB8AC3E}">
+        <p14:creationId xmlns:p14="http://schemas.microsoft.com/office/powerpoint/2010/main" val="1319035519"/>
+      </p:ext>
+    </p:extLst>
+  </p:cSld>
+  <p:clrMapOvr>
+    <a:masterClrMapping/>
+  </p:clrMapOvr>
+</p:notes>
+</file>
+
+<file path=ppt/notesSlides/notesSlide8.xml><?xml version="1.0" encoding="utf-8"?>
+<p:notes xmlns:a="http://schemas.openxmlformats.org/drawingml/2006/main" xmlns:r="http://schemas.openxmlformats.org/officeDocument/2006/relationships" xmlns:p="http://schemas.openxmlformats.org/presentationml/2006/main">
+  <p:cSld>
+    <p:spTree>
+      <p:nvGrpSpPr>
+        <p:cNvPr id="1" name=""/>
+        <p:cNvGrpSpPr/>
+        <p:nvPr/>
+      </p:nvGrpSpPr>
+      <p:grpSpPr>
+        <a:xfrm>
+          <a:off x="0" y="0"/>
+          <a:ext cx="0" cy="0"/>
+          <a:chOff x="0" y="0"/>
+          <a:chExt cx="0" cy="0"/>
+        </a:xfrm>
+      </p:grpSpPr>
+      <p:sp>
+        <p:nvSpPr>
+          <p:cNvPr id="2" name="Espace réservé de l'image des diapositives 1"/>
+          <p:cNvSpPr>
+            <a:spLocks noGrp="1" noRot="1" noChangeAspect="1"/>
+          </p:cNvSpPr>
+          <p:nvPr>
+            <p:ph type="sldImg"/>
+          </p:nvPr>
+        </p:nvSpPr>
+        <p:spPr/>
+      </p:sp>
+      <p:sp>
+        <p:nvSpPr>
+          <p:cNvPr id="3" name="Espace réservé des notes 2"/>
+          <p:cNvSpPr>
+            <a:spLocks noGrp="1"/>
+          </p:cNvSpPr>
+          <p:nvPr>
+            <p:ph type="body" idx="1"/>
+          </p:nvPr>
+        </p:nvSpPr>
+        <p:spPr/>
+        <p:txBody>
+          <a:bodyPr/>
+          <a:lstStyle/>
+          <a:p>
+            <a:endParaRPr lang="fr-FR" dirty="0"/>
+          </a:p>
+        </p:txBody>
+      </p:sp>
+      <p:sp>
+        <p:nvSpPr>
+          <p:cNvPr id="4" name="Espace réservé du numéro de diapositive 3"/>
+          <p:cNvSpPr>
+            <a:spLocks noGrp="1"/>
+          </p:cNvSpPr>
+          <p:nvPr>
+            <p:ph type="sldNum" sz="quarter" idx="5"/>
+          </p:nvPr>
+        </p:nvSpPr>
+        <p:spPr/>
+        <p:txBody>
+          <a:bodyPr/>
+          <a:lstStyle/>
+          <a:p>
+            <a:fld id="{31698029-4D65-5B41-A6D9-E9D164CD07D4}" type="slidenum">
+              <a:rPr lang="fr-FR" smtClean="0"/>
+              <a:t>22</a:t>
+            </a:fld>
+            <a:endParaRPr lang="fr-FR"/>
+          </a:p>
+        </p:txBody>
+      </p:sp>
+    </p:spTree>
+    <p:extLst>
+      <p:ext uri="{BB962C8B-B14F-4D97-AF65-F5344CB8AC3E}">
+        <p14:creationId xmlns:p14="http://schemas.microsoft.com/office/powerpoint/2010/main" val="3642663967"/>
+      </p:ext>
+    </p:extLst>
+  </p:cSld>
+  <p:clrMapOvr>
+    <a:masterClrMapping/>
+  </p:clrMapOvr>
+</p:notes>
+</file>
+
+<file path=ppt/notesSlides/notesSlide9.xml><?xml version="1.0" encoding="utf-8"?>
+<p:notes xmlns:a="http://schemas.openxmlformats.org/drawingml/2006/main" xmlns:r="http://schemas.openxmlformats.org/officeDocument/2006/relationships" xmlns:p="http://schemas.openxmlformats.org/presentationml/2006/main">
+  <p:cSld>
+    <p:spTree>
+      <p:nvGrpSpPr>
+        <p:cNvPr id="1" name=""/>
+        <p:cNvGrpSpPr/>
+        <p:nvPr/>
+      </p:nvGrpSpPr>
+      <p:grpSpPr>
+        <a:xfrm>
+          <a:off x="0" y="0"/>
+          <a:ext cx="0" cy="0"/>
+          <a:chOff x="0" y="0"/>
+          <a:chExt cx="0" cy="0"/>
+        </a:xfrm>
+      </p:grpSpPr>
+      <p:sp>
+        <p:nvSpPr>
+          <p:cNvPr id="2" name="Espace réservé de l'image des diapositives 1"/>
+          <p:cNvSpPr>
+            <a:spLocks noGrp="1" noRot="1" noChangeAspect="1"/>
+          </p:cNvSpPr>
+          <p:nvPr>
+            <p:ph type="sldImg"/>
+          </p:nvPr>
+        </p:nvSpPr>
+        <p:spPr/>
+      </p:sp>
+      <p:sp>
+        <p:nvSpPr>
+          <p:cNvPr id="3" name="Espace réservé des notes 2"/>
+          <p:cNvSpPr>
+            <a:spLocks noGrp="1"/>
+          </p:cNvSpPr>
+          <p:nvPr>
+            <p:ph type="body" idx="1"/>
+          </p:nvPr>
+        </p:nvSpPr>
+        <p:spPr/>
+        <p:txBody>
+          <a:bodyPr/>
+          <a:lstStyle/>
+          <a:p>
+            <a:endParaRPr lang="fr-FR" dirty="0"/>
+          </a:p>
+        </p:txBody>
+      </p:sp>
+      <p:sp>
+        <p:nvSpPr>
+          <p:cNvPr id="4" name="Espace réservé du numéro de diapositive 3"/>
+          <p:cNvSpPr>
+            <a:spLocks noGrp="1"/>
+          </p:cNvSpPr>
+          <p:nvPr>
+            <p:ph type="sldNum" sz="quarter" idx="5"/>
+          </p:nvPr>
+        </p:nvSpPr>
+        <p:spPr/>
+        <p:txBody>
+          <a:bodyPr/>
+          <a:lstStyle/>
+          <a:p>
+            <a:fld id="{31698029-4D65-5B41-A6D9-E9D164CD07D4}" type="slidenum">
+              <a:rPr lang="fr-FR" smtClean="0"/>
+              <a:t>23</a:t>
+            </a:fld>
+            <a:endParaRPr lang="fr-FR"/>
+          </a:p>
+        </p:txBody>
+      </p:sp>
+    </p:spTree>
+    <p:extLst>
+      <p:ext uri="{BB962C8B-B14F-4D97-AF65-F5344CB8AC3E}">
+        <p14:creationId xmlns:p14="http://schemas.microsoft.com/office/powerpoint/2010/main" val="2617117907"/>
       </p:ext>
     </p:extLst>
   </p:cSld>
@@ -7225,6 +7823,437 @@
 </p:sld>
 </file>
 
+<file path=ppt/slides/slide18.xml><?xml version="1.0" encoding="utf-8"?>
+<p:sld xmlns:a="http://schemas.openxmlformats.org/drawingml/2006/main" xmlns:r="http://schemas.openxmlformats.org/officeDocument/2006/relationships" xmlns:p="http://schemas.openxmlformats.org/presentationml/2006/main">
+  <p:cSld>
+    <p:spTree>
+      <p:nvGrpSpPr>
+        <p:cNvPr id="1" name=""/>
+        <p:cNvGrpSpPr/>
+        <p:nvPr/>
+      </p:nvGrpSpPr>
+      <p:grpSpPr>
+        <a:xfrm>
+          <a:off x="0" y="0"/>
+          <a:ext cx="0" cy="0"/>
+          <a:chOff x="0" y="0"/>
+          <a:chExt cx="0" cy="0"/>
+        </a:xfrm>
+      </p:grpSpPr>
+      <p:sp>
+        <p:nvSpPr>
+          <p:cNvPr id="2" name="Titre 1">
+            <a:extLst>
+              <a:ext uri="{FF2B5EF4-FFF2-40B4-BE49-F238E27FC236}">
+                <a16:creationId xmlns:a16="http://schemas.microsoft.com/office/drawing/2014/main" id="{0052C339-44E4-2CCB-491F-F17B93976516}"/>
+              </a:ext>
+            </a:extLst>
+          </p:cNvPr>
+          <p:cNvSpPr>
+            <a:spLocks noGrp="1"/>
+          </p:cNvSpPr>
+          <p:nvPr>
+            <p:ph type="title"/>
+          </p:nvPr>
+        </p:nvSpPr>
+        <p:spPr/>
+        <p:txBody>
+          <a:bodyPr/>
+          <a:lstStyle/>
+          <a:p>
+            <a:r>
+              <a:rPr lang="fr-FR" dirty="0"/>
+              <a:t>Ansible – Installation</a:t>
+            </a:r>
+          </a:p>
+        </p:txBody>
+      </p:sp>
+      <p:sp>
+        <p:nvSpPr>
+          <p:cNvPr id="3" name="Espace réservé du contenu 2">
+            <a:extLst>
+              <a:ext uri="{FF2B5EF4-FFF2-40B4-BE49-F238E27FC236}">
+                <a16:creationId xmlns:a16="http://schemas.microsoft.com/office/drawing/2014/main" id="{506492FB-61C6-7510-BC96-2B656A62CB21}"/>
+              </a:ext>
+            </a:extLst>
+          </p:cNvPr>
+          <p:cNvSpPr>
+            <a:spLocks noGrp="1"/>
+          </p:cNvSpPr>
+          <p:nvPr>
+            <p:ph idx="1"/>
+          </p:nvPr>
+        </p:nvSpPr>
+        <p:spPr/>
+        <p:txBody>
+          <a:bodyPr>
+            <a:normAutofit/>
+          </a:bodyPr>
+          <a:lstStyle/>
+          <a:p>
+            <a:r>
+              <a:rPr lang="fr-FR" dirty="0" err="1">
+                <a:solidFill>
+                  <a:srgbClr val="0E0E0E"/>
+                </a:solidFill>
+                <a:effectLst/>
+              </a:rPr>
+              <a:t>Pré-requis</a:t>
+            </a:r>
+            <a:r>
+              <a:rPr lang="fr-FR" dirty="0">
+                <a:solidFill>
+                  <a:srgbClr val="0E0E0E"/>
+                </a:solidFill>
+                <a:effectLst/>
+              </a:rPr>
+              <a:t> :</a:t>
+            </a:r>
+          </a:p>
+          <a:p>
+            <a:pPr lvl="1"/>
+            <a:r>
+              <a:rPr lang="fr-FR" b="1" dirty="0">
+                <a:solidFill>
+                  <a:srgbClr val="0E0E0E"/>
+                </a:solidFill>
+                <a:effectLst/>
+              </a:rPr>
+              <a:t>Système d’exploitation: </a:t>
+            </a:r>
+            <a:r>
+              <a:rPr lang="fr-FR" dirty="0">
+                <a:solidFill>
+                  <a:srgbClr val="0E0E0E"/>
+                </a:solidFill>
+                <a:effectLst/>
+              </a:rPr>
+              <a:t>Windows, Linux (Ubuntu, CentOS, etc.) ou </a:t>
+            </a:r>
+            <a:r>
+              <a:rPr lang="fr-FR" dirty="0" err="1">
+                <a:solidFill>
+                  <a:srgbClr val="0E0E0E"/>
+                </a:solidFill>
+                <a:effectLst/>
+              </a:rPr>
+              <a:t>macOS</a:t>
+            </a:r>
+            <a:endParaRPr lang="fr-FR" dirty="0">
+              <a:solidFill>
+                <a:srgbClr val="0E0E0E"/>
+              </a:solidFill>
+              <a:effectLst/>
+            </a:endParaRPr>
+          </a:p>
+          <a:p>
+            <a:pPr lvl="1"/>
+            <a:r>
+              <a:rPr lang="fr-FR" b="1" dirty="0">
+                <a:solidFill>
+                  <a:srgbClr val="0E0E0E"/>
+                </a:solidFill>
+                <a:effectLst/>
+              </a:rPr>
+              <a:t>Python 3:</a:t>
+            </a:r>
+            <a:r>
+              <a:rPr lang="fr-FR" dirty="0">
+                <a:solidFill>
+                  <a:srgbClr val="0E0E0E"/>
+                </a:solidFill>
+                <a:effectLst/>
+              </a:rPr>
+              <a:t> Ansible nécessite Python 3 ou &gt;. Sur la plupart des systèmes, Python est déjà installé.</a:t>
+            </a:r>
+          </a:p>
+          <a:p>
+            <a:pPr marL="0" indent="0">
+              <a:buNone/>
+            </a:pPr>
+            <a:endParaRPr lang="fr-FR" dirty="0"/>
+          </a:p>
+          <a:p>
+            <a:r>
+              <a:rPr lang="fr-FR" dirty="0"/>
+              <a:t>Guide d’installation :</a:t>
+            </a:r>
+          </a:p>
+          <a:p>
+            <a:pPr lvl="1"/>
+            <a:r>
+              <a:rPr lang="fr-FR" dirty="0">
+                <a:hlinkClick r:id="rId2"/>
+              </a:rPr>
+              <a:t>https://docs.ansible.com/ansible/latest/installation_guide/intro_installation.html</a:t>
+            </a:r>
+            <a:r>
+              <a:rPr lang="fr-FR" dirty="0"/>
+              <a:t> </a:t>
+            </a:r>
+          </a:p>
+        </p:txBody>
+      </p:sp>
+      <p:pic>
+        <p:nvPicPr>
+          <p:cNvPr id="5" name="Image 4">
+            <a:extLst>
+              <a:ext uri="{FF2B5EF4-FFF2-40B4-BE49-F238E27FC236}">
+                <a16:creationId xmlns:a16="http://schemas.microsoft.com/office/drawing/2014/main" id="{7C8F72B6-2777-62C8-C7DE-C62E19F98793}"/>
+              </a:ext>
+            </a:extLst>
+          </p:cNvPr>
+          <p:cNvPicPr>
+            <a:picLocks noChangeAspect="1"/>
+          </p:cNvPicPr>
+          <p:nvPr/>
+        </p:nvPicPr>
+        <p:blipFill>
+          <a:blip r:embed="rId3"/>
+          <a:stretch>
+            <a:fillRect/>
+          </a:stretch>
+        </p:blipFill>
+        <p:spPr>
+          <a:xfrm>
+            <a:off x="10312850" y="666694"/>
+            <a:ext cx="1129289" cy="1129289"/>
+          </a:xfrm>
+          <a:prstGeom prst="rect">
+            <a:avLst/>
+          </a:prstGeom>
+        </p:spPr>
+      </p:pic>
+    </p:spTree>
+    <p:extLst>
+      <p:ext uri="{BB962C8B-B14F-4D97-AF65-F5344CB8AC3E}">
+        <p14:creationId xmlns:p14="http://schemas.microsoft.com/office/powerpoint/2010/main" val="4195556847"/>
+      </p:ext>
+    </p:extLst>
+  </p:cSld>
+  <p:clrMapOvr>
+    <a:masterClrMapping/>
+  </p:clrMapOvr>
+</p:sld>
+</file>
+
+<file path=ppt/slides/slide19.xml><?xml version="1.0" encoding="utf-8"?>
+<p:sld xmlns:a="http://schemas.openxmlformats.org/drawingml/2006/main" xmlns:r="http://schemas.openxmlformats.org/officeDocument/2006/relationships" xmlns:p="http://schemas.openxmlformats.org/presentationml/2006/main">
+  <p:cSld>
+    <p:spTree>
+      <p:nvGrpSpPr>
+        <p:cNvPr id="1" name=""/>
+        <p:cNvGrpSpPr/>
+        <p:nvPr/>
+      </p:nvGrpSpPr>
+      <p:grpSpPr>
+        <a:xfrm>
+          <a:off x="0" y="0"/>
+          <a:ext cx="0" cy="0"/>
+          <a:chOff x="0" y="0"/>
+          <a:chExt cx="0" cy="0"/>
+        </a:xfrm>
+      </p:grpSpPr>
+      <p:sp>
+        <p:nvSpPr>
+          <p:cNvPr id="2" name="Titre 1">
+            <a:extLst>
+              <a:ext uri="{FF2B5EF4-FFF2-40B4-BE49-F238E27FC236}">
+                <a16:creationId xmlns:a16="http://schemas.microsoft.com/office/drawing/2014/main" id="{0052C339-44E4-2CCB-491F-F17B93976516}"/>
+              </a:ext>
+            </a:extLst>
+          </p:cNvPr>
+          <p:cNvSpPr>
+            <a:spLocks noGrp="1"/>
+          </p:cNvSpPr>
+          <p:nvPr>
+            <p:ph type="title"/>
+          </p:nvPr>
+        </p:nvSpPr>
+        <p:spPr/>
+        <p:txBody>
+          <a:bodyPr/>
+          <a:lstStyle/>
+          <a:p>
+            <a:r>
+              <a:rPr lang="fr-FR" dirty="0"/>
+              <a:t>Ansible - Introduction</a:t>
+            </a:r>
+          </a:p>
+        </p:txBody>
+      </p:sp>
+      <p:sp>
+        <p:nvSpPr>
+          <p:cNvPr id="3" name="Espace réservé du contenu 2">
+            <a:extLst>
+              <a:ext uri="{FF2B5EF4-FFF2-40B4-BE49-F238E27FC236}">
+                <a16:creationId xmlns:a16="http://schemas.microsoft.com/office/drawing/2014/main" id="{506492FB-61C6-7510-BC96-2B656A62CB21}"/>
+              </a:ext>
+            </a:extLst>
+          </p:cNvPr>
+          <p:cNvSpPr>
+            <a:spLocks noGrp="1"/>
+          </p:cNvSpPr>
+          <p:nvPr>
+            <p:ph idx="1"/>
+          </p:nvPr>
+        </p:nvSpPr>
+        <p:spPr/>
+        <p:txBody>
+          <a:bodyPr>
+            <a:normAutofit fontScale="92500" lnSpcReduction="10000"/>
+          </a:bodyPr>
+          <a:lstStyle/>
+          <a:p>
+            <a:r>
+              <a:rPr lang="fr-FR" dirty="0">
+                <a:solidFill>
+                  <a:srgbClr val="0E0E0E"/>
+                </a:solidFill>
+                <a:effectLst/>
+              </a:rPr>
+              <a:t>Ansible est un outil open-source d’automatisation de l’infrastructure, utilisé pour la gestion de la configuration, le déploiement d’applications, et l’orchestration.</a:t>
+            </a:r>
+          </a:p>
+          <a:p>
+            <a:r>
+              <a:rPr lang="fr-FR" dirty="0">
+                <a:solidFill>
+                  <a:srgbClr val="0E0E0E"/>
+                </a:solidFill>
+                <a:effectLst/>
+              </a:rPr>
+              <a:t>Ansible est </a:t>
+            </a:r>
+            <a:r>
+              <a:rPr lang="fr-FR" dirty="0" err="1">
+                <a:solidFill>
+                  <a:srgbClr val="0E0E0E"/>
+                </a:solidFill>
+                <a:effectLst/>
+              </a:rPr>
+              <a:t>agentless</a:t>
+            </a:r>
+            <a:r>
+              <a:rPr lang="fr-FR" dirty="0">
+                <a:solidFill>
+                  <a:srgbClr val="0E0E0E"/>
+                </a:solidFill>
+                <a:effectLst/>
+              </a:rPr>
+              <a:t> (sans agent) : il n’y a pas besoin d’installer de logiciel sur les serveurs gérés, car il utilise SSH pour les connexions.</a:t>
+            </a:r>
+          </a:p>
+          <a:p>
+            <a:endParaRPr lang="fr-FR" dirty="0"/>
+          </a:p>
+          <a:p>
+            <a:r>
+              <a:rPr lang="fr-FR" b="1" dirty="0">
+                <a:solidFill>
+                  <a:srgbClr val="0E0E0E"/>
+                </a:solidFill>
+                <a:effectLst/>
+              </a:rPr>
+              <a:t>Fonctionnement :</a:t>
+            </a:r>
+            <a:endParaRPr lang="fr-FR" dirty="0">
+              <a:solidFill>
+                <a:srgbClr val="0E0E0E"/>
+              </a:solidFill>
+              <a:effectLst/>
+            </a:endParaRPr>
+          </a:p>
+          <a:p>
+            <a:pPr lvl="1"/>
+            <a:r>
+              <a:rPr lang="fr-FR" dirty="0">
+                <a:solidFill>
+                  <a:srgbClr val="0E0E0E"/>
+                </a:solidFill>
+                <a:effectLst/>
+              </a:rPr>
+              <a:t>Ansible exécute des “</a:t>
+            </a:r>
+            <a:r>
+              <a:rPr lang="fr-FR" dirty="0" err="1">
+                <a:solidFill>
+                  <a:srgbClr val="0E0E0E"/>
+                </a:solidFill>
+                <a:effectLst/>
+              </a:rPr>
+              <a:t>playbooks</a:t>
+            </a:r>
+            <a:r>
+              <a:rPr lang="fr-FR" dirty="0">
+                <a:solidFill>
+                  <a:srgbClr val="0E0E0E"/>
+                </a:solidFill>
+                <a:effectLst/>
+              </a:rPr>
+              <a:t>” écrits en YAML, un langage simple et lisible par l’humain, pour définir l’état désiré des systèmes.</a:t>
+            </a:r>
+          </a:p>
+          <a:p>
+            <a:pPr lvl="1"/>
+            <a:r>
+              <a:rPr lang="fr-FR" dirty="0">
+                <a:solidFill>
+                  <a:srgbClr val="0E0E0E"/>
+                </a:solidFill>
+                <a:effectLst/>
+              </a:rPr>
+              <a:t>Il peut gérer des milliers de machines en parallèle, automatisant les tâches répétitives et réduisant les erreurs humaines.</a:t>
+            </a:r>
+          </a:p>
+          <a:p>
+            <a:endParaRPr lang="fr-FR" dirty="0"/>
+          </a:p>
+        </p:txBody>
+      </p:sp>
+      <p:pic>
+        <p:nvPicPr>
+          <p:cNvPr id="5" name="Image 4">
+            <a:extLst>
+              <a:ext uri="{FF2B5EF4-FFF2-40B4-BE49-F238E27FC236}">
+                <a16:creationId xmlns:a16="http://schemas.microsoft.com/office/drawing/2014/main" id="{7C8F72B6-2777-62C8-C7DE-C62E19F98793}"/>
+              </a:ext>
+            </a:extLst>
+          </p:cNvPr>
+          <p:cNvPicPr>
+            <a:picLocks noChangeAspect="1"/>
+          </p:cNvPicPr>
+          <p:nvPr/>
+        </p:nvPicPr>
+        <p:blipFill>
+          <a:blip r:embed="rId2"/>
+          <a:stretch>
+            <a:fillRect/>
+          </a:stretch>
+        </p:blipFill>
+        <p:spPr>
+          <a:xfrm>
+            <a:off x="10312850" y="666694"/>
+            <a:ext cx="1129289" cy="1129289"/>
+          </a:xfrm>
+          <a:prstGeom prst="rect">
+            <a:avLst/>
+          </a:prstGeom>
+        </p:spPr>
+      </p:pic>
+    </p:spTree>
+    <p:extLst>
+      <p:ext uri="{BB962C8B-B14F-4D97-AF65-F5344CB8AC3E}">
+        <p14:creationId xmlns:p14="http://schemas.microsoft.com/office/powerpoint/2010/main" val="3187777600"/>
+      </p:ext>
+    </p:extLst>
+  </p:cSld>
+  <p:clrMapOvr>
+    <a:masterClrMapping/>
+  </p:clrMapOvr>
+</p:sld>
+</file>
+
 <file path=ppt/slides/slide2.xml><?xml version="1.0" encoding="utf-8"?>
 <p:sld xmlns:a="http://schemas.openxmlformats.org/drawingml/2006/main" xmlns:r="http://schemas.openxmlformats.org/officeDocument/2006/relationships" xmlns:p="http://schemas.openxmlformats.org/presentationml/2006/main">
   <p:cSld>
@@ -7395,6 +8424,2609 @@
     <p:extLst>
       <p:ext uri="{BB962C8B-B14F-4D97-AF65-F5344CB8AC3E}">
         <p14:creationId xmlns:p14="http://schemas.microsoft.com/office/powerpoint/2010/main" val="3584391082"/>
+      </p:ext>
+    </p:extLst>
+  </p:cSld>
+  <p:clrMapOvr>
+    <a:masterClrMapping/>
+  </p:clrMapOvr>
+</p:sld>
+</file>
+
+<file path=ppt/slides/slide20.xml><?xml version="1.0" encoding="utf-8"?>
+<p:sld xmlns:a="http://schemas.openxmlformats.org/drawingml/2006/main" xmlns:r="http://schemas.openxmlformats.org/officeDocument/2006/relationships" xmlns:p="http://schemas.openxmlformats.org/presentationml/2006/main">
+  <p:cSld>
+    <p:spTree>
+      <p:nvGrpSpPr>
+        <p:cNvPr id="1" name=""/>
+        <p:cNvGrpSpPr/>
+        <p:nvPr/>
+      </p:nvGrpSpPr>
+      <p:grpSpPr>
+        <a:xfrm>
+          <a:off x="0" y="0"/>
+          <a:ext cx="0" cy="0"/>
+          <a:chOff x="0" y="0"/>
+          <a:chExt cx="0" cy="0"/>
+        </a:xfrm>
+      </p:grpSpPr>
+      <p:sp>
+        <p:nvSpPr>
+          <p:cNvPr id="2" name="Titre 1">
+            <a:extLst>
+              <a:ext uri="{FF2B5EF4-FFF2-40B4-BE49-F238E27FC236}">
+                <a16:creationId xmlns:a16="http://schemas.microsoft.com/office/drawing/2014/main" id="{0052C339-44E4-2CCB-491F-F17B93976516}"/>
+              </a:ext>
+            </a:extLst>
+          </p:cNvPr>
+          <p:cNvSpPr>
+            <a:spLocks noGrp="1"/>
+          </p:cNvSpPr>
+          <p:nvPr>
+            <p:ph type="title"/>
+          </p:nvPr>
+        </p:nvSpPr>
+        <p:spPr/>
+        <p:txBody>
+          <a:bodyPr/>
+          <a:lstStyle/>
+          <a:p>
+            <a:r>
+              <a:rPr lang="fr-FR" dirty="0"/>
+              <a:t>Ansible – Pourquoi l’utiliser ?</a:t>
+            </a:r>
+          </a:p>
+        </p:txBody>
+      </p:sp>
+      <p:sp>
+        <p:nvSpPr>
+          <p:cNvPr id="3" name="Espace réservé du contenu 2">
+            <a:extLst>
+              <a:ext uri="{FF2B5EF4-FFF2-40B4-BE49-F238E27FC236}">
+                <a16:creationId xmlns:a16="http://schemas.microsoft.com/office/drawing/2014/main" id="{506492FB-61C6-7510-BC96-2B656A62CB21}"/>
+              </a:ext>
+            </a:extLst>
+          </p:cNvPr>
+          <p:cNvSpPr>
+            <a:spLocks noGrp="1"/>
+          </p:cNvSpPr>
+          <p:nvPr>
+            <p:ph idx="1"/>
+          </p:nvPr>
+        </p:nvSpPr>
+        <p:spPr/>
+        <p:txBody>
+          <a:bodyPr>
+            <a:normAutofit fontScale="85000" lnSpcReduction="10000"/>
+          </a:bodyPr>
+          <a:lstStyle/>
+          <a:p>
+            <a:r>
+              <a:rPr lang="fr-FR" b="1" dirty="0">
+                <a:solidFill>
+                  <a:srgbClr val="0E0E0E"/>
+                </a:solidFill>
+                <a:effectLst/>
+              </a:rPr>
+              <a:t>Simplicité :</a:t>
+            </a:r>
+            <a:endParaRPr lang="fr-FR" dirty="0">
+              <a:solidFill>
+                <a:srgbClr val="0E0E0E"/>
+              </a:solidFill>
+              <a:effectLst/>
+            </a:endParaRPr>
+          </a:p>
+          <a:p>
+            <a:pPr lvl="1"/>
+            <a:r>
+              <a:rPr lang="fr-FR" dirty="0">
+                <a:solidFill>
+                  <a:srgbClr val="0E0E0E"/>
+                </a:solidFill>
+                <a:effectLst/>
+              </a:rPr>
+              <a:t>Ansible est facile à installer et à utiliser, avec une courbe d’apprentissage douce. Il n’y a pas besoin de connaissances approfondies en programmation.</a:t>
+            </a:r>
+          </a:p>
+          <a:p>
+            <a:r>
+              <a:rPr lang="fr-FR" b="1" dirty="0" err="1">
+                <a:solidFill>
+                  <a:srgbClr val="0E0E0E"/>
+                </a:solidFill>
+                <a:effectLst/>
+              </a:rPr>
+              <a:t>Agentless</a:t>
+            </a:r>
+            <a:r>
+              <a:rPr lang="fr-FR" b="1" dirty="0">
+                <a:solidFill>
+                  <a:srgbClr val="0E0E0E"/>
+                </a:solidFill>
+                <a:effectLst/>
+              </a:rPr>
+              <a:t> :</a:t>
+            </a:r>
+            <a:endParaRPr lang="fr-FR" dirty="0">
+              <a:solidFill>
+                <a:srgbClr val="0E0E0E"/>
+              </a:solidFill>
+              <a:effectLst/>
+            </a:endParaRPr>
+          </a:p>
+          <a:p>
+            <a:pPr lvl="1"/>
+            <a:r>
+              <a:rPr lang="fr-FR" dirty="0">
+                <a:solidFill>
+                  <a:srgbClr val="0E0E0E"/>
+                </a:solidFill>
+                <a:effectLst/>
+              </a:rPr>
+              <a:t>Contrairement à d’autres outils, Ansible ne nécessite pas d’agent sur les serveurs gérés. Il utilise SSH pour se connecter aux hôtes, simplifiant ainsi la gestion.</a:t>
+            </a:r>
+          </a:p>
+          <a:p>
+            <a:r>
+              <a:rPr lang="fr-FR" b="1" dirty="0">
+                <a:solidFill>
+                  <a:srgbClr val="0E0E0E"/>
+                </a:solidFill>
+                <a:effectLst/>
+              </a:rPr>
+              <a:t>Idempotence :</a:t>
+            </a:r>
+            <a:endParaRPr lang="fr-FR" dirty="0">
+              <a:solidFill>
+                <a:srgbClr val="0E0E0E"/>
+              </a:solidFill>
+              <a:effectLst/>
+            </a:endParaRPr>
+          </a:p>
+          <a:p>
+            <a:pPr lvl="1"/>
+            <a:r>
+              <a:rPr lang="fr-FR" dirty="0">
+                <a:solidFill>
+                  <a:srgbClr val="0E0E0E"/>
+                </a:solidFill>
+                <a:effectLst/>
+              </a:rPr>
+              <a:t>Ansible garantit que les tâches sont idempotentes, ce qui signifie que vous pouvez exécuter un </a:t>
+            </a:r>
+            <a:r>
+              <a:rPr lang="fr-FR" dirty="0" err="1">
+                <a:solidFill>
+                  <a:srgbClr val="0E0E0E"/>
+                </a:solidFill>
+                <a:effectLst/>
+              </a:rPr>
+              <a:t>playbook</a:t>
+            </a:r>
+            <a:r>
+              <a:rPr lang="fr-FR" dirty="0">
+                <a:solidFill>
+                  <a:srgbClr val="0E0E0E"/>
+                </a:solidFill>
+                <a:effectLst/>
+              </a:rPr>
+              <a:t> plusieurs fois sans changer l’état des systèmes s’ils sont déjà configurés correctement.</a:t>
+            </a:r>
+          </a:p>
+          <a:p>
+            <a:r>
+              <a:rPr lang="fr-FR" b="1" dirty="0">
+                <a:solidFill>
+                  <a:srgbClr val="0E0E0E"/>
+                </a:solidFill>
+                <a:effectLst/>
+              </a:rPr>
+              <a:t>Grande communauté et intégration :</a:t>
+            </a:r>
+            <a:endParaRPr lang="fr-FR" dirty="0">
+              <a:solidFill>
+                <a:srgbClr val="0E0E0E"/>
+              </a:solidFill>
+              <a:effectLst/>
+            </a:endParaRPr>
+          </a:p>
+          <a:p>
+            <a:pPr lvl="1"/>
+            <a:r>
+              <a:rPr lang="fr-FR" dirty="0">
+                <a:solidFill>
+                  <a:srgbClr val="0E0E0E"/>
+                </a:solidFill>
+                <a:effectLst/>
+              </a:rPr>
+              <a:t>Large communauté open-source offrant des modules et des rôles prédéfinis pour un large éventail de tâches. Compatible avec de nombreux outils DevOps et services cloud.</a:t>
+            </a:r>
+          </a:p>
+        </p:txBody>
+      </p:sp>
+      <p:pic>
+        <p:nvPicPr>
+          <p:cNvPr id="5" name="Image 4">
+            <a:extLst>
+              <a:ext uri="{FF2B5EF4-FFF2-40B4-BE49-F238E27FC236}">
+                <a16:creationId xmlns:a16="http://schemas.microsoft.com/office/drawing/2014/main" id="{7C8F72B6-2777-62C8-C7DE-C62E19F98793}"/>
+              </a:ext>
+            </a:extLst>
+          </p:cNvPr>
+          <p:cNvPicPr>
+            <a:picLocks noChangeAspect="1"/>
+          </p:cNvPicPr>
+          <p:nvPr/>
+        </p:nvPicPr>
+        <p:blipFill>
+          <a:blip r:embed="rId3"/>
+          <a:stretch>
+            <a:fillRect/>
+          </a:stretch>
+        </p:blipFill>
+        <p:spPr>
+          <a:xfrm>
+            <a:off x="10312850" y="666694"/>
+            <a:ext cx="1129289" cy="1129289"/>
+          </a:xfrm>
+          <a:prstGeom prst="rect">
+            <a:avLst/>
+          </a:prstGeom>
+        </p:spPr>
+      </p:pic>
+    </p:spTree>
+    <p:extLst>
+      <p:ext uri="{BB962C8B-B14F-4D97-AF65-F5344CB8AC3E}">
+        <p14:creationId xmlns:p14="http://schemas.microsoft.com/office/powerpoint/2010/main" val="3574037060"/>
+      </p:ext>
+    </p:extLst>
+  </p:cSld>
+  <p:clrMapOvr>
+    <a:masterClrMapping/>
+  </p:clrMapOvr>
+</p:sld>
+</file>
+
+<file path=ppt/slides/slide21.xml><?xml version="1.0" encoding="utf-8"?>
+<p:sld xmlns:a="http://schemas.openxmlformats.org/drawingml/2006/main" xmlns:r="http://schemas.openxmlformats.org/officeDocument/2006/relationships" xmlns:p="http://schemas.openxmlformats.org/presentationml/2006/main">
+  <p:cSld>
+    <p:spTree>
+      <p:nvGrpSpPr>
+        <p:cNvPr id="1" name=""/>
+        <p:cNvGrpSpPr/>
+        <p:nvPr/>
+      </p:nvGrpSpPr>
+      <p:grpSpPr>
+        <a:xfrm>
+          <a:off x="0" y="0"/>
+          <a:ext cx="0" cy="0"/>
+          <a:chOff x="0" y="0"/>
+          <a:chExt cx="0" cy="0"/>
+        </a:xfrm>
+      </p:grpSpPr>
+      <p:sp>
+        <p:nvSpPr>
+          <p:cNvPr id="2" name="Titre 1">
+            <a:extLst>
+              <a:ext uri="{FF2B5EF4-FFF2-40B4-BE49-F238E27FC236}">
+                <a16:creationId xmlns:a16="http://schemas.microsoft.com/office/drawing/2014/main" id="{0052C339-44E4-2CCB-491F-F17B93976516}"/>
+              </a:ext>
+            </a:extLst>
+          </p:cNvPr>
+          <p:cNvSpPr>
+            <a:spLocks noGrp="1"/>
+          </p:cNvSpPr>
+          <p:nvPr>
+            <p:ph type="title"/>
+          </p:nvPr>
+        </p:nvSpPr>
+        <p:spPr/>
+        <p:txBody>
+          <a:bodyPr/>
+          <a:lstStyle/>
+          <a:p>
+            <a:r>
+              <a:rPr lang="fr-FR" dirty="0"/>
+              <a:t>Ansible – Structure du projet </a:t>
+            </a:r>
+          </a:p>
+        </p:txBody>
+      </p:sp>
+      <p:sp>
+        <p:nvSpPr>
+          <p:cNvPr id="3" name="Espace réservé du contenu 2">
+            <a:extLst>
+              <a:ext uri="{FF2B5EF4-FFF2-40B4-BE49-F238E27FC236}">
+                <a16:creationId xmlns:a16="http://schemas.microsoft.com/office/drawing/2014/main" id="{506492FB-61C6-7510-BC96-2B656A62CB21}"/>
+              </a:ext>
+            </a:extLst>
+          </p:cNvPr>
+          <p:cNvSpPr>
+            <a:spLocks noGrp="1"/>
+          </p:cNvSpPr>
+          <p:nvPr>
+            <p:ph idx="1"/>
+          </p:nvPr>
+        </p:nvSpPr>
+        <p:spPr/>
+        <p:txBody>
+          <a:bodyPr>
+            <a:normAutofit fontScale="92500" lnSpcReduction="20000"/>
+          </a:bodyPr>
+          <a:lstStyle/>
+          <a:p>
+            <a:r>
+              <a:rPr lang="fr-FR" b="1" dirty="0">
+                <a:solidFill>
+                  <a:srgbClr val="0E0E0E"/>
+                </a:solidFill>
+                <a:effectLst/>
+              </a:rPr>
+              <a:t>Inventory :</a:t>
+            </a:r>
+            <a:endParaRPr lang="fr-FR" dirty="0">
+              <a:solidFill>
+                <a:srgbClr val="0E0E0E"/>
+              </a:solidFill>
+              <a:effectLst/>
+            </a:endParaRPr>
+          </a:p>
+          <a:p>
+            <a:pPr lvl="1"/>
+            <a:r>
+              <a:rPr lang="fr-FR" dirty="0">
+                <a:solidFill>
+                  <a:srgbClr val="0E0E0E"/>
+                </a:solidFill>
+                <a:effectLst/>
+              </a:rPr>
+              <a:t>Fichier listant les serveurs gérés par Ansible, organisés en groupes (ex : </a:t>
+            </a:r>
+            <a:r>
+              <a:rPr lang="fr-FR" dirty="0" err="1">
+                <a:solidFill>
+                  <a:srgbClr val="0E0E0E"/>
+                </a:solidFill>
+                <a:effectLst/>
+              </a:rPr>
+              <a:t>webservers</a:t>
+            </a:r>
+            <a:r>
+              <a:rPr lang="fr-FR" dirty="0">
+                <a:solidFill>
+                  <a:srgbClr val="0E0E0E"/>
+                </a:solidFill>
+                <a:effectLst/>
+              </a:rPr>
+              <a:t>, </a:t>
+            </a:r>
+            <a:r>
+              <a:rPr lang="fr-FR" dirty="0" err="1">
+                <a:solidFill>
+                  <a:srgbClr val="0E0E0E"/>
+                </a:solidFill>
+                <a:effectLst/>
+              </a:rPr>
+              <a:t>dbservers</a:t>
+            </a:r>
+            <a:r>
+              <a:rPr lang="fr-FR" dirty="0">
+                <a:solidFill>
+                  <a:srgbClr val="0E0E0E"/>
+                </a:solidFill>
+                <a:effectLst/>
+              </a:rPr>
+              <a:t>).</a:t>
+            </a:r>
+          </a:p>
+          <a:p>
+            <a:r>
+              <a:rPr lang="fr-FR" b="1" dirty="0" err="1">
+                <a:solidFill>
+                  <a:srgbClr val="0E0E0E"/>
+                </a:solidFill>
+                <a:effectLst/>
+              </a:rPr>
+              <a:t>Playbook</a:t>
+            </a:r>
+            <a:r>
+              <a:rPr lang="fr-FR" b="1" dirty="0">
+                <a:solidFill>
+                  <a:srgbClr val="0E0E0E"/>
+                </a:solidFill>
+                <a:effectLst/>
+              </a:rPr>
+              <a:t> :</a:t>
+            </a:r>
+            <a:endParaRPr lang="fr-FR" dirty="0">
+              <a:solidFill>
+                <a:srgbClr val="0E0E0E"/>
+              </a:solidFill>
+              <a:effectLst/>
+            </a:endParaRPr>
+          </a:p>
+          <a:p>
+            <a:pPr lvl="1"/>
+            <a:r>
+              <a:rPr lang="fr-FR" dirty="0">
+                <a:solidFill>
+                  <a:srgbClr val="0E0E0E"/>
+                </a:solidFill>
+                <a:effectLst/>
+              </a:rPr>
+              <a:t>Document écrit en YAML décrivant les tâches à exécuter sur les serveurs. Contient une ou plusieurs “</a:t>
+            </a:r>
+            <a:r>
+              <a:rPr lang="fr-FR" dirty="0" err="1">
+                <a:solidFill>
+                  <a:srgbClr val="0E0E0E"/>
+                </a:solidFill>
+                <a:effectLst/>
+              </a:rPr>
+              <a:t>plays</a:t>
+            </a:r>
+            <a:r>
+              <a:rPr lang="fr-FR" dirty="0">
+                <a:solidFill>
+                  <a:srgbClr val="0E0E0E"/>
+                </a:solidFill>
+                <a:effectLst/>
+              </a:rPr>
+              <a:t>”, chacune ciblant un groupe d’hôtes.</a:t>
+            </a:r>
+          </a:p>
+          <a:p>
+            <a:r>
+              <a:rPr lang="fr-FR" b="1" dirty="0" err="1">
+                <a:solidFill>
+                  <a:srgbClr val="0E0E0E"/>
+                </a:solidFill>
+                <a:effectLst/>
+              </a:rPr>
+              <a:t>Roles</a:t>
+            </a:r>
+            <a:r>
+              <a:rPr lang="fr-FR" b="1" dirty="0">
+                <a:solidFill>
+                  <a:srgbClr val="0E0E0E"/>
+                </a:solidFill>
+                <a:effectLst/>
+              </a:rPr>
+              <a:t> :</a:t>
+            </a:r>
+            <a:endParaRPr lang="fr-FR" dirty="0">
+              <a:solidFill>
+                <a:srgbClr val="0E0E0E"/>
+              </a:solidFill>
+              <a:effectLst/>
+            </a:endParaRPr>
+          </a:p>
+          <a:p>
+            <a:pPr lvl="1"/>
+            <a:r>
+              <a:rPr lang="fr-FR" dirty="0">
+                <a:solidFill>
+                  <a:srgbClr val="0E0E0E"/>
+                </a:solidFill>
+                <a:effectLst/>
+              </a:rPr>
+              <a:t>Structure modulaire permettant de réutiliser des tâches, fichiers, </a:t>
+            </a:r>
+            <a:r>
+              <a:rPr lang="fr-FR" dirty="0" err="1">
+                <a:solidFill>
+                  <a:srgbClr val="0E0E0E"/>
+                </a:solidFill>
+                <a:effectLst/>
+              </a:rPr>
+              <a:t>templates</a:t>
+            </a:r>
+            <a:r>
+              <a:rPr lang="fr-FR" dirty="0">
+                <a:solidFill>
+                  <a:srgbClr val="0E0E0E"/>
+                </a:solidFill>
+                <a:effectLst/>
+              </a:rPr>
+              <a:t> et variables de manière organisée. Exemples : </a:t>
+            </a:r>
+            <a:r>
+              <a:rPr lang="fr-FR" dirty="0" err="1">
+                <a:solidFill>
+                  <a:srgbClr val="0E0E0E"/>
+                </a:solidFill>
+                <a:effectLst/>
+              </a:rPr>
+              <a:t>roles</a:t>
+            </a:r>
+            <a:r>
+              <a:rPr lang="fr-FR" dirty="0">
+                <a:solidFill>
+                  <a:srgbClr val="0E0E0E"/>
+                </a:solidFill>
+                <a:effectLst/>
+              </a:rPr>
+              <a:t>/web, </a:t>
+            </a:r>
+            <a:r>
+              <a:rPr lang="fr-FR" dirty="0" err="1">
+                <a:solidFill>
+                  <a:srgbClr val="0E0E0E"/>
+                </a:solidFill>
+                <a:effectLst/>
+              </a:rPr>
+              <a:t>roles</a:t>
+            </a:r>
+            <a:r>
+              <a:rPr lang="fr-FR" dirty="0">
+                <a:solidFill>
+                  <a:srgbClr val="0E0E0E"/>
+                </a:solidFill>
+                <a:effectLst/>
+              </a:rPr>
+              <a:t>/</a:t>
+            </a:r>
+            <a:r>
+              <a:rPr lang="fr-FR" dirty="0" err="1">
+                <a:solidFill>
+                  <a:srgbClr val="0E0E0E"/>
+                </a:solidFill>
+                <a:effectLst/>
+              </a:rPr>
+              <a:t>db</a:t>
+            </a:r>
+            <a:r>
+              <a:rPr lang="fr-FR" dirty="0">
+                <a:solidFill>
+                  <a:srgbClr val="0E0E0E"/>
+                </a:solidFill>
+                <a:effectLst/>
+              </a:rPr>
+              <a:t>.</a:t>
+            </a:r>
+          </a:p>
+          <a:p>
+            <a:r>
+              <a:rPr lang="fr-FR" b="1" dirty="0">
+                <a:solidFill>
+                  <a:srgbClr val="0E0E0E"/>
+                </a:solidFill>
+                <a:effectLst/>
+              </a:rPr>
+              <a:t>Configuration (</a:t>
+            </a:r>
+            <a:r>
+              <a:rPr lang="fr-FR" b="1" dirty="0" err="1">
+                <a:solidFill>
+                  <a:srgbClr val="0E0E0E"/>
+                </a:solidFill>
+                <a:effectLst/>
+              </a:rPr>
+              <a:t>ansible.cfg</a:t>
+            </a:r>
+            <a:r>
+              <a:rPr lang="fr-FR" b="1" dirty="0">
+                <a:solidFill>
+                  <a:srgbClr val="0E0E0E"/>
+                </a:solidFill>
+                <a:effectLst/>
+              </a:rPr>
+              <a:t>) :</a:t>
+            </a:r>
+            <a:endParaRPr lang="fr-FR" dirty="0">
+              <a:solidFill>
+                <a:srgbClr val="0E0E0E"/>
+              </a:solidFill>
+              <a:effectLst/>
+            </a:endParaRPr>
+          </a:p>
+          <a:p>
+            <a:pPr lvl="1"/>
+            <a:r>
+              <a:rPr lang="fr-FR" dirty="0">
+                <a:solidFill>
+                  <a:srgbClr val="0E0E0E"/>
+                </a:solidFill>
+                <a:effectLst/>
+              </a:rPr>
+              <a:t>Fichier de configuration globale définissant les options par défaut pour Ansible, comme l’inventaire à utiliser ou le comportement des privilèges.</a:t>
+            </a:r>
+          </a:p>
+        </p:txBody>
+      </p:sp>
+      <p:pic>
+        <p:nvPicPr>
+          <p:cNvPr id="5" name="Image 4">
+            <a:extLst>
+              <a:ext uri="{FF2B5EF4-FFF2-40B4-BE49-F238E27FC236}">
+                <a16:creationId xmlns:a16="http://schemas.microsoft.com/office/drawing/2014/main" id="{7C8F72B6-2777-62C8-C7DE-C62E19F98793}"/>
+              </a:ext>
+            </a:extLst>
+          </p:cNvPr>
+          <p:cNvPicPr>
+            <a:picLocks noChangeAspect="1"/>
+          </p:cNvPicPr>
+          <p:nvPr/>
+        </p:nvPicPr>
+        <p:blipFill>
+          <a:blip r:embed="rId3"/>
+          <a:stretch>
+            <a:fillRect/>
+          </a:stretch>
+        </p:blipFill>
+        <p:spPr>
+          <a:xfrm>
+            <a:off x="10312850" y="666694"/>
+            <a:ext cx="1129289" cy="1129289"/>
+          </a:xfrm>
+          <a:prstGeom prst="rect">
+            <a:avLst/>
+          </a:prstGeom>
+        </p:spPr>
+      </p:pic>
+    </p:spTree>
+    <p:extLst>
+      <p:ext uri="{BB962C8B-B14F-4D97-AF65-F5344CB8AC3E}">
+        <p14:creationId xmlns:p14="http://schemas.microsoft.com/office/powerpoint/2010/main" val="1673828116"/>
+      </p:ext>
+    </p:extLst>
+  </p:cSld>
+  <p:clrMapOvr>
+    <a:masterClrMapping/>
+  </p:clrMapOvr>
+</p:sld>
+</file>
+
+<file path=ppt/slides/slide22.xml><?xml version="1.0" encoding="utf-8"?>
+<p:sld xmlns:a="http://schemas.openxmlformats.org/drawingml/2006/main" xmlns:r="http://schemas.openxmlformats.org/officeDocument/2006/relationships" xmlns:p="http://schemas.openxmlformats.org/presentationml/2006/main">
+  <p:cSld>
+    <p:spTree>
+      <p:nvGrpSpPr>
+        <p:cNvPr id="1" name=""/>
+        <p:cNvGrpSpPr/>
+        <p:nvPr/>
+      </p:nvGrpSpPr>
+      <p:grpSpPr>
+        <a:xfrm>
+          <a:off x="0" y="0"/>
+          <a:ext cx="0" cy="0"/>
+          <a:chOff x="0" y="0"/>
+          <a:chExt cx="0" cy="0"/>
+        </a:xfrm>
+      </p:grpSpPr>
+      <p:sp>
+        <p:nvSpPr>
+          <p:cNvPr id="2" name="Titre 1">
+            <a:extLst>
+              <a:ext uri="{FF2B5EF4-FFF2-40B4-BE49-F238E27FC236}">
+                <a16:creationId xmlns:a16="http://schemas.microsoft.com/office/drawing/2014/main" id="{0052C339-44E4-2CCB-491F-F17B93976516}"/>
+              </a:ext>
+            </a:extLst>
+          </p:cNvPr>
+          <p:cNvSpPr>
+            <a:spLocks noGrp="1"/>
+          </p:cNvSpPr>
+          <p:nvPr>
+            <p:ph type="title"/>
+          </p:nvPr>
+        </p:nvSpPr>
+        <p:spPr/>
+        <p:txBody>
+          <a:bodyPr/>
+          <a:lstStyle/>
+          <a:p>
+            <a:r>
+              <a:rPr lang="fr-FR" dirty="0"/>
+              <a:t>Ansible – Inventory</a:t>
+            </a:r>
+          </a:p>
+        </p:txBody>
+      </p:sp>
+      <p:pic>
+        <p:nvPicPr>
+          <p:cNvPr id="4" name="Espace réservé du contenu 3">
+            <a:extLst>
+              <a:ext uri="{FF2B5EF4-FFF2-40B4-BE49-F238E27FC236}">
+                <a16:creationId xmlns:a16="http://schemas.microsoft.com/office/drawing/2014/main" id="{20719785-630E-FAAD-79D6-B38F0A692A2E}"/>
+              </a:ext>
+            </a:extLst>
+          </p:cNvPr>
+          <p:cNvPicPr>
+            <a:picLocks noGrp="1" noChangeAspect="1"/>
+          </p:cNvPicPr>
+          <p:nvPr>
+            <p:ph idx="1"/>
+          </p:nvPr>
+        </p:nvPicPr>
+        <p:blipFill>
+          <a:blip r:embed="rId3"/>
+          <a:stretch>
+            <a:fillRect/>
+          </a:stretch>
+        </p:blipFill>
+        <p:spPr>
+          <a:xfrm>
+            <a:off x="3204268" y="2751292"/>
+            <a:ext cx="5523820" cy="3218987"/>
+          </a:xfrm>
+          <a:prstGeom prst="rect">
+            <a:avLst/>
+          </a:prstGeom>
+        </p:spPr>
+      </p:pic>
+      <p:pic>
+        <p:nvPicPr>
+          <p:cNvPr id="5" name="Image 4">
+            <a:extLst>
+              <a:ext uri="{FF2B5EF4-FFF2-40B4-BE49-F238E27FC236}">
+                <a16:creationId xmlns:a16="http://schemas.microsoft.com/office/drawing/2014/main" id="{7C8F72B6-2777-62C8-C7DE-C62E19F98793}"/>
+              </a:ext>
+            </a:extLst>
+          </p:cNvPr>
+          <p:cNvPicPr>
+            <a:picLocks noChangeAspect="1"/>
+          </p:cNvPicPr>
+          <p:nvPr/>
+        </p:nvPicPr>
+        <p:blipFill>
+          <a:blip r:embed="rId4"/>
+          <a:stretch>
+            <a:fillRect/>
+          </a:stretch>
+        </p:blipFill>
+        <p:spPr>
+          <a:xfrm>
+            <a:off x="10312850" y="666694"/>
+            <a:ext cx="1129289" cy="1129289"/>
+          </a:xfrm>
+          <a:prstGeom prst="rect">
+            <a:avLst/>
+          </a:prstGeom>
+        </p:spPr>
+      </p:pic>
+      <p:sp>
+        <p:nvSpPr>
+          <p:cNvPr id="6" name="ZoneTexte 5">
+            <a:extLst>
+              <a:ext uri="{FF2B5EF4-FFF2-40B4-BE49-F238E27FC236}">
+                <a16:creationId xmlns:a16="http://schemas.microsoft.com/office/drawing/2014/main" id="{1B0675A7-1ACF-3536-8CD3-C90D49E92C99}"/>
+              </a:ext>
+            </a:extLst>
+          </p:cNvPr>
+          <p:cNvSpPr txBox="1"/>
+          <p:nvPr/>
+        </p:nvSpPr>
+        <p:spPr>
+          <a:xfrm>
+            <a:off x="1657028" y="2217218"/>
+            <a:ext cx="8877943" cy="646331"/>
+          </a:xfrm>
+          <a:prstGeom prst="rect">
+            <a:avLst/>
+          </a:prstGeom>
+          <a:noFill/>
+        </p:spPr>
+        <p:txBody>
+          <a:bodyPr wrap="none" rtlCol="0">
+            <a:spAutoFit/>
+          </a:bodyPr>
+          <a:lstStyle/>
+          <a:p>
+            <a:r>
+              <a:rPr lang="fr-FR" dirty="0">
+                <a:solidFill>
+                  <a:srgbClr val="0E0E0E"/>
+                </a:solidFill>
+                <a:effectLst/>
+              </a:rPr>
+              <a:t>Un fichier </a:t>
+            </a:r>
+            <a:r>
+              <a:rPr lang="fr-FR" dirty="0" err="1">
+                <a:solidFill>
+                  <a:srgbClr val="0E0E0E"/>
+                </a:solidFill>
+                <a:effectLst/>
+              </a:rPr>
+              <a:t>inventory.yml</a:t>
+            </a:r>
+            <a:r>
+              <a:rPr lang="fr-FR" dirty="0">
+                <a:solidFill>
+                  <a:srgbClr val="0E0E0E"/>
+                </a:solidFill>
+                <a:effectLst/>
+              </a:rPr>
+              <a:t> listant les serveurs gérés par Ansible, organisés en groupes.</a:t>
+            </a:r>
+          </a:p>
+          <a:p>
+            <a:endParaRPr lang="fr-FR" dirty="0"/>
+          </a:p>
+        </p:txBody>
+      </p:sp>
+    </p:spTree>
+    <p:extLst>
+      <p:ext uri="{BB962C8B-B14F-4D97-AF65-F5344CB8AC3E}">
+        <p14:creationId xmlns:p14="http://schemas.microsoft.com/office/powerpoint/2010/main" val="3178678691"/>
+      </p:ext>
+    </p:extLst>
+  </p:cSld>
+  <p:clrMapOvr>
+    <a:masterClrMapping/>
+  </p:clrMapOvr>
+</p:sld>
+</file>
+
+<file path=ppt/slides/slide23.xml><?xml version="1.0" encoding="utf-8"?>
+<p:sld xmlns:a="http://schemas.openxmlformats.org/drawingml/2006/main" xmlns:r="http://schemas.openxmlformats.org/officeDocument/2006/relationships" xmlns:p="http://schemas.openxmlformats.org/presentationml/2006/main">
+  <p:cSld>
+    <p:spTree>
+      <p:nvGrpSpPr>
+        <p:cNvPr id="1" name=""/>
+        <p:cNvGrpSpPr/>
+        <p:nvPr/>
+      </p:nvGrpSpPr>
+      <p:grpSpPr>
+        <a:xfrm>
+          <a:off x="0" y="0"/>
+          <a:ext cx="0" cy="0"/>
+          <a:chOff x="0" y="0"/>
+          <a:chExt cx="0" cy="0"/>
+        </a:xfrm>
+      </p:grpSpPr>
+      <p:sp>
+        <p:nvSpPr>
+          <p:cNvPr id="2" name="Titre 1">
+            <a:extLst>
+              <a:ext uri="{FF2B5EF4-FFF2-40B4-BE49-F238E27FC236}">
+                <a16:creationId xmlns:a16="http://schemas.microsoft.com/office/drawing/2014/main" id="{0052C339-44E4-2CCB-491F-F17B93976516}"/>
+              </a:ext>
+            </a:extLst>
+          </p:cNvPr>
+          <p:cNvSpPr>
+            <a:spLocks noGrp="1"/>
+          </p:cNvSpPr>
+          <p:nvPr>
+            <p:ph type="title"/>
+          </p:nvPr>
+        </p:nvSpPr>
+        <p:spPr/>
+        <p:txBody>
+          <a:bodyPr/>
+          <a:lstStyle/>
+          <a:p>
+            <a:r>
+              <a:rPr lang="fr-FR" dirty="0"/>
+              <a:t>Ansible – </a:t>
+            </a:r>
+            <a:r>
+              <a:rPr lang="fr-FR" dirty="0" err="1"/>
+              <a:t>Playbook</a:t>
+            </a:r>
+            <a:endParaRPr lang="fr-FR" dirty="0"/>
+          </a:p>
+        </p:txBody>
+      </p:sp>
+      <p:pic>
+        <p:nvPicPr>
+          <p:cNvPr id="4" name="Espace réservé du contenu 3">
+            <a:extLst>
+              <a:ext uri="{FF2B5EF4-FFF2-40B4-BE49-F238E27FC236}">
+                <a16:creationId xmlns:a16="http://schemas.microsoft.com/office/drawing/2014/main" id="{BB5743EF-13ED-5CAA-E040-61C5241A4572}"/>
+              </a:ext>
+            </a:extLst>
+          </p:cNvPr>
+          <p:cNvPicPr>
+            <a:picLocks noGrp="1" noChangeAspect="1"/>
+          </p:cNvPicPr>
+          <p:nvPr>
+            <p:ph idx="1"/>
+          </p:nvPr>
+        </p:nvPicPr>
+        <p:blipFill>
+          <a:blip r:embed="rId3"/>
+          <a:stretch>
+            <a:fillRect/>
+          </a:stretch>
+        </p:blipFill>
+        <p:spPr>
+          <a:xfrm>
+            <a:off x="2950558" y="2836758"/>
+            <a:ext cx="5356012" cy="3167534"/>
+          </a:xfrm>
+          <a:prstGeom prst="rect">
+            <a:avLst/>
+          </a:prstGeom>
+        </p:spPr>
+      </p:pic>
+      <p:pic>
+        <p:nvPicPr>
+          <p:cNvPr id="5" name="Image 4">
+            <a:extLst>
+              <a:ext uri="{FF2B5EF4-FFF2-40B4-BE49-F238E27FC236}">
+                <a16:creationId xmlns:a16="http://schemas.microsoft.com/office/drawing/2014/main" id="{7C8F72B6-2777-62C8-C7DE-C62E19F98793}"/>
+              </a:ext>
+            </a:extLst>
+          </p:cNvPr>
+          <p:cNvPicPr>
+            <a:picLocks noChangeAspect="1"/>
+          </p:cNvPicPr>
+          <p:nvPr/>
+        </p:nvPicPr>
+        <p:blipFill>
+          <a:blip r:embed="rId4"/>
+          <a:stretch>
+            <a:fillRect/>
+          </a:stretch>
+        </p:blipFill>
+        <p:spPr>
+          <a:xfrm>
+            <a:off x="10312850" y="666694"/>
+            <a:ext cx="1129289" cy="1129289"/>
+          </a:xfrm>
+          <a:prstGeom prst="rect">
+            <a:avLst/>
+          </a:prstGeom>
+        </p:spPr>
+      </p:pic>
+      <p:sp>
+        <p:nvSpPr>
+          <p:cNvPr id="6" name="ZoneTexte 5">
+            <a:extLst>
+              <a:ext uri="{FF2B5EF4-FFF2-40B4-BE49-F238E27FC236}">
+                <a16:creationId xmlns:a16="http://schemas.microsoft.com/office/drawing/2014/main" id="{57FE29B7-9B5B-9DB0-90FA-2800CCB48C4D}"/>
+              </a:ext>
+            </a:extLst>
+          </p:cNvPr>
+          <p:cNvSpPr txBox="1"/>
+          <p:nvPr/>
+        </p:nvSpPr>
+        <p:spPr>
+          <a:xfrm>
+            <a:off x="2132126" y="2273862"/>
+            <a:ext cx="6992876" cy="646331"/>
+          </a:xfrm>
+          <a:prstGeom prst="rect">
+            <a:avLst/>
+          </a:prstGeom>
+          <a:noFill/>
+        </p:spPr>
+        <p:txBody>
+          <a:bodyPr wrap="none" rtlCol="0">
+            <a:spAutoFit/>
+          </a:bodyPr>
+          <a:lstStyle/>
+          <a:p>
+            <a:r>
+              <a:rPr lang="fr-FR" dirty="0">
+                <a:solidFill>
+                  <a:srgbClr val="0E0E0E"/>
+                </a:solidFill>
+                <a:effectLst/>
+              </a:rPr>
+              <a:t>Un fichier </a:t>
+            </a:r>
+            <a:r>
+              <a:rPr lang="fr-FR" dirty="0" err="1">
+                <a:solidFill>
+                  <a:srgbClr val="0E0E0E"/>
+                </a:solidFill>
+                <a:effectLst/>
+              </a:rPr>
+              <a:t>site.yml</a:t>
+            </a:r>
+            <a:r>
+              <a:rPr lang="fr-FR" dirty="0">
+                <a:solidFill>
+                  <a:srgbClr val="0E0E0E"/>
+                </a:solidFill>
+                <a:effectLst/>
+              </a:rPr>
+              <a:t> qui décrit les tâches à exécuter sur les serveurs.</a:t>
+            </a:r>
+          </a:p>
+          <a:p>
+            <a:endParaRPr lang="fr-FR" dirty="0"/>
+          </a:p>
+        </p:txBody>
+      </p:sp>
+    </p:spTree>
+    <p:extLst>
+      <p:ext uri="{BB962C8B-B14F-4D97-AF65-F5344CB8AC3E}">
+        <p14:creationId xmlns:p14="http://schemas.microsoft.com/office/powerpoint/2010/main" val="543734266"/>
+      </p:ext>
+    </p:extLst>
+  </p:cSld>
+  <p:clrMapOvr>
+    <a:masterClrMapping/>
+  </p:clrMapOvr>
+</p:sld>
+</file>
+
+<file path=ppt/slides/slide24.xml><?xml version="1.0" encoding="utf-8"?>
+<p:sld xmlns:a="http://schemas.openxmlformats.org/drawingml/2006/main" xmlns:r="http://schemas.openxmlformats.org/officeDocument/2006/relationships" xmlns:p="http://schemas.openxmlformats.org/presentationml/2006/main">
+  <p:cSld>
+    <p:spTree>
+      <p:nvGrpSpPr>
+        <p:cNvPr id="1" name=""/>
+        <p:cNvGrpSpPr/>
+        <p:nvPr/>
+      </p:nvGrpSpPr>
+      <p:grpSpPr>
+        <a:xfrm>
+          <a:off x="0" y="0"/>
+          <a:ext cx="0" cy="0"/>
+          <a:chOff x="0" y="0"/>
+          <a:chExt cx="0" cy="0"/>
+        </a:xfrm>
+      </p:grpSpPr>
+      <p:sp>
+        <p:nvSpPr>
+          <p:cNvPr id="2" name="Titre 1">
+            <a:extLst>
+              <a:ext uri="{FF2B5EF4-FFF2-40B4-BE49-F238E27FC236}">
+                <a16:creationId xmlns:a16="http://schemas.microsoft.com/office/drawing/2014/main" id="{0052C339-44E4-2CCB-491F-F17B93976516}"/>
+              </a:ext>
+            </a:extLst>
+          </p:cNvPr>
+          <p:cNvSpPr>
+            <a:spLocks noGrp="1"/>
+          </p:cNvSpPr>
+          <p:nvPr>
+            <p:ph type="title"/>
+          </p:nvPr>
+        </p:nvSpPr>
+        <p:spPr/>
+        <p:txBody>
+          <a:bodyPr/>
+          <a:lstStyle/>
+          <a:p>
+            <a:r>
+              <a:rPr lang="fr-FR" dirty="0"/>
+              <a:t>Ansible – </a:t>
+            </a:r>
+            <a:r>
+              <a:rPr lang="fr-FR" dirty="0" err="1"/>
+              <a:t>Roles</a:t>
+            </a:r>
+            <a:endParaRPr lang="fr-FR" dirty="0"/>
+          </a:p>
+        </p:txBody>
+      </p:sp>
+      <p:pic>
+        <p:nvPicPr>
+          <p:cNvPr id="5" name="Image 4">
+            <a:extLst>
+              <a:ext uri="{FF2B5EF4-FFF2-40B4-BE49-F238E27FC236}">
+                <a16:creationId xmlns:a16="http://schemas.microsoft.com/office/drawing/2014/main" id="{7C8F72B6-2777-62C8-C7DE-C62E19F98793}"/>
+              </a:ext>
+            </a:extLst>
+          </p:cNvPr>
+          <p:cNvPicPr>
+            <a:picLocks noChangeAspect="1"/>
+          </p:cNvPicPr>
+          <p:nvPr/>
+        </p:nvPicPr>
+        <p:blipFill>
+          <a:blip r:embed="rId3"/>
+          <a:stretch>
+            <a:fillRect/>
+          </a:stretch>
+        </p:blipFill>
+        <p:spPr>
+          <a:xfrm>
+            <a:off x="10312850" y="666694"/>
+            <a:ext cx="1129289" cy="1129289"/>
+          </a:xfrm>
+          <a:prstGeom prst="rect">
+            <a:avLst/>
+          </a:prstGeom>
+        </p:spPr>
+      </p:pic>
+      <p:sp>
+        <p:nvSpPr>
+          <p:cNvPr id="6" name="Espace réservé du contenu 5">
+            <a:extLst>
+              <a:ext uri="{FF2B5EF4-FFF2-40B4-BE49-F238E27FC236}">
+                <a16:creationId xmlns:a16="http://schemas.microsoft.com/office/drawing/2014/main" id="{1155F5B7-7A0B-04B7-B8AE-6BF316E17BFF}"/>
+              </a:ext>
+            </a:extLst>
+          </p:cNvPr>
+          <p:cNvSpPr>
+            <a:spLocks noGrp="1"/>
+          </p:cNvSpPr>
+          <p:nvPr>
+            <p:ph idx="1"/>
+          </p:nvPr>
+        </p:nvSpPr>
+        <p:spPr>
+          <a:xfrm>
+            <a:off x="571499" y="2075688"/>
+            <a:ext cx="11059811" cy="904133"/>
+          </a:xfrm>
+        </p:spPr>
+        <p:txBody>
+          <a:bodyPr/>
+          <a:lstStyle/>
+          <a:p>
+            <a:r>
+              <a:rPr lang="fr-FR" dirty="0">
+                <a:solidFill>
+                  <a:srgbClr val="0E0E0E"/>
+                </a:solidFill>
+                <a:effectLst/>
+              </a:rPr>
+              <a:t>Structure modulaire permettant de réutiliser des tâches, fichiers, </a:t>
+            </a:r>
+            <a:r>
+              <a:rPr lang="fr-FR" dirty="0" err="1">
+                <a:solidFill>
+                  <a:srgbClr val="0E0E0E"/>
+                </a:solidFill>
+                <a:effectLst/>
+              </a:rPr>
+              <a:t>templates</a:t>
+            </a:r>
+            <a:r>
+              <a:rPr lang="fr-FR" dirty="0">
+                <a:solidFill>
+                  <a:srgbClr val="0E0E0E"/>
+                </a:solidFill>
+                <a:effectLst/>
+              </a:rPr>
+              <a:t>, et variables. Voici un exemple simple pour les rôles web et </a:t>
+            </a:r>
+            <a:r>
+              <a:rPr lang="fr-FR" dirty="0" err="1">
+                <a:solidFill>
+                  <a:srgbClr val="0E0E0E"/>
+                </a:solidFill>
+                <a:effectLst/>
+              </a:rPr>
+              <a:t>db</a:t>
+            </a:r>
+            <a:r>
+              <a:rPr lang="fr-FR" dirty="0">
+                <a:solidFill>
+                  <a:srgbClr val="0E0E0E"/>
+                </a:solidFill>
+                <a:effectLst/>
+              </a:rPr>
+              <a:t>.</a:t>
+            </a:r>
+          </a:p>
+          <a:p>
+            <a:endParaRPr lang="fr-FR" dirty="0"/>
+          </a:p>
+          <a:p>
+            <a:endParaRPr lang="fr-FR" dirty="0"/>
+          </a:p>
+        </p:txBody>
+      </p:sp>
+      <p:pic>
+        <p:nvPicPr>
+          <p:cNvPr id="7" name="Image 6">
+            <a:extLst>
+              <a:ext uri="{FF2B5EF4-FFF2-40B4-BE49-F238E27FC236}">
+                <a16:creationId xmlns:a16="http://schemas.microsoft.com/office/drawing/2014/main" id="{05F602DF-74BF-45BA-126A-87C9D61F1CC1}"/>
+              </a:ext>
+            </a:extLst>
+          </p:cNvPr>
+          <p:cNvPicPr>
+            <a:picLocks noChangeAspect="1"/>
+          </p:cNvPicPr>
+          <p:nvPr/>
+        </p:nvPicPr>
+        <p:blipFill>
+          <a:blip r:embed="rId4"/>
+          <a:stretch>
+            <a:fillRect/>
+          </a:stretch>
+        </p:blipFill>
+        <p:spPr>
+          <a:xfrm>
+            <a:off x="740015" y="4135799"/>
+            <a:ext cx="1945124" cy="1638460"/>
+          </a:xfrm>
+          <a:prstGeom prst="rect">
+            <a:avLst/>
+          </a:prstGeom>
+        </p:spPr>
+      </p:pic>
+      <p:pic>
+        <p:nvPicPr>
+          <p:cNvPr id="8" name="Image 7">
+            <a:extLst>
+              <a:ext uri="{FF2B5EF4-FFF2-40B4-BE49-F238E27FC236}">
+                <a16:creationId xmlns:a16="http://schemas.microsoft.com/office/drawing/2014/main" id="{E0B820C8-35FB-CD5F-5A96-F44D1A6600EB}"/>
+              </a:ext>
+            </a:extLst>
+          </p:cNvPr>
+          <p:cNvPicPr>
+            <a:picLocks noChangeAspect="1"/>
+          </p:cNvPicPr>
+          <p:nvPr/>
+        </p:nvPicPr>
+        <p:blipFill>
+          <a:blip r:embed="rId5"/>
+          <a:stretch>
+            <a:fillRect/>
+          </a:stretch>
+        </p:blipFill>
+        <p:spPr>
+          <a:xfrm>
+            <a:off x="2982646" y="3782399"/>
+            <a:ext cx="2313351" cy="2345259"/>
+          </a:xfrm>
+          <a:prstGeom prst="rect">
+            <a:avLst/>
+          </a:prstGeom>
+        </p:spPr>
+      </p:pic>
+      <p:pic>
+        <p:nvPicPr>
+          <p:cNvPr id="9" name="Image 8">
+            <a:extLst>
+              <a:ext uri="{FF2B5EF4-FFF2-40B4-BE49-F238E27FC236}">
+                <a16:creationId xmlns:a16="http://schemas.microsoft.com/office/drawing/2014/main" id="{89AE1296-BF59-6896-AAAA-9D86B5ACE6C4}"/>
+              </a:ext>
+            </a:extLst>
+          </p:cNvPr>
+          <p:cNvPicPr>
+            <a:picLocks noChangeAspect="1"/>
+          </p:cNvPicPr>
+          <p:nvPr/>
+        </p:nvPicPr>
+        <p:blipFill>
+          <a:blip r:embed="rId6"/>
+          <a:stretch>
+            <a:fillRect/>
+          </a:stretch>
+        </p:blipFill>
+        <p:spPr>
+          <a:xfrm>
+            <a:off x="5486670" y="3964791"/>
+            <a:ext cx="2671337" cy="1980474"/>
+          </a:xfrm>
+          <a:prstGeom prst="rect">
+            <a:avLst/>
+          </a:prstGeom>
+        </p:spPr>
+      </p:pic>
+      <p:pic>
+        <p:nvPicPr>
+          <p:cNvPr id="11" name="Image 10">
+            <a:extLst>
+              <a:ext uri="{FF2B5EF4-FFF2-40B4-BE49-F238E27FC236}">
+                <a16:creationId xmlns:a16="http://schemas.microsoft.com/office/drawing/2014/main" id="{3975DE1D-802D-4935-B2A6-81E376541CB1}"/>
+              </a:ext>
+            </a:extLst>
+          </p:cNvPr>
+          <p:cNvPicPr>
+            <a:picLocks noChangeAspect="1"/>
+          </p:cNvPicPr>
+          <p:nvPr/>
+        </p:nvPicPr>
+        <p:blipFill>
+          <a:blip r:embed="rId7"/>
+          <a:stretch>
+            <a:fillRect/>
+          </a:stretch>
+        </p:blipFill>
+        <p:spPr>
+          <a:xfrm>
+            <a:off x="8463606" y="3581586"/>
+            <a:ext cx="2870197" cy="1057441"/>
+          </a:xfrm>
+          <a:prstGeom prst="rect">
+            <a:avLst/>
+          </a:prstGeom>
+        </p:spPr>
+      </p:pic>
+      <p:pic>
+        <p:nvPicPr>
+          <p:cNvPr id="12" name="Image 11">
+            <a:extLst>
+              <a:ext uri="{FF2B5EF4-FFF2-40B4-BE49-F238E27FC236}">
+                <a16:creationId xmlns:a16="http://schemas.microsoft.com/office/drawing/2014/main" id="{18221613-0F4F-89F2-7B2F-F8582BF4EC00}"/>
+              </a:ext>
+            </a:extLst>
+          </p:cNvPr>
+          <p:cNvPicPr>
+            <a:picLocks noChangeAspect="1"/>
+          </p:cNvPicPr>
+          <p:nvPr/>
+        </p:nvPicPr>
+        <p:blipFill>
+          <a:blip r:embed="rId8"/>
+          <a:stretch>
+            <a:fillRect/>
+          </a:stretch>
+        </p:blipFill>
+        <p:spPr>
+          <a:xfrm>
+            <a:off x="8463606" y="5176668"/>
+            <a:ext cx="2760617" cy="889156"/>
+          </a:xfrm>
+          <a:prstGeom prst="rect">
+            <a:avLst/>
+          </a:prstGeom>
+        </p:spPr>
+      </p:pic>
+      <p:sp>
+        <p:nvSpPr>
+          <p:cNvPr id="13" name="ZoneTexte 12">
+            <a:extLst>
+              <a:ext uri="{FF2B5EF4-FFF2-40B4-BE49-F238E27FC236}">
+                <a16:creationId xmlns:a16="http://schemas.microsoft.com/office/drawing/2014/main" id="{462BB552-5899-E021-F942-35DF35F27F76}"/>
+              </a:ext>
+            </a:extLst>
+          </p:cNvPr>
+          <p:cNvSpPr txBox="1"/>
+          <p:nvPr/>
+        </p:nvSpPr>
+        <p:spPr>
+          <a:xfrm>
+            <a:off x="702404" y="3655441"/>
+            <a:ext cx="1974643" cy="646331"/>
+          </a:xfrm>
+          <a:prstGeom prst="rect">
+            <a:avLst/>
+          </a:prstGeom>
+          <a:noFill/>
+        </p:spPr>
+        <p:txBody>
+          <a:bodyPr wrap="none" rtlCol="0">
+            <a:spAutoFit/>
+          </a:bodyPr>
+          <a:lstStyle/>
+          <a:p>
+            <a:r>
+              <a:rPr lang="fr-FR" sz="1800" b="1" dirty="0">
+                <a:solidFill>
+                  <a:srgbClr val="0E0E0E"/>
+                </a:solidFill>
+                <a:effectLst/>
+                <a:latin typeface=".SF NS"/>
+              </a:rPr>
+              <a:t>Structure des rôles</a:t>
+            </a:r>
+            <a:endParaRPr lang="fr-FR" sz="1800" dirty="0">
+              <a:solidFill>
+                <a:srgbClr val="0E0E0E"/>
+              </a:solidFill>
+              <a:effectLst/>
+              <a:latin typeface=".SF NS"/>
+            </a:endParaRPr>
+          </a:p>
+          <a:p>
+            <a:endParaRPr lang="fr-FR" dirty="0"/>
+          </a:p>
+        </p:txBody>
+      </p:sp>
+      <p:sp>
+        <p:nvSpPr>
+          <p:cNvPr id="14" name="ZoneTexte 13">
+            <a:extLst>
+              <a:ext uri="{FF2B5EF4-FFF2-40B4-BE49-F238E27FC236}">
+                <a16:creationId xmlns:a16="http://schemas.microsoft.com/office/drawing/2014/main" id="{091E21A7-CE9D-977A-7CD1-8218B048A157}"/>
+              </a:ext>
+            </a:extLst>
+          </p:cNvPr>
+          <p:cNvSpPr txBox="1"/>
+          <p:nvPr/>
+        </p:nvSpPr>
+        <p:spPr>
+          <a:xfrm>
+            <a:off x="3249326" y="3454628"/>
+            <a:ext cx="1681871" cy="253916"/>
+          </a:xfrm>
+          <a:prstGeom prst="rect">
+            <a:avLst/>
+          </a:prstGeom>
+          <a:noFill/>
+        </p:spPr>
+        <p:txBody>
+          <a:bodyPr wrap="none" rtlCol="0">
+            <a:spAutoFit/>
+          </a:bodyPr>
+          <a:lstStyle/>
+          <a:p>
+            <a:r>
+              <a:rPr lang="fr-FR" sz="1050" b="1" dirty="0" err="1">
+                <a:solidFill>
+                  <a:srgbClr val="0E0E0E"/>
+                </a:solidFill>
+                <a:effectLst/>
+                <a:latin typeface=".SF NS"/>
+              </a:rPr>
+              <a:t>roles</a:t>
+            </a:r>
+            <a:r>
+              <a:rPr lang="fr-FR" sz="1050" b="1" dirty="0">
+                <a:solidFill>
+                  <a:srgbClr val="0E0E0E"/>
+                </a:solidFill>
+                <a:effectLst/>
+                <a:latin typeface=".SF NS"/>
+              </a:rPr>
+              <a:t>/web/</a:t>
+            </a:r>
+            <a:r>
+              <a:rPr lang="fr-FR" sz="1050" b="1" dirty="0" err="1">
+                <a:solidFill>
+                  <a:srgbClr val="0E0E0E"/>
+                </a:solidFill>
+                <a:effectLst/>
+                <a:latin typeface=".SF NS"/>
+              </a:rPr>
+              <a:t>tasks</a:t>
+            </a:r>
+            <a:r>
+              <a:rPr lang="fr-FR" sz="1050" b="1" dirty="0">
+                <a:solidFill>
+                  <a:srgbClr val="0E0E0E"/>
+                </a:solidFill>
+                <a:effectLst/>
+                <a:latin typeface=".SF NS"/>
+              </a:rPr>
+              <a:t>/</a:t>
+            </a:r>
+            <a:r>
+              <a:rPr lang="fr-FR" sz="1050" b="1" dirty="0" err="1">
+                <a:solidFill>
+                  <a:srgbClr val="0E0E0E"/>
+                </a:solidFill>
+                <a:effectLst/>
+                <a:latin typeface=".SF NS"/>
+              </a:rPr>
+              <a:t>main.yml</a:t>
+            </a:r>
+            <a:endParaRPr lang="fr-FR" sz="1050" dirty="0">
+              <a:solidFill>
+                <a:srgbClr val="0E0E0E"/>
+              </a:solidFill>
+              <a:effectLst/>
+              <a:latin typeface=".SF NS"/>
+            </a:endParaRPr>
+          </a:p>
+        </p:txBody>
+      </p:sp>
+      <p:sp>
+        <p:nvSpPr>
+          <p:cNvPr id="15" name="ZoneTexte 14">
+            <a:extLst>
+              <a:ext uri="{FF2B5EF4-FFF2-40B4-BE49-F238E27FC236}">
+                <a16:creationId xmlns:a16="http://schemas.microsoft.com/office/drawing/2014/main" id="{A0E9D47F-3237-84DC-986E-91AF5F279430}"/>
+              </a:ext>
+            </a:extLst>
+          </p:cNvPr>
+          <p:cNvSpPr txBox="1"/>
+          <p:nvPr/>
+        </p:nvSpPr>
+        <p:spPr>
+          <a:xfrm>
+            <a:off x="5924932" y="3655441"/>
+            <a:ext cx="1585690" cy="253916"/>
+          </a:xfrm>
+          <a:prstGeom prst="rect">
+            <a:avLst/>
+          </a:prstGeom>
+          <a:noFill/>
+        </p:spPr>
+        <p:txBody>
+          <a:bodyPr wrap="none" rtlCol="0">
+            <a:spAutoFit/>
+          </a:bodyPr>
+          <a:lstStyle/>
+          <a:p>
+            <a:r>
+              <a:rPr lang="fr-FR" sz="1050" b="1" dirty="0" err="1">
+                <a:solidFill>
+                  <a:srgbClr val="0E0E0E"/>
+                </a:solidFill>
+                <a:effectLst/>
+                <a:latin typeface=".SF NS"/>
+              </a:rPr>
+              <a:t>roles</a:t>
+            </a:r>
+            <a:r>
+              <a:rPr lang="fr-FR" sz="1050" b="1" dirty="0">
+                <a:solidFill>
+                  <a:srgbClr val="0E0E0E"/>
+                </a:solidFill>
+                <a:effectLst/>
+                <a:latin typeface=".SF NS"/>
+              </a:rPr>
+              <a:t>/</a:t>
+            </a:r>
+            <a:r>
+              <a:rPr lang="fr-FR" sz="1050" b="1" dirty="0" err="1">
+                <a:solidFill>
+                  <a:srgbClr val="0E0E0E"/>
+                </a:solidFill>
+                <a:effectLst/>
+                <a:latin typeface=".SF NS"/>
+              </a:rPr>
+              <a:t>db</a:t>
+            </a:r>
+            <a:r>
+              <a:rPr lang="fr-FR" sz="1050" b="1" dirty="0">
+                <a:solidFill>
+                  <a:srgbClr val="0E0E0E"/>
+                </a:solidFill>
+                <a:effectLst/>
+                <a:latin typeface=".SF NS"/>
+              </a:rPr>
+              <a:t>/</a:t>
+            </a:r>
+            <a:r>
+              <a:rPr lang="fr-FR" sz="1050" b="1" dirty="0" err="1">
+                <a:solidFill>
+                  <a:srgbClr val="0E0E0E"/>
+                </a:solidFill>
+                <a:effectLst/>
+                <a:latin typeface=".SF NS"/>
+              </a:rPr>
+              <a:t>tasks</a:t>
+            </a:r>
+            <a:r>
+              <a:rPr lang="fr-FR" sz="1050" b="1" dirty="0">
+                <a:solidFill>
+                  <a:srgbClr val="0E0E0E"/>
+                </a:solidFill>
+                <a:effectLst/>
+                <a:latin typeface=".SF NS"/>
+              </a:rPr>
+              <a:t>/</a:t>
+            </a:r>
+            <a:r>
+              <a:rPr lang="fr-FR" sz="1050" b="1" dirty="0" err="1">
+                <a:solidFill>
+                  <a:srgbClr val="0E0E0E"/>
+                </a:solidFill>
+                <a:effectLst/>
+                <a:latin typeface=".SF NS"/>
+              </a:rPr>
+              <a:t>main.yml</a:t>
+            </a:r>
+            <a:endParaRPr lang="fr-FR" sz="1050" dirty="0">
+              <a:solidFill>
+                <a:srgbClr val="0E0E0E"/>
+              </a:solidFill>
+              <a:effectLst/>
+              <a:latin typeface=".SF NS"/>
+            </a:endParaRPr>
+          </a:p>
+        </p:txBody>
+      </p:sp>
+      <p:sp>
+        <p:nvSpPr>
+          <p:cNvPr id="16" name="ZoneTexte 15">
+            <a:extLst>
+              <a:ext uri="{FF2B5EF4-FFF2-40B4-BE49-F238E27FC236}">
+                <a16:creationId xmlns:a16="http://schemas.microsoft.com/office/drawing/2014/main" id="{7071C7B4-EDF9-9753-2968-40025EF6BDD3}"/>
+              </a:ext>
+            </a:extLst>
+          </p:cNvPr>
+          <p:cNvSpPr txBox="1"/>
+          <p:nvPr/>
+        </p:nvSpPr>
+        <p:spPr>
+          <a:xfrm>
+            <a:off x="8568772" y="3226333"/>
+            <a:ext cx="2278188" cy="261610"/>
+          </a:xfrm>
+          <a:prstGeom prst="rect">
+            <a:avLst/>
+          </a:prstGeom>
+          <a:noFill/>
+        </p:spPr>
+        <p:txBody>
+          <a:bodyPr wrap="none" rtlCol="0">
+            <a:spAutoFit/>
+          </a:bodyPr>
+          <a:lstStyle/>
+          <a:p>
+            <a:r>
+              <a:rPr lang="fr-FR" sz="1100" b="1" dirty="0" err="1">
+                <a:solidFill>
+                  <a:srgbClr val="0E0E0E"/>
+                </a:solidFill>
+                <a:effectLst/>
+                <a:latin typeface=".SF NS"/>
+              </a:rPr>
+              <a:t>roles</a:t>
+            </a:r>
+            <a:r>
+              <a:rPr lang="fr-FR" sz="1100" b="1" dirty="0">
+                <a:solidFill>
+                  <a:srgbClr val="0E0E0E"/>
+                </a:solidFill>
+                <a:effectLst/>
+                <a:latin typeface=".SF NS"/>
+              </a:rPr>
+              <a:t>/web/</a:t>
+            </a:r>
+            <a:r>
+              <a:rPr lang="fr-FR" sz="1100" b="1" dirty="0" err="1">
+                <a:solidFill>
+                  <a:srgbClr val="0E0E0E"/>
+                </a:solidFill>
+                <a:effectLst/>
+                <a:latin typeface=".SF NS"/>
+              </a:rPr>
+              <a:t>templates</a:t>
+            </a:r>
+            <a:r>
+              <a:rPr lang="fr-FR" sz="1100" b="1" dirty="0">
+                <a:solidFill>
+                  <a:srgbClr val="0E0E0E"/>
+                </a:solidFill>
+                <a:effectLst/>
+                <a:latin typeface=".SF NS"/>
+              </a:rPr>
+              <a:t>/index.html.j2</a:t>
+            </a:r>
+            <a:endParaRPr lang="fr-FR" sz="1100" dirty="0">
+              <a:solidFill>
+                <a:srgbClr val="0E0E0E"/>
+              </a:solidFill>
+              <a:effectLst/>
+              <a:latin typeface=".SF NS"/>
+            </a:endParaRPr>
+          </a:p>
+        </p:txBody>
+      </p:sp>
+      <p:sp>
+        <p:nvSpPr>
+          <p:cNvPr id="17" name="ZoneTexte 16">
+            <a:extLst>
+              <a:ext uri="{FF2B5EF4-FFF2-40B4-BE49-F238E27FC236}">
+                <a16:creationId xmlns:a16="http://schemas.microsoft.com/office/drawing/2014/main" id="{D3EEBDD9-4515-8208-3A77-F18E9F0590BC}"/>
+              </a:ext>
+            </a:extLst>
+          </p:cNvPr>
+          <p:cNvSpPr txBox="1"/>
+          <p:nvPr/>
+        </p:nvSpPr>
+        <p:spPr>
+          <a:xfrm>
+            <a:off x="8941900" y="4893963"/>
+            <a:ext cx="1669047" cy="430887"/>
+          </a:xfrm>
+          <a:prstGeom prst="rect">
+            <a:avLst/>
+          </a:prstGeom>
+          <a:noFill/>
+        </p:spPr>
+        <p:txBody>
+          <a:bodyPr wrap="none" rtlCol="0">
+            <a:spAutoFit/>
+          </a:bodyPr>
+          <a:lstStyle/>
+          <a:p>
+            <a:r>
+              <a:rPr lang="fr-FR" sz="1100" b="1" dirty="0" err="1">
+                <a:solidFill>
+                  <a:srgbClr val="0E0E0E"/>
+                </a:solidFill>
+                <a:effectLst/>
+                <a:latin typeface=".SF NS"/>
+              </a:rPr>
+              <a:t>roles</a:t>
+            </a:r>
+            <a:r>
+              <a:rPr lang="fr-FR" sz="1100" b="1" dirty="0">
+                <a:solidFill>
+                  <a:srgbClr val="0E0E0E"/>
+                </a:solidFill>
+                <a:effectLst/>
+                <a:latin typeface=".SF NS"/>
+              </a:rPr>
+              <a:t>/</a:t>
+            </a:r>
+            <a:r>
+              <a:rPr lang="fr-FR" sz="1100" b="1" dirty="0" err="1">
+                <a:solidFill>
+                  <a:srgbClr val="0E0E0E"/>
+                </a:solidFill>
+                <a:effectLst/>
+                <a:latin typeface=".SF NS"/>
+              </a:rPr>
+              <a:t>db</a:t>
+            </a:r>
+            <a:r>
+              <a:rPr lang="fr-FR" sz="1100" b="1" dirty="0">
+                <a:solidFill>
+                  <a:srgbClr val="0E0E0E"/>
+                </a:solidFill>
+                <a:effectLst/>
+                <a:latin typeface=".SF NS"/>
+              </a:rPr>
+              <a:t>/vars/</a:t>
+            </a:r>
+            <a:r>
+              <a:rPr lang="fr-FR" sz="1100" b="1" dirty="0" err="1">
+                <a:solidFill>
+                  <a:srgbClr val="0E0E0E"/>
+                </a:solidFill>
+                <a:effectLst/>
+                <a:latin typeface=".SF NS"/>
+              </a:rPr>
+              <a:t>main.yml</a:t>
+            </a:r>
+            <a:r>
+              <a:rPr lang="fr-FR" sz="1100" b="1" dirty="0">
+                <a:solidFill>
+                  <a:srgbClr val="0E0E0E"/>
+                </a:solidFill>
+                <a:effectLst/>
+                <a:latin typeface=".SF NS"/>
+              </a:rPr>
+              <a:t> :</a:t>
+            </a:r>
+            <a:endParaRPr lang="fr-FR" sz="1100" dirty="0">
+              <a:solidFill>
+                <a:srgbClr val="0E0E0E"/>
+              </a:solidFill>
+              <a:effectLst/>
+              <a:latin typeface=".SF NS"/>
+            </a:endParaRPr>
+          </a:p>
+          <a:p>
+            <a:endParaRPr lang="fr-FR" sz="1100" dirty="0"/>
+          </a:p>
+        </p:txBody>
+      </p:sp>
+    </p:spTree>
+    <p:extLst>
+      <p:ext uri="{BB962C8B-B14F-4D97-AF65-F5344CB8AC3E}">
+        <p14:creationId xmlns:p14="http://schemas.microsoft.com/office/powerpoint/2010/main" val="961676048"/>
+      </p:ext>
+    </p:extLst>
+  </p:cSld>
+  <p:clrMapOvr>
+    <a:masterClrMapping/>
+  </p:clrMapOvr>
+</p:sld>
+</file>
+
+<file path=ppt/slides/slide25.xml><?xml version="1.0" encoding="utf-8"?>
+<p:sld xmlns:a="http://schemas.openxmlformats.org/drawingml/2006/main" xmlns:r="http://schemas.openxmlformats.org/officeDocument/2006/relationships" xmlns:p="http://schemas.openxmlformats.org/presentationml/2006/main">
+  <p:cSld>
+    <p:spTree>
+      <p:nvGrpSpPr>
+        <p:cNvPr id="1" name=""/>
+        <p:cNvGrpSpPr/>
+        <p:nvPr/>
+      </p:nvGrpSpPr>
+      <p:grpSpPr>
+        <a:xfrm>
+          <a:off x="0" y="0"/>
+          <a:ext cx="0" cy="0"/>
+          <a:chOff x="0" y="0"/>
+          <a:chExt cx="0" cy="0"/>
+        </a:xfrm>
+      </p:grpSpPr>
+      <p:sp>
+        <p:nvSpPr>
+          <p:cNvPr id="2" name="Titre 1">
+            <a:extLst>
+              <a:ext uri="{FF2B5EF4-FFF2-40B4-BE49-F238E27FC236}">
+                <a16:creationId xmlns:a16="http://schemas.microsoft.com/office/drawing/2014/main" id="{0052C339-44E4-2CCB-491F-F17B93976516}"/>
+              </a:ext>
+            </a:extLst>
+          </p:cNvPr>
+          <p:cNvSpPr>
+            <a:spLocks noGrp="1"/>
+          </p:cNvSpPr>
+          <p:nvPr>
+            <p:ph type="title"/>
+          </p:nvPr>
+        </p:nvSpPr>
+        <p:spPr/>
+        <p:txBody>
+          <a:bodyPr>
+            <a:normAutofit/>
+          </a:bodyPr>
+          <a:lstStyle/>
+          <a:p>
+            <a:r>
+              <a:rPr lang="fr-FR" dirty="0"/>
+              <a:t>Ansible – </a:t>
+            </a:r>
+            <a:r>
+              <a:rPr lang="fr-FR" dirty="0" err="1"/>
+              <a:t>ansible.cfg</a:t>
+            </a:r>
+            <a:endParaRPr lang="fr-FR" dirty="0"/>
+          </a:p>
+        </p:txBody>
+      </p:sp>
+      <p:pic>
+        <p:nvPicPr>
+          <p:cNvPr id="5" name="Image 4">
+            <a:extLst>
+              <a:ext uri="{FF2B5EF4-FFF2-40B4-BE49-F238E27FC236}">
+                <a16:creationId xmlns:a16="http://schemas.microsoft.com/office/drawing/2014/main" id="{7C8F72B6-2777-62C8-C7DE-C62E19F98793}"/>
+              </a:ext>
+            </a:extLst>
+          </p:cNvPr>
+          <p:cNvPicPr>
+            <a:picLocks noChangeAspect="1"/>
+          </p:cNvPicPr>
+          <p:nvPr/>
+        </p:nvPicPr>
+        <p:blipFill>
+          <a:blip r:embed="rId3"/>
+          <a:stretch>
+            <a:fillRect/>
+          </a:stretch>
+        </p:blipFill>
+        <p:spPr>
+          <a:xfrm>
+            <a:off x="10312850" y="666694"/>
+            <a:ext cx="1129289" cy="1129289"/>
+          </a:xfrm>
+          <a:prstGeom prst="rect">
+            <a:avLst/>
+          </a:prstGeom>
+        </p:spPr>
+      </p:pic>
+      <p:sp>
+        <p:nvSpPr>
+          <p:cNvPr id="6" name="ZoneTexte 5">
+            <a:extLst>
+              <a:ext uri="{FF2B5EF4-FFF2-40B4-BE49-F238E27FC236}">
+                <a16:creationId xmlns:a16="http://schemas.microsoft.com/office/drawing/2014/main" id="{57FE29B7-9B5B-9DB0-90FA-2800CCB48C4D}"/>
+              </a:ext>
+            </a:extLst>
+          </p:cNvPr>
+          <p:cNvSpPr txBox="1"/>
+          <p:nvPr/>
+        </p:nvSpPr>
+        <p:spPr>
+          <a:xfrm>
+            <a:off x="1930042" y="2354782"/>
+            <a:ext cx="8382808" cy="369332"/>
+          </a:xfrm>
+          <a:prstGeom prst="rect">
+            <a:avLst/>
+          </a:prstGeom>
+          <a:noFill/>
+        </p:spPr>
+        <p:txBody>
+          <a:bodyPr wrap="none" rtlCol="0">
+            <a:spAutoFit/>
+          </a:bodyPr>
+          <a:lstStyle/>
+          <a:p>
+            <a:r>
+              <a:rPr lang="fr-FR" dirty="0">
+                <a:solidFill>
+                  <a:srgbClr val="0E0E0E"/>
+                </a:solidFill>
+                <a:effectLst/>
+              </a:rPr>
+              <a:t>Fichier de configuration globale </a:t>
+            </a:r>
+            <a:r>
+              <a:rPr lang="fr-FR" dirty="0" err="1">
+                <a:solidFill>
+                  <a:srgbClr val="0E0E0E"/>
+                </a:solidFill>
+                <a:effectLst/>
+              </a:rPr>
+              <a:t>ansible.cfg</a:t>
+            </a:r>
+            <a:r>
+              <a:rPr lang="fr-FR" dirty="0">
+                <a:solidFill>
+                  <a:srgbClr val="0E0E0E"/>
+                </a:solidFill>
+                <a:effectLst/>
+              </a:rPr>
+              <a:t> pour définir les options par défaut.</a:t>
+            </a:r>
+          </a:p>
+        </p:txBody>
+      </p:sp>
+      <p:pic>
+        <p:nvPicPr>
+          <p:cNvPr id="8" name="Image 7">
+            <a:extLst>
+              <a:ext uri="{FF2B5EF4-FFF2-40B4-BE49-F238E27FC236}">
+                <a16:creationId xmlns:a16="http://schemas.microsoft.com/office/drawing/2014/main" id="{056C6AE7-9D4F-8E6B-E65B-835D3784321D}"/>
+              </a:ext>
+            </a:extLst>
+          </p:cNvPr>
+          <p:cNvPicPr>
+            <a:picLocks noChangeAspect="1"/>
+          </p:cNvPicPr>
+          <p:nvPr/>
+        </p:nvPicPr>
+        <p:blipFill>
+          <a:blip r:embed="rId4"/>
+          <a:stretch>
+            <a:fillRect/>
+          </a:stretch>
+        </p:blipFill>
+        <p:spPr>
+          <a:xfrm>
+            <a:off x="3572406" y="2902456"/>
+            <a:ext cx="4610100" cy="2768600"/>
+          </a:xfrm>
+          <a:prstGeom prst="rect">
+            <a:avLst/>
+          </a:prstGeom>
+        </p:spPr>
+      </p:pic>
+    </p:spTree>
+    <p:extLst>
+      <p:ext uri="{BB962C8B-B14F-4D97-AF65-F5344CB8AC3E}">
+        <p14:creationId xmlns:p14="http://schemas.microsoft.com/office/powerpoint/2010/main" val="2477447819"/>
+      </p:ext>
+    </p:extLst>
+  </p:cSld>
+  <p:clrMapOvr>
+    <a:masterClrMapping/>
+  </p:clrMapOvr>
+</p:sld>
+</file>
+
+<file path=ppt/slides/slide26.xml><?xml version="1.0" encoding="utf-8"?>
+<p:sld xmlns:a="http://schemas.openxmlformats.org/drawingml/2006/main" xmlns:r="http://schemas.openxmlformats.org/officeDocument/2006/relationships" xmlns:p="http://schemas.openxmlformats.org/presentationml/2006/main">
+  <p:cSld>
+    <p:spTree>
+      <p:nvGrpSpPr>
+        <p:cNvPr id="1" name=""/>
+        <p:cNvGrpSpPr/>
+        <p:nvPr/>
+      </p:nvGrpSpPr>
+      <p:grpSpPr>
+        <a:xfrm>
+          <a:off x="0" y="0"/>
+          <a:ext cx="0" cy="0"/>
+          <a:chOff x="0" y="0"/>
+          <a:chExt cx="0" cy="0"/>
+        </a:xfrm>
+      </p:grpSpPr>
+      <p:sp>
+        <p:nvSpPr>
+          <p:cNvPr id="2" name="Titre 1">
+            <a:extLst>
+              <a:ext uri="{FF2B5EF4-FFF2-40B4-BE49-F238E27FC236}">
+                <a16:creationId xmlns:a16="http://schemas.microsoft.com/office/drawing/2014/main" id="{6A204DD4-5828-E7F4-698E-9F618D3117BA}"/>
+              </a:ext>
+            </a:extLst>
+          </p:cNvPr>
+          <p:cNvSpPr>
+            <a:spLocks noGrp="1"/>
+          </p:cNvSpPr>
+          <p:nvPr>
+            <p:ph type="title"/>
+          </p:nvPr>
+        </p:nvSpPr>
+        <p:spPr/>
+        <p:txBody>
+          <a:bodyPr/>
+          <a:lstStyle/>
+          <a:p>
+            <a:r>
+              <a:rPr lang="fr-FR" dirty="0"/>
+              <a:t>Ansible – Top </a:t>
+            </a:r>
+            <a:r>
+              <a:rPr lang="fr-FR" dirty="0" err="1"/>
+              <a:t>Commands</a:t>
+            </a:r>
+            <a:endParaRPr lang="fr-FR" dirty="0"/>
+          </a:p>
+        </p:txBody>
+      </p:sp>
+      <p:sp>
+        <p:nvSpPr>
+          <p:cNvPr id="3" name="Espace réservé du contenu 2">
+            <a:extLst>
+              <a:ext uri="{FF2B5EF4-FFF2-40B4-BE49-F238E27FC236}">
+                <a16:creationId xmlns:a16="http://schemas.microsoft.com/office/drawing/2014/main" id="{DC0B77DA-F1AE-F253-507F-93ECC6F4A083}"/>
+              </a:ext>
+            </a:extLst>
+          </p:cNvPr>
+          <p:cNvSpPr>
+            <a:spLocks noGrp="1"/>
+          </p:cNvSpPr>
+          <p:nvPr>
+            <p:ph idx="1"/>
+          </p:nvPr>
+        </p:nvSpPr>
+        <p:spPr>
+          <a:xfrm>
+            <a:off x="571500" y="2112021"/>
+            <a:ext cx="11250964" cy="4056690"/>
+          </a:xfrm>
+        </p:spPr>
+        <p:txBody>
+          <a:bodyPr>
+            <a:normAutofit fontScale="55000" lnSpcReduction="20000"/>
+          </a:bodyPr>
+          <a:lstStyle/>
+          <a:p>
+            <a:r>
+              <a:rPr lang="fr-FR" dirty="0">
+                <a:solidFill>
+                  <a:srgbClr val="0E0E0E"/>
+                </a:solidFill>
+                <a:effectLst/>
+              </a:rPr>
+              <a:t>Exécute des tâches </a:t>
+            </a:r>
+            <a:r>
+              <a:rPr lang="fr-FR" dirty="0" err="1">
+                <a:solidFill>
+                  <a:srgbClr val="0E0E0E"/>
+                </a:solidFill>
+                <a:effectLst/>
+              </a:rPr>
+              <a:t>Ad-Hoc</a:t>
+            </a:r>
+            <a:r>
+              <a:rPr lang="fr-FR" dirty="0">
+                <a:solidFill>
+                  <a:srgbClr val="0E0E0E"/>
+                </a:solidFill>
+                <a:effectLst/>
+              </a:rPr>
+              <a:t> sur un ou plusieurs hôtes spécifiés dans un inventaire :</a:t>
+            </a:r>
+            <a:endParaRPr lang="fr-FR" dirty="0"/>
+          </a:p>
+          <a:p>
+            <a:pPr lvl="1"/>
+            <a:r>
+              <a:rPr lang="fr-FR" i="1" dirty="0">
+                <a:solidFill>
+                  <a:srgbClr val="00B050"/>
+                </a:solidFill>
+              </a:rPr>
+              <a:t>ansible all -m ping</a:t>
+            </a:r>
+          </a:p>
+          <a:p>
+            <a:r>
+              <a:rPr lang="fr-FR" dirty="0">
+                <a:solidFill>
+                  <a:srgbClr val="0E0E0E"/>
+                </a:solidFill>
+                <a:effectLst/>
+              </a:rPr>
+              <a:t>Exécute un </a:t>
+            </a:r>
+            <a:r>
+              <a:rPr lang="fr-FR" dirty="0" err="1">
+                <a:solidFill>
+                  <a:srgbClr val="0E0E0E"/>
+                </a:solidFill>
+                <a:effectLst/>
+              </a:rPr>
+              <a:t>playbook</a:t>
+            </a:r>
+            <a:r>
+              <a:rPr lang="fr-FR" dirty="0">
+                <a:solidFill>
+                  <a:srgbClr val="0E0E0E"/>
+                </a:solidFill>
+                <a:effectLst/>
+              </a:rPr>
+              <a:t> Ansible, qui est un ensemble de tâches organisées pour configurer un ou plusieurs hôtes :</a:t>
+            </a:r>
+          </a:p>
+          <a:p>
+            <a:pPr lvl="1"/>
+            <a:r>
+              <a:rPr lang="fr-FR" i="1" dirty="0">
+                <a:solidFill>
+                  <a:srgbClr val="00B050"/>
+                </a:solidFill>
+              </a:rPr>
+              <a:t>ansible-</a:t>
+            </a:r>
+            <a:r>
+              <a:rPr lang="fr-FR" i="1" dirty="0" err="1">
+                <a:solidFill>
+                  <a:srgbClr val="00B050"/>
+                </a:solidFill>
+              </a:rPr>
+              <a:t>playbook</a:t>
+            </a:r>
+            <a:r>
+              <a:rPr lang="fr-FR" i="1" dirty="0">
+                <a:solidFill>
+                  <a:srgbClr val="00B050"/>
+                </a:solidFill>
+              </a:rPr>
+              <a:t> </a:t>
+            </a:r>
+            <a:r>
+              <a:rPr lang="fr-FR" i="1" dirty="0" err="1">
+                <a:solidFill>
+                  <a:srgbClr val="00B050"/>
+                </a:solidFill>
+              </a:rPr>
+              <a:t>site.yml</a:t>
+            </a:r>
+            <a:endParaRPr lang="fr-FR" i="1" dirty="0">
+              <a:solidFill>
+                <a:srgbClr val="00B050"/>
+              </a:solidFill>
+            </a:endParaRPr>
+          </a:p>
+          <a:p>
+            <a:r>
+              <a:rPr lang="fr-FR" dirty="0">
+                <a:solidFill>
+                  <a:srgbClr val="0E0E0E"/>
+                </a:solidFill>
+                <a:effectLst/>
+              </a:rPr>
+              <a:t>Gère les rôles Ansible, y compris l’installation, la suppression et la création de rôles à partir d’Ansible Galaxy :</a:t>
+            </a:r>
+          </a:p>
+          <a:p>
+            <a:pPr lvl="1"/>
+            <a:r>
+              <a:rPr lang="fr-FR" i="1" dirty="0">
+                <a:solidFill>
+                  <a:srgbClr val="00B050"/>
+                </a:solidFill>
+              </a:rPr>
+              <a:t>ansible-</a:t>
+            </a:r>
+            <a:r>
+              <a:rPr lang="fr-FR" i="1" dirty="0" err="1">
+                <a:solidFill>
+                  <a:srgbClr val="00B050"/>
+                </a:solidFill>
+              </a:rPr>
+              <a:t>galaxy</a:t>
+            </a:r>
+            <a:r>
+              <a:rPr lang="fr-FR" i="1" dirty="0">
+                <a:solidFill>
+                  <a:srgbClr val="00B050"/>
+                </a:solidFill>
+              </a:rPr>
+              <a:t> </a:t>
+            </a:r>
+            <a:r>
+              <a:rPr lang="fr-FR" i="1" dirty="0" err="1">
+                <a:solidFill>
+                  <a:srgbClr val="00B050"/>
+                </a:solidFill>
+              </a:rPr>
+              <a:t>install</a:t>
+            </a:r>
+            <a:r>
+              <a:rPr lang="fr-FR" i="1" dirty="0">
+                <a:solidFill>
+                  <a:srgbClr val="00B050"/>
+                </a:solidFill>
+              </a:rPr>
+              <a:t> </a:t>
+            </a:r>
+            <a:r>
+              <a:rPr lang="fr-FR" i="1" dirty="0" err="1">
+                <a:solidFill>
+                  <a:srgbClr val="00B050"/>
+                </a:solidFill>
+              </a:rPr>
+              <a:t>geerlingguy.nginx</a:t>
+            </a:r>
+            <a:endParaRPr lang="fr-FR" i="1" dirty="0">
+              <a:solidFill>
+                <a:srgbClr val="00B050"/>
+              </a:solidFill>
+            </a:endParaRPr>
+          </a:p>
+          <a:p>
+            <a:r>
+              <a:rPr lang="fr-FR" dirty="0">
+                <a:solidFill>
+                  <a:srgbClr val="0E0E0E"/>
+                </a:solidFill>
+                <a:effectLst/>
+              </a:rPr>
+              <a:t>Affiche ou modifie le contenu des fichiers d’inventaire :</a:t>
+            </a:r>
+          </a:p>
+          <a:p>
+            <a:pPr lvl="1"/>
+            <a:r>
+              <a:rPr lang="fr-FR" i="1" dirty="0">
+                <a:solidFill>
+                  <a:srgbClr val="00B050"/>
+                </a:solidFill>
+              </a:rPr>
+              <a:t>ansible-</a:t>
+            </a:r>
+            <a:r>
+              <a:rPr lang="fr-FR" i="1" dirty="0" err="1">
+                <a:solidFill>
+                  <a:srgbClr val="00B050"/>
+                </a:solidFill>
+              </a:rPr>
+              <a:t>inventory</a:t>
+            </a:r>
+            <a:r>
+              <a:rPr lang="fr-FR" i="1" dirty="0">
+                <a:solidFill>
+                  <a:srgbClr val="00B050"/>
+                </a:solidFill>
+              </a:rPr>
+              <a:t> --</a:t>
+            </a:r>
+            <a:r>
+              <a:rPr lang="fr-FR" i="1" dirty="0" err="1">
+                <a:solidFill>
+                  <a:srgbClr val="00B050"/>
+                </a:solidFill>
+              </a:rPr>
+              <a:t>list</a:t>
+            </a:r>
+            <a:r>
+              <a:rPr lang="fr-FR" i="1" dirty="0">
+                <a:solidFill>
+                  <a:srgbClr val="00B050"/>
+                </a:solidFill>
+              </a:rPr>
+              <a:t> –y</a:t>
+            </a:r>
+          </a:p>
+          <a:p>
+            <a:r>
+              <a:rPr lang="fr-FR" dirty="0">
+                <a:solidFill>
+                  <a:srgbClr val="0E0E0E"/>
+                </a:solidFill>
+                <a:effectLst/>
+              </a:rPr>
+              <a:t>Gère les fichiers chiffrés par Ansible Vault pour sécuriser les informations sensibles :</a:t>
+            </a:r>
+            <a:endParaRPr lang="fr-FR" dirty="0"/>
+          </a:p>
+          <a:p>
+            <a:pPr lvl="1"/>
+            <a:r>
+              <a:rPr lang="fr-FR" i="1" dirty="0">
+                <a:solidFill>
+                  <a:srgbClr val="00B050"/>
+                </a:solidFill>
+              </a:rPr>
+              <a:t>ansible-</a:t>
+            </a:r>
+            <a:r>
+              <a:rPr lang="fr-FR" i="1" dirty="0" err="1">
+                <a:solidFill>
+                  <a:srgbClr val="00B050"/>
+                </a:solidFill>
+              </a:rPr>
+              <a:t>vault</a:t>
+            </a:r>
+            <a:r>
+              <a:rPr lang="fr-FR" i="1" dirty="0">
+                <a:solidFill>
+                  <a:srgbClr val="00B050"/>
+                </a:solidFill>
+              </a:rPr>
+              <a:t> </a:t>
+            </a:r>
+            <a:r>
+              <a:rPr lang="fr-FR" i="1" dirty="0" err="1">
+                <a:solidFill>
+                  <a:srgbClr val="00B050"/>
+                </a:solidFill>
+              </a:rPr>
+              <a:t>create</a:t>
+            </a:r>
+            <a:r>
+              <a:rPr lang="fr-FR" i="1" dirty="0">
+                <a:solidFill>
+                  <a:srgbClr val="00B050"/>
+                </a:solidFill>
+              </a:rPr>
+              <a:t> </a:t>
+            </a:r>
+            <a:r>
+              <a:rPr lang="fr-FR" i="1" dirty="0" err="1">
+                <a:solidFill>
+                  <a:srgbClr val="00B050"/>
+                </a:solidFill>
+              </a:rPr>
+              <a:t>secrets.yml</a:t>
+            </a:r>
+            <a:endParaRPr lang="fr-FR" i="1" dirty="0">
+              <a:solidFill>
+                <a:srgbClr val="00B050"/>
+              </a:solidFill>
+            </a:endParaRPr>
+          </a:p>
+          <a:p>
+            <a:r>
+              <a:rPr lang="fr-FR" dirty="0">
+                <a:solidFill>
+                  <a:srgbClr val="0E0E0E"/>
+                </a:solidFill>
+                <a:effectLst/>
+              </a:rPr>
+              <a:t>Affiche la documentation des modules Ansible :</a:t>
+            </a:r>
+          </a:p>
+          <a:p>
+            <a:pPr lvl="1"/>
+            <a:r>
+              <a:rPr lang="fr-FR" i="1" dirty="0">
+                <a:solidFill>
+                  <a:srgbClr val="00B050"/>
+                </a:solidFill>
+              </a:rPr>
+              <a:t>ansible-doc </a:t>
+            </a:r>
+            <a:r>
+              <a:rPr lang="fr-FR" i="1" dirty="0" err="1">
+                <a:solidFill>
+                  <a:srgbClr val="00B050"/>
+                </a:solidFill>
+              </a:rPr>
+              <a:t>apt</a:t>
+            </a:r>
+            <a:endParaRPr lang="fr-FR" i="1" dirty="0">
+              <a:solidFill>
+                <a:srgbClr val="00B050"/>
+              </a:solidFill>
+            </a:endParaRPr>
+          </a:p>
+          <a:p>
+            <a:r>
+              <a:rPr lang="fr-FR" dirty="0">
+                <a:solidFill>
+                  <a:srgbClr val="0E0E0E"/>
+                </a:solidFill>
+                <a:effectLst/>
+              </a:rPr>
+              <a:t>Gère et inspecte les fichiers de configuration Ansible</a:t>
+            </a:r>
+          </a:p>
+          <a:p>
+            <a:pPr lvl="1"/>
+            <a:r>
+              <a:rPr lang="fr-FR" i="1" dirty="0">
+                <a:solidFill>
+                  <a:srgbClr val="00B050"/>
+                </a:solidFill>
+              </a:rPr>
+              <a:t>ansible-</a:t>
+            </a:r>
+            <a:r>
+              <a:rPr lang="fr-FR" i="1" dirty="0" err="1">
+                <a:solidFill>
+                  <a:srgbClr val="00B050"/>
+                </a:solidFill>
+              </a:rPr>
+              <a:t>lint</a:t>
+            </a:r>
+            <a:r>
+              <a:rPr lang="fr-FR" i="1" dirty="0">
+                <a:solidFill>
+                  <a:srgbClr val="00B050"/>
+                </a:solidFill>
+              </a:rPr>
+              <a:t> </a:t>
+            </a:r>
+            <a:r>
+              <a:rPr lang="fr-FR" i="1" dirty="0" err="1">
+                <a:solidFill>
+                  <a:srgbClr val="00B050"/>
+                </a:solidFill>
+              </a:rPr>
+              <a:t>site.yml</a:t>
+            </a:r>
+            <a:endParaRPr lang="fr-FR" i="1" dirty="0">
+              <a:solidFill>
+                <a:srgbClr val="00B050"/>
+              </a:solidFill>
+            </a:endParaRPr>
+          </a:p>
+          <a:p>
+            <a:r>
+              <a:rPr lang="fr-FR" dirty="0">
+                <a:solidFill>
+                  <a:srgbClr val="0E0E0E"/>
+                </a:solidFill>
+                <a:effectLst/>
+              </a:rPr>
+              <a:t>Commande utilisée pour tester Ansible lui-même, souvent utilisée dans les environnements de développement :</a:t>
+            </a:r>
+          </a:p>
+          <a:p>
+            <a:pPr lvl="1"/>
+            <a:r>
+              <a:rPr lang="fr-FR" i="1" dirty="0">
+                <a:solidFill>
+                  <a:srgbClr val="00B050"/>
+                </a:solidFill>
+              </a:rPr>
+              <a:t>ansible-test </a:t>
+            </a:r>
+            <a:r>
+              <a:rPr lang="fr-FR" i="1" dirty="0" err="1">
+                <a:solidFill>
+                  <a:srgbClr val="00B050"/>
+                </a:solidFill>
+              </a:rPr>
+              <a:t>units</a:t>
+            </a:r>
+            <a:endParaRPr lang="fr-FR" i="1" dirty="0">
+              <a:solidFill>
+                <a:srgbClr val="00B050"/>
+              </a:solidFill>
+            </a:endParaRPr>
+          </a:p>
+        </p:txBody>
+      </p:sp>
+    </p:spTree>
+    <p:extLst>
+      <p:ext uri="{BB962C8B-B14F-4D97-AF65-F5344CB8AC3E}">
+        <p14:creationId xmlns:p14="http://schemas.microsoft.com/office/powerpoint/2010/main" val="1777504977"/>
+      </p:ext>
+    </p:extLst>
+  </p:cSld>
+  <p:clrMapOvr>
+    <a:masterClrMapping/>
+  </p:clrMapOvr>
+</p:sld>
+</file>
+
+<file path=ppt/slides/slide27.xml><?xml version="1.0" encoding="utf-8"?>
+<p:sld xmlns:a="http://schemas.openxmlformats.org/drawingml/2006/main" xmlns:r="http://schemas.openxmlformats.org/officeDocument/2006/relationships" xmlns:p="http://schemas.openxmlformats.org/presentationml/2006/main">
+  <p:cSld>
+    <p:spTree>
+      <p:nvGrpSpPr>
+        <p:cNvPr id="1" name=""/>
+        <p:cNvGrpSpPr/>
+        <p:nvPr/>
+      </p:nvGrpSpPr>
+      <p:grpSpPr>
+        <a:xfrm>
+          <a:off x="0" y="0"/>
+          <a:ext cx="0" cy="0"/>
+          <a:chOff x="0" y="0"/>
+          <a:chExt cx="0" cy="0"/>
+        </a:xfrm>
+      </p:grpSpPr>
+      <p:sp>
+        <p:nvSpPr>
+          <p:cNvPr id="2" name="Titre 1">
+            <a:extLst>
+              <a:ext uri="{FF2B5EF4-FFF2-40B4-BE49-F238E27FC236}">
+                <a16:creationId xmlns:a16="http://schemas.microsoft.com/office/drawing/2014/main" id="{6A204DD4-5828-E7F4-698E-9F618D3117BA}"/>
+              </a:ext>
+            </a:extLst>
+          </p:cNvPr>
+          <p:cNvSpPr>
+            <a:spLocks noGrp="1"/>
+          </p:cNvSpPr>
+          <p:nvPr>
+            <p:ph type="title"/>
+          </p:nvPr>
+        </p:nvSpPr>
+        <p:spPr/>
+        <p:txBody>
+          <a:bodyPr/>
+          <a:lstStyle/>
+          <a:p>
+            <a:r>
+              <a:rPr lang="fr-FR" dirty="0"/>
+              <a:t>Ansible – </a:t>
+            </a:r>
+            <a:r>
+              <a:rPr lang="fr-FR" dirty="0" err="1"/>
+              <a:t>Syntax</a:t>
+            </a:r>
+            <a:r>
+              <a:rPr lang="fr-FR" dirty="0"/>
+              <a:t> &amp; </a:t>
+            </a:r>
+            <a:r>
+              <a:rPr lang="fr-FR" dirty="0" err="1"/>
+              <a:t>Glossary</a:t>
+            </a:r>
+            <a:endParaRPr lang="fr-FR" dirty="0"/>
+          </a:p>
+        </p:txBody>
+      </p:sp>
+      <p:sp>
+        <p:nvSpPr>
+          <p:cNvPr id="3" name="Espace réservé du contenu 2">
+            <a:extLst>
+              <a:ext uri="{FF2B5EF4-FFF2-40B4-BE49-F238E27FC236}">
+                <a16:creationId xmlns:a16="http://schemas.microsoft.com/office/drawing/2014/main" id="{DC0B77DA-F1AE-F253-507F-93ECC6F4A083}"/>
+              </a:ext>
+            </a:extLst>
+          </p:cNvPr>
+          <p:cNvSpPr>
+            <a:spLocks noGrp="1"/>
+          </p:cNvSpPr>
+          <p:nvPr>
+            <p:ph idx="1"/>
+          </p:nvPr>
+        </p:nvSpPr>
+        <p:spPr>
+          <a:xfrm>
+            <a:off x="566094" y="2723052"/>
+            <a:ext cx="11059811" cy="2585324"/>
+          </a:xfrm>
+        </p:spPr>
+        <p:txBody>
+          <a:bodyPr/>
+          <a:lstStyle/>
+          <a:p>
+            <a:r>
+              <a:rPr lang="fr-FR" b="1" dirty="0"/>
+              <a:t>YAML </a:t>
+            </a:r>
+            <a:r>
+              <a:rPr lang="fr-FR" b="1" dirty="0" err="1"/>
+              <a:t>Syntax</a:t>
+            </a:r>
+            <a:endParaRPr lang="fr-FR" b="1" dirty="0">
+              <a:hlinkClick r:id="rId2"/>
+            </a:endParaRPr>
+          </a:p>
+          <a:p>
+            <a:pPr lvl="1"/>
+            <a:r>
+              <a:rPr lang="fr-FR" dirty="0">
+                <a:hlinkClick r:id="rId2"/>
+              </a:rPr>
+              <a:t>https://docs.ansible.com/ansible/latest/reference_appendices/YAMLSyntax.html</a:t>
+            </a:r>
+            <a:r>
+              <a:rPr lang="fr-FR" dirty="0"/>
+              <a:t> </a:t>
+            </a:r>
+          </a:p>
+          <a:p>
+            <a:endParaRPr lang="fr-FR" dirty="0"/>
+          </a:p>
+          <a:p>
+            <a:r>
+              <a:rPr lang="fr-FR" b="1" dirty="0" err="1"/>
+              <a:t>Glossary</a:t>
+            </a:r>
+            <a:endParaRPr lang="fr-FR" b="1" dirty="0"/>
+          </a:p>
+          <a:p>
+            <a:pPr lvl="1"/>
+            <a:r>
+              <a:rPr lang="fr-FR" dirty="0">
+                <a:hlinkClick r:id="rId3"/>
+              </a:rPr>
+              <a:t>https://docs.ansible.com/ansible/latest/reference_appendices/glossary.html</a:t>
+            </a:r>
+            <a:r>
+              <a:rPr lang="fr-FR" dirty="0"/>
+              <a:t> </a:t>
+            </a:r>
+          </a:p>
+        </p:txBody>
+      </p:sp>
+    </p:spTree>
+    <p:extLst>
+      <p:ext uri="{BB962C8B-B14F-4D97-AF65-F5344CB8AC3E}">
+        <p14:creationId xmlns:p14="http://schemas.microsoft.com/office/powerpoint/2010/main" val="82726537"/>
       </p:ext>
     </p:extLst>
   </p:cSld>

--- a/EPSI - Module IaC.pptx
+++ b/EPSI - Module IaC.pptx
@@ -5,7 +5,7 @@
     <p:sldMasterId id="2147483751" r:id="rId1"/>
   </p:sldMasterIdLst>
   <p:notesMasterIdLst>
-    <p:notesMasterId r:id="rId29"/>
+    <p:notesMasterId r:id="rId35"/>
   </p:notesMasterIdLst>
   <p:sldIdLst>
     <p:sldId id="256" r:id="rId2"/>
@@ -33,8 +33,14 @@
     <p:sldId id="277" r:id="rId24"/>
     <p:sldId id="280" r:id="rId25"/>
     <p:sldId id="281" r:id="rId26"/>
-    <p:sldId id="279" r:id="rId27"/>
-    <p:sldId id="282" r:id="rId28"/>
+    <p:sldId id="284" r:id="rId27"/>
+    <p:sldId id="289" r:id="rId28"/>
+    <p:sldId id="285" r:id="rId29"/>
+    <p:sldId id="286" r:id="rId30"/>
+    <p:sldId id="287" r:id="rId31"/>
+    <p:sldId id="288" r:id="rId32"/>
+    <p:sldId id="279" r:id="rId33"/>
+    <p:sldId id="282" r:id="rId34"/>
   </p:sldIdLst>
   <p:sldSz cx="12192000" cy="6858000"/>
   <p:notesSz cx="6858000" cy="9144000"/>
@@ -223,7 +229,7 @@
           <a:p>
             <a:fld id="{FC616F0B-265B-5041-8C26-E4D2256225CB}" type="datetimeFigureOut">
               <a:rPr lang="fr-FR" smtClean="0"/>
-              <a:t>02/09/2024</a:t>
+              <a:t>03/09/2024</a:t>
             </a:fld>
             <a:endParaRPr lang="fr-FR"/>
           </a:p>
@@ -816,6 +822,510 @@
     </p:spTree>
     <p:extLst>
       <p:ext uri="{BB962C8B-B14F-4D97-AF65-F5344CB8AC3E}">
+        <p14:creationId xmlns:p14="http://schemas.microsoft.com/office/powerpoint/2010/main" val="2135159087"/>
+      </p:ext>
+    </p:extLst>
+  </p:cSld>
+  <p:clrMapOvr>
+    <a:masterClrMapping/>
+  </p:clrMapOvr>
+</p:notes>
+</file>
+
+<file path=ppt/notesSlides/notesSlide13.xml><?xml version="1.0" encoding="utf-8"?>
+<p:notes xmlns:a="http://schemas.openxmlformats.org/drawingml/2006/main" xmlns:r="http://schemas.openxmlformats.org/officeDocument/2006/relationships" xmlns:p="http://schemas.openxmlformats.org/presentationml/2006/main">
+  <p:cSld>
+    <p:spTree>
+      <p:nvGrpSpPr>
+        <p:cNvPr id="1" name=""/>
+        <p:cNvGrpSpPr/>
+        <p:nvPr/>
+      </p:nvGrpSpPr>
+      <p:grpSpPr>
+        <a:xfrm>
+          <a:off x="0" y="0"/>
+          <a:ext cx="0" cy="0"/>
+          <a:chOff x="0" y="0"/>
+          <a:chExt cx="0" cy="0"/>
+        </a:xfrm>
+      </p:grpSpPr>
+      <p:sp>
+        <p:nvSpPr>
+          <p:cNvPr id="2" name="Espace réservé de l'image des diapositives 1"/>
+          <p:cNvSpPr>
+            <a:spLocks noGrp="1" noRot="1" noChangeAspect="1"/>
+          </p:cNvSpPr>
+          <p:nvPr>
+            <p:ph type="sldImg"/>
+          </p:nvPr>
+        </p:nvSpPr>
+        <p:spPr/>
+      </p:sp>
+      <p:sp>
+        <p:nvSpPr>
+          <p:cNvPr id="3" name="Espace réservé des notes 2"/>
+          <p:cNvSpPr>
+            <a:spLocks noGrp="1"/>
+          </p:cNvSpPr>
+          <p:nvPr>
+            <p:ph type="body" idx="1"/>
+          </p:nvPr>
+        </p:nvSpPr>
+        <p:spPr/>
+        <p:txBody>
+          <a:bodyPr/>
+          <a:lstStyle/>
+          <a:p>
+            <a:endParaRPr lang="fr-FR" dirty="0"/>
+          </a:p>
+        </p:txBody>
+      </p:sp>
+      <p:sp>
+        <p:nvSpPr>
+          <p:cNvPr id="4" name="Espace réservé du numéro de diapositive 3"/>
+          <p:cNvSpPr>
+            <a:spLocks noGrp="1"/>
+          </p:cNvSpPr>
+          <p:nvPr>
+            <p:ph type="sldNum" sz="quarter" idx="5"/>
+          </p:nvPr>
+        </p:nvSpPr>
+        <p:spPr/>
+        <p:txBody>
+          <a:bodyPr/>
+          <a:lstStyle/>
+          <a:p>
+            <a:fld id="{31698029-4D65-5B41-A6D9-E9D164CD07D4}" type="slidenum">
+              <a:rPr lang="fr-FR" smtClean="0"/>
+              <a:t>27</a:t>
+            </a:fld>
+            <a:endParaRPr lang="fr-FR"/>
+          </a:p>
+        </p:txBody>
+      </p:sp>
+    </p:spTree>
+    <p:extLst>
+      <p:ext uri="{BB962C8B-B14F-4D97-AF65-F5344CB8AC3E}">
+        <p14:creationId xmlns:p14="http://schemas.microsoft.com/office/powerpoint/2010/main" val="2965854982"/>
+      </p:ext>
+    </p:extLst>
+  </p:cSld>
+  <p:clrMapOvr>
+    <a:masterClrMapping/>
+  </p:clrMapOvr>
+</p:notes>
+</file>
+
+<file path=ppt/notesSlides/notesSlide14.xml><?xml version="1.0" encoding="utf-8"?>
+<p:notes xmlns:a="http://schemas.openxmlformats.org/drawingml/2006/main" xmlns:r="http://schemas.openxmlformats.org/officeDocument/2006/relationships" xmlns:p="http://schemas.openxmlformats.org/presentationml/2006/main">
+  <p:cSld>
+    <p:spTree>
+      <p:nvGrpSpPr>
+        <p:cNvPr id="1" name=""/>
+        <p:cNvGrpSpPr/>
+        <p:nvPr/>
+      </p:nvGrpSpPr>
+      <p:grpSpPr>
+        <a:xfrm>
+          <a:off x="0" y="0"/>
+          <a:ext cx="0" cy="0"/>
+          <a:chOff x="0" y="0"/>
+          <a:chExt cx="0" cy="0"/>
+        </a:xfrm>
+      </p:grpSpPr>
+      <p:sp>
+        <p:nvSpPr>
+          <p:cNvPr id="2" name="Espace réservé de l'image des diapositives 1"/>
+          <p:cNvSpPr>
+            <a:spLocks noGrp="1" noRot="1" noChangeAspect="1"/>
+          </p:cNvSpPr>
+          <p:nvPr>
+            <p:ph type="sldImg"/>
+          </p:nvPr>
+        </p:nvSpPr>
+        <p:spPr/>
+      </p:sp>
+      <p:sp>
+        <p:nvSpPr>
+          <p:cNvPr id="3" name="Espace réservé des notes 2"/>
+          <p:cNvSpPr>
+            <a:spLocks noGrp="1"/>
+          </p:cNvSpPr>
+          <p:nvPr>
+            <p:ph type="body" idx="1"/>
+          </p:nvPr>
+        </p:nvSpPr>
+        <p:spPr/>
+        <p:txBody>
+          <a:bodyPr/>
+          <a:lstStyle/>
+          <a:p>
+            <a:endParaRPr lang="fr-FR" dirty="0"/>
+          </a:p>
+        </p:txBody>
+      </p:sp>
+      <p:sp>
+        <p:nvSpPr>
+          <p:cNvPr id="4" name="Espace réservé du numéro de diapositive 3"/>
+          <p:cNvSpPr>
+            <a:spLocks noGrp="1"/>
+          </p:cNvSpPr>
+          <p:nvPr>
+            <p:ph type="sldNum" sz="quarter" idx="5"/>
+          </p:nvPr>
+        </p:nvSpPr>
+        <p:spPr/>
+        <p:txBody>
+          <a:bodyPr/>
+          <a:lstStyle/>
+          <a:p>
+            <a:fld id="{31698029-4D65-5B41-A6D9-E9D164CD07D4}" type="slidenum">
+              <a:rPr lang="fr-FR" smtClean="0"/>
+              <a:t>28</a:t>
+            </a:fld>
+            <a:endParaRPr lang="fr-FR"/>
+          </a:p>
+        </p:txBody>
+      </p:sp>
+    </p:spTree>
+    <p:extLst>
+      <p:ext uri="{BB962C8B-B14F-4D97-AF65-F5344CB8AC3E}">
+        <p14:creationId xmlns:p14="http://schemas.microsoft.com/office/powerpoint/2010/main" val="3618992897"/>
+      </p:ext>
+    </p:extLst>
+  </p:cSld>
+  <p:clrMapOvr>
+    <a:masterClrMapping/>
+  </p:clrMapOvr>
+</p:notes>
+</file>
+
+<file path=ppt/notesSlides/notesSlide15.xml><?xml version="1.0" encoding="utf-8"?>
+<p:notes xmlns:a="http://schemas.openxmlformats.org/drawingml/2006/main" xmlns:r="http://schemas.openxmlformats.org/officeDocument/2006/relationships" xmlns:p="http://schemas.openxmlformats.org/presentationml/2006/main">
+  <p:cSld>
+    <p:spTree>
+      <p:nvGrpSpPr>
+        <p:cNvPr id="1" name=""/>
+        <p:cNvGrpSpPr/>
+        <p:nvPr/>
+      </p:nvGrpSpPr>
+      <p:grpSpPr>
+        <a:xfrm>
+          <a:off x="0" y="0"/>
+          <a:ext cx="0" cy="0"/>
+          <a:chOff x="0" y="0"/>
+          <a:chExt cx="0" cy="0"/>
+        </a:xfrm>
+      </p:grpSpPr>
+      <p:sp>
+        <p:nvSpPr>
+          <p:cNvPr id="2" name="Espace réservé de l'image des diapositives 1"/>
+          <p:cNvSpPr>
+            <a:spLocks noGrp="1" noRot="1" noChangeAspect="1"/>
+          </p:cNvSpPr>
+          <p:nvPr>
+            <p:ph type="sldImg"/>
+          </p:nvPr>
+        </p:nvSpPr>
+        <p:spPr/>
+      </p:sp>
+      <p:sp>
+        <p:nvSpPr>
+          <p:cNvPr id="3" name="Espace réservé des notes 2"/>
+          <p:cNvSpPr>
+            <a:spLocks noGrp="1"/>
+          </p:cNvSpPr>
+          <p:nvPr>
+            <p:ph type="body" idx="1"/>
+          </p:nvPr>
+        </p:nvSpPr>
+        <p:spPr/>
+        <p:txBody>
+          <a:bodyPr/>
+          <a:lstStyle/>
+          <a:p>
+            <a:endParaRPr lang="fr-FR" dirty="0"/>
+          </a:p>
+        </p:txBody>
+      </p:sp>
+      <p:sp>
+        <p:nvSpPr>
+          <p:cNvPr id="4" name="Espace réservé du numéro de diapositive 3"/>
+          <p:cNvSpPr>
+            <a:spLocks noGrp="1"/>
+          </p:cNvSpPr>
+          <p:nvPr>
+            <p:ph type="sldNum" sz="quarter" idx="5"/>
+          </p:nvPr>
+        </p:nvSpPr>
+        <p:spPr/>
+        <p:txBody>
+          <a:bodyPr/>
+          <a:lstStyle/>
+          <a:p>
+            <a:fld id="{31698029-4D65-5B41-A6D9-E9D164CD07D4}" type="slidenum">
+              <a:rPr lang="fr-FR" smtClean="0"/>
+              <a:t>29</a:t>
+            </a:fld>
+            <a:endParaRPr lang="fr-FR"/>
+          </a:p>
+        </p:txBody>
+      </p:sp>
+    </p:spTree>
+    <p:extLst>
+      <p:ext uri="{BB962C8B-B14F-4D97-AF65-F5344CB8AC3E}">
+        <p14:creationId xmlns:p14="http://schemas.microsoft.com/office/powerpoint/2010/main" val="19751231"/>
+      </p:ext>
+    </p:extLst>
+  </p:cSld>
+  <p:clrMapOvr>
+    <a:masterClrMapping/>
+  </p:clrMapOvr>
+</p:notes>
+</file>
+
+<file path=ppt/notesSlides/notesSlide16.xml><?xml version="1.0" encoding="utf-8"?>
+<p:notes xmlns:a="http://schemas.openxmlformats.org/drawingml/2006/main" xmlns:r="http://schemas.openxmlformats.org/officeDocument/2006/relationships" xmlns:p="http://schemas.openxmlformats.org/presentationml/2006/main">
+  <p:cSld>
+    <p:spTree>
+      <p:nvGrpSpPr>
+        <p:cNvPr id="1" name=""/>
+        <p:cNvGrpSpPr/>
+        <p:nvPr/>
+      </p:nvGrpSpPr>
+      <p:grpSpPr>
+        <a:xfrm>
+          <a:off x="0" y="0"/>
+          <a:ext cx="0" cy="0"/>
+          <a:chOff x="0" y="0"/>
+          <a:chExt cx="0" cy="0"/>
+        </a:xfrm>
+      </p:grpSpPr>
+      <p:sp>
+        <p:nvSpPr>
+          <p:cNvPr id="2" name="Espace réservé de l'image des diapositives 1"/>
+          <p:cNvSpPr>
+            <a:spLocks noGrp="1" noRot="1" noChangeAspect="1"/>
+          </p:cNvSpPr>
+          <p:nvPr>
+            <p:ph type="sldImg"/>
+          </p:nvPr>
+        </p:nvSpPr>
+        <p:spPr/>
+      </p:sp>
+      <p:sp>
+        <p:nvSpPr>
+          <p:cNvPr id="3" name="Espace réservé des notes 2"/>
+          <p:cNvSpPr>
+            <a:spLocks noGrp="1"/>
+          </p:cNvSpPr>
+          <p:nvPr>
+            <p:ph type="body" idx="1"/>
+          </p:nvPr>
+        </p:nvSpPr>
+        <p:spPr/>
+        <p:txBody>
+          <a:bodyPr/>
+          <a:lstStyle/>
+          <a:p>
+            <a:endParaRPr lang="fr-FR" dirty="0"/>
+          </a:p>
+        </p:txBody>
+      </p:sp>
+      <p:sp>
+        <p:nvSpPr>
+          <p:cNvPr id="4" name="Espace réservé du numéro de diapositive 3"/>
+          <p:cNvSpPr>
+            <a:spLocks noGrp="1"/>
+          </p:cNvSpPr>
+          <p:nvPr>
+            <p:ph type="sldNum" sz="quarter" idx="5"/>
+          </p:nvPr>
+        </p:nvSpPr>
+        <p:spPr/>
+        <p:txBody>
+          <a:bodyPr/>
+          <a:lstStyle/>
+          <a:p>
+            <a:fld id="{31698029-4D65-5B41-A6D9-E9D164CD07D4}" type="slidenum">
+              <a:rPr lang="fr-FR" smtClean="0"/>
+              <a:t>30</a:t>
+            </a:fld>
+            <a:endParaRPr lang="fr-FR"/>
+          </a:p>
+        </p:txBody>
+      </p:sp>
+    </p:spTree>
+    <p:extLst>
+      <p:ext uri="{BB962C8B-B14F-4D97-AF65-F5344CB8AC3E}">
+        <p14:creationId xmlns:p14="http://schemas.microsoft.com/office/powerpoint/2010/main" val="74075473"/>
+      </p:ext>
+    </p:extLst>
+  </p:cSld>
+  <p:clrMapOvr>
+    <a:masterClrMapping/>
+  </p:clrMapOvr>
+</p:notes>
+</file>
+
+<file path=ppt/notesSlides/notesSlide17.xml><?xml version="1.0" encoding="utf-8"?>
+<p:notes xmlns:a="http://schemas.openxmlformats.org/drawingml/2006/main" xmlns:r="http://schemas.openxmlformats.org/officeDocument/2006/relationships" xmlns:p="http://schemas.openxmlformats.org/presentationml/2006/main">
+  <p:cSld>
+    <p:spTree>
+      <p:nvGrpSpPr>
+        <p:cNvPr id="1" name=""/>
+        <p:cNvGrpSpPr/>
+        <p:nvPr/>
+      </p:nvGrpSpPr>
+      <p:grpSpPr>
+        <a:xfrm>
+          <a:off x="0" y="0"/>
+          <a:ext cx="0" cy="0"/>
+          <a:chOff x="0" y="0"/>
+          <a:chExt cx="0" cy="0"/>
+        </a:xfrm>
+      </p:grpSpPr>
+      <p:sp>
+        <p:nvSpPr>
+          <p:cNvPr id="2" name="Espace réservé de l'image des diapositives 1"/>
+          <p:cNvSpPr>
+            <a:spLocks noGrp="1" noRot="1" noChangeAspect="1"/>
+          </p:cNvSpPr>
+          <p:nvPr>
+            <p:ph type="sldImg"/>
+          </p:nvPr>
+        </p:nvSpPr>
+        <p:spPr/>
+      </p:sp>
+      <p:sp>
+        <p:nvSpPr>
+          <p:cNvPr id="3" name="Espace réservé des notes 2"/>
+          <p:cNvSpPr>
+            <a:spLocks noGrp="1"/>
+          </p:cNvSpPr>
+          <p:nvPr>
+            <p:ph type="body" idx="1"/>
+          </p:nvPr>
+        </p:nvSpPr>
+        <p:spPr/>
+        <p:txBody>
+          <a:bodyPr/>
+          <a:lstStyle/>
+          <a:p>
+            <a:endParaRPr lang="fr-FR" dirty="0"/>
+          </a:p>
+        </p:txBody>
+      </p:sp>
+      <p:sp>
+        <p:nvSpPr>
+          <p:cNvPr id="4" name="Espace réservé du numéro de diapositive 3"/>
+          <p:cNvSpPr>
+            <a:spLocks noGrp="1"/>
+          </p:cNvSpPr>
+          <p:nvPr>
+            <p:ph type="sldNum" sz="quarter" idx="5"/>
+          </p:nvPr>
+        </p:nvSpPr>
+        <p:spPr/>
+        <p:txBody>
+          <a:bodyPr/>
+          <a:lstStyle/>
+          <a:p>
+            <a:fld id="{31698029-4D65-5B41-A6D9-E9D164CD07D4}" type="slidenum">
+              <a:rPr lang="fr-FR" smtClean="0"/>
+              <a:t>31</a:t>
+            </a:fld>
+            <a:endParaRPr lang="fr-FR"/>
+          </a:p>
+        </p:txBody>
+      </p:sp>
+    </p:spTree>
+    <p:extLst>
+      <p:ext uri="{BB962C8B-B14F-4D97-AF65-F5344CB8AC3E}">
+        <p14:creationId xmlns:p14="http://schemas.microsoft.com/office/powerpoint/2010/main" val="1230407769"/>
+      </p:ext>
+    </p:extLst>
+  </p:cSld>
+  <p:clrMapOvr>
+    <a:masterClrMapping/>
+  </p:clrMapOvr>
+</p:notes>
+</file>
+
+<file path=ppt/notesSlides/notesSlide18.xml><?xml version="1.0" encoding="utf-8"?>
+<p:notes xmlns:a="http://schemas.openxmlformats.org/drawingml/2006/main" xmlns:r="http://schemas.openxmlformats.org/officeDocument/2006/relationships" xmlns:p="http://schemas.openxmlformats.org/presentationml/2006/main">
+  <p:cSld>
+    <p:spTree>
+      <p:nvGrpSpPr>
+        <p:cNvPr id="1" name=""/>
+        <p:cNvGrpSpPr/>
+        <p:nvPr/>
+      </p:nvGrpSpPr>
+      <p:grpSpPr>
+        <a:xfrm>
+          <a:off x="0" y="0"/>
+          <a:ext cx="0" cy="0"/>
+          <a:chOff x="0" y="0"/>
+          <a:chExt cx="0" cy="0"/>
+        </a:xfrm>
+      </p:grpSpPr>
+      <p:sp>
+        <p:nvSpPr>
+          <p:cNvPr id="2" name="Espace réservé de l'image des diapositives 1"/>
+          <p:cNvSpPr>
+            <a:spLocks noGrp="1" noRot="1" noChangeAspect="1"/>
+          </p:cNvSpPr>
+          <p:nvPr>
+            <p:ph type="sldImg"/>
+          </p:nvPr>
+        </p:nvSpPr>
+        <p:spPr/>
+      </p:sp>
+      <p:sp>
+        <p:nvSpPr>
+          <p:cNvPr id="3" name="Espace réservé des notes 2"/>
+          <p:cNvSpPr>
+            <a:spLocks noGrp="1"/>
+          </p:cNvSpPr>
+          <p:nvPr>
+            <p:ph type="body" idx="1"/>
+          </p:nvPr>
+        </p:nvSpPr>
+        <p:spPr/>
+        <p:txBody>
+          <a:bodyPr/>
+          <a:lstStyle/>
+          <a:p>
+            <a:endParaRPr lang="fr-FR" dirty="0"/>
+          </a:p>
+        </p:txBody>
+      </p:sp>
+      <p:sp>
+        <p:nvSpPr>
+          <p:cNvPr id="4" name="Espace réservé du numéro de diapositive 3"/>
+          <p:cNvSpPr>
+            <a:spLocks noGrp="1"/>
+          </p:cNvSpPr>
+          <p:nvPr>
+            <p:ph type="sldNum" sz="quarter" idx="5"/>
+          </p:nvPr>
+        </p:nvSpPr>
+        <p:spPr/>
+        <p:txBody>
+          <a:bodyPr/>
+          <a:lstStyle/>
+          <a:p>
+            <a:fld id="{31698029-4D65-5B41-A6D9-E9D164CD07D4}" type="slidenum">
+              <a:rPr lang="fr-FR" smtClean="0"/>
+              <a:t>32</a:t>
+            </a:fld>
+            <a:endParaRPr lang="fr-FR"/>
+          </a:p>
+        </p:txBody>
+      </p:sp>
+    </p:spTree>
+    <p:extLst>
+      <p:ext uri="{BB962C8B-B14F-4D97-AF65-F5344CB8AC3E}">
         <p14:creationId xmlns:p14="http://schemas.microsoft.com/office/powerpoint/2010/main" val="348164960"/>
       </p:ext>
     </p:extLst>
@@ -1872,7 +2382,7 @@
           <a:p>
             <a:fld id="{1C8322F6-1C60-46CF-968C-BC20E470F443}" type="datetimeFigureOut">
               <a:rPr lang="en-US" smtClean="0"/>
-              <a:t>9/2/24</a:t>
+              <a:t>9/3/24</a:t>
             </a:fld>
             <a:endParaRPr lang="en-US"/>
           </a:p>
@@ -2206,7 +2716,7 @@
           <a:p>
             <a:fld id="{1C8322F6-1C60-46CF-968C-BC20E470F443}" type="datetimeFigureOut">
               <a:rPr lang="en-US" smtClean="0"/>
-              <a:t>9/2/24</a:t>
+              <a:t>9/3/24</a:t>
             </a:fld>
             <a:endParaRPr lang="en-US"/>
           </a:p>
@@ -2459,7 +2969,7 @@
           <a:p>
             <a:fld id="{1C8322F6-1C60-46CF-968C-BC20E470F443}" type="datetimeFigureOut">
               <a:rPr lang="en-US" smtClean="0"/>
-              <a:t>9/2/24</a:t>
+              <a:t>9/3/24</a:t>
             </a:fld>
             <a:endParaRPr lang="en-US"/>
           </a:p>
@@ -2793,7 +3303,7 @@
           <a:p>
             <a:fld id="{1C8322F6-1C60-46CF-968C-BC20E470F443}" type="datetimeFigureOut">
               <a:rPr lang="en-US" smtClean="0"/>
-              <a:t>9/2/24</a:t>
+              <a:t>9/3/24</a:t>
             </a:fld>
             <a:endParaRPr lang="en-US"/>
           </a:p>
@@ -3074,7 +3584,7 @@
           <a:p>
             <a:fld id="{1C8322F6-1C60-46CF-968C-BC20E470F443}" type="datetimeFigureOut">
               <a:rPr lang="en-US" smtClean="0"/>
-              <a:t>9/2/24</a:t>
+              <a:t>9/3/24</a:t>
             </a:fld>
             <a:endParaRPr lang="en-US"/>
           </a:p>
@@ -3476,7 +3986,7 @@
           <a:p>
             <a:fld id="{1C8322F6-1C60-46CF-968C-BC20E470F443}" type="datetimeFigureOut">
               <a:rPr lang="en-US" smtClean="0"/>
-              <a:t>9/2/24</a:t>
+              <a:t>9/3/24</a:t>
             </a:fld>
             <a:endParaRPr lang="en-US"/>
           </a:p>
@@ -3937,7 +4447,7 @@
           <a:p>
             <a:fld id="{1C8322F6-1C60-46CF-968C-BC20E470F443}" type="datetimeFigureOut">
               <a:rPr lang="en-US" smtClean="0"/>
-              <a:t>9/2/24</a:t>
+              <a:t>9/3/24</a:t>
             </a:fld>
             <a:endParaRPr lang="en-US"/>
           </a:p>
@@ -4170,7 +4680,7 @@
           <a:p>
             <a:fld id="{1C8322F6-1C60-46CF-968C-BC20E470F443}" type="datetimeFigureOut">
               <a:rPr lang="en-US" smtClean="0"/>
-              <a:t>9/2/24</a:t>
+              <a:t>9/3/24</a:t>
             </a:fld>
             <a:endParaRPr lang="en-US"/>
           </a:p>
@@ -4369,7 +4879,7 @@
           <a:p>
             <a:fld id="{1C8322F6-1C60-46CF-968C-BC20E470F443}" type="datetimeFigureOut">
               <a:rPr lang="en-US" smtClean="0"/>
-              <a:t>9/2/24</a:t>
+              <a:t>9/3/24</a:t>
             </a:fld>
             <a:endParaRPr lang="en-US"/>
           </a:p>
@@ -4682,7 +5192,7 @@
           <a:p>
             <a:fld id="{1C8322F6-1C60-46CF-968C-BC20E470F443}" type="datetimeFigureOut">
               <a:rPr lang="en-US" smtClean="0"/>
-              <a:t>9/2/24</a:t>
+              <a:t>9/3/24</a:t>
             </a:fld>
             <a:endParaRPr lang="en-US"/>
           </a:p>
@@ -5146,7 +5656,7 @@
           <a:p>
             <a:fld id="{1C8322F6-1C60-46CF-968C-BC20E470F443}" type="datetimeFigureOut">
               <a:rPr lang="en-US" smtClean="0"/>
-              <a:t>9/2/24</a:t>
+              <a:t>9/3/24</a:t>
             </a:fld>
             <a:endParaRPr lang="en-US"/>
           </a:p>
@@ -5559,7 +6069,7 @@
           <a:p>
             <a:fld id="{1C8322F6-1C60-46CF-968C-BC20E470F443}" type="datetimeFigureOut">
               <a:rPr lang="en-US" smtClean="0"/>
-              <a:t>9/2/24</a:t>
+              <a:t>9/3/24</a:t>
             </a:fld>
             <a:endParaRPr lang="en-US"/>
           </a:p>
@@ -8752,7 +9262,7 @@
         <p:spPr/>
         <p:txBody>
           <a:bodyPr>
-            <a:normAutofit fontScale="92500" lnSpcReduction="20000"/>
+            <a:normAutofit fontScale="70000" lnSpcReduction="20000"/>
           </a:bodyPr>
           <a:lstStyle/>
           <a:p>
@@ -9031,6 +9541,36 @@
                 <a:effectLst/>
               </a:rPr>
               <a:t>Fichier de configuration globale définissant les options par défaut pour Ansible, comme l’inventaire à utiliser ou le comportement des privilèges.</a:t>
+            </a:r>
+          </a:p>
+          <a:p>
+            <a:r>
+              <a:rPr lang="fr-FR" b="1" dirty="0">
+                <a:solidFill>
+                  <a:srgbClr val="0E0E0E"/>
+                </a:solidFill>
+              </a:rPr>
+              <a:t>Modules</a:t>
+            </a:r>
+            <a:r>
+              <a:rPr lang="fr-FR" dirty="0">
+                <a:solidFill>
+                  <a:srgbClr val="0E0E0E"/>
+                </a:solidFill>
+              </a:rPr>
+              <a:t> :</a:t>
+            </a:r>
+          </a:p>
+          <a:p>
+            <a:pPr lvl="1"/>
+            <a:r>
+              <a:rPr lang="fr-FR" dirty="0">
+                <a:solidFill>
+                  <a:srgbClr val="0E0E0E"/>
+                </a:solidFill>
+                <a:effectLst/>
+              </a:rPr>
+              <a:t>Ansible dispose de centaines de modules couvrant divers aspects de l’administration des systèmes, de la gestion de la configuration, et du déploiement d’applications</a:t>
             </a:r>
           </a:p>
         </p:txBody>
@@ -10399,7 +10939,7 @@
           <p:cNvPr id="2" name="Titre 1">
             <a:extLst>
               <a:ext uri="{FF2B5EF4-FFF2-40B4-BE49-F238E27FC236}">
-                <a16:creationId xmlns:a16="http://schemas.microsoft.com/office/drawing/2014/main" id="{6A204DD4-5828-E7F4-698E-9F618D3117BA}"/>
+                <a16:creationId xmlns:a16="http://schemas.microsoft.com/office/drawing/2014/main" id="{0052C339-44E4-2CCB-491F-F17B93976516}"/>
               </a:ext>
             </a:extLst>
           </p:cNvPr>
@@ -10412,474 +10952,238 @@
         </p:nvSpPr>
         <p:spPr/>
         <p:txBody>
-          <a:bodyPr/>
+          <a:bodyPr>
+            <a:normAutofit/>
+          </a:bodyPr>
           <a:lstStyle/>
           <a:p>
             <a:r>
               <a:rPr lang="fr-FR" dirty="0"/>
-              <a:t>Ansible – Top </a:t>
-            </a:r>
-            <a:r>
-              <a:rPr lang="fr-FR" dirty="0" err="1"/>
-              <a:t>Commands</a:t>
-            </a:r>
-            <a:endParaRPr lang="fr-FR" dirty="0"/>
-          </a:p>
-        </p:txBody>
-      </p:sp>
-      <p:sp>
-        <p:nvSpPr>
-          <p:cNvPr id="3" name="Espace réservé du contenu 2">
-            <a:extLst>
-              <a:ext uri="{FF2B5EF4-FFF2-40B4-BE49-F238E27FC236}">
-                <a16:creationId xmlns:a16="http://schemas.microsoft.com/office/drawing/2014/main" id="{DC0B77DA-F1AE-F253-507F-93ECC6F4A083}"/>
-              </a:ext>
-            </a:extLst>
-          </p:cNvPr>
-          <p:cNvSpPr>
-            <a:spLocks noGrp="1"/>
-          </p:cNvSpPr>
-          <p:nvPr>
-            <p:ph idx="1"/>
-          </p:nvPr>
-        </p:nvSpPr>
+              <a:t>Ansible – Module</a:t>
+            </a:r>
+          </a:p>
+        </p:txBody>
+      </p:sp>
+      <p:pic>
+        <p:nvPicPr>
+          <p:cNvPr id="5" name="Image 4">
+            <a:extLst>
+              <a:ext uri="{FF2B5EF4-FFF2-40B4-BE49-F238E27FC236}">
+                <a16:creationId xmlns:a16="http://schemas.microsoft.com/office/drawing/2014/main" id="{7C8F72B6-2777-62C8-C7DE-C62E19F98793}"/>
+              </a:ext>
+            </a:extLst>
+          </p:cNvPr>
+          <p:cNvPicPr>
+            <a:picLocks noChangeAspect="1"/>
+          </p:cNvPicPr>
+          <p:nvPr/>
+        </p:nvPicPr>
+        <p:blipFill>
+          <a:blip r:embed="rId3"/>
+          <a:stretch>
+            <a:fillRect/>
+          </a:stretch>
+        </p:blipFill>
         <p:spPr>
           <a:xfrm>
-            <a:off x="571500" y="2112021"/>
-            <a:ext cx="11250964" cy="4056690"/>
+            <a:off x="10312850" y="666694"/>
+            <a:ext cx="1129289" cy="1129289"/>
           </a:xfrm>
+          <a:prstGeom prst="rect">
+            <a:avLst/>
+          </a:prstGeom>
         </p:spPr>
-        <p:txBody>
-          <a:bodyPr>
-            <a:normAutofit fontScale="55000" lnSpcReduction="20000"/>
-          </a:bodyPr>
+      </p:pic>
+      <p:pic>
+        <p:nvPicPr>
+          <p:cNvPr id="3" name="Image 2">
+            <a:extLst>
+              <a:ext uri="{FF2B5EF4-FFF2-40B4-BE49-F238E27FC236}">
+                <a16:creationId xmlns:a16="http://schemas.microsoft.com/office/drawing/2014/main" id="{85936707-CCE0-505A-AE87-0FE76E9B78EC}"/>
+              </a:ext>
+            </a:extLst>
+          </p:cNvPr>
+          <p:cNvPicPr>
+            <a:picLocks noChangeAspect="1"/>
+          </p:cNvPicPr>
+          <p:nvPr/>
+        </p:nvPicPr>
+        <p:blipFill>
+          <a:blip r:embed="rId4"/>
+          <a:stretch>
+            <a:fillRect/>
+          </a:stretch>
+        </p:blipFill>
+        <p:spPr>
+          <a:xfrm>
+            <a:off x="3146044" y="2009517"/>
+            <a:ext cx="5613400" cy="4127500"/>
+          </a:xfrm>
+          <a:prstGeom prst="rect">
+            <a:avLst/>
+          </a:prstGeom>
+        </p:spPr>
+      </p:pic>
+      <p:sp>
+        <p:nvSpPr>
+          <p:cNvPr id="4" name="Rectangle 3">
+            <a:extLst>
+              <a:ext uri="{FF2B5EF4-FFF2-40B4-BE49-F238E27FC236}">
+                <a16:creationId xmlns:a16="http://schemas.microsoft.com/office/drawing/2014/main" id="{B7EB5116-8006-35FD-031E-3032414E2561}"/>
+              </a:ext>
+            </a:extLst>
+          </p:cNvPr>
+          <p:cNvSpPr/>
+          <p:nvPr/>
+        </p:nvSpPr>
+        <p:spPr>
+          <a:xfrm>
+            <a:off x="3611880" y="3246120"/>
+            <a:ext cx="4681728" cy="640080"/>
+          </a:xfrm>
+          <a:prstGeom prst="rect">
+            <a:avLst/>
+          </a:prstGeom>
+          <a:noFill/>
+          <a:ln>
+            <a:solidFill>
+              <a:srgbClr val="00B050"/>
+            </a:solidFill>
+          </a:ln>
+        </p:spPr>
+        <p:style>
+          <a:lnRef idx="2">
+            <a:schemeClr val="accent1">
+              <a:shade val="15000"/>
+            </a:schemeClr>
+          </a:lnRef>
+          <a:fillRef idx="1">
+            <a:schemeClr val="accent1"/>
+          </a:fillRef>
+          <a:effectRef idx="0">
+            <a:schemeClr val="accent1"/>
+          </a:effectRef>
+          <a:fontRef idx="minor">
+            <a:schemeClr val="lt1"/>
+          </a:fontRef>
+        </p:style>
+        <p:txBody>
+          <a:bodyPr rtlCol="0" anchor="ctr"/>
           <a:lstStyle/>
           <a:p>
-            <a:r>
-              <a:rPr lang="fr-FR" dirty="0">
-                <a:solidFill>
-                  <a:srgbClr val="0E0E0E"/>
-                </a:solidFill>
-                <a:effectLst/>
-              </a:rPr>
-              <a:t>Exécute des tâches </a:t>
-            </a:r>
-            <a:r>
-              <a:rPr lang="fr-FR" dirty="0" err="1">
-                <a:solidFill>
-                  <a:srgbClr val="0E0E0E"/>
-                </a:solidFill>
-                <a:effectLst/>
-              </a:rPr>
-              <a:t>Ad-Hoc</a:t>
-            </a:r>
-            <a:r>
-              <a:rPr lang="fr-FR" dirty="0">
-                <a:solidFill>
-                  <a:srgbClr val="0E0E0E"/>
-                </a:solidFill>
-                <a:effectLst/>
-              </a:rPr>
-              <a:t> sur un ou plusieurs hôtes spécifiés dans un inventaire :</a:t>
-            </a:r>
-            <a:endParaRPr lang="fr-FR" dirty="0"/>
-          </a:p>
-          <a:p>
-            <a:pPr lvl="1"/>
-            <a:r>
-              <a:rPr lang="fr-FR" i="1" dirty="0">
-                <a:solidFill>
-                  <a:srgbClr val="00B050"/>
-                </a:solidFill>
-              </a:rPr>
-              <a:t>ansible all -m ping</a:t>
-            </a:r>
-          </a:p>
-          <a:p>
-            <a:r>
-              <a:rPr lang="fr-FR" dirty="0">
-                <a:solidFill>
-                  <a:srgbClr val="0E0E0E"/>
-                </a:solidFill>
-                <a:effectLst/>
-              </a:rPr>
-              <a:t>Exécute un </a:t>
-            </a:r>
-            <a:r>
-              <a:rPr lang="fr-FR" dirty="0" err="1">
-                <a:solidFill>
-                  <a:srgbClr val="0E0E0E"/>
-                </a:solidFill>
-                <a:effectLst/>
-              </a:rPr>
-              <a:t>playbook</a:t>
-            </a:r>
-            <a:r>
-              <a:rPr lang="fr-FR" dirty="0">
-                <a:solidFill>
-                  <a:srgbClr val="0E0E0E"/>
-                </a:solidFill>
-                <a:effectLst/>
-              </a:rPr>
-              <a:t> Ansible, qui est un ensemble de tâches organisées pour configurer un ou plusieurs hôtes :</a:t>
-            </a:r>
-          </a:p>
-          <a:p>
-            <a:pPr lvl="1"/>
-            <a:r>
-              <a:rPr lang="fr-FR" i="1" dirty="0">
-                <a:solidFill>
-                  <a:srgbClr val="00B050"/>
-                </a:solidFill>
-              </a:rPr>
-              <a:t>ansible-</a:t>
-            </a:r>
-            <a:r>
-              <a:rPr lang="fr-FR" i="1" dirty="0" err="1">
-                <a:solidFill>
-                  <a:srgbClr val="00B050"/>
-                </a:solidFill>
-              </a:rPr>
-              <a:t>playbook</a:t>
-            </a:r>
-            <a:r>
-              <a:rPr lang="fr-FR" i="1" dirty="0">
-                <a:solidFill>
-                  <a:srgbClr val="00B050"/>
-                </a:solidFill>
-              </a:rPr>
-              <a:t> </a:t>
-            </a:r>
-            <a:r>
-              <a:rPr lang="fr-FR" i="1" dirty="0" err="1">
-                <a:solidFill>
-                  <a:srgbClr val="00B050"/>
-                </a:solidFill>
-              </a:rPr>
-              <a:t>site.yml</a:t>
-            </a:r>
-            <a:endParaRPr lang="fr-FR" i="1" dirty="0">
-              <a:solidFill>
-                <a:srgbClr val="00B050"/>
-              </a:solidFill>
-            </a:endParaRPr>
-          </a:p>
-          <a:p>
-            <a:r>
-              <a:rPr lang="fr-FR" dirty="0">
-                <a:solidFill>
-                  <a:srgbClr val="0E0E0E"/>
-                </a:solidFill>
-                <a:effectLst/>
-              </a:rPr>
-              <a:t>Gère les rôles Ansible, y compris l’installation, la suppression et la création de rôles à partir d’Ansible Galaxy :</a:t>
-            </a:r>
-          </a:p>
-          <a:p>
-            <a:pPr lvl="1"/>
-            <a:r>
-              <a:rPr lang="fr-FR" i="1" dirty="0">
-                <a:solidFill>
-                  <a:srgbClr val="00B050"/>
-                </a:solidFill>
-              </a:rPr>
-              <a:t>ansible-</a:t>
-            </a:r>
-            <a:r>
-              <a:rPr lang="fr-FR" i="1" dirty="0" err="1">
-                <a:solidFill>
-                  <a:srgbClr val="00B050"/>
-                </a:solidFill>
-              </a:rPr>
-              <a:t>galaxy</a:t>
-            </a:r>
-            <a:r>
-              <a:rPr lang="fr-FR" i="1" dirty="0">
-                <a:solidFill>
-                  <a:srgbClr val="00B050"/>
-                </a:solidFill>
-              </a:rPr>
-              <a:t> </a:t>
-            </a:r>
-            <a:r>
-              <a:rPr lang="fr-FR" i="1" dirty="0" err="1">
-                <a:solidFill>
-                  <a:srgbClr val="00B050"/>
-                </a:solidFill>
-              </a:rPr>
-              <a:t>install</a:t>
-            </a:r>
-            <a:r>
-              <a:rPr lang="fr-FR" i="1" dirty="0">
-                <a:solidFill>
-                  <a:srgbClr val="00B050"/>
-                </a:solidFill>
-              </a:rPr>
-              <a:t> </a:t>
-            </a:r>
-            <a:r>
-              <a:rPr lang="fr-FR" i="1" dirty="0" err="1">
-                <a:solidFill>
-                  <a:srgbClr val="00B050"/>
-                </a:solidFill>
-              </a:rPr>
-              <a:t>geerlingguy.nginx</a:t>
-            </a:r>
-            <a:endParaRPr lang="fr-FR" i="1" dirty="0">
-              <a:solidFill>
-                <a:srgbClr val="00B050"/>
-              </a:solidFill>
-            </a:endParaRPr>
-          </a:p>
-          <a:p>
-            <a:r>
-              <a:rPr lang="fr-FR" dirty="0">
-                <a:solidFill>
-                  <a:srgbClr val="0E0E0E"/>
-                </a:solidFill>
-                <a:effectLst/>
-              </a:rPr>
-              <a:t>Affiche ou modifie le contenu des fichiers d’inventaire :</a:t>
-            </a:r>
-          </a:p>
-          <a:p>
-            <a:pPr lvl="1"/>
-            <a:r>
-              <a:rPr lang="fr-FR" i="1" dirty="0">
-                <a:solidFill>
-                  <a:srgbClr val="00B050"/>
-                </a:solidFill>
-              </a:rPr>
-              <a:t>ansible-</a:t>
-            </a:r>
-            <a:r>
-              <a:rPr lang="fr-FR" i="1" dirty="0" err="1">
-                <a:solidFill>
-                  <a:srgbClr val="00B050"/>
-                </a:solidFill>
-              </a:rPr>
-              <a:t>inventory</a:t>
-            </a:r>
-            <a:r>
-              <a:rPr lang="fr-FR" i="1" dirty="0">
-                <a:solidFill>
-                  <a:srgbClr val="00B050"/>
-                </a:solidFill>
-              </a:rPr>
-              <a:t> --</a:t>
-            </a:r>
-            <a:r>
-              <a:rPr lang="fr-FR" i="1" dirty="0" err="1">
-                <a:solidFill>
-                  <a:srgbClr val="00B050"/>
-                </a:solidFill>
-              </a:rPr>
-              <a:t>list</a:t>
-            </a:r>
-            <a:r>
-              <a:rPr lang="fr-FR" i="1" dirty="0">
-                <a:solidFill>
-                  <a:srgbClr val="00B050"/>
-                </a:solidFill>
-              </a:rPr>
-              <a:t> –y</a:t>
-            </a:r>
-          </a:p>
-          <a:p>
-            <a:r>
-              <a:rPr lang="fr-FR" dirty="0">
-                <a:solidFill>
-                  <a:srgbClr val="0E0E0E"/>
-                </a:solidFill>
-                <a:effectLst/>
-              </a:rPr>
-              <a:t>Gère les fichiers chiffrés par Ansible Vault pour sécuriser les informations sensibles :</a:t>
-            </a:r>
-            <a:endParaRPr lang="fr-FR" dirty="0"/>
-          </a:p>
-          <a:p>
-            <a:pPr lvl="1"/>
-            <a:r>
-              <a:rPr lang="fr-FR" i="1" dirty="0">
-                <a:solidFill>
-                  <a:srgbClr val="00B050"/>
-                </a:solidFill>
-              </a:rPr>
-              <a:t>ansible-</a:t>
-            </a:r>
-            <a:r>
-              <a:rPr lang="fr-FR" i="1" dirty="0" err="1">
-                <a:solidFill>
-                  <a:srgbClr val="00B050"/>
-                </a:solidFill>
-              </a:rPr>
-              <a:t>vault</a:t>
-            </a:r>
-            <a:r>
-              <a:rPr lang="fr-FR" i="1" dirty="0">
-                <a:solidFill>
-                  <a:srgbClr val="00B050"/>
-                </a:solidFill>
-              </a:rPr>
-              <a:t> </a:t>
-            </a:r>
-            <a:r>
-              <a:rPr lang="fr-FR" i="1" dirty="0" err="1">
-                <a:solidFill>
-                  <a:srgbClr val="00B050"/>
-                </a:solidFill>
-              </a:rPr>
-              <a:t>create</a:t>
-            </a:r>
-            <a:r>
-              <a:rPr lang="fr-FR" i="1" dirty="0">
-                <a:solidFill>
-                  <a:srgbClr val="00B050"/>
-                </a:solidFill>
-              </a:rPr>
-              <a:t> </a:t>
-            </a:r>
-            <a:r>
-              <a:rPr lang="fr-FR" i="1" dirty="0" err="1">
-                <a:solidFill>
-                  <a:srgbClr val="00B050"/>
-                </a:solidFill>
-              </a:rPr>
-              <a:t>secrets.yml</a:t>
-            </a:r>
-            <a:endParaRPr lang="fr-FR" i="1" dirty="0">
-              <a:solidFill>
-                <a:srgbClr val="00B050"/>
-              </a:solidFill>
-            </a:endParaRPr>
-          </a:p>
-          <a:p>
-            <a:r>
-              <a:rPr lang="fr-FR" dirty="0">
-                <a:solidFill>
-                  <a:srgbClr val="0E0E0E"/>
-                </a:solidFill>
-                <a:effectLst/>
-              </a:rPr>
-              <a:t>Affiche la documentation des modules Ansible :</a:t>
-            </a:r>
-          </a:p>
-          <a:p>
-            <a:pPr lvl="1"/>
-            <a:r>
-              <a:rPr lang="fr-FR" i="1" dirty="0">
-                <a:solidFill>
-                  <a:srgbClr val="00B050"/>
-                </a:solidFill>
-              </a:rPr>
-              <a:t>ansible-doc </a:t>
-            </a:r>
-            <a:r>
-              <a:rPr lang="fr-FR" i="1" dirty="0" err="1">
-                <a:solidFill>
-                  <a:srgbClr val="00B050"/>
-                </a:solidFill>
-              </a:rPr>
-              <a:t>apt</a:t>
-            </a:r>
-            <a:endParaRPr lang="fr-FR" i="1" dirty="0">
-              <a:solidFill>
-                <a:srgbClr val="00B050"/>
-              </a:solidFill>
-            </a:endParaRPr>
-          </a:p>
-          <a:p>
-            <a:r>
-              <a:rPr lang="fr-FR" dirty="0">
-                <a:solidFill>
-                  <a:srgbClr val="0E0E0E"/>
-                </a:solidFill>
-                <a:effectLst/>
-              </a:rPr>
-              <a:t>Gère et inspecte les fichiers de configuration Ansible</a:t>
-            </a:r>
-          </a:p>
-          <a:p>
-            <a:pPr lvl="1"/>
-            <a:r>
-              <a:rPr lang="fr-FR" i="1" dirty="0">
-                <a:solidFill>
-                  <a:srgbClr val="00B050"/>
-                </a:solidFill>
-              </a:rPr>
-              <a:t>ansible-</a:t>
-            </a:r>
-            <a:r>
-              <a:rPr lang="fr-FR" i="1" dirty="0" err="1">
-                <a:solidFill>
-                  <a:srgbClr val="00B050"/>
-                </a:solidFill>
-              </a:rPr>
-              <a:t>lint</a:t>
-            </a:r>
-            <a:r>
-              <a:rPr lang="fr-FR" i="1" dirty="0">
-                <a:solidFill>
-                  <a:srgbClr val="00B050"/>
-                </a:solidFill>
-              </a:rPr>
-              <a:t> </a:t>
-            </a:r>
-            <a:r>
-              <a:rPr lang="fr-FR" i="1" dirty="0" err="1">
-                <a:solidFill>
-                  <a:srgbClr val="00B050"/>
-                </a:solidFill>
-              </a:rPr>
-              <a:t>site.yml</a:t>
-            </a:r>
-            <a:endParaRPr lang="fr-FR" i="1" dirty="0">
-              <a:solidFill>
-                <a:srgbClr val="00B050"/>
-              </a:solidFill>
-            </a:endParaRPr>
-          </a:p>
-          <a:p>
-            <a:r>
-              <a:rPr lang="fr-FR" dirty="0">
-                <a:solidFill>
-                  <a:srgbClr val="0E0E0E"/>
-                </a:solidFill>
-                <a:effectLst/>
-              </a:rPr>
-              <a:t>Commande utilisée pour tester Ansible lui-même, souvent utilisée dans les environnements de développement :</a:t>
-            </a:r>
-          </a:p>
-          <a:p>
-            <a:pPr lvl="1"/>
-            <a:r>
-              <a:rPr lang="fr-FR" i="1" dirty="0">
-                <a:solidFill>
-                  <a:srgbClr val="00B050"/>
-                </a:solidFill>
-              </a:rPr>
-              <a:t>ansible-test </a:t>
-            </a:r>
-            <a:r>
-              <a:rPr lang="fr-FR" i="1" dirty="0" err="1">
-                <a:solidFill>
-                  <a:srgbClr val="00B050"/>
-                </a:solidFill>
-              </a:rPr>
-              <a:t>units</a:t>
-            </a:r>
-            <a:endParaRPr lang="fr-FR" i="1" dirty="0">
-              <a:solidFill>
-                <a:srgbClr val="00B050"/>
-              </a:solidFill>
-            </a:endParaRPr>
+            <a:pPr algn="ctr"/>
+            <a:endParaRPr lang="fr-FR"/>
+          </a:p>
+        </p:txBody>
+      </p:sp>
+      <p:sp>
+        <p:nvSpPr>
+          <p:cNvPr id="7" name="Rectangle 6">
+            <a:extLst>
+              <a:ext uri="{FF2B5EF4-FFF2-40B4-BE49-F238E27FC236}">
+                <a16:creationId xmlns:a16="http://schemas.microsoft.com/office/drawing/2014/main" id="{4C921FB5-CBE3-C7ED-CFE4-1CC44F6FFFCE}"/>
+              </a:ext>
+            </a:extLst>
+          </p:cNvPr>
+          <p:cNvSpPr/>
+          <p:nvPr/>
+        </p:nvSpPr>
+        <p:spPr>
+          <a:xfrm>
+            <a:off x="3755136" y="4051487"/>
+            <a:ext cx="4681728" cy="779457"/>
+          </a:xfrm>
+          <a:prstGeom prst="rect">
+            <a:avLst/>
+          </a:prstGeom>
+          <a:noFill/>
+          <a:ln>
+            <a:solidFill>
+              <a:srgbClr val="00B050"/>
+            </a:solidFill>
+          </a:ln>
+        </p:spPr>
+        <p:style>
+          <a:lnRef idx="2">
+            <a:schemeClr val="accent1">
+              <a:shade val="15000"/>
+            </a:schemeClr>
+          </a:lnRef>
+          <a:fillRef idx="1">
+            <a:schemeClr val="accent1"/>
+          </a:fillRef>
+          <a:effectRef idx="0">
+            <a:schemeClr val="accent1"/>
+          </a:effectRef>
+          <a:fontRef idx="minor">
+            <a:schemeClr val="lt1"/>
+          </a:fontRef>
+        </p:style>
+        <p:txBody>
+          <a:bodyPr rtlCol="0" anchor="ctr"/>
+          <a:lstStyle/>
+          <a:p>
+            <a:pPr algn="ctr"/>
+            <a:endParaRPr lang="fr-FR"/>
+          </a:p>
+        </p:txBody>
+      </p:sp>
+      <p:sp>
+        <p:nvSpPr>
+          <p:cNvPr id="9" name="Rectangle 8">
+            <a:extLst>
+              <a:ext uri="{FF2B5EF4-FFF2-40B4-BE49-F238E27FC236}">
+                <a16:creationId xmlns:a16="http://schemas.microsoft.com/office/drawing/2014/main" id="{247A2C61-3ABF-C9C8-58C5-98F7E8FDAF27}"/>
+              </a:ext>
+            </a:extLst>
+          </p:cNvPr>
+          <p:cNvSpPr/>
+          <p:nvPr/>
+        </p:nvSpPr>
+        <p:spPr>
+          <a:xfrm>
+            <a:off x="3755136" y="4999676"/>
+            <a:ext cx="4681728" cy="1069351"/>
+          </a:xfrm>
+          <a:prstGeom prst="rect">
+            <a:avLst/>
+          </a:prstGeom>
+          <a:noFill/>
+          <a:ln>
+            <a:solidFill>
+              <a:srgbClr val="00B050"/>
+            </a:solidFill>
+          </a:ln>
+        </p:spPr>
+        <p:style>
+          <a:lnRef idx="2">
+            <a:schemeClr val="accent1">
+              <a:shade val="15000"/>
+            </a:schemeClr>
+          </a:lnRef>
+          <a:fillRef idx="1">
+            <a:schemeClr val="accent1"/>
+          </a:fillRef>
+          <a:effectRef idx="0">
+            <a:schemeClr val="accent1"/>
+          </a:effectRef>
+          <a:fontRef idx="minor">
+            <a:schemeClr val="lt1"/>
+          </a:fontRef>
+        </p:style>
+        <p:txBody>
+          <a:bodyPr rtlCol="0" anchor="ctr"/>
+          <a:lstStyle/>
+          <a:p>
+            <a:pPr algn="ctr"/>
+            <a:endParaRPr lang="fr-FR"/>
           </a:p>
         </p:txBody>
       </p:sp>
     </p:spTree>
     <p:extLst>
       <p:ext uri="{BB962C8B-B14F-4D97-AF65-F5344CB8AC3E}">
-        <p14:creationId xmlns:p14="http://schemas.microsoft.com/office/powerpoint/2010/main" val="1777504977"/>
+        <p14:creationId xmlns:p14="http://schemas.microsoft.com/office/powerpoint/2010/main" val="3691237493"/>
       </p:ext>
     </p:extLst>
   </p:cSld>
@@ -10911,7 +11215,7 @@
           <p:cNvPr id="2" name="Titre 1">
             <a:extLst>
               <a:ext uri="{FF2B5EF4-FFF2-40B4-BE49-F238E27FC236}">
-                <a16:creationId xmlns:a16="http://schemas.microsoft.com/office/drawing/2014/main" id="{6A204DD4-5828-E7F4-698E-9F618D3117BA}"/>
+                <a16:creationId xmlns:a16="http://schemas.microsoft.com/office/drawing/2014/main" id="{0052C339-44E4-2CCB-491F-F17B93976516}"/>
               </a:ext>
             </a:extLst>
           </p:cNvPr>
@@ -10924,109 +11228,1129 @@
         </p:nvSpPr>
         <p:spPr/>
         <p:txBody>
-          <a:bodyPr/>
+          <a:bodyPr>
+            <a:normAutofit/>
+          </a:bodyPr>
           <a:lstStyle/>
           <a:p>
             <a:r>
               <a:rPr lang="fr-FR" dirty="0"/>
-              <a:t>Ansible – </a:t>
-            </a:r>
-            <a:r>
-              <a:rPr lang="fr-FR" dirty="0" err="1"/>
-              <a:t>Syntax</a:t>
-            </a:r>
-            <a:r>
-              <a:rPr lang="fr-FR" dirty="0"/>
-              <a:t> &amp; </a:t>
-            </a:r>
-            <a:r>
-              <a:rPr lang="fr-FR" dirty="0" err="1"/>
-              <a:t>Glossary</a:t>
-            </a:r>
-            <a:endParaRPr lang="fr-FR" dirty="0"/>
-          </a:p>
-        </p:txBody>
-      </p:sp>
-      <p:sp>
-        <p:nvSpPr>
-          <p:cNvPr id="3" name="Espace réservé du contenu 2">
-            <a:extLst>
-              <a:ext uri="{FF2B5EF4-FFF2-40B4-BE49-F238E27FC236}">
-                <a16:creationId xmlns:a16="http://schemas.microsoft.com/office/drawing/2014/main" id="{DC0B77DA-F1AE-F253-507F-93ECC6F4A083}"/>
-              </a:ext>
-            </a:extLst>
-          </p:cNvPr>
-          <p:cNvSpPr>
-            <a:spLocks noGrp="1"/>
-          </p:cNvSpPr>
-          <p:nvPr>
-            <p:ph idx="1"/>
-          </p:nvPr>
-        </p:nvSpPr>
+              <a:t>Ansible – Modules</a:t>
+            </a:r>
+          </a:p>
+        </p:txBody>
+      </p:sp>
+      <p:pic>
+        <p:nvPicPr>
+          <p:cNvPr id="5" name="Image 4">
+            <a:extLst>
+              <a:ext uri="{FF2B5EF4-FFF2-40B4-BE49-F238E27FC236}">
+                <a16:creationId xmlns:a16="http://schemas.microsoft.com/office/drawing/2014/main" id="{7C8F72B6-2777-62C8-C7DE-C62E19F98793}"/>
+              </a:ext>
+            </a:extLst>
+          </p:cNvPr>
+          <p:cNvPicPr>
+            <a:picLocks noChangeAspect="1"/>
+          </p:cNvPicPr>
+          <p:nvPr/>
+        </p:nvPicPr>
+        <p:blipFill>
+          <a:blip r:embed="rId3"/>
+          <a:stretch>
+            <a:fillRect/>
+          </a:stretch>
+        </p:blipFill>
         <p:spPr>
           <a:xfrm>
-            <a:off x="566094" y="2723052"/>
-            <a:ext cx="11059811" cy="2585324"/>
+            <a:off x="10312850" y="666694"/>
+            <a:ext cx="1129289" cy="1129289"/>
           </a:xfrm>
+          <a:prstGeom prst="rect">
+            <a:avLst/>
+          </a:prstGeom>
         </p:spPr>
-        <p:txBody>
-          <a:bodyPr/>
+      </p:pic>
+      <p:sp>
+        <p:nvSpPr>
+          <p:cNvPr id="6" name="ZoneTexte 5">
+            <a:extLst>
+              <a:ext uri="{FF2B5EF4-FFF2-40B4-BE49-F238E27FC236}">
+                <a16:creationId xmlns:a16="http://schemas.microsoft.com/office/drawing/2014/main" id="{57FE29B7-9B5B-9DB0-90FA-2800CCB48C4D}"/>
+              </a:ext>
+            </a:extLst>
+          </p:cNvPr>
+          <p:cNvSpPr txBox="1"/>
+          <p:nvPr/>
+        </p:nvSpPr>
+        <p:spPr>
+          <a:xfrm>
+            <a:off x="1922870" y="2160574"/>
+            <a:ext cx="8575489" cy="3416320"/>
+          </a:xfrm>
+          <a:prstGeom prst="rect">
+            <a:avLst/>
+          </a:prstGeom>
+          <a:noFill/>
+        </p:spPr>
+        <p:txBody>
+          <a:bodyPr wrap="none" rtlCol="0">
+            <a:spAutoFit/>
+          </a:bodyPr>
           <a:lstStyle/>
           <a:p>
             <a:r>
-              <a:rPr lang="fr-FR" b="1" dirty="0"/>
-              <a:t>YAML </a:t>
-            </a:r>
-            <a:r>
-              <a:rPr lang="fr-FR" b="1" dirty="0" err="1"/>
-              <a:t>Syntax</a:t>
-            </a:r>
+              <a:rPr lang="fr-FR" b="1" dirty="0">
+                <a:solidFill>
+                  <a:srgbClr val="0E0E0E"/>
+                </a:solidFill>
+                <a:effectLst/>
+              </a:rPr>
+              <a:t>Modules de Gestion de Paquets</a:t>
+            </a:r>
+          </a:p>
+          <a:p>
+            <a:pPr marL="285750" indent="-285750">
+              <a:buFont typeface="Arial" panose="020B0604020202020204" pitchFamily="34" charset="0"/>
+              <a:buChar char="•"/>
+            </a:pPr>
+            <a:r>
+              <a:rPr lang="fr-FR" b="1" dirty="0" err="1">
+                <a:solidFill>
+                  <a:srgbClr val="0E0E0E"/>
+                </a:solidFill>
+                <a:effectLst/>
+              </a:rPr>
+              <a:t>apt</a:t>
+            </a:r>
+            <a:r>
+              <a:rPr lang="fr-FR" dirty="0">
+                <a:solidFill>
+                  <a:srgbClr val="0E0E0E"/>
+                </a:solidFill>
+                <a:effectLst/>
+              </a:rPr>
+              <a:t> : Gère les paquets sur les systèmes basés sur Debian/Ubuntu.</a:t>
+            </a:r>
+          </a:p>
+          <a:p>
+            <a:pPr marL="285750" indent="-285750">
+              <a:buFont typeface="Arial" panose="020B0604020202020204" pitchFamily="34" charset="0"/>
+              <a:buChar char="•"/>
+            </a:pPr>
+            <a:r>
+              <a:rPr lang="fr-FR" b="1" dirty="0" err="1">
+                <a:solidFill>
+                  <a:srgbClr val="0E0E0E"/>
+                </a:solidFill>
+                <a:effectLst/>
+              </a:rPr>
+              <a:t>yum</a:t>
+            </a:r>
+            <a:r>
+              <a:rPr lang="fr-FR" dirty="0">
+                <a:solidFill>
+                  <a:srgbClr val="0E0E0E"/>
+                </a:solidFill>
+                <a:effectLst/>
+              </a:rPr>
+              <a:t> : Gère les paquets sur les systèmes basés sur Red Hat/CentOS.</a:t>
+            </a:r>
+          </a:p>
+          <a:p>
+            <a:pPr marL="285750" indent="-285750">
+              <a:buFont typeface="Arial" panose="020B0604020202020204" pitchFamily="34" charset="0"/>
+              <a:buChar char="•"/>
+            </a:pPr>
+            <a:r>
+              <a:rPr lang="fr-FR" b="1" dirty="0" err="1">
+                <a:solidFill>
+                  <a:srgbClr val="0E0E0E"/>
+                </a:solidFill>
+                <a:effectLst/>
+              </a:rPr>
+              <a:t>dnf</a:t>
+            </a:r>
+            <a:r>
+              <a:rPr lang="fr-FR" dirty="0">
+                <a:solidFill>
+                  <a:srgbClr val="0E0E0E"/>
+                </a:solidFill>
+                <a:effectLst/>
+              </a:rPr>
+              <a:t> : Remplaçant de </a:t>
+            </a:r>
+            <a:r>
+              <a:rPr lang="fr-FR" dirty="0" err="1">
+                <a:solidFill>
+                  <a:srgbClr val="0E0E0E"/>
+                </a:solidFill>
+                <a:effectLst/>
+              </a:rPr>
+              <a:t>yum</a:t>
+            </a:r>
+            <a:r>
+              <a:rPr lang="fr-FR" dirty="0">
+                <a:solidFill>
+                  <a:srgbClr val="0E0E0E"/>
+                </a:solidFill>
+                <a:effectLst/>
+              </a:rPr>
+              <a:t>, utilisé sur les versions récentes de Red Hat/CentOS.</a:t>
+            </a:r>
+          </a:p>
+          <a:p>
+            <a:pPr marL="285750" indent="-285750">
+              <a:buFont typeface="Arial" panose="020B0604020202020204" pitchFamily="34" charset="0"/>
+              <a:buChar char="•"/>
+            </a:pPr>
+            <a:r>
+              <a:rPr lang="fr-FR" b="1" dirty="0">
+                <a:solidFill>
+                  <a:srgbClr val="0E0E0E"/>
+                </a:solidFill>
+                <a:effectLst/>
+              </a:rPr>
+              <a:t>package</a:t>
+            </a:r>
+            <a:r>
+              <a:rPr lang="fr-FR" dirty="0">
+                <a:solidFill>
+                  <a:srgbClr val="0E0E0E"/>
+                </a:solidFill>
+                <a:effectLst/>
+              </a:rPr>
+              <a:t> : Interface générique pour les gestionnaires de paquets.</a:t>
+            </a:r>
+          </a:p>
+          <a:p>
             <a:endParaRPr lang="fr-FR" b="1" dirty="0">
-              <a:hlinkClick r:id="rId2"/>
+              <a:solidFill>
+                <a:srgbClr val="0E0E0E"/>
+              </a:solidFill>
             </a:endParaRPr>
           </a:p>
           <a:p>
-            <a:pPr lvl="1"/>
+            <a:r>
+              <a:rPr lang="fr-FR" b="1" dirty="0">
+                <a:solidFill>
+                  <a:srgbClr val="0E0E0E"/>
+                </a:solidFill>
+                <a:effectLst/>
+              </a:rPr>
+              <a:t>Modules de Gestion de Fichiers</a:t>
+            </a:r>
+            <a:endParaRPr lang="fr-FR" dirty="0">
+              <a:solidFill>
+                <a:srgbClr val="0E0E0E"/>
+              </a:solidFill>
+              <a:effectLst/>
+            </a:endParaRPr>
+          </a:p>
+          <a:p>
+            <a:pPr marL="285750" indent="-285750">
+              <a:buFont typeface="Arial" panose="020B0604020202020204" pitchFamily="34" charset="0"/>
+              <a:buChar char="•"/>
+            </a:pPr>
+            <a:r>
+              <a:rPr lang="fr-FR" b="1" dirty="0">
+                <a:solidFill>
+                  <a:srgbClr val="0E0E0E"/>
+                </a:solidFill>
+                <a:effectLst/>
+              </a:rPr>
+              <a:t>copy</a:t>
+            </a:r>
             <a:r>
               <a:rPr lang="fr-FR" dirty="0">
-                <a:hlinkClick r:id="rId2"/>
-              </a:rPr>
-              <a:t>https://docs.ansible.com/ansible/latest/reference_appendices/YAMLSyntax.html</a:t>
-            </a:r>
-            <a:r>
-              <a:rPr lang="fr-FR" dirty="0"/>
-              <a:t> </a:t>
-            </a:r>
-          </a:p>
-          <a:p>
-            <a:endParaRPr lang="fr-FR" dirty="0"/>
-          </a:p>
-          <a:p>
-            <a:r>
-              <a:rPr lang="fr-FR" b="1" dirty="0" err="1"/>
-              <a:t>Glossary</a:t>
-            </a:r>
-            <a:endParaRPr lang="fr-FR" b="1" dirty="0"/>
-          </a:p>
-          <a:p>
-            <a:pPr lvl="1"/>
+                <a:solidFill>
+                  <a:srgbClr val="0E0E0E"/>
+                </a:solidFill>
+                <a:effectLst/>
+              </a:rPr>
+              <a:t> : Copie un fichier depuis le système local vers les hôtes distants.</a:t>
+            </a:r>
+          </a:p>
+          <a:p>
+            <a:pPr marL="285750" indent="-285750">
+              <a:buFont typeface="Arial" panose="020B0604020202020204" pitchFamily="34" charset="0"/>
+              <a:buChar char="•"/>
+            </a:pPr>
+            <a:r>
+              <a:rPr lang="fr-FR" b="1" dirty="0">
+                <a:solidFill>
+                  <a:srgbClr val="0E0E0E"/>
+                </a:solidFill>
+                <a:effectLst/>
+              </a:rPr>
+              <a:t>file</a:t>
+            </a:r>
             <a:r>
               <a:rPr lang="fr-FR" dirty="0">
-                <a:hlinkClick r:id="rId3"/>
-              </a:rPr>
-              <a:t>https://docs.ansible.com/ansible/latest/reference_appendices/glossary.html</a:t>
-            </a:r>
-            <a:r>
-              <a:rPr lang="fr-FR" dirty="0"/>
-              <a:t> </a:t>
-            </a:r>
+                <a:solidFill>
+                  <a:srgbClr val="0E0E0E"/>
+                </a:solidFill>
+                <a:effectLst/>
+              </a:rPr>
+              <a:t> : Gère les permissions, les propriétaires et les types de fichiers.</a:t>
+            </a:r>
+          </a:p>
+          <a:p>
+            <a:pPr marL="285750" indent="-285750">
+              <a:buFont typeface="Arial" panose="020B0604020202020204" pitchFamily="34" charset="0"/>
+              <a:buChar char="•"/>
+            </a:pPr>
+            <a:r>
+              <a:rPr lang="fr-FR" b="1" dirty="0" err="1">
+                <a:solidFill>
+                  <a:srgbClr val="0E0E0E"/>
+                </a:solidFill>
+                <a:effectLst/>
+              </a:rPr>
+              <a:t>template</a:t>
+            </a:r>
+            <a:r>
+              <a:rPr lang="fr-FR" dirty="0">
+                <a:solidFill>
+                  <a:srgbClr val="0E0E0E"/>
+                </a:solidFill>
+                <a:effectLst/>
+              </a:rPr>
+              <a:t> : Gère les fichiers Jinja2 </a:t>
+            </a:r>
+            <a:r>
+              <a:rPr lang="fr-FR" dirty="0" err="1">
+                <a:solidFill>
+                  <a:srgbClr val="0E0E0E"/>
+                </a:solidFill>
+                <a:effectLst/>
+              </a:rPr>
+              <a:t>templates</a:t>
+            </a:r>
+            <a:r>
+              <a:rPr lang="fr-FR" dirty="0">
+                <a:solidFill>
+                  <a:srgbClr val="0E0E0E"/>
+                </a:solidFill>
+                <a:effectLst/>
+              </a:rPr>
+              <a:t>.</a:t>
+            </a:r>
+          </a:p>
+          <a:p>
+            <a:pPr marL="285750" indent="-285750">
+              <a:buFont typeface="Arial" panose="020B0604020202020204" pitchFamily="34" charset="0"/>
+              <a:buChar char="•"/>
+            </a:pPr>
+            <a:r>
+              <a:rPr lang="fr-FR" b="1" dirty="0" err="1">
+                <a:solidFill>
+                  <a:srgbClr val="0E0E0E"/>
+                </a:solidFill>
+                <a:effectLst/>
+              </a:rPr>
+              <a:t>fetch</a:t>
+            </a:r>
+            <a:r>
+              <a:rPr lang="fr-FR" dirty="0">
+                <a:solidFill>
+                  <a:srgbClr val="0E0E0E"/>
+                </a:solidFill>
+                <a:effectLst/>
+              </a:rPr>
+              <a:t> : Récupère un fichier depuis un hôte distant vers le contrôleur local.</a:t>
+            </a:r>
+          </a:p>
+          <a:p>
+            <a:endParaRPr lang="fr-FR" dirty="0">
+              <a:solidFill>
+                <a:srgbClr val="0E0E0E"/>
+              </a:solidFill>
+              <a:effectLst/>
+            </a:endParaRPr>
           </a:p>
         </p:txBody>
       </p:sp>
     </p:spTree>
     <p:extLst>
       <p:ext uri="{BB962C8B-B14F-4D97-AF65-F5344CB8AC3E}">
-        <p14:creationId xmlns:p14="http://schemas.microsoft.com/office/powerpoint/2010/main" val="82726537"/>
+        <p14:creationId xmlns:p14="http://schemas.microsoft.com/office/powerpoint/2010/main" val="1722404075"/>
+      </p:ext>
+    </p:extLst>
+  </p:cSld>
+  <p:clrMapOvr>
+    <a:masterClrMapping/>
+  </p:clrMapOvr>
+</p:sld>
+</file>
+
+<file path=ppt/slides/slide28.xml><?xml version="1.0" encoding="utf-8"?>
+<p:sld xmlns:a="http://schemas.openxmlformats.org/drawingml/2006/main" xmlns:r="http://schemas.openxmlformats.org/officeDocument/2006/relationships" xmlns:p="http://schemas.openxmlformats.org/presentationml/2006/main">
+  <p:cSld>
+    <p:spTree>
+      <p:nvGrpSpPr>
+        <p:cNvPr id="1" name=""/>
+        <p:cNvGrpSpPr/>
+        <p:nvPr/>
+      </p:nvGrpSpPr>
+      <p:grpSpPr>
+        <a:xfrm>
+          <a:off x="0" y="0"/>
+          <a:ext cx="0" cy="0"/>
+          <a:chOff x="0" y="0"/>
+          <a:chExt cx="0" cy="0"/>
+        </a:xfrm>
+      </p:grpSpPr>
+      <p:sp>
+        <p:nvSpPr>
+          <p:cNvPr id="2" name="Titre 1">
+            <a:extLst>
+              <a:ext uri="{FF2B5EF4-FFF2-40B4-BE49-F238E27FC236}">
+                <a16:creationId xmlns:a16="http://schemas.microsoft.com/office/drawing/2014/main" id="{0052C339-44E4-2CCB-491F-F17B93976516}"/>
+              </a:ext>
+            </a:extLst>
+          </p:cNvPr>
+          <p:cNvSpPr>
+            <a:spLocks noGrp="1"/>
+          </p:cNvSpPr>
+          <p:nvPr>
+            <p:ph type="title"/>
+          </p:nvPr>
+        </p:nvSpPr>
+        <p:spPr/>
+        <p:txBody>
+          <a:bodyPr>
+            <a:normAutofit/>
+          </a:bodyPr>
+          <a:lstStyle/>
+          <a:p>
+            <a:r>
+              <a:rPr lang="fr-FR" dirty="0"/>
+              <a:t>Ansible – Modules</a:t>
+            </a:r>
+          </a:p>
+        </p:txBody>
+      </p:sp>
+      <p:pic>
+        <p:nvPicPr>
+          <p:cNvPr id="5" name="Image 4">
+            <a:extLst>
+              <a:ext uri="{FF2B5EF4-FFF2-40B4-BE49-F238E27FC236}">
+                <a16:creationId xmlns:a16="http://schemas.microsoft.com/office/drawing/2014/main" id="{7C8F72B6-2777-62C8-C7DE-C62E19F98793}"/>
+              </a:ext>
+            </a:extLst>
+          </p:cNvPr>
+          <p:cNvPicPr>
+            <a:picLocks noChangeAspect="1"/>
+          </p:cNvPicPr>
+          <p:nvPr/>
+        </p:nvPicPr>
+        <p:blipFill>
+          <a:blip r:embed="rId3"/>
+          <a:stretch>
+            <a:fillRect/>
+          </a:stretch>
+        </p:blipFill>
+        <p:spPr>
+          <a:xfrm>
+            <a:off x="10312850" y="666694"/>
+            <a:ext cx="1129289" cy="1129289"/>
+          </a:xfrm>
+          <a:prstGeom prst="rect">
+            <a:avLst/>
+          </a:prstGeom>
+        </p:spPr>
+      </p:pic>
+      <p:sp>
+        <p:nvSpPr>
+          <p:cNvPr id="6" name="ZoneTexte 5">
+            <a:extLst>
+              <a:ext uri="{FF2B5EF4-FFF2-40B4-BE49-F238E27FC236}">
+                <a16:creationId xmlns:a16="http://schemas.microsoft.com/office/drawing/2014/main" id="{57FE29B7-9B5B-9DB0-90FA-2800CCB48C4D}"/>
+              </a:ext>
+            </a:extLst>
+          </p:cNvPr>
+          <p:cNvSpPr txBox="1"/>
+          <p:nvPr/>
+        </p:nvSpPr>
+        <p:spPr>
+          <a:xfrm>
+            <a:off x="1922870" y="2160574"/>
+            <a:ext cx="7130222" cy="3416320"/>
+          </a:xfrm>
+          <a:prstGeom prst="rect">
+            <a:avLst/>
+          </a:prstGeom>
+          <a:noFill/>
+        </p:spPr>
+        <p:txBody>
+          <a:bodyPr wrap="none" rtlCol="0">
+            <a:spAutoFit/>
+          </a:bodyPr>
+          <a:lstStyle/>
+          <a:p>
+            <a:r>
+              <a:rPr lang="fr-FR" b="1" dirty="0">
+                <a:solidFill>
+                  <a:srgbClr val="0E0E0E"/>
+                </a:solidFill>
+                <a:effectLst/>
+              </a:rPr>
+              <a:t>Modules de Gestion d’Utilisateurs et de Groupes</a:t>
+            </a:r>
+          </a:p>
+          <a:p>
+            <a:pPr marL="285750" indent="-285750">
+              <a:buFont typeface="Arial" panose="020B0604020202020204" pitchFamily="34" charset="0"/>
+              <a:buChar char="•"/>
+            </a:pPr>
+            <a:r>
+              <a:rPr lang="fr-FR" b="1" dirty="0">
+                <a:solidFill>
+                  <a:srgbClr val="0E0E0E"/>
+                </a:solidFill>
+                <a:effectLst/>
+              </a:rPr>
+              <a:t>user</a:t>
+            </a:r>
+            <a:r>
+              <a:rPr lang="fr-FR" dirty="0">
+                <a:solidFill>
+                  <a:srgbClr val="0E0E0E"/>
+                </a:solidFill>
+                <a:effectLst/>
+              </a:rPr>
+              <a:t> : Gère les utilisateurs sur les hôtes.</a:t>
+            </a:r>
+          </a:p>
+          <a:p>
+            <a:pPr marL="285750" indent="-285750">
+              <a:buFont typeface="Arial" panose="020B0604020202020204" pitchFamily="34" charset="0"/>
+              <a:buChar char="•"/>
+            </a:pPr>
+            <a:r>
+              <a:rPr lang="fr-FR" b="1" dirty="0">
+                <a:solidFill>
+                  <a:srgbClr val="0E0E0E"/>
+                </a:solidFill>
+                <a:effectLst/>
+              </a:rPr>
+              <a:t>group</a:t>
+            </a:r>
+            <a:r>
+              <a:rPr lang="fr-FR" dirty="0">
+                <a:solidFill>
+                  <a:srgbClr val="0E0E0E"/>
+                </a:solidFill>
+                <a:effectLst/>
+              </a:rPr>
+              <a:t> : Gère les groupes sur les hôtes.</a:t>
+            </a:r>
+          </a:p>
+          <a:p>
+            <a:endParaRPr lang="fr-FR" dirty="0">
+              <a:solidFill>
+                <a:srgbClr val="0E0E0E"/>
+              </a:solidFill>
+              <a:effectLst/>
+            </a:endParaRPr>
+          </a:p>
+          <a:p>
+            <a:r>
+              <a:rPr lang="fr-FR" b="1" dirty="0">
+                <a:solidFill>
+                  <a:srgbClr val="0E0E0E"/>
+                </a:solidFill>
+                <a:effectLst/>
+              </a:rPr>
+              <a:t>Modules de Commandes et Shell</a:t>
+            </a:r>
+          </a:p>
+          <a:p>
+            <a:pPr marL="285750" indent="-285750">
+              <a:buFont typeface="Arial" panose="020B0604020202020204" pitchFamily="34" charset="0"/>
+              <a:buChar char="•"/>
+            </a:pPr>
+            <a:r>
+              <a:rPr lang="fr-FR" b="1" dirty="0">
+                <a:solidFill>
+                  <a:srgbClr val="0E0E0E"/>
+                </a:solidFill>
+                <a:effectLst/>
+              </a:rPr>
+              <a:t>command</a:t>
+            </a:r>
+            <a:r>
+              <a:rPr lang="fr-FR" dirty="0">
+                <a:solidFill>
+                  <a:srgbClr val="0E0E0E"/>
+                </a:solidFill>
+                <a:effectLst/>
+              </a:rPr>
+              <a:t> : Exécute des commandes sur l’hôte distant.</a:t>
+            </a:r>
+          </a:p>
+          <a:p>
+            <a:pPr marL="285750" indent="-285750">
+              <a:buFont typeface="Arial" panose="020B0604020202020204" pitchFamily="34" charset="0"/>
+              <a:buChar char="•"/>
+            </a:pPr>
+            <a:r>
+              <a:rPr lang="fr-FR" b="1" dirty="0" err="1">
+                <a:solidFill>
+                  <a:srgbClr val="0E0E0E"/>
+                </a:solidFill>
+                <a:effectLst/>
+              </a:rPr>
+              <a:t>shell</a:t>
+            </a:r>
+            <a:r>
+              <a:rPr lang="fr-FR" dirty="0">
+                <a:solidFill>
+                  <a:srgbClr val="0E0E0E"/>
+                </a:solidFill>
+                <a:effectLst/>
+              </a:rPr>
+              <a:t> : Exécute des commandes dans un </a:t>
+            </a:r>
+            <a:r>
+              <a:rPr lang="fr-FR" dirty="0" err="1">
+                <a:solidFill>
+                  <a:srgbClr val="0E0E0E"/>
+                </a:solidFill>
+                <a:effectLst/>
+              </a:rPr>
+              <a:t>shell</a:t>
+            </a:r>
+            <a:r>
+              <a:rPr lang="fr-FR" dirty="0">
+                <a:solidFill>
+                  <a:srgbClr val="0E0E0E"/>
+                </a:solidFill>
+                <a:effectLst/>
+              </a:rPr>
+              <a:t> sur l’hôte distant.</a:t>
+            </a:r>
+          </a:p>
+          <a:p>
+            <a:pPr marL="285750" indent="-285750">
+              <a:buFont typeface="Arial" panose="020B0604020202020204" pitchFamily="34" charset="0"/>
+              <a:buChar char="•"/>
+            </a:pPr>
+            <a:r>
+              <a:rPr lang="fr-FR" b="1" dirty="0">
+                <a:solidFill>
+                  <a:srgbClr val="0E0E0E"/>
+                </a:solidFill>
+                <a:effectLst/>
+              </a:rPr>
+              <a:t>script</a:t>
+            </a:r>
+            <a:r>
+              <a:rPr lang="fr-FR" dirty="0">
+                <a:solidFill>
+                  <a:srgbClr val="0E0E0E"/>
+                </a:solidFill>
+                <a:effectLst/>
+              </a:rPr>
+              <a:t> : Transfère un script et l’exécute sur l’hôte distant.</a:t>
+            </a:r>
+          </a:p>
+          <a:p>
+            <a:endParaRPr lang="fr-FR" dirty="0">
+              <a:solidFill>
+                <a:srgbClr val="0E0E0E"/>
+              </a:solidFill>
+              <a:effectLst/>
+            </a:endParaRPr>
+          </a:p>
+          <a:p>
+            <a:r>
+              <a:rPr lang="fr-FR" b="1" dirty="0">
+                <a:solidFill>
+                  <a:srgbClr val="0E0E0E"/>
+                </a:solidFill>
+                <a:effectLst/>
+              </a:rPr>
+              <a:t>Modules de Gestion de Services</a:t>
+            </a:r>
+            <a:endParaRPr lang="fr-FR" dirty="0">
+              <a:solidFill>
+                <a:srgbClr val="0E0E0E"/>
+              </a:solidFill>
+              <a:effectLst/>
+            </a:endParaRPr>
+          </a:p>
+          <a:p>
+            <a:pPr marL="285750" indent="-285750">
+              <a:buFont typeface="Arial" panose="020B0604020202020204" pitchFamily="34" charset="0"/>
+              <a:buChar char="•"/>
+            </a:pPr>
+            <a:r>
+              <a:rPr lang="fr-FR" b="1" dirty="0">
+                <a:solidFill>
+                  <a:srgbClr val="0E0E0E"/>
+                </a:solidFill>
+                <a:effectLst/>
+              </a:rPr>
+              <a:t>service</a:t>
+            </a:r>
+            <a:r>
+              <a:rPr lang="fr-FR" dirty="0">
+                <a:solidFill>
+                  <a:srgbClr val="0E0E0E"/>
+                </a:solidFill>
+                <a:effectLst/>
+              </a:rPr>
+              <a:t> : Gère les services (démarrage, arrêt, redémarrage, etc.).</a:t>
+            </a:r>
+          </a:p>
+          <a:p>
+            <a:pPr marL="285750" indent="-285750">
+              <a:buFont typeface="Arial" panose="020B0604020202020204" pitchFamily="34" charset="0"/>
+              <a:buChar char="•"/>
+            </a:pPr>
+            <a:r>
+              <a:rPr lang="fr-FR" b="1" dirty="0" err="1">
+                <a:solidFill>
+                  <a:srgbClr val="0E0E0E"/>
+                </a:solidFill>
+                <a:effectLst/>
+              </a:rPr>
+              <a:t>systemd</a:t>
+            </a:r>
+            <a:r>
+              <a:rPr lang="fr-FR" dirty="0">
+                <a:solidFill>
+                  <a:srgbClr val="0E0E0E"/>
+                </a:solidFill>
+                <a:effectLst/>
+              </a:rPr>
+              <a:t> : Gère les services via </a:t>
+            </a:r>
+            <a:r>
+              <a:rPr lang="fr-FR" dirty="0" err="1">
+                <a:solidFill>
+                  <a:srgbClr val="0E0E0E"/>
+                </a:solidFill>
+                <a:effectLst/>
+              </a:rPr>
+              <a:t>systemd</a:t>
+            </a:r>
+            <a:r>
+              <a:rPr lang="fr-FR" dirty="0">
+                <a:solidFill>
+                  <a:srgbClr val="0E0E0E"/>
+                </a:solidFill>
+                <a:effectLst/>
+              </a:rPr>
+              <a:t>.</a:t>
+            </a:r>
+          </a:p>
+        </p:txBody>
+      </p:sp>
+    </p:spTree>
+    <p:extLst>
+      <p:ext uri="{BB962C8B-B14F-4D97-AF65-F5344CB8AC3E}">
+        <p14:creationId xmlns:p14="http://schemas.microsoft.com/office/powerpoint/2010/main" val="1251803095"/>
+      </p:ext>
+    </p:extLst>
+  </p:cSld>
+  <p:clrMapOvr>
+    <a:masterClrMapping/>
+  </p:clrMapOvr>
+</p:sld>
+</file>
+
+<file path=ppt/slides/slide29.xml><?xml version="1.0" encoding="utf-8"?>
+<p:sld xmlns:a="http://schemas.openxmlformats.org/drawingml/2006/main" xmlns:r="http://schemas.openxmlformats.org/officeDocument/2006/relationships" xmlns:p="http://schemas.openxmlformats.org/presentationml/2006/main">
+  <p:cSld>
+    <p:spTree>
+      <p:nvGrpSpPr>
+        <p:cNvPr id="1" name=""/>
+        <p:cNvGrpSpPr/>
+        <p:nvPr/>
+      </p:nvGrpSpPr>
+      <p:grpSpPr>
+        <a:xfrm>
+          <a:off x="0" y="0"/>
+          <a:ext cx="0" cy="0"/>
+          <a:chOff x="0" y="0"/>
+          <a:chExt cx="0" cy="0"/>
+        </a:xfrm>
+      </p:grpSpPr>
+      <p:sp>
+        <p:nvSpPr>
+          <p:cNvPr id="2" name="Titre 1">
+            <a:extLst>
+              <a:ext uri="{FF2B5EF4-FFF2-40B4-BE49-F238E27FC236}">
+                <a16:creationId xmlns:a16="http://schemas.microsoft.com/office/drawing/2014/main" id="{0052C339-44E4-2CCB-491F-F17B93976516}"/>
+              </a:ext>
+            </a:extLst>
+          </p:cNvPr>
+          <p:cNvSpPr>
+            <a:spLocks noGrp="1"/>
+          </p:cNvSpPr>
+          <p:nvPr>
+            <p:ph type="title"/>
+          </p:nvPr>
+        </p:nvSpPr>
+        <p:spPr/>
+        <p:txBody>
+          <a:bodyPr>
+            <a:normAutofit/>
+          </a:bodyPr>
+          <a:lstStyle/>
+          <a:p>
+            <a:r>
+              <a:rPr lang="fr-FR" dirty="0"/>
+              <a:t>Ansible – Modules</a:t>
+            </a:r>
+          </a:p>
+        </p:txBody>
+      </p:sp>
+      <p:pic>
+        <p:nvPicPr>
+          <p:cNvPr id="5" name="Image 4">
+            <a:extLst>
+              <a:ext uri="{FF2B5EF4-FFF2-40B4-BE49-F238E27FC236}">
+                <a16:creationId xmlns:a16="http://schemas.microsoft.com/office/drawing/2014/main" id="{7C8F72B6-2777-62C8-C7DE-C62E19F98793}"/>
+              </a:ext>
+            </a:extLst>
+          </p:cNvPr>
+          <p:cNvPicPr>
+            <a:picLocks noChangeAspect="1"/>
+          </p:cNvPicPr>
+          <p:nvPr/>
+        </p:nvPicPr>
+        <p:blipFill>
+          <a:blip r:embed="rId3"/>
+          <a:stretch>
+            <a:fillRect/>
+          </a:stretch>
+        </p:blipFill>
+        <p:spPr>
+          <a:xfrm>
+            <a:off x="10312850" y="666694"/>
+            <a:ext cx="1129289" cy="1129289"/>
+          </a:xfrm>
+          <a:prstGeom prst="rect">
+            <a:avLst/>
+          </a:prstGeom>
+        </p:spPr>
+      </p:pic>
+      <p:sp>
+        <p:nvSpPr>
+          <p:cNvPr id="6" name="ZoneTexte 5">
+            <a:extLst>
+              <a:ext uri="{FF2B5EF4-FFF2-40B4-BE49-F238E27FC236}">
+                <a16:creationId xmlns:a16="http://schemas.microsoft.com/office/drawing/2014/main" id="{57FE29B7-9B5B-9DB0-90FA-2800CCB48C4D}"/>
+              </a:ext>
+            </a:extLst>
+          </p:cNvPr>
+          <p:cNvSpPr txBox="1"/>
+          <p:nvPr/>
+        </p:nvSpPr>
+        <p:spPr>
+          <a:xfrm>
+            <a:off x="1817674" y="2144390"/>
+            <a:ext cx="8983550" cy="3416320"/>
+          </a:xfrm>
+          <a:prstGeom prst="rect">
+            <a:avLst/>
+          </a:prstGeom>
+          <a:noFill/>
+        </p:spPr>
+        <p:txBody>
+          <a:bodyPr wrap="none" rtlCol="0">
+            <a:spAutoFit/>
+          </a:bodyPr>
+          <a:lstStyle/>
+          <a:p>
+            <a:r>
+              <a:rPr lang="fr-FR" b="1" dirty="0">
+                <a:solidFill>
+                  <a:srgbClr val="0E0E0E"/>
+                </a:solidFill>
+                <a:effectLst/>
+              </a:rPr>
+              <a:t>Modules de Gestion de Réseau</a:t>
+            </a:r>
+            <a:endParaRPr lang="fr-FR" dirty="0">
+              <a:solidFill>
+                <a:srgbClr val="0E0E0E"/>
+              </a:solidFill>
+              <a:effectLst/>
+            </a:endParaRPr>
+          </a:p>
+          <a:p>
+            <a:pPr marL="285750" indent="-285750">
+              <a:buFont typeface="Arial" panose="020B0604020202020204" pitchFamily="34" charset="0"/>
+              <a:buChar char="•"/>
+            </a:pPr>
+            <a:r>
+              <a:rPr lang="fr-FR" b="1" dirty="0" err="1">
+                <a:solidFill>
+                  <a:srgbClr val="0E0E0E"/>
+                </a:solidFill>
+                <a:effectLst/>
+              </a:rPr>
+              <a:t>firewalld</a:t>
+            </a:r>
+            <a:r>
+              <a:rPr lang="fr-FR" dirty="0">
+                <a:solidFill>
+                  <a:srgbClr val="0E0E0E"/>
+                </a:solidFill>
+                <a:effectLst/>
+              </a:rPr>
+              <a:t> : Gère le pare-feu </a:t>
+            </a:r>
+            <a:r>
+              <a:rPr lang="fr-FR" dirty="0" err="1">
+                <a:solidFill>
+                  <a:srgbClr val="0E0E0E"/>
+                </a:solidFill>
+                <a:effectLst/>
+              </a:rPr>
+              <a:t>firewalld</a:t>
+            </a:r>
+            <a:r>
+              <a:rPr lang="fr-FR" dirty="0">
+                <a:solidFill>
+                  <a:srgbClr val="0E0E0E"/>
+                </a:solidFill>
+                <a:effectLst/>
+              </a:rPr>
+              <a:t> sur les systèmes Red Hat.</a:t>
+            </a:r>
+          </a:p>
+          <a:p>
+            <a:pPr marL="285750" indent="-285750">
+              <a:buFont typeface="Arial" panose="020B0604020202020204" pitchFamily="34" charset="0"/>
+              <a:buChar char="•"/>
+            </a:pPr>
+            <a:r>
+              <a:rPr lang="fr-FR" b="1" dirty="0" err="1">
+                <a:solidFill>
+                  <a:srgbClr val="0E0E0E"/>
+                </a:solidFill>
+                <a:effectLst/>
+              </a:rPr>
+              <a:t>iptables</a:t>
+            </a:r>
+            <a:r>
+              <a:rPr lang="fr-FR" dirty="0">
+                <a:solidFill>
+                  <a:srgbClr val="0E0E0E"/>
+                </a:solidFill>
+                <a:effectLst/>
+              </a:rPr>
+              <a:t> : Gère les règles de pare-feu </a:t>
+            </a:r>
+            <a:r>
+              <a:rPr lang="fr-FR" dirty="0" err="1">
+                <a:solidFill>
+                  <a:srgbClr val="0E0E0E"/>
+                </a:solidFill>
+                <a:effectLst/>
+              </a:rPr>
+              <a:t>iptables</a:t>
+            </a:r>
+            <a:r>
+              <a:rPr lang="fr-FR" dirty="0">
+                <a:solidFill>
+                  <a:srgbClr val="0E0E0E"/>
+                </a:solidFill>
+                <a:effectLst/>
+              </a:rPr>
+              <a:t>.</a:t>
+            </a:r>
+          </a:p>
+          <a:p>
+            <a:pPr marL="285750" indent="-285750">
+              <a:buFont typeface="Arial" panose="020B0604020202020204" pitchFamily="34" charset="0"/>
+              <a:buChar char="•"/>
+            </a:pPr>
+            <a:r>
+              <a:rPr lang="fr-FR" b="1" dirty="0" err="1">
+                <a:solidFill>
+                  <a:srgbClr val="0E0E0E"/>
+                </a:solidFill>
+                <a:effectLst/>
+              </a:rPr>
+              <a:t>network_interfaces</a:t>
+            </a:r>
+            <a:r>
+              <a:rPr lang="fr-FR" dirty="0">
+                <a:solidFill>
+                  <a:srgbClr val="0E0E0E"/>
+                </a:solidFill>
+                <a:effectLst/>
+              </a:rPr>
+              <a:t> : Gère les interfaces réseau sur les systèmes Linux.</a:t>
+            </a:r>
+          </a:p>
+          <a:p>
+            <a:br>
+              <a:rPr lang="fr-FR" dirty="0">
+                <a:solidFill>
+                  <a:srgbClr val="0E0E0E"/>
+                </a:solidFill>
+                <a:effectLst/>
+              </a:rPr>
+            </a:br>
+            <a:endParaRPr lang="fr-FR" dirty="0">
+              <a:solidFill>
+                <a:srgbClr val="0E0E0E"/>
+              </a:solidFill>
+              <a:effectLst/>
+            </a:endParaRPr>
+          </a:p>
+          <a:p>
+            <a:r>
+              <a:rPr lang="fr-FR" b="1" dirty="0">
+                <a:solidFill>
+                  <a:srgbClr val="0E0E0E"/>
+                </a:solidFill>
+                <a:effectLst/>
+              </a:rPr>
+              <a:t>Modules Cloud</a:t>
+            </a:r>
+            <a:endParaRPr lang="fr-FR" dirty="0">
+              <a:solidFill>
+                <a:srgbClr val="0E0E0E"/>
+              </a:solidFill>
+              <a:effectLst/>
+            </a:endParaRPr>
+          </a:p>
+          <a:p>
+            <a:pPr marL="285750" indent="-285750">
+              <a:buFont typeface="Arial" panose="020B0604020202020204" pitchFamily="34" charset="0"/>
+              <a:buChar char="•"/>
+            </a:pPr>
+            <a:r>
+              <a:rPr lang="fr-FR" b="1" dirty="0">
+                <a:solidFill>
+                  <a:srgbClr val="0E0E0E"/>
+                </a:solidFill>
+                <a:effectLst/>
+              </a:rPr>
+              <a:t>ec2</a:t>
+            </a:r>
+            <a:r>
+              <a:rPr lang="fr-FR" dirty="0">
+                <a:solidFill>
+                  <a:srgbClr val="0E0E0E"/>
+                </a:solidFill>
+                <a:effectLst/>
+              </a:rPr>
+              <a:t> : Gère les instances EC2 sur AWS.</a:t>
+            </a:r>
+          </a:p>
+          <a:p>
+            <a:pPr marL="285750" indent="-285750">
+              <a:buFont typeface="Arial" panose="020B0604020202020204" pitchFamily="34" charset="0"/>
+              <a:buChar char="•"/>
+            </a:pPr>
+            <a:r>
+              <a:rPr lang="fr-FR" b="1" dirty="0" err="1">
+                <a:solidFill>
+                  <a:srgbClr val="0E0E0E"/>
+                </a:solidFill>
+                <a:effectLst/>
+              </a:rPr>
+              <a:t>azure_rm_virtualmachine</a:t>
+            </a:r>
+            <a:r>
+              <a:rPr lang="fr-FR" dirty="0">
+                <a:solidFill>
+                  <a:srgbClr val="0E0E0E"/>
+                </a:solidFill>
+                <a:effectLst/>
+              </a:rPr>
+              <a:t> : Gère les machines virtuelles sur Azure.</a:t>
+            </a:r>
+          </a:p>
+          <a:p>
+            <a:pPr marL="285750" indent="-285750">
+              <a:buFont typeface="Arial" panose="020B0604020202020204" pitchFamily="34" charset="0"/>
+              <a:buChar char="•"/>
+            </a:pPr>
+            <a:r>
+              <a:rPr lang="fr-FR" b="1" dirty="0" err="1">
+                <a:solidFill>
+                  <a:srgbClr val="0E0E0E"/>
+                </a:solidFill>
+                <a:effectLst/>
+              </a:rPr>
+              <a:t>gcp_compute_instance</a:t>
+            </a:r>
+            <a:r>
+              <a:rPr lang="fr-FR" dirty="0">
+                <a:solidFill>
+                  <a:srgbClr val="0E0E0E"/>
+                </a:solidFill>
+                <a:effectLst/>
+              </a:rPr>
+              <a:t> : Gère les instances de calcul sur Google Cloud Platform.</a:t>
+            </a:r>
+          </a:p>
+          <a:p>
+            <a:pPr marL="285750" indent="-285750">
+              <a:buFont typeface="Arial" panose="020B0604020202020204" pitchFamily="34" charset="0"/>
+              <a:buChar char="•"/>
+            </a:pPr>
+            <a:r>
+              <a:rPr lang="fr-FR" b="1" dirty="0" err="1">
+                <a:solidFill>
+                  <a:srgbClr val="0E0E0E"/>
+                </a:solidFill>
+                <a:effectLst/>
+              </a:rPr>
+              <a:t>digital_ocean</a:t>
+            </a:r>
+            <a:r>
+              <a:rPr lang="fr-FR" dirty="0">
+                <a:solidFill>
+                  <a:srgbClr val="0E0E0E"/>
+                </a:solidFill>
+                <a:effectLst/>
+              </a:rPr>
+              <a:t> : Gère les ressources sur </a:t>
+            </a:r>
+            <a:r>
+              <a:rPr lang="fr-FR" dirty="0" err="1">
+                <a:solidFill>
+                  <a:srgbClr val="0E0E0E"/>
+                </a:solidFill>
+                <a:effectLst/>
+              </a:rPr>
+              <a:t>DigitalOcean</a:t>
+            </a:r>
+            <a:r>
+              <a:rPr lang="fr-FR" dirty="0">
+                <a:solidFill>
+                  <a:srgbClr val="0E0E0E"/>
+                </a:solidFill>
+                <a:effectLst/>
+              </a:rPr>
+              <a:t>.</a:t>
+            </a:r>
+          </a:p>
+          <a:p>
+            <a:endParaRPr lang="fr-FR" dirty="0">
+              <a:solidFill>
+                <a:srgbClr val="0E0E0E"/>
+              </a:solidFill>
+              <a:effectLst/>
+            </a:endParaRPr>
+          </a:p>
+        </p:txBody>
+      </p:sp>
+    </p:spTree>
+    <p:extLst>
+      <p:ext uri="{BB962C8B-B14F-4D97-AF65-F5344CB8AC3E}">
+        <p14:creationId xmlns:p14="http://schemas.microsoft.com/office/powerpoint/2010/main" val="1335618285"/>
       </p:ext>
     </p:extLst>
   </p:cSld>
@@ -11119,6 +12443,1332 @@
     <p:extLst>
       <p:ext uri="{BB962C8B-B14F-4D97-AF65-F5344CB8AC3E}">
         <p14:creationId xmlns:p14="http://schemas.microsoft.com/office/powerpoint/2010/main" val="2865143979"/>
+      </p:ext>
+    </p:extLst>
+  </p:cSld>
+  <p:clrMapOvr>
+    <a:masterClrMapping/>
+  </p:clrMapOvr>
+</p:sld>
+</file>
+
+<file path=ppt/slides/slide30.xml><?xml version="1.0" encoding="utf-8"?>
+<p:sld xmlns:a="http://schemas.openxmlformats.org/drawingml/2006/main" xmlns:r="http://schemas.openxmlformats.org/officeDocument/2006/relationships" xmlns:p="http://schemas.openxmlformats.org/presentationml/2006/main">
+  <p:cSld>
+    <p:spTree>
+      <p:nvGrpSpPr>
+        <p:cNvPr id="1" name=""/>
+        <p:cNvGrpSpPr/>
+        <p:nvPr/>
+      </p:nvGrpSpPr>
+      <p:grpSpPr>
+        <a:xfrm>
+          <a:off x="0" y="0"/>
+          <a:ext cx="0" cy="0"/>
+          <a:chOff x="0" y="0"/>
+          <a:chExt cx="0" cy="0"/>
+        </a:xfrm>
+      </p:grpSpPr>
+      <p:sp>
+        <p:nvSpPr>
+          <p:cNvPr id="2" name="Titre 1">
+            <a:extLst>
+              <a:ext uri="{FF2B5EF4-FFF2-40B4-BE49-F238E27FC236}">
+                <a16:creationId xmlns:a16="http://schemas.microsoft.com/office/drawing/2014/main" id="{0052C339-44E4-2CCB-491F-F17B93976516}"/>
+              </a:ext>
+            </a:extLst>
+          </p:cNvPr>
+          <p:cNvSpPr>
+            <a:spLocks noGrp="1"/>
+          </p:cNvSpPr>
+          <p:nvPr>
+            <p:ph type="title"/>
+          </p:nvPr>
+        </p:nvSpPr>
+        <p:spPr/>
+        <p:txBody>
+          <a:bodyPr>
+            <a:normAutofit/>
+          </a:bodyPr>
+          <a:lstStyle/>
+          <a:p>
+            <a:r>
+              <a:rPr lang="fr-FR" dirty="0"/>
+              <a:t>Ansible – Modules</a:t>
+            </a:r>
+          </a:p>
+        </p:txBody>
+      </p:sp>
+      <p:pic>
+        <p:nvPicPr>
+          <p:cNvPr id="5" name="Image 4">
+            <a:extLst>
+              <a:ext uri="{FF2B5EF4-FFF2-40B4-BE49-F238E27FC236}">
+                <a16:creationId xmlns:a16="http://schemas.microsoft.com/office/drawing/2014/main" id="{7C8F72B6-2777-62C8-C7DE-C62E19F98793}"/>
+              </a:ext>
+            </a:extLst>
+          </p:cNvPr>
+          <p:cNvPicPr>
+            <a:picLocks noChangeAspect="1"/>
+          </p:cNvPicPr>
+          <p:nvPr/>
+        </p:nvPicPr>
+        <p:blipFill>
+          <a:blip r:embed="rId3"/>
+          <a:stretch>
+            <a:fillRect/>
+          </a:stretch>
+        </p:blipFill>
+        <p:spPr>
+          <a:xfrm>
+            <a:off x="10312850" y="666694"/>
+            <a:ext cx="1129289" cy="1129289"/>
+          </a:xfrm>
+          <a:prstGeom prst="rect">
+            <a:avLst/>
+          </a:prstGeom>
+        </p:spPr>
+      </p:pic>
+      <p:sp>
+        <p:nvSpPr>
+          <p:cNvPr id="6" name="ZoneTexte 5">
+            <a:extLst>
+              <a:ext uri="{FF2B5EF4-FFF2-40B4-BE49-F238E27FC236}">
+                <a16:creationId xmlns:a16="http://schemas.microsoft.com/office/drawing/2014/main" id="{57FE29B7-9B5B-9DB0-90FA-2800CCB48C4D}"/>
+              </a:ext>
+            </a:extLst>
+          </p:cNvPr>
+          <p:cNvSpPr txBox="1"/>
+          <p:nvPr/>
+        </p:nvSpPr>
+        <p:spPr>
+          <a:xfrm>
+            <a:off x="2246552" y="2144390"/>
+            <a:ext cx="7752956" cy="3693319"/>
+          </a:xfrm>
+          <a:prstGeom prst="rect">
+            <a:avLst/>
+          </a:prstGeom>
+          <a:noFill/>
+        </p:spPr>
+        <p:txBody>
+          <a:bodyPr wrap="none" rtlCol="0">
+            <a:spAutoFit/>
+          </a:bodyPr>
+          <a:lstStyle/>
+          <a:p>
+            <a:r>
+              <a:rPr lang="fr-FR" b="1" dirty="0">
+                <a:solidFill>
+                  <a:srgbClr val="0E0E0E"/>
+                </a:solidFill>
+                <a:effectLst/>
+              </a:rPr>
+              <a:t>Modules Docker</a:t>
+            </a:r>
+            <a:endParaRPr lang="fr-FR" dirty="0">
+              <a:solidFill>
+                <a:srgbClr val="0E0E0E"/>
+              </a:solidFill>
+              <a:effectLst/>
+            </a:endParaRPr>
+          </a:p>
+          <a:p>
+            <a:pPr marL="285750" indent="-285750">
+              <a:buFont typeface="Arial" panose="020B0604020202020204" pitchFamily="34" charset="0"/>
+              <a:buChar char="•"/>
+            </a:pPr>
+            <a:r>
+              <a:rPr lang="fr-FR" b="1" dirty="0" err="1">
+                <a:solidFill>
+                  <a:srgbClr val="0E0E0E"/>
+                </a:solidFill>
+                <a:effectLst/>
+              </a:rPr>
+              <a:t>docker_container</a:t>
+            </a:r>
+            <a:r>
+              <a:rPr lang="fr-FR" dirty="0">
+                <a:solidFill>
+                  <a:srgbClr val="0E0E0E"/>
+                </a:solidFill>
+                <a:effectLst/>
+              </a:rPr>
+              <a:t> : Gère les conteneurs Docker.</a:t>
+            </a:r>
+          </a:p>
+          <a:p>
+            <a:pPr marL="285750" indent="-285750">
+              <a:buFont typeface="Arial" panose="020B0604020202020204" pitchFamily="34" charset="0"/>
+              <a:buChar char="•"/>
+            </a:pPr>
+            <a:r>
+              <a:rPr lang="fr-FR" b="1" dirty="0" err="1">
+                <a:solidFill>
+                  <a:srgbClr val="0E0E0E"/>
+                </a:solidFill>
+                <a:effectLst/>
+              </a:rPr>
+              <a:t>docker_image</a:t>
+            </a:r>
+            <a:r>
+              <a:rPr lang="fr-FR" dirty="0">
+                <a:solidFill>
+                  <a:srgbClr val="0E0E0E"/>
+                </a:solidFill>
+                <a:effectLst/>
+              </a:rPr>
+              <a:t> : Gère les images Docker.</a:t>
+            </a:r>
+          </a:p>
+          <a:p>
+            <a:pPr marL="285750" indent="-285750">
+              <a:buFont typeface="Arial" panose="020B0604020202020204" pitchFamily="34" charset="0"/>
+              <a:buChar char="•"/>
+            </a:pPr>
+            <a:r>
+              <a:rPr lang="fr-FR" b="1" dirty="0" err="1">
+                <a:solidFill>
+                  <a:srgbClr val="0E0E0E"/>
+                </a:solidFill>
+                <a:effectLst/>
+              </a:rPr>
+              <a:t>docker_network</a:t>
+            </a:r>
+            <a:r>
+              <a:rPr lang="fr-FR" dirty="0">
+                <a:solidFill>
+                  <a:srgbClr val="0E0E0E"/>
+                </a:solidFill>
+                <a:effectLst/>
+              </a:rPr>
+              <a:t> : Gère les réseaux Docker.</a:t>
+            </a:r>
+          </a:p>
+          <a:p>
+            <a:endParaRPr lang="fr-FR" dirty="0">
+              <a:solidFill>
+                <a:srgbClr val="0E0E0E"/>
+              </a:solidFill>
+              <a:effectLst/>
+            </a:endParaRPr>
+          </a:p>
+          <a:p>
+            <a:r>
+              <a:rPr lang="fr-FR" b="1" dirty="0">
+                <a:solidFill>
+                  <a:srgbClr val="0E0E0E"/>
+                </a:solidFill>
+                <a:effectLst/>
+              </a:rPr>
+              <a:t>Modules de Gestion de Bases de Données</a:t>
+            </a:r>
+            <a:endParaRPr lang="fr-FR" dirty="0">
+              <a:solidFill>
+                <a:srgbClr val="0E0E0E"/>
+              </a:solidFill>
+              <a:effectLst/>
+            </a:endParaRPr>
+          </a:p>
+          <a:p>
+            <a:pPr marL="285750" indent="-285750">
+              <a:buFont typeface="Arial" panose="020B0604020202020204" pitchFamily="34" charset="0"/>
+              <a:buChar char="•"/>
+            </a:pPr>
+            <a:r>
+              <a:rPr lang="fr-FR" b="1" dirty="0" err="1">
+                <a:solidFill>
+                  <a:srgbClr val="0E0E0E"/>
+                </a:solidFill>
+                <a:effectLst/>
+              </a:rPr>
+              <a:t>mysql_db</a:t>
+            </a:r>
+            <a:r>
+              <a:rPr lang="fr-FR" dirty="0">
+                <a:solidFill>
+                  <a:srgbClr val="0E0E0E"/>
+                </a:solidFill>
+                <a:effectLst/>
+              </a:rPr>
+              <a:t> : Gère les bases de données MySQL.</a:t>
+            </a:r>
+          </a:p>
+          <a:p>
+            <a:pPr marL="285750" indent="-285750">
+              <a:buFont typeface="Arial" panose="020B0604020202020204" pitchFamily="34" charset="0"/>
+              <a:buChar char="•"/>
+            </a:pPr>
+            <a:r>
+              <a:rPr lang="fr-FR" b="1" dirty="0" err="1">
+                <a:solidFill>
+                  <a:srgbClr val="0E0E0E"/>
+                </a:solidFill>
+                <a:effectLst/>
+              </a:rPr>
+              <a:t>postgresql_db</a:t>
+            </a:r>
+            <a:r>
+              <a:rPr lang="fr-FR" dirty="0">
+                <a:solidFill>
+                  <a:srgbClr val="0E0E0E"/>
+                </a:solidFill>
+                <a:effectLst/>
+              </a:rPr>
+              <a:t> : Gère les bases de données PostgreSQL.</a:t>
+            </a:r>
+          </a:p>
+          <a:p>
+            <a:pPr marL="285750" indent="-285750">
+              <a:buFont typeface="Arial" panose="020B0604020202020204" pitchFamily="34" charset="0"/>
+              <a:buChar char="•"/>
+            </a:pPr>
+            <a:r>
+              <a:rPr lang="fr-FR" b="1" dirty="0" err="1">
+                <a:solidFill>
+                  <a:srgbClr val="0E0E0E"/>
+                </a:solidFill>
+                <a:effectLst/>
+              </a:rPr>
+              <a:t>mongodb_user</a:t>
+            </a:r>
+            <a:r>
+              <a:rPr lang="fr-FR" dirty="0">
+                <a:solidFill>
+                  <a:srgbClr val="0E0E0E"/>
+                </a:solidFill>
+                <a:effectLst/>
+              </a:rPr>
+              <a:t> : Gère les utilisateurs MongoDB.</a:t>
+            </a:r>
+          </a:p>
+          <a:p>
+            <a:endParaRPr lang="fr-FR" dirty="0">
+              <a:solidFill>
+                <a:srgbClr val="0E0E0E"/>
+              </a:solidFill>
+              <a:effectLst/>
+            </a:endParaRPr>
+          </a:p>
+          <a:p>
+            <a:r>
+              <a:rPr lang="fr-FR" b="1" dirty="0">
+                <a:solidFill>
+                  <a:srgbClr val="0E0E0E"/>
+                </a:solidFill>
+                <a:effectLst/>
+              </a:rPr>
+              <a:t>Modules de Gestion de Configuration</a:t>
+            </a:r>
+            <a:endParaRPr lang="fr-FR" dirty="0">
+              <a:solidFill>
+                <a:srgbClr val="0E0E0E"/>
+              </a:solidFill>
+              <a:effectLst/>
+            </a:endParaRPr>
+          </a:p>
+          <a:p>
+            <a:pPr marL="285750" indent="-285750">
+              <a:buFont typeface="Arial" panose="020B0604020202020204" pitchFamily="34" charset="0"/>
+              <a:buChar char="•"/>
+            </a:pPr>
+            <a:r>
+              <a:rPr lang="fr-FR" b="1" dirty="0" err="1">
+                <a:solidFill>
+                  <a:srgbClr val="0E0E0E"/>
+                </a:solidFill>
+                <a:effectLst/>
+              </a:rPr>
+              <a:t>ini_file</a:t>
+            </a:r>
+            <a:r>
+              <a:rPr lang="fr-FR" dirty="0">
+                <a:solidFill>
+                  <a:srgbClr val="0E0E0E"/>
+                </a:solidFill>
+                <a:effectLst/>
+              </a:rPr>
+              <a:t> : Gère les fichiers de configuration au format INI.</a:t>
+            </a:r>
+          </a:p>
+          <a:p>
+            <a:pPr marL="285750" indent="-285750">
+              <a:buFont typeface="Arial" panose="020B0604020202020204" pitchFamily="34" charset="0"/>
+              <a:buChar char="•"/>
+            </a:pPr>
+            <a:r>
+              <a:rPr lang="fr-FR" b="1" dirty="0" err="1">
+                <a:solidFill>
+                  <a:srgbClr val="0E0E0E"/>
+                </a:solidFill>
+                <a:effectLst/>
+              </a:rPr>
+              <a:t>lineinfile</a:t>
+            </a:r>
+            <a:r>
+              <a:rPr lang="fr-FR" dirty="0">
+                <a:solidFill>
+                  <a:srgbClr val="0E0E0E"/>
+                </a:solidFill>
+                <a:effectLst/>
+              </a:rPr>
+              <a:t> : Assure qu’une ligne spécifique est présente dans un fichier.</a:t>
+            </a:r>
+          </a:p>
+        </p:txBody>
+      </p:sp>
+    </p:spTree>
+    <p:extLst>
+      <p:ext uri="{BB962C8B-B14F-4D97-AF65-F5344CB8AC3E}">
+        <p14:creationId xmlns:p14="http://schemas.microsoft.com/office/powerpoint/2010/main" val="1778192823"/>
+      </p:ext>
+    </p:extLst>
+  </p:cSld>
+  <p:clrMapOvr>
+    <a:masterClrMapping/>
+  </p:clrMapOvr>
+</p:sld>
+</file>
+
+<file path=ppt/slides/slide31.xml><?xml version="1.0" encoding="utf-8"?>
+<p:sld xmlns:a="http://schemas.openxmlformats.org/drawingml/2006/main" xmlns:r="http://schemas.openxmlformats.org/officeDocument/2006/relationships" xmlns:p="http://schemas.openxmlformats.org/presentationml/2006/main">
+  <p:cSld>
+    <p:spTree>
+      <p:nvGrpSpPr>
+        <p:cNvPr id="1" name=""/>
+        <p:cNvGrpSpPr/>
+        <p:nvPr/>
+      </p:nvGrpSpPr>
+      <p:grpSpPr>
+        <a:xfrm>
+          <a:off x="0" y="0"/>
+          <a:ext cx="0" cy="0"/>
+          <a:chOff x="0" y="0"/>
+          <a:chExt cx="0" cy="0"/>
+        </a:xfrm>
+      </p:grpSpPr>
+      <p:sp>
+        <p:nvSpPr>
+          <p:cNvPr id="2" name="Titre 1">
+            <a:extLst>
+              <a:ext uri="{FF2B5EF4-FFF2-40B4-BE49-F238E27FC236}">
+                <a16:creationId xmlns:a16="http://schemas.microsoft.com/office/drawing/2014/main" id="{0052C339-44E4-2CCB-491F-F17B93976516}"/>
+              </a:ext>
+            </a:extLst>
+          </p:cNvPr>
+          <p:cNvSpPr>
+            <a:spLocks noGrp="1"/>
+          </p:cNvSpPr>
+          <p:nvPr>
+            <p:ph type="title"/>
+          </p:nvPr>
+        </p:nvSpPr>
+        <p:spPr/>
+        <p:txBody>
+          <a:bodyPr>
+            <a:normAutofit/>
+          </a:bodyPr>
+          <a:lstStyle/>
+          <a:p>
+            <a:r>
+              <a:rPr lang="fr-FR" dirty="0"/>
+              <a:t>Ansible – Modules</a:t>
+            </a:r>
+          </a:p>
+        </p:txBody>
+      </p:sp>
+      <p:pic>
+        <p:nvPicPr>
+          <p:cNvPr id="5" name="Image 4">
+            <a:extLst>
+              <a:ext uri="{FF2B5EF4-FFF2-40B4-BE49-F238E27FC236}">
+                <a16:creationId xmlns:a16="http://schemas.microsoft.com/office/drawing/2014/main" id="{7C8F72B6-2777-62C8-C7DE-C62E19F98793}"/>
+              </a:ext>
+            </a:extLst>
+          </p:cNvPr>
+          <p:cNvPicPr>
+            <a:picLocks noChangeAspect="1"/>
+          </p:cNvPicPr>
+          <p:nvPr/>
+        </p:nvPicPr>
+        <p:blipFill>
+          <a:blip r:embed="rId3"/>
+          <a:stretch>
+            <a:fillRect/>
+          </a:stretch>
+        </p:blipFill>
+        <p:spPr>
+          <a:xfrm>
+            <a:off x="10312850" y="666694"/>
+            <a:ext cx="1129289" cy="1129289"/>
+          </a:xfrm>
+          <a:prstGeom prst="rect">
+            <a:avLst/>
+          </a:prstGeom>
+        </p:spPr>
+      </p:pic>
+      <p:sp>
+        <p:nvSpPr>
+          <p:cNvPr id="6" name="ZoneTexte 5">
+            <a:extLst>
+              <a:ext uri="{FF2B5EF4-FFF2-40B4-BE49-F238E27FC236}">
+                <a16:creationId xmlns:a16="http://schemas.microsoft.com/office/drawing/2014/main" id="{57FE29B7-9B5B-9DB0-90FA-2800CCB48C4D}"/>
+              </a:ext>
+            </a:extLst>
+          </p:cNvPr>
+          <p:cNvSpPr txBox="1"/>
+          <p:nvPr/>
+        </p:nvSpPr>
+        <p:spPr>
+          <a:xfrm>
+            <a:off x="2319380" y="2573268"/>
+            <a:ext cx="6547370" cy="2585323"/>
+          </a:xfrm>
+          <a:prstGeom prst="rect">
+            <a:avLst/>
+          </a:prstGeom>
+          <a:noFill/>
+        </p:spPr>
+        <p:txBody>
+          <a:bodyPr wrap="none" rtlCol="0">
+            <a:spAutoFit/>
+          </a:bodyPr>
+          <a:lstStyle/>
+          <a:p>
+            <a:r>
+              <a:rPr lang="fr-FR" b="1" dirty="0">
+                <a:solidFill>
+                  <a:srgbClr val="0E0E0E"/>
+                </a:solidFill>
+                <a:effectLst/>
+              </a:rPr>
+              <a:t>Modules de Contrôle de Version</a:t>
+            </a:r>
+            <a:endParaRPr lang="fr-FR" dirty="0">
+              <a:solidFill>
+                <a:srgbClr val="0E0E0E"/>
+              </a:solidFill>
+              <a:effectLst/>
+            </a:endParaRPr>
+          </a:p>
+          <a:p>
+            <a:pPr marL="285750" indent="-285750">
+              <a:buFont typeface="Arial" panose="020B0604020202020204" pitchFamily="34" charset="0"/>
+              <a:buChar char="•"/>
+            </a:pPr>
+            <a:r>
+              <a:rPr lang="fr-FR" b="1" dirty="0">
+                <a:solidFill>
+                  <a:srgbClr val="0E0E0E"/>
+                </a:solidFill>
+                <a:effectLst/>
+              </a:rPr>
+              <a:t>git</a:t>
+            </a:r>
+            <a:r>
+              <a:rPr lang="fr-FR" dirty="0">
+                <a:solidFill>
+                  <a:srgbClr val="0E0E0E"/>
+                </a:solidFill>
+                <a:effectLst/>
+              </a:rPr>
+              <a:t> : Clone ou met à jour un dépôt Git.</a:t>
+            </a:r>
+          </a:p>
+          <a:p>
+            <a:pPr marL="285750" indent="-285750">
+              <a:buFont typeface="Arial" panose="020B0604020202020204" pitchFamily="34" charset="0"/>
+              <a:buChar char="•"/>
+            </a:pPr>
+            <a:r>
+              <a:rPr lang="fr-FR" b="1" dirty="0">
+                <a:solidFill>
+                  <a:srgbClr val="0E0E0E"/>
+                </a:solidFill>
+                <a:effectLst/>
+              </a:rPr>
+              <a:t>subversion</a:t>
+            </a:r>
+            <a:r>
+              <a:rPr lang="fr-FR" dirty="0">
+                <a:solidFill>
+                  <a:srgbClr val="0E0E0E"/>
+                </a:solidFill>
+                <a:effectLst/>
+              </a:rPr>
+              <a:t> : Gère les dépôts SVN.</a:t>
+            </a:r>
+          </a:p>
+          <a:p>
+            <a:br>
+              <a:rPr lang="fr-FR" dirty="0">
+                <a:solidFill>
+                  <a:srgbClr val="0E0E0E"/>
+                </a:solidFill>
+                <a:effectLst/>
+              </a:rPr>
+            </a:br>
+            <a:endParaRPr lang="fr-FR" dirty="0">
+              <a:solidFill>
+                <a:srgbClr val="0E0E0E"/>
+              </a:solidFill>
+              <a:effectLst/>
+            </a:endParaRPr>
+          </a:p>
+          <a:p>
+            <a:r>
+              <a:rPr lang="fr-FR" b="1" dirty="0">
+                <a:solidFill>
+                  <a:srgbClr val="0E0E0E"/>
+                </a:solidFill>
+                <a:effectLst/>
+              </a:rPr>
+              <a:t>Modules Windows</a:t>
+            </a:r>
+            <a:endParaRPr lang="fr-FR" dirty="0">
+              <a:solidFill>
+                <a:srgbClr val="0E0E0E"/>
+              </a:solidFill>
+              <a:effectLst/>
+            </a:endParaRPr>
+          </a:p>
+          <a:p>
+            <a:pPr marL="285750" indent="-285750">
+              <a:buFont typeface="Arial" panose="020B0604020202020204" pitchFamily="34" charset="0"/>
+              <a:buChar char="•"/>
+            </a:pPr>
+            <a:r>
+              <a:rPr lang="fr-FR" b="1" dirty="0" err="1">
+                <a:solidFill>
+                  <a:srgbClr val="0E0E0E"/>
+                </a:solidFill>
+                <a:effectLst/>
+              </a:rPr>
+              <a:t>win_copy</a:t>
+            </a:r>
+            <a:r>
+              <a:rPr lang="fr-FR" dirty="0">
+                <a:solidFill>
+                  <a:srgbClr val="0E0E0E"/>
+                </a:solidFill>
+                <a:effectLst/>
+              </a:rPr>
+              <a:t> : Copie des fichiers sur des machines Windows.</a:t>
+            </a:r>
+          </a:p>
+          <a:p>
+            <a:pPr marL="285750" indent="-285750">
+              <a:buFont typeface="Arial" panose="020B0604020202020204" pitchFamily="34" charset="0"/>
+              <a:buChar char="•"/>
+            </a:pPr>
+            <a:r>
+              <a:rPr lang="fr-FR" b="1" dirty="0" err="1">
+                <a:solidFill>
+                  <a:srgbClr val="0E0E0E"/>
+                </a:solidFill>
+                <a:effectLst/>
+              </a:rPr>
+              <a:t>win_user</a:t>
+            </a:r>
+            <a:r>
+              <a:rPr lang="fr-FR" dirty="0">
+                <a:solidFill>
+                  <a:srgbClr val="0E0E0E"/>
+                </a:solidFill>
+                <a:effectLst/>
+              </a:rPr>
+              <a:t> : Gère les utilisateurs sur des systèmes Windows.</a:t>
+            </a:r>
+          </a:p>
+          <a:p>
+            <a:pPr marL="285750" indent="-285750">
+              <a:buFont typeface="Arial" panose="020B0604020202020204" pitchFamily="34" charset="0"/>
+              <a:buChar char="•"/>
+            </a:pPr>
+            <a:r>
+              <a:rPr lang="fr-FR" b="1" dirty="0" err="1">
+                <a:solidFill>
+                  <a:srgbClr val="0E0E0E"/>
+                </a:solidFill>
+                <a:effectLst/>
+              </a:rPr>
+              <a:t>win_service</a:t>
+            </a:r>
+            <a:r>
+              <a:rPr lang="fr-FR" dirty="0">
+                <a:solidFill>
+                  <a:srgbClr val="0E0E0E"/>
+                </a:solidFill>
+                <a:effectLst/>
+              </a:rPr>
+              <a:t> : Gère les services Windows.</a:t>
+            </a:r>
+          </a:p>
+        </p:txBody>
+      </p:sp>
+    </p:spTree>
+    <p:extLst>
+      <p:ext uri="{BB962C8B-B14F-4D97-AF65-F5344CB8AC3E}">
+        <p14:creationId xmlns:p14="http://schemas.microsoft.com/office/powerpoint/2010/main" val="1417196013"/>
+      </p:ext>
+    </p:extLst>
+  </p:cSld>
+  <p:clrMapOvr>
+    <a:masterClrMapping/>
+  </p:clrMapOvr>
+</p:sld>
+</file>
+
+<file path=ppt/slides/slide32.xml><?xml version="1.0" encoding="utf-8"?>
+<p:sld xmlns:a="http://schemas.openxmlformats.org/drawingml/2006/main" xmlns:r="http://schemas.openxmlformats.org/officeDocument/2006/relationships" xmlns:p="http://schemas.openxmlformats.org/presentationml/2006/main">
+  <p:cSld>
+    <p:spTree>
+      <p:nvGrpSpPr>
+        <p:cNvPr id="1" name=""/>
+        <p:cNvGrpSpPr/>
+        <p:nvPr/>
+      </p:nvGrpSpPr>
+      <p:grpSpPr>
+        <a:xfrm>
+          <a:off x="0" y="0"/>
+          <a:ext cx="0" cy="0"/>
+          <a:chOff x="0" y="0"/>
+          <a:chExt cx="0" cy="0"/>
+        </a:xfrm>
+      </p:grpSpPr>
+      <p:sp>
+        <p:nvSpPr>
+          <p:cNvPr id="2" name="Titre 1">
+            <a:extLst>
+              <a:ext uri="{FF2B5EF4-FFF2-40B4-BE49-F238E27FC236}">
+                <a16:creationId xmlns:a16="http://schemas.microsoft.com/office/drawing/2014/main" id="{6A204DD4-5828-E7F4-698E-9F618D3117BA}"/>
+              </a:ext>
+            </a:extLst>
+          </p:cNvPr>
+          <p:cNvSpPr>
+            <a:spLocks noGrp="1"/>
+          </p:cNvSpPr>
+          <p:nvPr>
+            <p:ph type="title"/>
+          </p:nvPr>
+        </p:nvSpPr>
+        <p:spPr/>
+        <p:txBody>
+          <a:bodyPr/>
+          <a:lstStyle/>
+          <a:p>
+            <a:r>
+              <a:rPr lang="fr-FR" dirty="0"/>
+              <a:t>Ansible – Top </a:t>
+            </a:r>
+            <a:r>
+              <a:rPr lang="fr-FR" dirty="0" err="1"/>
+              <a:t>Commands</a:t>
+            </a:r>
+            <a:endParaRPr lang="fr-FR" dirty="0"/>
+          </a:p>
+        </p:txBody>
+      </p:sp>
+      <p:sp>
+        <p:nvSpPr>
+          <p:cNvPr id="3" name="Espace réservé du contenu 2">
+            <a:extLst>
+              <a:ext uri="{FF2B5EF4-FFF2-40B4-BE49-F238E27FC236}">
+                <a16:creationId xmlns:a16="http://schemas.microsoft.com/office/drawing/2014/main" id="{DC0B77DA-F1AE-F253-507F-93ECC6F4A083}"/>
+              </a:ext>
+            </a:extLst>
+          </p:cNvPr>
+          <p:cNvSpPr>
+            <a:spLocks noGrp="1"/>
+          </p:cNvSpPr>
+          <p:nvPr>
+            <p:ph idx="1"/>
+          </p:nvPr>
+        </p:nvSpPr>
+        <p:spPr>
+          <a:xfrm>
+            <a:off x="571500" y="2112021"/>
+            <a:ext cx="11250964" cy="4056690"/>
+          </a:xfrm>
+        </p:spPr>
+        <p:txBody>
+          <a:bodyPr>
+            <a:normAutofit fontScale="55000" lnSpcReduction="20000"/>
+          </a:bodyPr>
+          <a:lstStyle/>
+          <a:p>
+            <a:r>
+              <a:rPr lang="fr-FR" dirty="0">
+                <a:solidFill>
+                  <a:srgbClr val="0E0E0E"/>
+                </a:solidFill>
+                <a:effectLst/>
+              </a:rPr>
+              <a:t>Exécute des tâches </a:t>
+            </a:r>
+            <a:r>
+              <a:rPr lang="fr-FR" dirty="0" err="1">
+                <a:solidFill>
+                  <a:srgbClr val="0E0E0E"/>
+                </a:solidFill>
+                <a:effectLst/>
+              </a:rPr>
+              <a:t>Ad-Hoc</a:t>
+            </a:r>
+            <a:r>
+              <a:rPr lang="fr-FR" dirty="0">
+                <a:solidFill>
+                  <a:srgbClr val="0E0E0E"/>
+                </a:solidFill>
+                <a:effectLst/>
+              </a:rPr>
+              <a:t> sur un ou plusieurs hôtes spécifiés dans un inventaire :</a:t>
+            </a:r>
+            <a:endParaRPr lang="fr-FR" dirty="0"/>
+          </a:p>
+          <a:p>
+            <a:pPr lvl="1"/>
+            <a:r>
+              <a:rPr lang="fr-FR" i="1" dirty="0">
+                <a:solidFill>
+                  <a:srgbClr val="00B050"/>
+                </a:solidFill>
+              </a:rPr>
+              <a:t>ansible all -m ping</a:t>
+            </a:r>
+          </a:p>
+          <a:p>
+            <a:r>
+              <a:rPr lang="fr-FR" dirty="0">
+                <a:solidFill>
+                  <a:srgbClr val="0E0E0E"/>
+                </a:solidFill>
+                <a:effectLst/>
+              </a:rPr>
+              <a:t>Exécute un </a:t>
+            </a:r>
+            <a:r>
+              <a:rPr lang="fr-FR" dirty="0" err="1">
+                <a:solidFill>
+                  <a:srgbClr val="0E0E0E"/>
+                </a:solidFill>
+                <a:effectLst/>
+              </a:rPr>
+              <a:t>playbook</a:t>
+            </a:r>
+            <a:r>
+              <a:rPr lang="fr-FR" dirty="0">
+                <a:solidFill>
+                  <a:srgbClr val="0E0E0E"/>
+                </a:solidFill>
+                <a:effectLst/>
+              </a:rPr>
+              <a:t> Ansible, qui est un ensemble de tâches organisées pour configurer un ou plusieurs hôtes :</a:t>
+            </a:r>
+          </a:p>
+          <a:p>
+            <a:pPr lvl="1"/>
+            <a:r>
+              <a:rPr lang="fr-FR" i="1" dirty="0">
+                <a:solidFill>
+                  <a:srgbClr val="00B050"/>
+                </a:solidFill>
+              </a:rPr>
+              <a:t>ansible-</a:t>
+            </a:r>
+            <a:r>
+              <a:rPr lang="fr-FR" i="1" dirty="0" err="1">
+                <a:solidFill>
+                  <a:srgbClr val="00B050"/>
+                </a:solidFill>
+              </a:rPr>
+              <a:t>playbook</a:t>
+            </a:r>
+            <a:r>
+              <a:rPr lang="fr-FR" i="1" dirty="0">
+                <a:solidFill>
+                  <a:srgbClr val="00B050"/>
+                </a:solidFill>
+              </a:rPr>
+              <a:t> </a:t>
+            </a:r>
+            <a:r>
+              <a:rPr lang="fr-FR" i="1" dirty="0" err="1">
+                <a:solidFill>
+                  <a:srgbClr val="00B050"/>
+                </a:solidFill>
+              </a:rPr>
+              <a:t>site.yml</a:t>
+            </a:r>
+            <a:endParaRPr lang="fr-FR" i="1" dirty="0">
+              <a:solidFill>
+                <a:srgbClr val="00B050"/>
+              </a:solidFill>
+            </a:endParaRPr>
+          </a:p>
+          <a:p>
+            <a:r>
+              <a:rPr lang="fr-FR" dirty="0">
+                <a:solidFill>
+                  <a:srgbClr val="0E0E0E"/>
+                </a:solidFill>
+                <a:effectLst/>
+              </a:rPr>
+              <a:t>Gère les rôles Ansible, y compris l’installation, la suppression et la création de rôles à partir d’Ansible Galaxy :</a:t>
+            </a:r>
+          </a:p>
+          <a:p>
+            <a:pPr lvl="1"/>
+            <a:r>
+              <a:rPr lang="fr-FR" i="1" dirty="0">
+                <a:solidFill>
+                  <a:srgbClr val="00B050"/>
+                </a:solidFill>
+              </a:rPr>
+              <a:t>ansible-</a:t>
+            </a:r>
+            <a:r>
+              <a:rPr lang="fr-FR" i="1" dirty="0" err="1">
+                <a:solidFill>
+                  <a:srgbClr val="00B050"/>
+                </a:solidFill>
+              </a:rPr>
+              <a:t>galaxy</a:t>
+            </a:r>
+            <a:r>
+              <a:rPr lang="fr-FR" i="1" dirty="0">
+                <a:solidFill>
+                  <a:srgbClr val="00B050"/>
+                </a:solidFill>
+              </a:rPr>
+              <a:t> </a:t>
+            </a:r>
+            <a:r>
+              <a:rPr lang="fr-FR" i="1" dirty="0" err="1">
+                <a:solidFill>
+                  <a:srgbClr val="00B050"/>
+                </a:solidFill>
+              </a:rPr>
+              <a:t>install</a:t>
+            </a:r>
+            <a:r>
+              <a:rPr lang="fr-FR" i="1" dirty="0">
+                <a:solidFill>
+                  <a:srgbClr val="00B050"/>
+                </a:solidFill>
+              </a:rPr>
+              <a:t> </a:t>
+            </a:r>
+            <a:r>
+              <a:rPr lang="fr-FR" i="1" dirty="0" err="1">
+                <a:solidFill>
+                  <a:srgbClr val="00B050"/>
+                </a:solidFill>
+              </a:rPr>
+              <a:t>geerlingguy.nginx</a:t>
+            </a:r>
+            <a:endParaRPr lang="fr-FR" i="1" dirty="0">
+              <a:solidFill>
+                <a:srgbClr val="00B050"/>
+              </a:solidFill>
+            </a:endParaRPr>
+          </a:p>
+          <a:p>
+            <a:r>
+              <a:rPr lang="fr-FR" dirty="0">
+                <a:solidFill>
+                  <a:srgbClr val="0E0E0E"/>
+                </a:solidFill>
+                <a:effectLst/>
+              </a:rPr>
+              <a:t>Affiche ou modifie le contenu des fichiers d’inventaire :</a:t>
+            </a:r>
+          </a:p>
+          <a:p>
+            <a:pPr lvl="1"/>
+            <a:r>
+              <a:rPr lang="fr-FR" i="1" dirty="0">
+                <a:solidFill>
+                  <a:srgbClr val="00B050"/>
+                </a:solidFill>
+              </a:rPr>
+              <a:t>ansible-</a:t>
+            </a:r>
+            <a:r>
+              <a:rPr lang="fr-FR" i="1" dirty="0" err="1">
+                <a:solidFill>
+                  <a:srgbClr val="00B050"/>
+                </a:solidFill>
+              </a:rPr>
+              <a:t>inventory</a:t>
+            </a:r>
+            <a:r>
+              <a:rPr lang="fr-FR" i="1" dirty="0">
+                <a:solidFill>
+                  <a:srgbClr val="00B050"/>
+                </a:solidFill>
+              </a:rPr>
+              <a:t> --</a:t>
+            </a:r>
+            <a:r>
+              <a:rPr lang="fr-FR" i="1" dirty="0" err="1">
+                <a:solidFill>
+                  <a:srgbClr val="00B050"/>
+                </a:solidFill>
+              </a:rPr>
+              <a:t>list</a:t>
+            </a:r>
+            <a:r>
+              <a:rPr lang="fr-FR" i="1" dirty="0">
+                <a:solidFill>
+                  <a:srgbClr val="00B050"/>
+                </a:solidFill>
+              </a:rPr>
+              <a:t> –y</a:t>
+            </a:r>
+          </a:p>
+          <a:p>
+            <a:r>
+              <a:rPr lang="fr-FR" dirty="0">
+                <a:solidFill>
+                  <a:srgbClr val="0E0E0E"/>
+                </a:solidFill>
+                <a:effectLst/>
+              </a:rPr>
+              <a:t>Gère les fichiers chiffrés par Ansible Vault pour sécuriser les informations sensibles :</a:t>
+            </a:r>
+            <a:endParaRPr lang="fr-FR" dirty="0"/>
+          </a:p>
+          <a:p>
+            <a:pPr lvl="1"/>
+            <a:r>
+              <a:rPr lang="fr-FR" i="1" dirty="0">
+                <a:solidFill>
+                  <a:srgbClr val="00B050"/>
+                </a:solidFill>
+              </a:rPr>
+              <a:t>ansible-</a:t>
+            </a:r>
+            <a:r>
+              <a:rPr lang="fr-FR" i="1" dirty="0" err="1">
+                <a:solidFill>
+                  <a:srgbClr val="00B050"/>
+                </a:solidFill>
+              </a:rPr>
+              <a:t>vault</a:t>
+            </a:r>
+            <a:r>
+              <a:rPr lang="fr-FR" i="1" dirty="0">
+                <a:solidFill>
+                  <a:srgbClr val="00B050"/>
+                </a:solidFill>
+              </a:rPr>
+              <a:t> </a:t>
+            </a:r>
+            <a:r>
+              <a:rPr lang="fr-FR" i="1" dirty="0" err="1">
+                <a:solidFill>
+                  <a:srgbClr val="00B050"/>
+                </a:solidFill>
+              </a:rPr>
+              <a:t>create</a:t>
+            </a:r>
+            <a:r>
+              <a:rPr lang="fr-FR" i="1" dirty="0">
+                <a:solidFill>
+                  <a:srgbClr val="00B050"/>
+                </a:solidFill>
+              </a:rPr>
+              <a:t> </a:t>
+            </a:r>
+            <a:r>
+              <a:rPr lang="fr-FR" i="1" dirty="0" err="1">
+                <a:solidFill>
+                  <a:srgbClr val="00B050"/>
+                </a:solidFill>
+              </a:rPr>
+              <a:t>secrets.yml</a:t>
+            </a:r>
+            <a:endParaRPr lang="fr-FR" i="1" dirty="0">
+              <a:solidFill>
+                <a:srgbClr val="00B050"/>
+              </a:solidFill>
+            </a:endParaRPr>
+          </a:p>
+          <a:p>
+            <a:r>
+              <a:rPr lang="fr-FR" dirty="0">
+                <a:solidFill>
+                  <a:srgbClr val="0E0E0E"/>
+                </a:solidFill>
+                <a:effectLst/>
+              </a:rPr>
+              <a:t>Affiche la documentation des modules Ansible :</a:t>
+            </a:r>
+          </a:p>
+          <a:p>
+            <a:pPr lvl="1"/>
+            <a:r>
+              <a:rPr lang="fr-FR" i="1" dirty="0">
+                <a:solidFill>
+                  <a:srgbClr val="00B050"/>
+                </a:solidFill>
+              </a:rPr>
+              <a:t>ansible-doc </a:t>
+            </a:r>
+            <a:r>
+              <a:rPr lang="fr-FR" i="1" dirty="0" err="1">
+                <a:solidFill>
+                  <a:srgbClr val="00B050"/>
+                </a:solidFill>
+              </a:rPr>
+              <a:t>apt</a:t>
+            </a:r>
+            <a:endParaRPr lang="fr-FR" i="1" dirty="0">
+              <a:solidFill>
+                <a:srgbClr val="00B050"/>
+              </a:solidFill>
+            </a:endParaRPr>
+          </a:p>
+          <a:p>
+            <a:r>
+              <a:rPr lang="fr-FR" dirty="0">
+                <a:solidFill>
+                  <a:srgbClr val="0E0E0E"/>
+                </a:solidFill>
+                <a:effectLst/>
+              </a:rPr>
+              <a:t>Gère et inspecte les fichiers de configuration Ansible</a:t>
+            </a:r>
+          </a:p>
+          <a:p>
+            <a:pPr lvl="1"/>
+            <a:r>
+              <a:rPr lang="fr-FR" i="1" dirty="0">
+                <a:solidFill>
+                  <a:srgbClr val="00B050"/>
+                </a:solidFill>
+              </a:rPr>
+              <a:t>ansible-</a:t>
+            </a:r>
+            <a:r>
+              <a:rPr lang="fr-FR" i="1" dirty="0" err="1">
+                <a:solidFill>
+                  <a:srgbClr val="00B050"/>
+                </a:solidFill>
+              </a:rPr>
+              <a:t>lint</a:t>
+            </a:r>
+            <a:r>
+              <a:rPr lang="fr-FR" i="1" dirty="0">
+                <a:solidFill>
+                  <a:srgbClr val="00B050"/>
+                </a:solidFill>
+              </a:rPr>
+              <a:t> </a:t>
+            </a:r>
+            <a:r>
+              <a:rPr lang="fr-FR" i="1" dirty="0" err="1">
+                <a:solidFill>
+                  <a:srgbClr val="00B050"/>
+                </a:solidFill>
+              </a:rPr>
+              <a:t>site.yml</a:t>
+            </a:r>
+            <a:endParaRPr lang="fr-FR" i="1" dirty="0">
+              <a:solidFill>
+                <a:srgbClr val="00B050"/>
+              </a:solidFill>
+            </a:endParaRPr>
+          </a:p>
+          <a:p>
+            <a:r>
+              <a:rPr lang="fr-FR" dirty="0">
+                <a:solidFill>
+                  <a:srgbClr val="0E0E0E"/>
+                </a:solidFill>
+                <a:effectLst/>
+              </a:rPr>
+              <a:t>Commande utilisée pour tester Ansible lui-même, souvent utilisée dans les environnements de développement :</a:t>
+            </a:r>
+          </a:p>
+          <a:p>
+            <a:pPr lvl="1"/>
+            <a:r>
+              <a:rPr lang="fr-FR" i="1" dirty="0">
+                <a:solidFill>
+                  <a:srgbClr val="00B050"/>
+                </a:solidFill>
+              </a:rPr>
+              <a:t>ansible-test </a:t>
+            </a:r>
+            <a:r>
+              <a:rPr lang="fr-FR" i="1" dirty="0" err="1">
+                <a:solidFill>
+                  <a:srgbClr val="00B050"/>
+                </a:solidFill>
+              </a:rPr>
+              <a:t>units</a:t>
+            </a:r>
+            <a:endParaRPr lang="fr-FR" i="1" dirty="0">
+              <a:solidFill>
+                <a:srgbClr val="00B050"/>
+              </a:solidFill>
+            </a:endParaRPr>
+          </a:p>
+        </p:txBody>
+      </p:sp>
+    </p:spTree>
+    <p:extLst>
+      <p:ext uri="{BB962C8B-B14F-4D97-AF65-F5344CB8AC3E}">
+        <p14:creationId xmlns:p14="http://schemas.microsoft.com/office/powerpoint/2010/main" val="1777504977"/>
+      </p:ext>
+    </p:extLst>
+  </p:cSld>
+  <p:clrMapOvr>
+    <a:masterClrMapping/>
+  </p:clrMapOvr>
+</p:sld>
+</file>
+
+<file path=ppt/slides/slide33.xml><?xml version="1.0" encoding="utf-8"?>
+<p:sld xmlns:a="http://schemas.openxmlformats.org/drawingml/2006/main" xmlns:r="http://schemas.openxmlformats.org/officeDocument/2006/relationships" xmlns:p="http://schemas.openxmlformats.org/presentationml/2006/main">
+  <p:cSld>
+    <p:spTree>
+      <p:nvGrpSpPr>
+        <p:cNvPr id="1" name=""/>
+        <p:cNvGrpSpPr/>
+        <p:nvPr/>
+      </p:nvGrpSpPr>
+      <p:grpSpPr>
+        <a:xfrm>
+          <a:off x="0" y="0"/>
+          <a:ext cx="0" cy="0"/>
+          <a:chOff x="0" y="0"/>
+          <a:chExt cx="0" cy="0"/>
+        </a:xfrm>
+      </p:grpSpPr>
+      <p:sp>
+        <p:nvSpPr>
+          <p:cNvPr id="2" name="Titre 1">
+            <a:extLst>
+              <a:ext uri="{FF2B5EF4-FFF2-40B4-BE49-F238E27FC236}">
+                <a16:creationId xmlns:a16="http://schemas.microsoft.com/office/drawing/2014/main" id="{6A204DD4-5828-E7F4-698E-9F618D3117BA}"/>
+              </a:ext>
+            </a:extLst>
+          </p:cNvPr>
+          <p:cNvSpPr>
+            <a:spLocks noGrp="1"/>
+          </p:cNvSpPr>
+          <p:nvPr>
+            <p:ph type="title"/>
+          </p:nvPr>
+        </p:nvSpPr>
+        <p:spPr/>
+        <p:txBody>
+          <a:bodyPr/>
+          <a:lstStyle/>
+          <a:p>
+            <a:r>
+              <a:rPr lang="fr-FR" dirty="0"/>
+              <a:t>Ansible – </a:t>
+            </a:r>
+            <a:r>
+              <a:rPr lang="fr-FR" dirty="0" err="1"/>
+              <a:t>Syntax</a:t>
+            </a:r>
+            <a:r>
+              <a:rPr lang="fr-FR" dirty="0"/>
+              <a:t> &amp; </a:t>
+            </a:r>
+            <a:r>
+              <a:rPr lang="fr-FR" dirty="0" err="1"/>
+              <a:t>Glossary</a:t>
+            </a:r>
+            <a:endParaRPr lang="fr-FR" dirty="0"/>
+          </a:p>
+        </p:txBody>
+      </p:sp>
+      <p:sp>
+        <p:nvSpPr>
+          <p:cNvPr id="3" name="Espace réservé du contenu 2">
+            <a:extLst>
+              <a:ext uri="{FF2B5EF4-FFF2-40B4-BE49-F238E27FC236}">
+                <a16:creationId xmlns:a16="http://schemas.microsoft.com/office/drawing/2014/main" id="{DC0B77DA-F1AE-F253-507F-93ECC6F4A083}"/>
+              </a:ext>
+            </a:extLst>
+          </p:cNvPr>
+          <p:cNvSpPr>
+            <a:spLocks noGrp="1"/>
+          </p:cNvSpPr>
+          <p:nvPr>
+            <p:ph idx="1"/>
+          </p:nvPr>
+        </p:nvSpPr>
+        <p:spPr>
+          <a:xfrm>
+            <a:off x="566094" y="2723052"/>
+            <a:ext cx="11059811" cy="2585324"/>
+          </a:xfrm>
+        </p:spPr>
+        <p:txBody>
+          <a:bodyPr/>
+          <a:lstStyle/>
+          <a:p>
+            <a:r>
+              <a:rPr lang="fr-FR" b="1" dirty="0"/>
+              <a:t>YAML </a:t>
+            </a:r>
+            <a:r>
+              <a:rPr lang="fr-FR" b="1" dirty="0" err="1"/>
+              <a:t>Syntax</a:t>
+            </a:r>
+            <a:endParaRPr lang="fr-FR" b="1" dirty="0">
+              <a:hlinkClick r:id="rId2"/>
+            </a:endParaRPr>
+          </a:p>
+          <a:p>
+            <a:pPr lvl="1"/>
+            <a:r>
+              <a:rPr lang="fr-FR" dirty="0">
+                <a:hlinkClick r:id="rId2"/>
+              </a:rPr>
+              <a:t>https://docs.ansible.com/ansible/latest/reference_appendices/YAMLSyntax.html</a:t>
+            </a:r>
+            <a:r>
+              <a:rPr lang="fr-FR" dirty="0"/>
+              <a:t> </a:t>
+            </a:r>
+          </a:p>
+          <a:p>
+            <a:endParaRPr lang="fr-FR" dirty="0"/>
+          </a:p>
+          <a:p>
+            <a:r>
+              <a:rPr lang="fr-FR" b="1" dirty="0" err="1"/>
+              <a:t>Glossary</a:t>
+            </a:r>
+            <a:endParaRPr lang="fr-FR" b="1" dirty="0"/>
+          </a:p>
+          <a:p>
+            <a:pPr lvl="1"/>
+            <a:r>
+              <a:rPr lang="fr-FR" dirty="0">
+                <a:hlinkClick r:id="rId3"/>
+              </a:rPr>
+              <a:t>https://docs.ansible.com/ansible/latest/reference_appendices/glossary.html</a:t>
+            </a:r>
+            <a:r>
+              <a:rPr lang="fr-FR" dirty="0"/>
+              <a:t> </a:t>
+            </a:r>
+          </a:p>
+        </p:txBody>
+      </p:sp>
+    </p:spTree>
+    <p:extLst>
+      <p:ext uri="{BB962C8B-B14F-4D97-AF65-F5344CB8AC3E}">
+        <p14:creationId xmlns:p14="http://schemas.microsoft.com/office/powerpoint/2010/main" val="82726537"/>
       </p:ext>
     </p:extLst>
   </p:cSld>

--- a/EPSI - Module IaC.pptx
+++ b/EPSI - Module IaC.pptx
@@ -9262,7 +9262,7 @@
         <p:spPr/>
         <p:txBody>
           <a:bodyPr>
-            <a:normAutofit fontScale="70000" lnSpcReduction="20000"/>
+            <a:normAutofit fontScale="92500" lnSpcReduction="20000"/>
           </a:bodyPr>
           <a:lstStyle/>
           <a:p>
@@ -9273,7 +9273,7 @@
                 </a:solidFill>
                 <a:effectLst/>
               </a:rPr>
-              <a:t>Inventory :</a:t>
+              <a:t>Dossier Inventory:</a:t>
             </a:r>
             <a:endParaRPr lang="fr-FR" dirty="0">
               <a:solidFill>
@@ -9291,7 +9291,7 @@
                 </a:solidFill>
                 <a:effectLst/>
               </a:rPr>
-              <a:t>Fichier listant les serveurs gérés par Ansible, organisés en groupes (ex : </a:t>
+              <a:t>Fichier hosts listant les serveurs gérés par Ansible, organisés en groupes (ex : </a:t>
             </a:r>
             <a:r>
               <a:rPr lang="fr-FR" dirty="0" err="1">
@@ -9332,13 +9332,22 @@
           </a:p>
           <a:p>
             <a:r>
+              <a:rPr lang="fr-FR" b="1" dirty="0">
+                <a:solidFill>
+                  <a:srgbClr val="0E0E0E"/>
+                </a:solidFill>
+                <a:effectLst/>
+              </a:rPr>
+              <a:t>Dossier </a:t>
+            </a:r>
+            <a:r>
               <a:rPr lang="fr-FR" b="1" dirty="0" err="1">
                 <a:solidFill>
                   <a:srgbClr val="0E0E0E"/>
                 </a:solidFill>
                 <a:effectLst/>
               </a:rPr>
-              <a:t>Playbook</a:t>
+              <a:t>Playbooks</a:t>
             </a:r>
             <a:r>
               <a:rPr lang="fr-FR" b="1" dirty="0">
@@ -9388,6 +9397,15 @@
           </a:p>
           <a:p>
             <a:r>
+              <a:rPr lang="fr-FR" b="1" dirty="0">
+                <a:solidFill>
+                  <a:srgbClr val="0E0E0E"/>
+                </a:solidFill>
+                <a:effectLst/>
+              </a:rPr>
+              <a:t>Dossier </a:t>
+            </a:r>
+            <a:r>
               <a:rPr lang="fr-FR" b="1" dirty="0" err="1">
                 <a:solidFill>
                   <a:srgbClr val="0E0E0E"/>
@@ -9401,9 +9419,17 @@
                 <a:solidFill>
                   <a:srgbClr val="0E0E0E"/>
                 </a:solidFill>
-                <a:effectLst/>
-              </a:rPr>
-              <a:t> :</a:t>
+              </a:rPr>
+              <a:t> </a:t>
+            </a:r>
+            <a:r>
+              <a:rPr lang="fr-FR" b="1" dirty="0">
+                <a:solidFill>
+                  <a:srgbClr val="0E0E0E"/>
+                </a:solidFill>
+                <a:effectLst/>
+              </a:rPr>
+              <a:t>:</a:t>
             </a:r>
             <a:endParaRPr lang="fr-FR" dirty="0">
               <a:solidFill>
@@ -9541,36 +9567,6 @@
                 <a:effectLst/>
               </a:rPr>
               <a:t>Fichier de configuration globale définissant les options par défaut pour Ansible, comme l’inventaire à utiliser ou le comportement des privilèges.</a:t>
-            </a:r>
-          </a:p>
-          <a:p>
-            <a:r>
-              <a:rPr lang="fr-FR" b="1" dirty="0">
-                <a:solidFill>
-                  <a:srgbClr val="0E0E0E"/>
-                </a:solidFill>
-              </a:rPr>
-              <a:t>Modules</a:t>
-            </a:r>
-            <a:r>
-              <a:rPr lang="fr-FR" dirty="0">
-                <a:solidFill>
-                  <a:srgbClr val="0E0E0E"/>
-                </a:solidFill>
-              </a:rPr>
-              <a:t> :</a:t>
-            </a:r>
-          </a:p>
-          <a:p>
-            <a:pPr lvl="1"/>
-            <a:r>
-              <a:rPr lang="fr-FR" dirty="0">
-                <a:solidFill>
-                  <a:srgbClr val="0E0E0E"/>
-                </a:solidFill>
-                <a:effectLst/>
-              </a:rPr>
-              <a:t>Ansible dispose de centaines de modules couvrant divers aspects de l’administration des systèmes, de la gestion de la configuration, et du déploiement d’applications</a:t>
             </a:r>
           </a:p>
         </p:txBody>
@@ -9873,8 +9869,8 @@
         </p:blipFill>
         <p:spPr>
           <a:xfrm>
-            <a:off x="2950558" y="2836758"/>
-            <a:ext cx="5356012" cy="3167534"/>
+            <a:off x="3134699" y="2920193"/>
+            <a:ext cx="4987729" cy="2949732"/>
           </a:xfrm>
           <a:prstGeom prst="rect">
             <a:avLst/>
@@ -10896,7 +10892,7 @@
         </p:blipFill>
         <p:spPr>
           <a:xfrm>
-            <a:off x="3572406" y="2902456"/>
+            <a:off x="3790950" y="2999561"/>
             <a:ext cx="4610100" cy="2768600"/>
           </a:xfrm>
           <a:prstGeom prst="rect">
@@ -11016,7 +11012,7 @@
         </p:blipFill>
         <p:spPr>
           <a:xfrm>
-            <a:off x="3146044" y="2009517"/>
+            <a:off x="5828739" y="1977149"/>
             <a:ext cx="5613400" cy="4127500"/>
           </a:xfrm>
           <a:prstGeom prst="rect">
@@ -11038,7 +11034,7 @@
         </p:nvSpPr>
         <p:spPr>
           <a:xfrm>
-            <a:off x="3611880" y="3246120"/>
+            <a:off x="6294575" y="3213752"/>
             <a:ext cx="4681728" cy="640080"/>
           </a:xfrm>
           <a:prstGeom prst="rect">
@@ -11090,7 +11086,7 @@
         </p:nvSpPr>
         <p:spPr>
           <a:xfrm>
-            <a:off x="3755136" y="4051487"/>
+            <a:off x="6437831" y="4019119"/>
             <a:ext cx="4681728" cy="779457"/>
           </a:xfrm>
           <a:prstGeom prst="rect">
@@ -11142,7 +11138,7 @@
         </p:nvSpPr>
         <p:spPr>
           <a:xfrm>
-            <a:off x="3755136" y="4999676"/>
+            <a:off x="6437831" y="4967308"/>
             <a:ext cx="4681728" cy="1069351"/>
           </a:xfrm>
           <a:prstGeom prst="rect">
@@ -11177,6 +11173,46 @@
           <a:p>
             <a:pPr algn="ctr"/>
             <a:endParaRPr lang="fr-FR"/>
+          </a:p>
+        </p:txBody>
+      </p:sp>
+      <p:sp>
+        <p:nvSpPr>
+          <p:cNvPr id="11" name="ZoneTexte 10">
+            <a:extLst>
+              <a:ext uri="{FF2B5EF4-FFF2-40B4-BE49-F238E27FC236}">
+                <a16:creationId xmlns:a16="http://schemas.microsoft.com/office/drawing/2014/main" id="{F5D9D89B-4233-E09B-AC05-FE045846C624}"/>
+              </a:ext>
+            </a:extLst>
+          </p:cNvPr>
+          <p:cNvSpPr txBox="1"/>
+          <p:nvPr/>
+        </p:nvSpPr>
+        <p:spPr>
+          <a:xfrm>
+            <a:off x="288740" y="3253667"/>
+            <a:ext cx="5235453" cy="1200329"/>
+          </a:xfrm>
+          <a:prstGeom prst="rect">
+            <a:avLst/>
+          </a:prstGeom>
+          <a:noFill/>
+        </p:spPr>
+        <p:txBody>
+          <a:bodyPr wrap="square">
+            <a:spAutoFit/>
+          </a:bodyPr>
+          <a:lstStyle/>
+          <a:p>
+            <a:r>
+              <a:rPr lang="fr-FR" dirty="0">
+                <a:solidFill>
+                  <a:srgbClr val="0E0E0E"/>
+                </a:solidFill>
+                <a:effectLst/>
+              </a:rPr>
+              <a:t>Ansible dispose de centaines de modules couvrant divers aspects de l’administration des systèmes, de la gestion de la configuration, et du déploiement d’applications.</a:t>
+            </a:r>
           </a:p>
         </p:txBody>
       </p:sp>
@@ -11284,7 +11320,7 @@
         </p:nvSpPr>
         <p:spPr>
           <a:xfrm>
-            <a:off x="1922870" y="2160574"/>
+            <a:off x="1808255" y="2443796"/>
             <a:ext cx="8575489" cy="3416320"/>
           </a:xfrm>
           <a:prstGeom prst="rect">
@@ -11674,7 +11710,7 @@
         </p:nvSpPr>
         <p:spPr>
           <a:xfrm>
-            <a:off x="1922870" y="2160574"/>
+            <a:off x="2530889" y="2346691"/>
             <a:ext cx="7130222" cy="3416320"/>
           </a:xfrm>
           <a:prstGeom prst="rect">
@@ -12052,7 +12088,7 @@
         </p:nvSpPr>
         <p:spPr>
           <a:xfrm>
-            <a:off x="1817674" y="2144390"/>
+            <a:off x="1604225" y="2516624"/>
             <a:ext cx="8983550" cy="3416320"/>
           </a:xfrm>
           <a:prstGeom prst="rect">
@@ -12543,7 +12579,7 @@
         </p:nvSpPr>
         <p:spPr>
           <a:xfrm>
-            <a:off x="2246552" y="2144390"/>
+            <a:off x="2219522" y="2265771"/>
             <a:ext cx="7752956" cy="3693319"/>
           </a:xfrm>
           <a:prstGeom prst="rect">
@@ -12921,7 +12957,7 @@
         </p:nvSpPr>
         <p:spPr>
           <a:xfrm>
-            <a:off x="2319380" y="2573268"/>
+            <a:off x="2822315" y="2605637"/>
             <a:ext cx="6547370" cy="2585323"/>
           </a:xfrm>
           <a:prstGeom prst="rect">

--- a/EPSI - Module IaC.pptx
+++ b/EPSI - Module IaC.pptx
@@ -5,7 +5,7 @@
     <p:sldMasterId id="2147483751" r:id="rId1"/>
   </p:sldMasterIdLst>
   <p:notesMasterIdLst>
-    <p:notesMasterId r:id="rId35"/>
+    <p:notesMasterId r:id="rId36"/>
   </p:notesMasterIdLst>
   <p:sldIdLst>
     <p:sldId id="256" r:id="rId2"/>
@@ -25,22 +25,23 @@
     <p:sldId id="270" r:id="rId16"/>
     <p:sldId id="271" r:id="rId17"/>
     <p:sldId id="272" r:id="rId18"/>
-    <p:sldId id="273" r:id="rId19"/>
-    <p:sldId id="283" r:id="rId20"/>
-    <p:sldId id="274" r:id="rId21"/>
-    <p:sldId id="275" r:id="rId22"/>
-    <p:sldId id="276" r:id="rId23"/>
-    <p:sldId id="277" r:id="rId24"/>
-    <p:sldId id="280" r:id="rId25"/>
-    <p:sldId id="281" r:id="rId26"/>
-    <p:sldId id="284" r:id="rId27"/>
-    <p:sldId id="289" r:id="rId28"/>
-    <p:sldId id="285" r:id="rId29"/>
-    <p:sldId id="286" r:id="rId30"/>
-    <p:sldId id="287" r:id="rId31"/>
-    <p:sldId id="288" r:id="rId32"/>
-    <p:sldId id="279" r:id="rId33"/>
-    <p:sldId id="282" r:id="rId34"/>
+    <p:sldId id="290" r:id="rId19"/>
+    <p:sldId id="273" r:id="rId20"/>
+    <p:sldId id="283" r:id="rId21"/>
+    <p:sldId id="274" r:id="rId22"/>
+    <p:sldId id="275" r:id="rId23"/>
+    <p:sldId id="276" r:id="rId24"/>
+    <p:sldId id="277" r:id="rId25"/>
+    <p:sldId id="280" r:id="rId26"/>
+    <p:sldId id="281" r:id="rId27"/>
+    <p:sldId id="284" r:id="rId28"/>
+    <p:sldId id="289" r:id="rId29"/>
+    <p:sldId id="285" r:id="rId30"/>
+    <p:sldId id="286" r:id="rId31"/>
+    <p:sldId id="287" r:id="rId32"/>
+    <p:sldId id="288" r:id="rId33"/>
+    <p:sldId id="279" r:id="rId34"/>
+    <p:sldId id="282" r:id="rId35"/>
   </p:sldIdLst>
   <p:sldSz cx="12192000" cy="6858000"/>
   <p:notesSz cx="6858000" cy="9144000"/>
@@ -654,7 +655,7 @@
     </p:spTree>
     <p:extLst>
       <p:ext uri="{BB962C8B-B14F-4D97-AF65-F5344CB8AC3E}">
-        <p14:creationId xmlns:p14="http://schemas.microsoft.com/office/powerpoint/2010/main" val="371472045"/>
+        <p14:creationId xmlns:p14="http://schemas.microsoft.com/office/powerpoint/2010/main" val="2617117907"/>
       </p:ext>
     </p:extLst>
   </p:cSld>
@@ -738,7 +739,7 @@
     </p:spTree>
     <p:extLst>
       <p:ext uri="{BB962C8B-B14F-4D97-AF65-F5344CB8AC3E}">
-        <p14:creationId xmlns:p14="http://schemas.microsoft.com/office/powerpoint/2010/main" val="2555554287"/>
+        <p14:creationId xmlns:p14="http://schemas.microsoft.com/office/powerpoint/2010/main" val="371472045"/>
       </p:ext>
     </p:extLst>
   </p:cSld>
@@ -822,7 +823,7 @@
     </p:spTree>
     <p:extLst>
       <p:ext uri="{BB962C8B-B14F-4D97-AF65-F5344CB8AC3E}">
-        <p14:creationId xmlns:p14="http://schemas.microsoft.com/office/powerpoint/2010/main" val="2135159087"/>
+        <p14:creationId xmlns:p14="http://schemas.microsoft.com/office/powerpoint/2010/main" val="2555554287"/>
       </p:ext>
     </p:extLst>
   </p:cSld>
@@ -906,7 +907,7 @@
     </p:spTree>
     <p:extLst>
       <p:ext uri="{BB962C8B-B14F-4D97-AF65-F5344CB8AC3E}">
-        <p14:creationId xmlns:p14="http://schemas.microsoft.com/office/powerpoint/2010/main" val="2965854982"/>
+        <p14:creationId xmlns:p14="http://schemas.microsoft.com/office/powerpoint/2010/main" val="2135159087"/>
       </p:ext>
     </p:extLst>
   </p:cSld>
@@ -990,7 +991,7 @@
     </p:spTree>
     <p:extLst>
       <p:ext uri="{BB962C8B-B14F-4D97-AF65-F5344CB8AC3E}">
-        <p14:creationId xmlns:p14="http://schemas.microsoft.com/office/powerpoint/2010/main" val="3618992897"/>
+        <p14:creationId xmlns:p14="http://schemas.microsoft.com/office/powerpoint/2010/main" val="2965854982"/>
       </p:ext>
     </p:extLst>
   </p:cSld>
@@ -1074,7 +1075,7 @@
     </p:spTree>
     <p:extLst>
       <p:ext uri="{BB962C8B-B14F-4D97-AF65-F5344CB8AC3E}">
-        <p14:creationId xmlns:p14="http://schemas.microsoft.com/office/powerpoint/2010/main" val="19751231"/>
+        <p14:creationId xmlns:p14="http://schemas.microsoft.com/office/powerpoint/2010/main" val="3618992897"/>
       </p:ext>
     </p:extLst>
   </p:cSld>
@@ -1158,7 +1159,7 @@
     </p:spTree>
     <p:extLst>
       <p:ext uri="{BB962C8B-B14F-4D97-AF65-F5344CB8AC3E}">
-        <p14:creationId xmlns:p14="http://schemas.microsoft.com/office/powerpoint/2010/main" val="74075473"/>
+        <p14:creationId xmlns:p14="http://schemas.microsoft.com/office/powerpoint/2010/main" val="19751231"/>
       </p:ext>
     </p:extLst>
   </p:cSld>
@@ -1242,7 +1243,7 @@
     </p:spTree>
     <p:extLst>
       <p:ext uri="{BB962C8B-B14F-4D97-AF65-F5344CB8AC3E}">
-        <p14:creationId xmlns:p14="http://schemas.microsoft.com/office/powerpoint/2010/main" val="1230407769"/>
+        <p14:creationId xmlns:p14="http://schemas.microsoft.com/office/powerpoint/2010/main" val="74075473"/>
       </p:ext>
     </p:extLst>
   </p:cSld>
@@ -1318,6 +1319,90 @@
             <a:fld id="{31698029-4D65-5B41-A6D9-E9D164CD07D4}" type="slidenum">
               <a:rPr lang="fr-FR" smtClean="0"/>
               <a:t>32</a:t>
+            </a:fld>
+            <a:endParaRPr lang="fr-FR"/>
+          </a:p>
+        </p:txBody>
+      </p:sp>
+    </p:spTree>
+    <p:extLst>
+      <p:ext uri="{BB962C8B-B14F-4D97-AF65-F5344CB8AC3E}">
+        <p14:creationId xmlns:p14="http://schemas.microsoft.com/office/powerpoint/2010/main" val="1230407769"/>
+      </p:ext>
+    </p:extLst>
+  </p:cSld>
+  <p:clrMapOvr>
+    <a:masterClrMapping/>
+  </p:clrMapOvr>
+</p:notes>
+</file>
+
+<file path=ppt/notesSlides/notesSlide19.xml><?xml version="1.0" encoding="utf-8"?>
+<p:notes xmlns:a="http://schemas.openxmlformats.org/drawingml/2006/main" xmlns:r="http://schemas.openxmlformats.org/officeDocument/2006/relationships" xmlns:p="http://schemas.openxmlformats.org/presentationml/2006/main">
+  <p:cSld>
+    <p:spTree>
+      <p:nvGrpSpPr>
+        <p:cNvPr id="1" name=""/>
+        <p:cNvGrpSpPr/>
+        <p:nvPr/>
+      </p:nvGrpSpPr>
+      <p:grpSpPr>
+        <a:xfrm>
+          <a:off x="0" y="0"/>
+          <a:ext cx="0" cy="0"/>
+          <a:chOff x="0" y="0"/>
+          <a:chExt cx="0" cy="0"/>
+        </a:xfrm>
+      </p:grpSpPr>
+      <p:sp>
+        <p:nvSpPr>
+          <p:cNvPr id="2" name="Espace réservé de l'image des diapositives 1"/>
+          <p:cNvSpPr>
+            <a:spLocks noGrp="1" noRot="1" noChangeAspect="1"/>
+          </p:cNvSpPr>
+          <p:nvPr>
+            <p:ph type="sldImg"/>
+          </p:nvPr>
+        </p:nvSpPr>
+        <p:spPr/>
+      </p:sp>
+      <p:sp>
+        <p:nvSpPr>
+          <p:cNvPr id="3" name="Espace réservé des notes 2"/>
+          <p:cNvSpPr>
+            <a:spLocks noGrp="1"/>
+          </p:cNvSpPr>
+          <p:nvPr>
+            <p:ph type="body" idx="1"/>
+          </p:nvPr>
+        </p:nvSpPr>
+        <p:spPr/>
+        <p:txBody>
+          <a:bodyPr/>
+          <a:lstStyle/>
+          <a:p>
+            <a:endParaRPr lang="fr-FR" dirty="0"/>
+          </a:p>
+        </p:txBody>
+      </p:sp>
+      <p:sp>
+        <p:nvSpPr>
+          <p:cNvPr id="4" name="Espace réservé du numéro de diapositive 3"/>
+          <p:cNvSpPr>
+            <a:spLocks noGrp="1"/>
+          </p:cNvSpPr>
+          <p:nvPr>
+            <p:ph type="sldNum" sz="quarter" idx="5"/>
+          </p:nvPr>
+        </p:nvSpPr>
+        <p:spPr/>
+        <p:txBody>
+          <a:bodyPr/>
+          <a:lstStyle/>
+          <a:p>
+            <a:fld id="{31698029-4D65-5B41-A6D9-E9D164CD07D4}" type="slidenum">
+              <a:rPr lang="fr-FR" smtClean="0"/>
+              <a:t>33</a:t>
             </a:fld>
             <a:endParaRPr lang="fr-FR"/>
           </a:p>
@@ -1964,7 +2049,7 @@
     </p:spTree>
     <p:extLst>
       <p:ext uri="{BB962C8B-B14F-4D97-AF65-F5344CB8AC3E}">
-        <p14:creationId xmlns:p14="http://schemas.microsoft.com/office/powerpoint/2010/main" val="2272491300"/>
+        <p14:creationId xmlns:p14="http://schemas.microsoft.com/office/powerpoint/2010/main" val="4246669411"/>
       </p:ext>
     </p:extLst>
   </p:cSld>
@@ -2048,7 +2133,7 @@
     </p:spTree>
     <p:extLst>
       <p:ext uri="{BB962C8B-B14F-4D97-AF65-F5344CB8AC3E}">
-        <p14:creationId xmlns:p14="http://schemas.microsoft.com/office/powerpoint/2010/main" val="1319035519"/>
+        <p14:creationId xmlns:p14="http://schemas.microsoft.com/office/powerpoint/2010/main" val="2272491300"/>
       </p:ext>
     </p:extLst>
   </p:cSld>
@@ -2132,7 +2217,7 @@
     </p:spTree>
     <p:extLst>
       <p:ext uri="{BB962C8B-B14F-4D97-AF65-F5344CB8AC3E}">
-        <p14:creationId xmlns:p14="http://schemas.microsoft.com/office/powerpoint/2010/main" val="3642663967"/>
+        <p14:creationId xmlns:p14="http://schemas.microsoft.com/office/powerpoint/2010/main" val="1319035519"/>
       </p:ext>
     </p:extLst>
   </p:cSld>
@@ -2216,7 +2301,7 @@
     </p:spTree>
     <p:extLst>
       <p:ext uri="{BB962C8B-B14F-4D97-AF65-F5344CB8AC3E}">
-        <p14:creationId xmlns:p14="http://schemas.microsoft.com/office/powerpoint/2010/main" val="2617117907"/>
+        <p14:creationId xmlns:p14="http://schemas.microsoft.com/office/powerpoint/2010/main" val="3642663967"/>
       </p:ext>
     </p:extLst>
   </p:cSld>
@@ -8355,6 +8440,229 @@
           <p:cNvPr id="2" name="Titre 1">
             <a:extLst>
               <a:ext uri="{FF2B5EF4-FFF2-40B4-BE49-F238E27FC236}">
+                <a16:creationId xmlns:a16="http://schemas.microsoft.com/office/drawing/2014/main" id="{51F5C8B8-175C-6A49-2999-427297FD30CF}"/>
+              </a:ext>
+            </a:extLst>
+          </p:cNvPr>
+          <p:cNvSpPr>
+            <a:spLocks noGrp="1"/>
+          </p:cNvSpPr>
+          <p:nvPr>
+            <p:ph type="title"/>
+          </p:nvPr>
+        </p:nvSpPr>
+        <p:spPr/>
+        <p:txBody>
+          <a:bodyPr/>
+          <a:lstStyle/>
+          <a:p>
+            <a:r>
+              <a:rPr lang="fr-FR" dirty="0" err="1"/>
+              <a:t>Terraform</a:t>
+            </a:r>
+            <a:r>
+              <a:rPr lang="fr-FR" dirty="0"/>
+              <a:t> &amp; Ansible - complémentarité</a:t>
+            </a:r>
+          </a:p>
+        </p:txBody>
+      </p:sp>
+      <p:sp>
+        <p:nvSpPr>
+          <p:cNvPr id="3" name="Espace réservé du contenu 2">
+            <a:extLst>
+              <a:ext uri="{FF2B5EF4-FFF2-40B4-BE49-F238E27FC236}">
+                <a16:creationId xmlns:a16="http://schemas.microsoft.com/office/drawing/2014/main" id="{64FB1E04-216A-8BC6-18C4-F252E7DD0F5E}"/>
+              </a:ext>
+            </a:extLst>
+          </p:cNvPr>
+          <p:cNvSpPr>
+            <a:spLocks noGrp="1"/>
+          </p:cNvSpPr>
+          <p:nvPr>
+            <p:ph idx="1"/>
+          </p:nvPr>
+        </p:nvSpPr>
+        <p:spPr/>
+        <p:txBody>
+          <a:bodyPr/>
+          <a:lstStyle/>
+          <a:p>
+            <a:pPr marL="0" indent="0">
+              <a:buNone/>
+            </a:pPr>
+            <a:r>
+              <a:rPr lang="fr-FR" b="1" dirty="0">
+                <a:solidFill>
+                  <a:srgbClr val="0E0E0E"/>
+                </a:solidFill>
+                <a:effectLst/>
+              </a:rPr>
+              <a:t>Provisionnement avec </a:t>
+            </a:r>
+            <a:r>
+              <a:rPr lang="fr-FR" b="1" dirty="0" err="1">
+                <a:solidFill>
+                  <a:srgbClr val="0E0E0E"/>
+                </a:solidFill>
+                <a:effectLst/>
+              </a:rPr>
+              <a:t>Terraform</a:t>
+            </a:r>
+            <a:r>
+              <a:rPr lang="fr-FR" b="1" dirty="0">
+                <a:solidFill>
+                  <a:srgbClr val="0E0E0E"/>
+                </a:solidFill>
+                <a:effectLst/>
+              </a:rPr>
+              <a:t> :</a:t>
+            </a:r>
+            <a:endParaRPr lang="fr-FR" dirty="0">
+              <a:solidFill>
+                <a:srgbClr val="0E0E0E"/>
+              </a:solidFill>
+              <a:effectLst/>
+            </a:endParaRPr>
+          </a:p>
+          <a:p>
+            <a:r>
+              <a:rPr lang="fr-FR" dirty="0" err="1">
+                <a:solidFill>
+                  <a:srgbClr val="0E0E0E"/>
+                </a:solidFill>
+                <a:effectLst/>
+              </a:rPr>
+              <a:t>Terraform</a:t>
+            </a:r>
+            <a:r>
+              <a:rPr lang="fr-FR" dirty="0">
+                <a:solidFill>
+                  <a:srgbClr val="0E0E0E"/>
+                </a:solidFill>
+                <a:effectLst/>
+              </a:rPr>
+              <a:t> crée l’infrastructure brute (VM, réseaux, stockage).</a:t>
+            </a:r>
+          </a:p>
+          <a:p>
+            <a:r>
+              <a:rPr lang="fr-FR" dirty="0">
+                <a:solidFill>
+                  <a:srgbClr val="0E0E0E"/>
+                </a:solidFill>
+                <a:effectLst/>
+              </a:rPr>
+              <a:t>Idéal pour gérer l’état global de l’infrastructure et garantir la reproductibilité.</a:t>
+            </a:r>
+          </a:p>
+          <a:p>
+            <a:endParaRPr lang="fr-FR" dirty="0">
+              <a:solidFill>
+                <a:srgbClr val="0E0E0E"/>
+              </a:solidFill>
+              <a:effectLst/>
+            </a:endParaRPr>
+          </a:p>
+          <a:p>
+            <a:pPr marL="0" indent="0">
+              <a:buNone/>
+            </a:pPr>
+            <a:r>
+              <a:rPr lang="fr-FR" b="1" dirty="0">
+                <a:solidFill>
+                  <a:srgbClr val="0E0E0E"/>
+                </a:solidFill>
+                <a:effectLst/>
+              </a:rPr>
+              <a:t>Configuration avec Ansible :</a:t>
+            </a:r>
+            <a:endParaRPr lang="fr-FR" b="1" dirty="0">
+              <a:solidFill>
+                <a:srgbClr val="0E0E0E"/>
+              </a:solidFill>
+            </a:endParaRPr>
+          </a:p>
+          <a:p>
+            <a:r>
+              <a:rPr lang="fr-FR" dirty="0">
+                <a:solidFill>
+                  <a:srgbClr val="0E0E0E"/>
+                </a:solidFill>
+                <a:effectLst/>
+              </a:rPr>
+              <a:t>Une fois l’infrastructure déployée par </a:t>
+            </a:r>
+            <a:r>
+              <a:rPr lang="fr-FR" dirty="0" err="1">
+                <a:solidFill>
+                  <a:srgbClr val="0E0E0E"/>
+                </a:solidFill>
+                <a:effectLst/>
+              </a:rPr>
+              <a:t>Terraform</a:t>
+            </a:r>
+            <a:r>
+              <a:rPr lang="fr-FR" dirty="0">
+                <a:solidFill>
+                  <a:srgbClr val="0E0E0E"/>
+                </a:solidFill>
+                <a:effectLst/>
+              </a:rPr>
+              <a:t>, Ansible est utilisé pour installer des logiciels, configurer des services, et maintenir les configurations.</a:t>
+            </a:r>
+          </a:p>
+          <a:p>
+            <a:r>
+              <a:rPr lang="fr-FR" dirty="0">
+                <a:solidFill>
+                  <a:srgbClr val="0E0E0E"/>
+                </a:solidFill>
+                <a:effectLst/>
+              </a:rPr>
+              <a:t>Gère les mises à jour, la configuration continue et l’application des changements.</a:t>
+            </a:r>
+          </a:p>
+          <a:p>
+            <a:endParaRPr lang="fr-FR" dirty="0"/>
+          </a:p>
+        </p:txBody>
+      </p:sp>
+    </p:spTree>
+    <p:extLst>
+      <p:ext uri="{BB962C8B-B14F-4D97-AF65-F5344CB8AC3E}">
+        <p14:creationId xmlns:p14="http://schemas.microsoft.com/office/powerpoint/2010/main" val="3699974048"/>
+      </p:ext>
+    </p:extLst>
+  </p:cSld>
+  <p:clrMapOvr>
+    <a:masterClrMapping/>
+  </p:clrMapOvr>
+</p:sld>
+</file>
+
+<file path=ppt/slides/slide19.xml><?xml version="1.0" encoding="utf-8"?>
+<p:sld xmlns:a="http://schemas.openxmlformats.org/drawingml/2006/main" xmlns:r="http://schemas.openxmlformats.org/officeDocument/2006/relationships" xmlns:p="http://schemas.openxmlformats.org/presentationml/2006/main">
+  <p:cSld>
+    <p:spTree>
+      <p:nvGrpSpPr>
+        <p:cNvPr id="1" name=""/>
+        <p:cNvGrpSpPr/>
+        <p:nvPr/>
+      </p:nvGrpSpPr>
+      <p:grpSpPr>
+        <a:xfrm>
+          <a:off x="0" y="0"/>
+          <a:ext cx="0" cy="0"/>
+          <a:chOff x="0" y="0"/>
+          <a:chExt cx="0" cy="0"/>
+        </a:xfrm>
+      </p:grpSpPr>
+      <p:sp>
+        <p:nvSpPr>
+          <p:cNvPr id="2" name="Titre 1">
+            <a:extLst>
+              <a:ext uri="{FF2B5EF4-FFF2-40B4-BE49-F238E27FC236}">
                 <a16:creationId xmlns:a16="http://schemas.microsoft.com/office/drawing/2014/main" id="{0052C339-44E4-2CCB-491F-F17B93976516}"/>
               </a:ext>
             </a:extLst>
@@ -8547,7 +8855,7 @@
 </p:sld>
 </file>
 
-<file path=ppt/slides/slide19.xml><?xml version="1.0" encoding="utf-8"?>
+<file path=ppt/slides/slide2.xml><?xml version="1.0" encoding="utf-8"?>
 <p:sld xmlns:a="http://schemas.openxmlformats.org/drawingml/2006/main" xmlns:r="http://schemas.openxmlformats.org/officeDocument/2006/relationships" xmlns:p="http://schemas.openxmlformats.org/presentationml/2006/main">
   <p:cSld>
     <p:spTree>
@@ -8569,6 +8877,185 @@
           <p:cNvPr id="2" name="Titre 1">
             <a:extLst>
               <a:ext uri="{FF2B5EF4-FFF2-40B4-BE49-F238E27FC236}">
+                <a16:creationId xmlns:a16="http://schemas.microsoft.com/office/drawing/2014/main" id="{C68E6C8D-C7D6-1A79-D503-7742330342D5}"/>
+              </a:ext>
+            </a:extLst>
+          </p:cNvPr>
+          <p:cNvSpPr>
+            <a:spLocks noGrp="1"/>
+          </p:cNvSpPr>
+          <p:nvPr>
+            <p:ph type="title"/>
+          </p:nvPr>
+        </p:nvSpPr>
+        <p:spPr/>
+        <p:txBody>
+          <a:bodyPr/>
+          <a:lstStyle/>
+          <a:p>
+            <a:pPr algn="ctr"/>
+            <a:r>
+              <a:rPr lang="fr-FR" dirty="0"/>
+              <a:t>Module </a:t>
+            </a:r>
+            <a:r>
+              <a:rPr lang="fr-FR" dirty="0" err="1"/>
+              <a:t>IaC</a:t>
+            </a:r>
+            <a:r>
+              <a:rPr lang="fr-FR" dirty="0"/>
+              <a:t> - Déroulement</a:t>
+            </a:r>
+          </a:p>
+        </p:txBody>
+      </p:sp>
+      <p:sp>
+        <p:nvSpPr>
+          <p:cNvPr id="3" name="Espace réservé du contenu 2">
+            <a:extLst>
+              <a:ext uri="{FF2B5EF4-FFF2-40B4-BE49-F238E27FC236}">
+                <a16:creationId xmlns:a16="http://schemas.microsoft.com/office/drawing/2014/main" id="{4E9BC403-9ED7-5A2A-5AB2-43E17F00FCA0}"/>
+              </a:ext>
+            </a:extLst>
+          </p:cNvPr>
+          <p:cNvSpPr>
+            <a:spLocks noGrp="1"/>
+          </p:cNvSpPr>
+          <p:nvPr>
+            <p:ph idx="1"/>
+          </p:nvPr>
+        </p:nvSpPr>
+        <p:spPr/>
+        <p:txBody>
+          <a:bodyPr/>
+          <a:lstStyle/>
+          <a:p>
+            <a:r>
+              <a:rPr lang="fr-FR" dirty="0"/>
+              <a:t>Groupe de 2 à 3 personnes.</a:t>
+            </a:r>
+          </a:p>
+          <a:p>
+            <a:r>
+              <a:rPr lang="fr-FR" dirty="0"/>
+              <a:t>Atelier technique :</a:t>
+            </a:r>
+          </a:p>
+          <a:p>
+            <a:pPr lvl="1"/>
+            <a:r>
+              <a:rPr lang="fr-FR" dirty="0"/>
+              <a:t>1</a:t>
+            </a:r>
+            <a:r>
+              <a:rPr lang="fr-FR" baseline="30000" dirty="0"/>
+              <a:t>er</a:t>
+            </a:r>
+            <a:r>
+              <a:rPr lang="fr-FR" dirty="0"/>
+              <a:t> jour : </a:t>
+            </a:r>
+            <a:r>
+              <a:rPr lang="fr-FR" dirty="0" err="1"/>
+              <a:t>Terraform</a:t>
+            </a:r>
+            <a:endParaRPr lang="fr-FR" dirty="0"/>
+          </a:p>
+          <a:p>
+            <a:pPr lvl="1"/>
+            <a:r>
+              <a:rPr lang="fr-FR" dirty="0"/>
+              <a:t>2</a:t>
+            </a:r>
+            <a:r>
+              <a:rPr lang="fr-FR" baseline="30000" dirty="0"/>
+              <a:t>ème</a:t>
+            </a:r>
+            <a:r>
+              <a:rPr lang="fr-FR" dirty="0"/>
+              <a:t> jour : Ansible</a:t>
+            </a:r>
+          </a:p>
+          <a:p>
+            <a:r>
+              <a:rPr lang="fr-FR" dirty="0"/>
+              <a:t>Compte Cloud (Azure, AWS ou GCP)</a:t>
+            </a:r>
+          </a:p>
+          <a:p>
+            <a:r>
+              <a:rPr lang="fr-FR" dirty="0"/>
+              <a:t>Notation</a:t>
+            </a:r>
+          </a:p>
+          <a:p>
+            <a:pPr lvl="1"/>
+            <a:r>
+              <a:rPr lang="fr-FR" dirty="0"/>
+              <a:t>Repos git (code et configuration </a:t>
+            </a:r>
+            <a:r>
+              <a:rPr lang="fr-FR" dirty="0" err="1"/>
+              <a:t>Terraform</a:t>
+            </a:r>
+            <a:r>
+              <a:rPr lang="fr-FR" dirty="0"/>
+              <a:t> &amp; Ansible) </a:t>
+            </a:r>
+            <a:endParaRPr lang="fr-FR" b="1" dirty="0"/>
+          </a:p>
+          <a:p>
+            <a:pPr lvl="1"/>
+            <a:r>
+              <a:rPr lang="fr-FR" dirty="0"/>
+              <a:t>Documentation (Problèmes rencontrés, mise en place, commentaires, </a:t>
+            </a:r>
+            <a:r>
+              <a:rPr lang="fr-FR" dirty="0" err="1"/>
+              <a:t>screenshot</a:t>
+            </a:r>
+            <a:r>
+              <a:rPr lang="fr-FR" dirty="0"/>
+              <a:t> output)</a:t>
+            </a:r>
+          </a:p>
+        </p:txBody>
+      </p:sp>
+    </p:spTree>
+    <p:extLst>
+      <p:ext uri="{BB962C8B-B14F-4D97-AF65-F5344CB8AC3E}">
+        <p14:creationId xmlns:p14="http://schemas.microsoft.com/office/powerpoint/2010/main" val="3584391082"/>
+      </p:ext>
+    </p:extLst>
+  </p:cSld>
+  <p:clrMapOvr>
+    <a:masterClrMapping/>
+  </p:clrMapOvr>
+</p:sld>
+</file>
+
+<file path=ppt/slides/slide20.xml><?xml version="1.0" encoding="utf-8"?>
+<p:sld xmlns:a="http://schemas.openxmlformats.org/drawingml/2006/main" xmlns:r="http://schemas.openxmlformats.org/officeDocument/2006/relationships" xmlns:p="http://schemas.openxmlformats.org/presentationml/2006/main">
+  <p:cSld>
+    <p:spTree>
+      <p:nvGrpSpPr>
+        <p:cNvPr id="1" name=""/>
+        <p:cNvGrpSpPr/>
+        <p:nvPr/>
+      </p:nvGrpSpPr>
+      <p:grpSpPr>
+        <a:xfrm>
+          <a:off x="0" y="0"/>
+          <a:ext cx="0" cy="0"/>
+          <a:chOff x="0" y="0"/>
+          <a:chExt cx="0" cy="0"/>
+        </a:xfrm>
+      </p:grpSpPr>
+      <p:sp>
+        <p:nvSpPr>
+          <p:cNvPr id="2" name="Titre 1">
+            <a:extLst>
+              <a:ext uri="{FF2B5EF4-FFF2-40B4-BE49-F238E27FC236}">
                 <a16:creationId xmlns:a16="http://schemas.microsoft.com/office/drawing/2014/main" id="{0052C339-44E4-2CCB-491F-F17B93976516}"/>
               </a:ext>
             </a:extLst>
@@ -8736,7 +9223,7 @@
           <p:nvPr/>
         </p:nvPicPr>
         <p:blipFill>
-          <a:blip r:embed="rId2"/>
+          <a:blip r:embed="rId3"/>
           <a:stretch>
             <a:fillRect/>
           </a:stretch>
@@ -8764,186 +9251,7 @@
 </p:sld>
 </file>
 
-<file path=ppt/slides/slide2.xml><?xml version="1.0" encoding="utf-8"?>
-<p:sld xmlns:a="http://schemas.openxmlformats.org/drawingml/2006/main" xmlns:r="http://schemas.openxmlformats.org/officeDocument/2006/relationships" xmlns:p="http://schemas.openxmlformats.org/presentationml/2006/main">
-  <p:cSld>
-    <p:spTree>
-      <p:nvGrpSpPr>
-        <p:cNvPr id="1" name=""/>
-        <p:cNvGrpSpPr/>
-        <p:nvPr/>
-      </p:nvGrpSpPr>
-      <p:grpSpPr>
-        <a:xfrm>
-          <a:off x="0" y="0"/>
-          <a:ext cx="0" cy="0"/>
-          <a:chOff x="0" y="0"/>
-          <a:chExt cx="0" cy="0"/>
-        </a:xfrm>
-      </p:grpSpPr>
-      <p:sp>
-        <p:nvSpPr>
-          <p:cNvPr id="2" name="Titre 1">
-            <a:extLst>
-              <a:ext uri="{FF2B5EF4-FFF2-40B4-BE49-F238E27FC236}">
-                <a16:creationId xmlns:a16="http://schemas.microsoft.com/office/drawing/2014/main" id="{C68E6C8D-C7D6-1A79-D503-7742330342D5}"/>
-              </a:ext>
-            </a:extLst>
-          </p:cNvPr>
-          <p:cNvSpPr>
-            <a:spLocks noGrp="1"/>
-          </p:cNvSpPr>
-          <p:nvPr>
-            <p:ph type="title"/>
-          </p:nvPr>
-        </p:nvSpPr>
-        <p:spPr/>
-        <p:txBody>
-          <a:bodyPr/>
-          <a:lstStyle/>
-          <a:p>
-            <a:pPr algn="ctr"/>
-            <a:r>
-              <a:rPr lang="fr-FR" dirty="0"/>
-              <a:t>Module </a:t>
-            </a:r>
-            <a:r>
-              <a:rPr lang="fr-FR" dirty="0" err="1"/>
-              <a:t>IaC</a:t>
-            </a:r>
-            <a:r>
-              <a:rPr lang="fr-FR" dirty="0"/>
-              <a:t> - Déroulement</a:t>
-            </a:r>
-          </a:p>
-        </p:txBody>
-      </p:sp>
-      <p:sp>
-        <p:nvSpPr>
-          <p:cNvPr id="3" name="Espace réservé du contenu 2">
-            <a:extLst>
-              <a:ext uri="{FF2B5EF4-FFF2-40B4-BE49-F238E27FC236}">
-                <a16:creationId xmlns:a16="http://schemas.microsoft.com/office/drawing/2014/main" id="{4E9BC403-9ED7-5A2A-5AB2-43E17F00FCA0}"/>
-              </a:ext>
-            </a:extLst>
-          </p:cNvPr>
-          <p:cNvSpPr>
-            <a:spLocks noGrp="1"/>
-          </p:cNvSpPr>
-          <p:nvPr>
-            <p:ph idx="1"/>
-          </p:nvPr>
-        </p:nvSpPr>
-        <p:spPr/>
-        <p:txBody>
-          <a:bodyPr/>
-          <a:lstStyle/>
-          <a:p>
-            <a:r>
-              <a:rPr lang="fr-FR" dirty="0"/>
-              <a:t>Groupe de 2 à 3 personnes.</a:t>
-            </a:r>
-          </a:p>
-          <a:p>
-            <a:r>
-              <a:rPr lang="fr-FR" dirty="0"/>
-              <a:t>Atelier technique :</a:t>
-            </a:r>
-          </a:p>
-          <a:p>
-            <a:pPr lvl="1"/>
-            <a:r>
-              <a:rPr lang="fr-FR" dirty="0"/>
-              <a:t>1</a:t>
-            </a:r>
-            <a:r>
-              <a:rPr lang="fr-FR" baseline="30000" dirty="0"/>
-              <a:t>er</a:t>
-            </a:r>
-            <a:r>
-              <a:rPr lang="fr-FR" dirty="0"/>
-              <a:t> jour : </a:t>
-            </a:r>
-            <a:r>
-              <a:rPr lang="fr-FR" dirty="0" err="1"/>
-              <a:t>Terraform</a:t>
-            </a:r>
-            <a:endParaRPr lang="fr-FR" dirty="0"/>
-          </a:p>
-          <a:p>
-            <a:pPr lvl="1"/>
-            <a:r>
-              <a:rPr lang="fr-FR" dirty="0"/>
-              <a:t>2</a:t>
-            </a:r>
-            <a:r>
-              <a:rPr lang="fr-FR" baseline="30000" dirty="0"/>
-              <a:t>ème</a:t>
-            </a:r>
-            <a:r>
-              <a:rPr lang="fr-FR" dirty="0"/>
-              <a:t> jour : Ansible</a:t>
-            </a:r>
-          </a:p>
-          <a:p>
-            <a:r>
-              <a:rPr lang="fr-FR" dirty="0"/>
-              <a:t>Compte Cloud (Azure, AWS ou GCP)</a:t>
-            </a:r>
-          </a:p>
-          <a:p>
-            <a:r>
-              <a:rPr lang="fr-FR" dirty="0"/>
-              <a:t>Notation</a:t>
-            </a:r>
-          </a:p>
-          <a:p>
-            <a:pPr lvl="1"/>
-            <a:r>
-              <a:rPr lang="fr-FR" dirty="0"/>
-              <a:t>Repos git (code et configuration </a:t>
-            </a:r>
-            <a:r>
-              <a:rPr lang="fr-FR" dirty="0" err="1"/>
-              <a:t>Terraform</a:t>
-            </a:r>
-            <a:r>
-              <a:rPr lang="fr-FR" dirty="0"/>
-              <a:t> &amp; Ansible) </a:t>
-            </a:r>
-            <a:endParaRPr lang="fr-FR" b="1" dirty="0"/>
-          </a:p>
-          <a:p>
-            <a:pPr lvl="1"/>
-            <a:r>
-              <a:rPr lang="fr-FR" dirty="0"/>
-              <a:t>Documentation (Problèmes rencontrés, mise en place, commentaires, </a:t>
-            </a:r>
-            <a:r>
-              <a:rPr lang="fr-FR" dirty="0" err="1"/>
-              <a:t>screenshot</a:t>
-            </a:r>
-            <a:r>
-              <a:rPr lang="fr-FR" dirty="0"/>
-              <a:t> output)</a:t>
-            </a:r>
-          </a:p>
-        </p:txBody>
-      </p:sp>
-    </p:spTree>
-    <p:extLst>
-      <p:ext uri="{BB962C8B-B14F-4D97-AF65-F5344CB8AC3E}">
-        <p14:creationId xmlns:p14="http://schemas.microsoft.com/office/powerpoint/2010/main" val="3584391082"/>
-      </p:ext>
-    </p:extLst>
-  </p:cSld>
-  <p:clrMapOvr>
-    <a:masterClrMapping/>
-  </p:clrMapOvr>
-</p:sld>
-</file>
-
-<file path=ppt/slides/slide20.xml><?xml version="1.0" encoding="utf-8"?>
+<file path=ppt/slides/slide21.xml><?xml version="1.0" encoding="utf-8"?>
 <p:sld xmlns:a="http://schemas.openxmlformats.org/drawingml/2006/main" xmlns:r="http://schemas.openxmlformats.org/officeDocument/2006/relationships" xmlns:p="http://schemas.openxmlformats.org/presentationml/2006/main">
   <p:cSld>
     <p:spTree>
@@ -9198,7 +9506,7 @@
 </p:sld>
 </file>
 
-<file path=ppt/slides/slide21.xml><?xml version="1.0" encoding="utf-8"?>
+<file path=ppt/slides/slide22.xml><?xml version="1.0" encoding="utf-8"?>
 <p:sld xmlns:a="http://schemas.openxmlformats.org/drawingml/2006/main" xmlns:r="http://schemas.openxmlformats.org/officeDocument/2006/relationships" xmlns:p="http://schemas.openxmlformats.org/presentationml/2006/main">
   <p:cSld>
     <p:spTree>
@@ -9614,7 +9922,7 @@
 </p:sld>
 </file>
 
-<file path=ppt/slides/slide22.xml><?xml version="1.0" encoding="utf-8"?>
+<file path=ppt/slides/slide23.xml><?xml version="1.0" encoding="utf-8"?>
 <p:sld xmlns:a="http://schemas.openxmlformats.org/drawingml/2006/main" xmlns:r="http://schemas.openxmlformats.org/officeDocument/2006/relationships" xmlns:p="http://schemas.openxmlformats.org/presentationml/2006/main">
   <p:cSld>
     <p:spTree>
@@ -9786,192 +10094,6 @@
     <p:extLst>
       <p:ext uri="{BB962C8B-B14F-4D97-AF65-F5344CB8AC3E}">
         <p14:creationId xmlns:p14="http://schemas.microsoft.com/office/powerpoint/2010/main" val="3178678691"/>
-      </p:ext>
-    </p:extLst>
-  </p:cSld>
-  <p:clrMapOvr>
-    <a:masterClrMapping/>
-  </p:clrMapOvr>
-</p:sld>
-</file>
-
-<file path=ppt/slides/slide23.xml><?xml version="1.0" encoding="utf-8"?>
-<p:sld xmlns:a="http://schemas.openxmlformats.org/drawingml/2006/main" xmlns:r="http://schemas.openxmlformats.org/officeDocument/2006/relationships" xmlns:p="http://schemas.openxmlformats.org/presentationml/2006/main">
-  <p:cSld>
-    <p:spTree>
-      <p:nvGrpSpPr>
-        <p:cNvPr id="1" name=""/>
-        <p:cNvGrpSpPr/>
-        <p:nvPr/>
-      </p:nvGrpSpPr>
-      <p:grpSpPr>
-        <a:xfrm>
-          <a:off x="0" y="0"/>
-          <a:ext cx="0" cy="0"/>
-          <a:chOff x="0" y="0"/>
-          <a:chExt cx="0" cy="0"/>
-        </a:xfrm>
-      </p:grpSpPr>
-      <p:sp>
-        <p:nvSpPr>
-          <p:cNvPr id="2" name="Titre 1">
-            <a:extLst>
-              <a:ext uri="{FF2B5EF4-FFF2-40B4-BE49-F238E27FC236}">
-                <a16:creationId xmlns:a16="http://schemas.microsoft.com/office/drawing/2014/main" id="{0052C339-44E4-2CCB-491F-F17B93976516}"/>
-              </a:ext>
-            </a:extLst>
-          </p:cNvPr>
-          <p:cNvSpPr>
-            <a:spLocks noGrp="1"/>
-          </p:cNvSpPr>
-          <p:nvPr>
-            <p:ph type="title"/>
-          </p:nvPr>
-        </p:nvSpPr>
-        <p:spPr/>
-        <p:txBody>
-          <a:bodyPr/>
-          <a:lstStyle/>
-          <a:p>
-            <a:r>
-              <a:rPr lang="fr-FR" dirty="0"/>
-              <a:t>Ansible – </a:t>
-            </a:r>
-            <a:r>
-              <a:rPr lang="fr-FR" dirty="0" err="1"/>
-              <a:t>Playbook</a:t>
-            </a:r>
-            <a:endParaRPr lang="fr-FR" dirty="0"/>
-          </a:p>
-        </p:txBody>
-      </p:sp>
-      <p:pic>
-        <p:nvPicPr>
-          <p:cNvPr id="4" name="Espace réservé du contenu 3">
-            <a:extLst>
-              <a:ext uri="{FF2B5EF4-FFF2-40B4-BE49-F238E27FC236}">
-                <a16:creationId xmlns:a16="http://schemas.microsoft.com/office/drawing/2014/main" id="{BB5743EF-13ED-5CAA-E040-61C5241A4572}"/>
-              </a:ext>
-            </a:extLst>
-          </p:cNvPr>
-          <p:cNvPicPr>
-            <a:picLocks noGrp="1" noChangeAspect="1"/>
-          </p:cNvPicPr>
-          <p:nvPr>
-            <p:ph idx="1"/>
-          </p:nvPr>
-        </p:nvPicPr>
-        <p:blipFill>
-          <a:blip r:embed="rId3"/>
-          <a:stretch>
-            <a:fillRect/>
-          </a:stretch>
-        </p:blipFill>
-        <p:spPr>
-          <a:xfrm>
-            <a:off x="3134699" y="2920193"/>
-            <a:ext cx="4987729" cy="2949732"/>
-          </a:xfrm>
-          <a:prstGeom prst="rect">
-            <a:avLst/>
-          </a:prstGeom>
-        </p:spPr>
-      </p:pic>
-      <p:pic>
-        <p:nvPicPr>
-          <p:cNvPr id="5" name="Image 4">
-            <a:extLst>
-              <a:ext uri="{FF2B5EF4-FFF2-40B4-BE49-F238E27FC236}">
-                <a16:creationId xmlns:a16="http://schemas.microsoft.com/office/drawing/2014/main" id="{7C8F72B6-2777-62C8-C7DE-C62E19F98793}"/>
-              </a:ext>
-            </a:extLst>
-          </p:cNvPr>
-          <p:cNvPicPr>
-            <a:picLocks noChangeAspect="1"/>
-          </p:cNvPicPr>
-          <p:nvPr/>
-        </p:nvPicPr>
-        <p:blipFill>
-          <a:blip r:embed="rId4"/>
-          <a:stretch>
-            <a:fillRect/>
-          </a:stretch>
-        </p:blipFill>
-        <p:spPr>
-          <a:xfrm>
-            <a:off x="10312850" y="666694"/>
-            <a:ext cx="1129289" cy="1129289"/>
-          </a:xfrm>
-          <a:prstGeom prst="rect">
-            <a:avLst/>
-          </a:prstGeom>
-        </p:spPr>
-      </p:pic>
-      <p:sp>
-        <p:nvSpPr>
-          <p:cNvPr id="6" name="ZoneTexte 5">
-            <a:extLst>
-              <a:ext uri="{FF2B5EF4-FFF2-40B4-BE49-F238E27FC236}">
-                <a16:creationId xmlns:a16="http://schemas.microsoft.com/office/drawing/2014/main" id="{57FE29B7-9B5B-9DB0-90FA-2800CCB48C4D}"/>
-              </a:ext>
-            </a:extLst>
-          </p:cNvPr>
-          <p:cNvSpPr txBox="1"/>
-          <p:nvPr/>
-        </p:nvSpPr>
-        <p:spPr>
-          <a:xfrm>
-            <a:off x="2132126" y="2273862"/>
-            <a:ext cx="6992876" cy="646331"/>
-          </a:xfrm>
-          <a:prstGeom prst="rect">
-            <a:avLst/>
-          </a:prstGeom>
-          <a:noFill/>
-        </p:spPr>
-        <p:txBody>
-          <a:bodyPr wrap="none" rtlCol="0">
-            <a:spAutoFit/>
-          </a:bodyPr>
-          <a:lstStyle/>
-          <a:p>
-            <a:r>
-              <a:rPr lang="fr-FR" dirty="0">
-                <a:solidFill>
-                  <a:srgbClr val="0E0E0E"/>
-                </a:solidFill>
-                <a:effectLst/>
-              </a:rPr>
-              <a:t>Un fichier </a:t>
-            </a:r>
-            <a:r>
-              <a:rPr lang="fr-FR" dirty="0" err="1">
-                <a:solidFill>
-                  <a:srgbClr val="0E0E0E"/>
-                </a:solidFill>
-                <a:effectLst/>
-              </a:rPr>
-              <a:t>site.yml</a:t>
-            </a:r>
-            <a:r>
-              <a:rPr lang="fr-FR" dirty="0">
-                <a:solidFill>
-                  <a:srgbClr val="0E0E0E"/>
-                </a:solidFill>
-                <a:effectLst/>
-              </a:rPr>
-              <a:t> qui décrit les tâches à exécuter sur les serveurs.</a:t>
-            </a:r>
-          </a:p>
-          <a:p>
-            <a:endParaRPr lang="fr-FR" dirty="0"/>
-          </a:p>
-        </p:txBody>
-      </p:sp>
-    </p:spTree>
-    <p:extLst>
-      <p:ext uri="{BB962C8B-B14F-4D97-AF65-F5344CB8AC3E}">
-        <p14:creationId xmlns:p14="http://schemas.microsoft.com/office/powerpoint/2010/main" val="543734266"/>
       </p:ext>
     </p:extLst>
   </p:cSld>
@@ -10025,6 +10147,192 @@
             </a:r>
             <a:r>
               <a:rPr lang="fr-FR" dirty="0" err="1"/>
+              <a:t>Playbook</a:t>
+            </a:r>
+            <a:endParaRPr lang="fr-FR" dirty="0"/>
+          </a:p>
+        </p:txBody>
+      </p:sp>
+      <p:pic>
+        <p:nvPicPr>
+          <p:cNvPr id="4" name="Espace réservé du contenu 3">
+            <a:extLst>
+              <a:ext uri="{FF2B5EF4-FFF2-40B4-BE49-F238E27FC236}">
+                <a16:creationId xmlns:a16="http://schemas.microsoft.com/office/drawing/2014/main" id="{BB5743EF-13ED-5CAA-E040-61C5241A4572}"/>
+              </a:ext>
+            </a:extLst>
+          </p:cNvPr>
+          <p:cNvPicPr>
+            <a:picLocks noGrp="1" noChangeAspect="1"/>
+          </p:cNvPicPr>
+          <p:nvPr>
+            <p:ph idx="1"/>
+          </p:nvPr>
+        </p:nvPicPr>
+        <p:blipFill>
+          <a:blip r:embed="rId3"/>
+          <a:stretch>
+            <a:fillRect/>
+          </a:stretch>
+        </p:blipFill>
+        <p:spPr>
+          <a:xfrm>
+            <a:off x="3134699" y="2920193"/>
+            <a:ext cx="4987729" cy="2949732"/>
+          </a:xfrm>
+          <a:prstGeom prst="rect">
+            <a:avLst/>
+          </a:prstGeom>
+        </p:spPr>
+      </p:pic>
+      <p:pic>
+        <p:nvPicPr>
+          <p:cNvPr id="5" name="Image 4">
+            <a:extLst>
+              <a:ext uri="{FF2B5EF4-FFF2-40B4-BE49-F238E27FC236}">
+                <a16:creationId xmlns:a16="http://schemas.microsoft.com/office/drawing/2014/main" id="{7C8F72B6-2777-62C8-C7DE-C62E19F98793}"/>
+              </a:ext>
+            </a:extLst>
+          </p:cNvPr>
+          <p:cNvPicPr>
+            <a:picLocks noChangeAspect="1"/>
+          </p:cNvPicPr>
+          <p:nvPr/>
+        </p:nvPicPr>
+        <p:blipFill>
+          <a:blip r:embed="rId4"/>
+          <a:stretch>
+            <a:fillRect/>
+          </a:stretch>
+        </p:blipFill>
+        <p:spPr>
+          <a:xfrm>
+            <a:off x="10312850" y="666694"/>
+            <a:ext cx="1129289" cy="1129289"/>
+          </a:xfrm>
+          <a:prstGeom prst="rect">
+            <a:avLst/>
+          </a:prstGeom>
+        </p:spPr>
+      </p:pic>
+      <p:sp>
+        <p:nvSpPr>
+          <p:cNvPr id="6" name="ZoneTexte 5">
+            <a:extLst>
+              <a:ext uri="{FF2B5EF4-FFF2-40B4-BE49-F238E27FC236}">
+                <a16:creationId xmlns:a16="http://schemas.microsoft.com/office/drawing/2014/main" id="{57FE29B7-9B5B-9DB0-90FA-2800CCB48C4D}"/>
+              </a:ext>
+            </a:extLst>
+          </p:cNvPr>
+          <p:cNvSpPr txBox="1"/>
+          <p:nvPr/>
+        </p:nvSpPr>
+        <p:spPr>
+          <a:xfrm>
+            <a:off x="2132126" y="2273862"/>
+            <a:ext cx="6992876" cy="646331"/>
+          </a:xfrm>
+          <a:prstGeom prst="rect">
+            <a:avLst/>
+          </a:prstGeom>
+          <a:noFill/>
+        </p:spPr>
+        <p:txBody>
+          <a:bodyPr wrap="none" rtlCol="0">
+            <a:spAutoFit/>
+          </a:bodyPr>
+          <a:lstStyle/>
+          <a:p>
+            <a:r>
+              <a:rPr lang="fr-FR" dirty="0">
+                <a:solidFill>
+                  <a:srgbClr val="0E0E0E"/>
+                </a:solidFill>
+                <a:effectLst/>
+              </a:rPr>
+              <a:t>Un fichier </a:t>
+            </a:r>
+            <a:r>
+              <a:rPr lang="fr-FR" dirty="0" err="1">
+                <a:solidFill>
+                  <a:srgbClr val="0E0E0E"/>
+                </a:solidFill>
+                <a:effectLst/>
+              </a:rPr>
+              <a:t>site.yml</a:t>
+            </a:r>
+            <a:r>
+              <a:rPr lang="fr-FR" dirty="0">
+                <a:solidFill>
+                  <a:srgbClr val="0E0E0E"/>
+                </a:solidFill>
+                <a:effectLst/>
+              </a:rPr>
+              <a:t> qui décrit les tâches à exécuter sur les serveurs.</a:t>
+            </a:r>
+          </a:p>
+          <a:p>
+            <a:endParaRPr lang="fr-FR" dirty="0"/>
+          </a:p>
+        </p:txBody>
+      </p:sp>
+    </p:spTree>
+    <p:extLst>
+      <p:ext uri="{BB962C8B-B14F-4D97-AF65-F5344CB8AC3E}">
+        <p14:creationId xmlns:p14="http://schemas.microsoft.com/office/powerpoint/2010/main" val="543734266"/>
+      </p:ext>
+    </p:extLst>
+  </p:cSld>
+  <p:clrMapOvr>
+    <a:masterClrMapping/>
+  </p:clrMapOvr>
+</p:sld>
+</file>
+
+<file path=ppt/slides/slide25.xml><?xml version="1.0" encoding="utf-8"?>
+<p:sld xmlns:a="http://schemas.openxmlformats.org/drawingml/2006/main" xmlns:r="http://schemas.openxmlformats.org/officeDocument/2006/relationships" xmlns:p="http://schemas.openxmlformats.org/presentationml/2006/main">
+  <p:cSld>
+    <p:spTree>
+      <p:nvGrpSpPr>
+        <p:cNvPr id="1" name=""/>
+        <p:cNvGrpSpPr/>
+        <p:nvPr/>
+      </p:nvGrpSpPr>
+      <p:grpSpPr>
+        <a:xfrm>
+          <a:off x="0" y="0"/>
+          <a:ext cx="0" cy="0"/>
+          <a:chOff x="0" y="0"/>
+          <a:chExt cx="0" cy="0"/>
+        </a:xfrm>
+      </p:grpSpPr>
+      <p:sp>
+        <p:nvSpPr>
+          <p:cNvPr id="2" name="Titre 1">
+            <a:extLst>
+              <a:ext uri="{FF2B5EF4-FFF2-40B4-BE49-F238E27FC236}">
+                <a16:creationId xmlns:a16="http://schemas.microsoft.com/office/drawing/2014/main" id="{0052C339-44E4-2CCB-491F-F17B93976516}"/>
+              </a:ext>
+            </a:extLst>
+          </p:cNvPr>
+          <p:cNvSpPr>
+            <a:spLocks noGrp="1"/>
+          </p:cNvSpPr>
+          <p:nvPr>
+            <p:ph type="title"/>
+          </p:nvPr>
+        </p:nvSpPr>
+        <p:spPr/>
+        <p:txBody>
+          <a:bodyPr/>
+          <a:lstStyle/>
+          <a:p>
+            <a:r>
+              <a:rPr lang="fr-FR" dirty="0"/>
+              <a:t>Ansible – </a:t>
+            </a:r>
+            <a:r>
+              <a:rPr lang="fr-FR" dirty="0" err="1"/>
               <a:t>Roles</a:t>
             </a:r>
             <a:endParaRPr lang="fr-FR" dirty="0"/>
@@ -10730,7 +11038,7 @@
 </p:sld>
 </file>
 
-<file path=ppt/slides/slide25.xml><?xml version="1.0" encoding="utf-8"?>
+<file path=ppt/slides/slide26.xml><?xml version="1.0" encoding="utf-8"?>
 <p:sld xmlns:a="http://schemas.openxmlformats.org/drawingml/2006/main" xmlns:r="http://schemas.openxmlformats.org/officeDocument/2006/relationships" xmlns:p="http://schemas.openxmlformats.org/presentationml/2006/main">
   <p:cSld>
     <p:spTree>
@@ -10913,7 +11221,7 @@
 </p:sld>
 </file>
 
-<file path=ppt/slides/slide26.xml><?xml version="1.0" encoding="utf-8"?>
+<file path=ppt/slides/slide27.xml><?xml version="1.0" encoding="utf-8"?>
 <p:sld xmlns:a="http://schemas.openxmlformats.org/drawingml/2006/main" xmlns:r="http://schemas.openxmlformats.org/officeDocument/2006/relationships" xmlns:p="http://schemas.openxmlformats.org/presentationml/2006/main">
   <p:cSld>
     <p:spTree>
@@ -11229,7 +11537,7 @@
 </p:sld>
 </file>
 
-<file path=ppt/slides/slide27.xml><?xml version="1.0" encoding="utf-8"?>
+<file path=ppt/slides/slide28.xml><?xml version="1.0" encoding="utf-8"?>
 <p:sld xmlns:a="http://schemas.openxmlformats.org/drawingml/2006/main" xmlns:r="http://schemas.openxmlformats.org/officeDocument/2006/relationships" xmlns:p="http://schemas.openxmlformats.org/presentationml/2006/main">
   <p:cSld>
     <p:spTree>
@@ -11610,384 +11918,6 @@
     <p:extLst>
       <p:ext uri="{BB962C8B-B14F-4D97-AF65-F5344CB8AC3E}">
         <p14:creationId xmlns:p14="http://schemas.microsoft.com/office/powerpoint/2010/main" val="1722404075"/>
-      </p:ext>
-    </p:extLst>
-  </p:cSld>
-  <p:clrMapOvr>
-    <a:masterClrMapping/>
-  </p:clrMapOvr>
-</p:sld>
-</file>
-
-<file path=ppt/slides/slide28.xml><?xml version="1.0" encoding="utf-8"?>
-<p:sld xmlns:a="http://schemas.openxmlformats.org/drawingml/2006/main" xmlns:r="http://schemas.openxmlformats.org/officeDocument/2006/relationships" xmlns:p="http://schemas.openxmlformats.org/presentationml/2006/main">
-  <p:cSld>
-    <p:spTree>
-      <p:nvGrpSpPr>
-        <p:cNvPr id="1" name=""/>
-        <p:cNvGrpSpPr/>
-        <p:nvPr/>
-      </p:nvGrpSpPr>
-      <p:grpSpPr>
-        <a:xfrm>
-          <a:off x="0" y="0"/>
-          <a:ext cx="0" cy="0"/>
-          <a:chOff x="0" y="0"/>
-          <a:chExt cx="0" cy="0"/>
-        </a:xfrm>
-      </p:grpSpPr>
-      <p:sp>
-        <p:nvSpPr>
-          <p:cNvPr id="2" name="Titre 1">
-            <a:extLst>
-              <a:ext uri="{FF2B5EF4-FFF2-40B4-BE49-F238E27FC236}">
-                <a16:creationId xmlns:a16="http://schemas.microsoft.com/office/drawing/2014/main" id="{0052C339-44E4-2CCB-491F-F17B93976516}"/>
-              </a:ext>
-            </a:extLst>
-          </p:cNvPr>
-          <p:cNvSpPr>
-            <a:spLocks noGrp="1"/>
-          </p:cNvSpPr>
-          <p:nvPr>
-            <p:ph type="title"/>
-          </p:nvPr>
-        </p:nvSpPr>
-        <p:spPr/>
-        <p:txBody>
-          <a:bodyPr>
-            <a:normAutofit/>
-          </a:bodyPr>
-          <a:lstStyle/>
-          <a:p>
-            <a:r>
-              <a:rPr lang="fr-FR" dirty="0"/>
-              <a:t>Ansible – Modules</a:t>
-            </a:r>
-          </a:p>
-        </p:txBody>
-      </p:sp>
-      <p:pic>
-        <p:nvPicPr>
-          <p:cNvPr id="5" name="Image 4">
-            <a:extLst>
-              <a:ext uri="{FF2B5EF4-FFF2-40B4-BE49-F238E27FC236}">
-                <a16:creationId xmlns:a16="http://schemas.microsoft.com/office/drawing/2014/main" id="{7C8F72B6-2777-62C8-C7DE-C62E19F98793}"/>
-              </a:ext>
-            </a:extLst>
-          </p:cNvPr>
-          <p:cNvPicPr>
-            <a:picLocks noChangeAspect="1"/>
-          </p:cNvPicPr>
-          <p:nvPr/>
-        </p:nvPicPr>
-        <p:blipFill>
-          <a:blip r:embed="rId3"/>
-          <a:stretch>
-            <a:fillRect/>
-          </a:stretch>
-        </p:blipFill>
-        <p:spPr>
-          <a:xfrm>
-            <a:off x="10312850" y="666694"/>
-            <a:ext cx="1129289" cy="1129289"/>
-          </a:xfrm>
-          <a:prstGeom prst="rect">
-            <a:avLst/>
-          </a:prstGeom>
-        </p:spPr>
-      </p:pic>
-      <p:sp>
-        <p:nvSpPr>
-          <p:cNvPr id="6" name="ZoneTexte 5">
-            <a:extLst>
-              <a:ext uri="{FF2B5EF4-FFF2-40B4-BE49-F238E27FC236}">
-                <a16:creationId xmlns:a16="http://schemas.microsoft.com/office/drawing/2014/main" id="{57FE29B7-9B5B-9DB0-90FA-2800CCB48C4D}"/>
-              </a:ext>
-            </a:extLst>
-          </p:cNvPr>
-          <p:cNvSpPr txBox="1"/>
-          <p:nvPr/>
-        </p:nvSpPr>
-        <p:spPr>
-          <a:xfrm>
-            <a:off x="2530889" y="2346691"/>
-            <a:ext cx="7130222" cy="3416320"/>
-          </a:xfrm>
-          <a:prstGeom prst="rect">
-            <a:avLst/>
-          </a:prstGeom>
-          <a:noFill/>
-        </p:spPr>
-        <p:txBody>
-          <a:bodyPr wrap="none" rtlCol="0">
-            <a:spAutoFit/>
-          </a:bodyPr>
-          <a:lstStyle/>
-          <a:p>
-            <a:r>
-              <a:rPr lang="fr-FR" b="1" dirty="0">
-                <a:solidFill>
-                  <a:srgbClr val="0E0E0E"/>
-                </a:solidFill>
-                <a:effectLst/>
-              </a:rPr>
-              <a:t>Modules de Gestion d’Utilisateurs et de Groupes</a:t>
-            </a:r>
-          </a:p>
-          <a:p>
-            <a:pPr marL="285750" indent="-285750">
-              <a:buFont typeface="Arial" panose="020B0604020202020204" pitchFamily="34" charset="0"/>
-              <a:buChar char="•"/>
-            </a:pPr>
-            <a:r>
-              <a:rPr lang="fr-FR" b="1" dirty="0">
-                <a:solidFill>
-                  <a:srgbClr val="0E0E0E"/>
-                </a:solidFill>
-                <a:effectLst/>
-              </a:rPr>
-              <a:t>user</a:t>
-            </a:r>
-            <a:r>
-              <a:rPr lang="fr-FR" dirty="0">
-                <a:solidFill>
-                  <a:srgbClr val="0E0E0E"/>
-                </a:solidFill>
-                <a:effectLst/>
-              </a:rPr>
-              <a:t> : Gère les utilisateurs sur les hôtes.</a:t>
-            </a:r>
-          </a:p>
-          <a:p>
-            <a:pPr marL="285750" indent="-285750">
-              <a:buFont typeface="Arial" panose="020B0604020202020204" pitchFamily="34" charset="0"/>
-              <a:buChar char="•"/>
-            </a:pPr>
-            <a:r>
-              <a:rPr lang="fr-FR" b="1" dirty="0">
-                <a:solidFill>
-                  <a:srgbClr val="0E0E0E"/>
-                </a:solidFill>
-                <a:effectLst/>
-              </a:rPr>
-              <a:t>group</a:t>
-            </a:r>
-            <a:r>
-              <a:rPr lang="fr-FR" dirty="0">
-                <a:solidFill>
-                  <a:srgbClr val="0E0E0E"/>
-                </a:solidFill>
-                <a:effectLst/>
-              </a:rPr>
-              <a:t> : Gère les groupes sur les hôtes.</a:t>
-            </a:r>
-          </a:p>
-          <a:p>
-            <a:endParaRPr lang="fr-FR" dirty="0">
-              <a:solidFill>
-                <a:srgbClr val="0E0E0E"/>
-              </a:solidFill>
-              <a:effectLst/>
-            </a:endParaRPr>
-          </a:p>
-          <a:p>
-            <a:r>
-              <a:rPr lang="fr-FR" b="1" dirty="0">
-                <a:solidFill>
-                  <a:srgbClr val="0E0E0E"/>
-                </a:solidFill>
-                <a:effectLst/>
-              </a:rPr>
-              <a:t>Modules de Commandes et Shell</a:t>
-            </a:r>
-          </a:p>
-          <a:p>
-            <a:pPr marL="285750" indent="-285750">
-              <a:buFont typeface="Arial" panose="020B0604020202020204" pitchFamily="34" charset="0"/>
-              <a:buChar char="•"/>
-            </a:pPr>
-            <a:r>
-              <a:rPr lang="fr-FR" b="1" dirty="0">
-                <a:solidFill>
-                  <a:srgbClr val="0E0E0E"/>
-                </a:solidFill>
-                <a:effectLst/>
-              </a:rPr>
-              <a:t>command</a:t>
-            </a:r>
-            <a:r>
-              <a:rPr lang="fr-FR" dirty="0">
-                <a:solidFill>
-                  <a:srgbClr val="0E0E0E"/>
-                </a:solidFill>
-                <a:effectLst/>
-              </a:rPr>
-              <a:t> : Exécute des commandes sur l’hôte distant.</a:t>
-            </a:r>
-          </a:p>
-          <a:p>
-            <a:pPr marL="285750" indent="-285750">
-              <a:buFont typeface="Arial" panose="020B0604020202020204" pitchFamily="34" charset="0"/>
-              <a:buChar char="•"/>
-            </a:pPr>
-            <a:r>
-              <a:rPr lang="fr-FR" b="1" dirty="0" err="1">
-                <a:solidFill>
-                  <a:srgbClr val="0E0E0E"/>
-                </a:solidFill>
-                <a:effectLst/>
-              </a:rPr>
-              <a:t>shell</a:t>
-            </a:r>
-            <a:r>
-              <a:rPr lang="fr-FR" dirty="0">
-                <a:solidFill>
-                  <a:srgbClr val="0E0E0E"/>
-                </a:solidFill>
-                <a:effectLst/>
-              </a:rPr>
-              <a:t> : Exécute des commandes dans un </a:t>
-            </a:r>
-            <a:r>
-              <a:rPr lang="fr-FR" dirty="0" err="1">
-                <a:solidFill>
-                  <a:srgbClr val="0E0E0E"/>
-                </a:solidFill>
-                <a:effectLst/>
-              </a:rPr>
-              <a:t>shell</a:t>
-            </a:r>
-            <a:r>
-              <a:rPr lang="fr-FR" dirty="0">
-                <a:solidFill>
-                  <a:srgbClr val="0E0E0E"/>
-                </a:solidFill>
-                <a:effectLst/>
-              </a:rPr>
-              <a:t> sur l’hôte distant.</a:t>
-            </a:r>
-          </a:p>
-          <a:p>
-            <a:pPr marL="285750" indent="-285750">
-              <a:buFont typeface="Arial" panose="020B0604020202020204" pitchFamily="34" charset="0"/>
-              <a:buChar char="•"/>
-            </a:pPr>
-            <a:r>
-              <a:rPr lang="fr-FR" b="1" dirty="0">
-                <a:solidFill>
-                  <a:srgbClr val="0E0E0E"/>
-                </a:solidFill>
-                <a:effectLst/>
-              </a:rPr>
-              <a:t>script</a:t>
-            </a:r>
-            <a:r>
-              <a:rPr lang="fr-FR" dirty="0">
-                <a:solidFill>
-                  <a:srgbClr val="0E0E0E"/>
-                </a:solidFill>
-                <a:effectLst/>
-              </a:rPr>
-              <a:t> : Transfère un script et l’exécute sur l’hôte distant.</a:t>
-            </a:r>
-          </a:p>
-          <a:p>
-            <a:endParaRPr lang="fr-FR" dirty="0">
-              <a:solidFill>
-                <a:srgbClr val="0E0E0E"/>
-              </a:solidFill>
-              <a:effectLst/>
-            </a:endParaRPr>
-          </a:p>
-          <a:p>
-            <a:r>
-              <a:rPr lang="fr-FR" b="1" dirty="0">
-                <a:solidFill>
-                  <a:srgbClr val="0E0E0E"/>
-                </a:solidFill>
-                <a:effectLst/>
-              </a:rPr>
-              <a:t>Modules de Gestion de Services</a:t>
-            </a:r>
-            <a:endParaRPr lang="fr-FR" dirty="0">
-              <a:solidFill>
-                <a:srgbClr val="0E0E0E"/>
-              </a:solidFill>
-              <a:effectLst/>
-            </a:endParaRPr>
-          </a:p>
-          <a:p>
-            <a:pPr marL="285750" indent="-285750">
-              <a:buFont typeface="Arial" panose="020B0604020202020204" pitchFamily="34" charset="0"/>
-              <a:buChar char="•"/>
-            </a:pPr>
-            <a:r>
-              <a:rPr lang="fr-FR" b="1" dirty="0">
-                <a:solidFill>
-                  <a:srgbClr val="0E0E0E"/>
-                </a:solidFill>
-                <a:effectLst/>
-              </a:rPr>
-              <a:t>service</a:t>
-            </a:r>
-            <a:r>
-              <a:rPr lang="fr-FR" dirty="0">
-                <a:solidFill>
-                  <a:srgbClr val="0E0E0E"/>
-                </a:solidFill>
-                <a:effectLst/>
-              </a:rPr>
-              <a:t> : Gère les services (démarrage, arrêt, redémarrage, etc.).</a:t>
-            </a:r>
-          </a:p>
-          <a:p>
-            <a:pPr marL="285750" indent="-285750">
-              <a:buFont typeface="Arial" panose="020B0604020202020204" pitchFamily="34" charset="0"/>
-              <a:buChar char="•"/>
-            </a:pPr>
-            <a:r>
-              <a:rPr lang="fr-FR" b="1" dirty="0" err="1">
-                <a:solidFill>
-                  <a:srgbClr val="0E0E0E"/>
-                </a:solidFill>
-                <a:effectLst/>
-              </a:rPr>
-              <a:t>systemd</a:t>
-            </a:r>
-            <a:r>
-              <a:rPr lang="fr-FR" dirty="0">
-                <a:solidFill>
-                  <a:srgbClr val="0E0E0E"/>
-                </a:solidFill>
-                <a:effectLst/>
-              </a:rPr>
-              <a:t> : Gère les services via </a:t>
-            </a:r>
-            <a:r>
-              <a:rPr lang="fr-FR" dirty="0" err="1">
-                <a:solidFill>
-                  <a:srgbClr val="0E0E0E"/>
-                </a:solidFill>
-                <a:effectLst/>
-              </a:rPr>
-              <a:t>systemd</a:t>
-            </a:r>
-            <a:r>
-              <a:rPr lang="fr-FR" dirty="0">
-                <a:solidFill>
-                  <a:srgbClr val="0E0E0E"/>
-                </a:solidFill>
-                <a:effectLst/>
-              </a:rPr>
-              <a:t>.</a:t>
-            </a:r>
-          </a:p>
-        </p:txBody>
-      </p:sp>
-    </p:spTree>
-    <p:extLst>
-      <p:ext uri="{BB962C8B-B14F-4D97-AF65-F5344CB8AC3E}">
-        <p14:creationId xmlns:p14="http://schemas.microsoft.com/office/powerpoint/2010/main" val="1251803095"/>
       </p:ext>
     </p:extLst>
   </p:cSld>
@@ -12088,8 +12018,8 @@
         </p:nvSpPr>
         <p:spPr>
           <a:xfrm>
-            <a:off x="1604225" y="2516624"/>
-            <a:ext cx="8983550" cy="3416320"/>
+            <a:off x="2530889" y="2346691"/>
+            <a:ext cx="7130222" cy="3416320"/>
           </a:xfrm>
           <a:prstGeom prst="rect">
             <a:avLst/>
@@ -12109,8 +12039,58 @@
                 </a:solidFill>
                 <a:effectLst/>
               </a:rPr>
-              <a:t>Modules de Gestion de Réseau</a:t>
-            </a:r>
+              <a:t>Modules de Gestion d’Utilisateurs et de Groupes</a:t>
+            </a:r>
+          </a:p>
+          <a:p>
+            <a:pPr marL="285750" indent="-285750">
+              <a:buFont typeface="Arial" panose="020B0604020202020204" pitchFamily="34" charset="0"/>
+              <a:buChar char="•"/>
+            </a:pPr>
+            <a:r>
+              <a:rPr lang="fr-FR" b="1" dirty="0">
+                <a:solidFill>
+                  <a:srgbClr val="0E0E0E"/>
+                </a:solidFill>
+                <a:effectLst/>
+              </a:rPr>
+              <a:t>user</a:t>
+            </a:r>
+            <a:r>
+              <a:rPr lang="fr-FR" dirty="0">
+                <a:solidFill>
+                  <a:srgbClr val="0E0E0E"/>
+                </a:solidFill>
+                <a:effectLst/>
+              </a:rPr>
+              <a:t> : Gère les utilisateurs sur les hôtes.</a:t>
+            </a:r>
+          </a:p>
+          <a:p>
+            <a:pPr marL="285750" indent="-285750">
+              <a:buFont typeface="Arial" panose="020B0604020202020204" pitchFamily="34" charset="0"/>
+              <a:buChar char="•"/>
+            </a:pPr>
+            <a:r>
+              <a:rPr lang="fr-FR" b="1" dirty="0">
+                <a:solidFill>
+                  <a:srgbClr val="0E0E0E"/>
+                </a:solidFill>
+                <a:effectLst/>
+              </a:rPr>
+              <a:t>group</a:t>
+            </a:r>
+            <a:r>
+              <a:rPr lang="fr-FR" dirty="0">
+                <a:solidFill>
+                  <a:srgbClr val="0E0E0E"/>
+                </a:solidFill>
+                <a:effectLst/>
+              </a:rPr>
+              <a:t> : Gère les groupes sur les hôtes.</a:t>
+            </a:r>
+          </a:p>
+          <a:p>
             <a:endParaRPr lang="fr-FR" dirty="0">
               <a:solidFill>
                 <a:srgbClr val="0E0E0E"/>
@@ -12119,18 +12099,29 @@
             </a:endParaRPr>
           </a:p>
           <a:p>
+            <a:r>
+              <a:rPr lang="fr-FR" b="1" dirty="0">
+                <a:solidFill>
+                  <a:srgbClr val="0E0E0E"/>
+                </a:solidFill>
+                <a:effectLst/>
+              </a:rPr>
+              <a:t>Modules de Commandes et Shell</a:t>
+            </a:r>
+          </a:p>
+          <a:p>
             <a:pPr marL="285750" indent="-285750">
               <a:buFont typeface="Arial" panose="020B0604020202020204" pitchFamily="34" charset="0"/>
               <a:buChar char="•"/>
             </a:pPr>
             <a:r>
-              <a:rPr lang="fr-FR" b="1" dirty="0" err="1">
-                <a:solidFill>
-                  <a:srgbClr val="0E0E0E"/>
-                </a:solidFill>
-                <a:effectLst/>
-              </a:rPr>
-              <a:t>firewalld</a:t>
+              <a:rPr lang="fr-FR" b="1" dirty="0">
+                <a:solidFill>
+                  <a:srgbClr val="0E0E0E"/>
+                </a:solidFill>
+                <a:effectLst/>
+              </a:rPr>
+              <a:t>command</a:t>
             </a:r>
             <a:r>
               <a:rPr lang="fr-FR" dirty="0">
@@ -12139,25 +12130,7 @@
                 </a:solidFill>
                 <a:effectLst/>
               </a:rPr>
-              <a:t> : Gère le pare-feu </a:t>
-            </a:r>
-            <a:r>
-              <a:rPr lang="fr-FR" dirty="0" err="1">
-                <a:solidFill>
-                  <a:srgbClr val="0E0E0E"/>
-                </a:solidFill>
-                <a:effectLst/>
-              </a:rPr>
-              <a:t>firewalld</a:t>
-            </a:r>
-            <a:r>
-              <a:rPr lang="fr-FR" dirty="0">
-                <a:solidFill>
-                  <a:srgbClr val="0E0E0E"/>
-                </a:solidFill>
-                <a:effectLst/>
-              </a:rPr>
-              <a:t> sur les systèmes Red Hat.</a:t>
+              <a:t> : Exécute des commandes sur l’hôte distant.</a:t>
             </a:r>
           </a:p>
           <a:p>
@@ -12172,7 +12145,7 @@
                 </a:solidFill>
                 <a:effectLst/>
               </a:rPr>
-              <a:t>iptables</a:t>
+              <a:t>shell</a:t>
             </a:r>
             <a:r>
               <a:rPr lang="fr-FR" dirty="0">
@@ -12181,7 +12154,7 @@
                 </a:solidFill>
                 <a:effectLst/>
               </a:rPr>
-              <a:t> : Gère les règles de pare-feu </a:t>
+              <a:t> : Exécute des commandes dans un </a:t>
             </a:r>
             <a:r>
               <a:rPr lang="fr-FR" dirty="0" err="1">
@@ -12190,7 +12163,7 @@
                 </a:solidFill>
                 <a:effectLst/>
               </a:rPr>
-              <a:t>iptables</a:t>
+              <a:t>shell</a:t>
             </a:r>
             <a:r>
               <a:rPr lang="fr-FR" dirty="0">
@@ -12199,7 +12172,7 @@
                 </a:solidFill>
                 <a:effectLst/>
               </a:rPr>
-              <a:t>.</a:t>
+              <a:t> sur l’hôte distant.</a:t>
             </a:r>
           </a:p>
           <a:p>
@@ -12208,13 +12181,13 @@
               <a:buChar char="•"/>
             </a:pPr>
             <a:r>
-              <a:rPr lang="fr-FR" b="1" dirty="0" err="1">
-                <a:solidFill>
-                  <a:srgbClr val="0E0E0E"/>
-                </a:solidFill>
-                <a:effectLst/>
-              </a:rPr>
-              <a:t>network_interfaces</a:t>
+              <a:rPr lang="fr-FR" b="1" dirty="0">
+                <a:solidFill>
+                  <a:srgbClr val="0E0E0E"/>
+                </a:solidFill>
+                <a:effectLst/>
+              </a:rPr>
+              <a:t>script</a:t>
             </a:r>
             <a:r>
               <a:rPr lang="fr-FR" dirty="0">
@@ -12223,18 +12196,10 @@
                 </a:solidFill>
                 <a:effectLst/>
               </a:rPr>
-              <a:t> : Gère les interfaces réseau sur les systèmes Linux.</a:t>
-            </a:r>
-          </a:p>
-          <a:p>
-            <a:br>
-              <a:rPr lang="fr-FR" dirty="0">
-                <a:solidFill>
-                  <a:srgbClr val="0E0E0E"/>
-                </a:solidFill>
-                <a:effectLst/>
-              </a:rPr>
-            </a:br>
+              <a:t> : Transfère un script et l’exécute sur l’hôte distant.</a:t>
+            </a:r>
+          </a:p>
+          <a:p>
             <a:endParaRPr lang="fr-FR" dirty="0">
               <a:solidFill>
                 <a:srgbClr val="0E0E0E"/>
@@ -12250,7 +12215,7 @@
                 </a:solidFill>
                 <a:effectLst/>
               </a:rPr>
-              <a:t>Modules Cloud</a:t>
+              <a:t>Modules de Gestion de Services</a:t>
             </a:r>
             <a:endParaRPr lang="fr-FR" dirty="0">
               <a:solidFill>
@@ -12271,7 +12236,7 @@
                 </a:solidFill>
                 <a:effectLst/>
               </a:rPr>
-              <a:t>ec2</a:t>
+              <a:t>service</a:t>
             </a:r>
             <a:r>
               <a:rPr lang="fr-FR" dirty="0">
@@ -12280,7 +12245,7 @@
                 </a:solidFill>
                 <a:effectLst/>
               </a:rPr>
-              <a:t> : Gère les instances EC2 sur AWS.</a:t>
+              <a:t> : Gère les services (démarrage, arrêt, redémarrage, etc.).</a:t>
             </a:r>
           </a:p>
           <a:p>
@@ -12295,7 +12260,7 @@
                 </a:solidFill>
                 <a:effectLst/>
               </a:rPr>
-              <a:t>azure_rm_virtualmachine</a:t>
+              <a:t>systemd</a:t>
             </a:r>
             <a:r>
               <a:rPr lang="fr-FR" dirty="0">
@@ -12304,22 +12269,16 @@
                 </a:solidFill>
                 <a:effectLst/>
               </a:rPr>
-              <a:t> : Gère les machines virtuelles sur Azure.</a:t>
-            </a:r>
-          </a:p>
-          <a:p>
-            <a:pPr marL="285750" indent="-285750">
-              <a:buFont typeface="Arial" panose="020B0604020202020204" pitchFamily="34" charset="0"/>
-              <a:buChar char="•"/>
-            </a:pPr>
-            <a:r>
-              <a:rPr lang="fr-FR" b="1" dirty="0" err="1">
-                <a:solidFill>
-                  <a:srgbClr val="0E0E0E"/>
-                </a:solidFill>
-                <a:effectLst/>
-              </a:rPr>
-              <a:t>gcp_compute_instance</a:t>
+              <a:t> : Gère les services via </a:t>
+            </a:r>
+            <a:r>
+              <a:rPr lang="fr-FR" dirty="0" err="1">
+                <a:solidFill>
+                  <a:srgbClr val="0E0E0E"/>
+                </a:solidFill>
+                <a:effectLst/>
+              </a:rPr>
+              <a:t>systemd</a:t>
             </a:r>
             <a:r>
               <a:rPr lang="fr-FR" dirty="0">
@@ -12328,65 +12287,15 @@
                 </a:solidFill>
                 <a:effectLst/>
               </a:rPr>
-              <a:t> : Gère les instances de calcul sur Google Cloud Platform.</a:t>
-            </a:r>
-          </a:p>
-          <a:p>
-            <a:pPr marL="285750" indent="-285750">
-              <a:buFont typeface="Arial" panose="020B0604020202020204" pitchFamily="34" charset="0"/>
-              <a:buChar char="•"/>
-            </a:pPr>
-            <a:r>
-              <a:rPr lang="fr-FR" b="1" dirty="0" err="1">
-                <a:solidFill>
-                  <a:srgbClr val="0E0E0E"/>
-                </a:solidFill>
-                <a:effectLst/>
-              </a:rPr>
-              <a:t>digital_ocean</a:t>
-            </a:r>
-            <a:r>
-              <a:rPr lang="fr-FR" dirty="0">
-                <a:solidFill>
-                  <a:srgbClr val="0E0E0E"/>
-                </a:solidFill>
-                <a:effectLst/>
-              </a:rPr>
-              <a:t> : Gère les ressources sur </a:t>
-            </a:r>
-            <a:r>
-              <a:rPr lang="fr-FR" dirty="0" err="1">
-                <a:solidFill>
-                  <a:srgbClr val="0E0E0E"/>
-                </a:solidFill>
-                <a:effectLst/>
-              </a:rPr>
-              <a:t>DigitalOcean</a:t>
-            </a:r>
-            <a:r>
-              <a:rPr lang="fr-FR" dirty="0">
-                <a:solidFill>
-                  <a:srgbClr val="0E0E0E"/>
-                </a:solidFill>
-                <a:effectLst/>
-              </a:rPr>
               <a:t>.</a:t>
             </a:r>
-          </a:p>
-          <a:p>
-            <a:endParaRPr lang="fr-FR" dirty="0">
-              <a:solidFill>
-                <a:srgbClr val="0E0E0E"/>
-              </a:solidFill>
-              <a:effectLst/>
-            </a:endParaRPr>
           </a:p>
         </p:txBody>
       </p:sp>
     </p:spTree>
     <p:extLst>
       <p:ext uri="{BB962C8B-B14F-4D97-AF65-F5344CB8AC3E}">
-        <p14:creationId xmlns:p14="http://schemas.microsoft.com/office/powerpoint/2010/main" val="1335618285"/>
+        <p14:creationId xmlns:p14="http://schemas.microsoft.com/office/powerpoint/2010/main" val="1251803095"/>
       </p:ext>
     </p:extLst>
   </p:cSld>
@@ -12579,8 +12488,8 @@
         </p:nvSpPr>
         <p:spPr>
           <a:xfrm>
-            <a:off x="2219522" y="2265771"/>
-            <a:ext cx="7752956" cy="3693319"/>
+            <a:off x="1604225" y="2516624"/>
+            <a:ext cx="8983550" cy="3416320"/>
           </a:xfrm>
           <a:prstGeom prst="rect">
             <a:avLst/>
@@ -12600,7 +12509,7 @@
                 </a:solidFill>
                 <a:effectLst/>
               </a:rPr>
-              <a:t>Modules Docker</a:t>
+              <a:t>Modules de Gestion de Réseau</a:t>
             </a:r>
             <a:endParaRPr lang="fr-FR" dirty="0">
               <a:solidFill>
@@ -12621,7 +12530,7 @@
                 </a:solidFill>
                 <a:effectLst/>
               </a:rPr>
-              <a:t>docker_container</a:t>
+              <a:t>firewalld</a:t>
             </a:r>
             <a:r>
               <a:rPr lang="fr-FR" dirty="0">
@@ -12630,7 +12539,25 @@
                 </a:solidFill>
                 <a:effectLst/>
               </a:rPr>
-              <a:t> : Gère les conteneurs Docker.</a:t>
+              <a:t> : Gère le pare-feu </a:t>
+            </a:r>
+            <a:r>
+              <a:rPr lang="fr-FR" dirty="0" err="1">
+                <a:solidFill>
+                  <a:srgbClr val="0E0E0E"/>
+                </a:solidFill>
+                <a:effectLst/>
+              </a:rPr>
+              <a:t>firewalld</a:t>
+            </a:r>
+            <a:r>
+              <a:rPr lang="fr-FR" dirty="0">
+                <a:solidFill>
+                  <a:srgbClr val="0E0E0E"/>
+                </a:solidFill>
+                <a:effectLst/>
+              </a:rPr>
+              <a:t> sur les systèmes Red Hat.</a:t>
             </a:r>
           </a:p>
           <a:p>
@@ -12645,7 +12572,7 @@
                 </a:solidFill>
                 <a:effectLst/>
               </a:rPr>
-              <a:t>docker_image</a:t>
+              <a:t>iptables</a:t>
             </a:r>
             <a:r>
               <a:rPr lang="fr-FR" dirty="0">
@@ -12654,7 +12581,25 @@
                 </a:solidFill>
                 <a:effectLst/>
               </a:rPr>
-              <a:t> : Gère les images Docker.</a:t>
+              <a:t> : Gère les règles de pare-feu </a:t>
+            </a:r>
+            <a:r>
+              <a:rPr lang="fr-FR" dirty="0" err="1">
+                <a:solidFill>
+                  <a:srgbClr val="0E0E0E"/>
+                </a:solidFill>
+                <a:effectLst/>
+              </a:rPr>
+              <a:t>iptables</a:t>
+            </a:r>
+            <a:r>
+              <a:rPr lang="fr-FR" dirty="0">
+                <a:solidFill>
+                  <a:srgbClr val="0E0E0E"/>
+                </a:solidFill>
+                <a:effectLst/>
+              </a:rPr>
+              <a:t>.</a:t>
             </a:r>
           </a:p>
           <a:p>
@@ -12669,7 +12614,7 @@
                 </a:solidFill>
                 <a:effectLst/>
               </a:rPr>
-              <a:t>docker_network</a:t>
+              <a:t>network_interfaces</a:t>
             </a:r>
             <a:r>
               <a:rPr lang="fr-FR" dirty="0">
@@ -12678,10 +12623,18 @@
                 </a:solidFill>
                 <a:effectLst/>
               </a:rPr>
-              <a:t> : Gère les réseaux Docker.</a:t>
-            </a:r>
-          </a:p>
-          <a:p>
+              <a:t> : Gère les interfaces réseau sur les systèmes Linux.</a:t>
+            </a:r>
+          </a:p>
+          <a:p>
+            <a:br>
+              <a:rPr lang="fr-FR" dirty="0">
+                <a:solidFill>
+                  <a:srgbClr val="0E0E0E"/>
+                </a:solidFill>
+                <a:effectLst/>
+              </a:rPr>
+            </a:br>
             <a:endParaRPr lang="fr-FR" dirty="0">
               <a:solidFill>
                 <a:srgbClr val="0E0E0E"/>
@@ -12697,7 +12650,7 @@
                 </a:solidFill>
                 <a:effectLst/>
               </a:rPr>
-              <a:t>Modules de Gestion de Bases de Données</a:t>
+              <a:t>Modules Cloud</a:t>
             </a:r>
             <a:endParaRPr lang="fr-FR" dirty="0">
               <a:solidFill>
@@ -12712,13 +12665,13 @@
               <a:buChar char="•"/>
             </a:pPr>
             <a:r>
-              <a:rPr lang="fr-FR" b="1" dirty="0" err="1">
-                <a:solidFill>
-                  <a:srgbClr val="0E0E0E"/>
-                </a:solidFill>
-                <a:effectLst/>
-              </a:rPr>
-              <a:t>mysql_db</a:t>
+              <a:rPr lang="fr-FR" b="1" dirty="0">
+                <a:solidFill>
+                  <a:srgbClr val="0E0E0E"/>
+                </a:solidFill>
+                <a:effectLst/>
+              </a:rPr>
+              <a:t>ec2</a:t>
             </a:r>
             <a:r>
               <a:rPr lang="fr-FR" dirty="0">
@@ -12727,7 +12680,7 @@
                 </a:solidFill>
                 <a:effectLst/>
               </a:rPr>
-              <a:t> : Gère les bases de données MySQL.</a:t>
+              <a:t> : Gère les instances EC2 sur AWS.</a:t>
             </a:r>
           </a:p>
           <a:p>
@@ -12742,7 +12695,7 @@
                 </a:solidFill>
                 <a:effectLst/>
               </a:rPr>
-              <a:t>postgresql_db</a:t>
+              <a:t>azure_rm_virtualmachine</a:t>
             </a:r>
             <a:r>
               <a:rPr lang="fr-FR" dirty="0">
@@ -12751,7 +12704,7 @@
                 </a:solidFill>
                 <a:effectLst/>
               </a:rPr>
-              <a:t> : Gère les bases de données PostgreSQL.</a:t>
+              <a:t> : Gère les machines virtuelles sur Azure.</a:t>
             </a:r>
           </a:p>
           <a:p>
@@ -12766,7 +12719,7 @@
                 </a:solidFill>
                 <a:effectLst/>
               </a:rPr>
-              <a:t>mongodb_user</a:t>
+              <a:t>gcp_compute_instance</a:t>
             </a:r>
             <a:r>
               <a:rPr lang="fr-FR" dirty="0">
@@ -12775,7 +12728,49 @@
                 </a:solidFill>
                 <a:effectLst/>
               </a:rPr>
-              <a:t> : Gère les utilisateurs MongoDB.</a:t>
+              <a:t> : Gère les instances de calcul sur Google Cloud Platform.</a:t>
+            </a:r>
+          </a:p>
+          <a:p>
+            <a:pPr marL="285750" indent="-285750">
+              <a:buFont typeface="Arial" panose="020B0604020202020204" pitchFamily="34" charset="0"/>
+              <a:buChar char="•"/>
+            </a:pPr>
+            <a:r>
+              <a:rPr lang="fr-FR" b="1" dirty="0" err="1">
+                <a:solidFill>
+                  <a:srgbClr val="0E0E0E"/>
+                </a:solidFill>
+                <a:effectLst/>
+              </a:rPr>
+              <a:t>digital_ocean</a:t>
+            </a:r>
+            <a:r>
+              <a:rPr lang="fr-FR" dirty="0">
+                <a:solidFill>
+                  <a:srgbClr val="0E0E0E"/>
+                </a:solidFill>
+                <a:effectLst/>
+              </a:rPr>
+              <a:t> : Gère les ressources sur </a:t>
+            </a:r>
+            <a:r>
+              <a:rPr lang="fr-FR" dirty="0" err="1">
+                <a:solidFill>
+                  <a:srgbClr val="0E0E0E"/>
+                </a:solidFill>
+                <a:effectLst/>
+              </a:rPr>
+              <a:t>DigitalOcean</a:t>
+            </a:r>
+            <a:r>
+              <a:rPr lang="fr-FR" dirty="0">
+                <a:solidFill>
+                  <a:srgbClr val="0E0E0E"/>
+                </a:solidFill>
+                <a:effectLst/>
+              </a:rPr>
+              <a:t>.</a:t>
             </a:r>
           </a:p>
           <a:p>
@@ -12786,77 +12781,12 @@
               <a:effectLst/>
             </a:endParaRPr>
           </a:p>
-          <a:p>
-            <a:r>
-              <a:rPr lang="fr-FR" b="1" dirty="0">
-                <a:solidFill>
-                  <a:srgbClr val="0E0E0E"/>
-                </a:solidFill>
-                <a:effectLst/>
-              </a:rPr>
-              <a:t>Modules de Gestion de Configuration</a:t>
-            </a:r>
-            <a:endParaRPr lang="fr-FR" dirty="0">
-              <a:solidFill>
-                <a:srgbClr val="0E0E0E"/>
-              </a:solidFill>
-              <a:effectLst/>
-            </a:endParaRPr>
-          </a:p>
-          <a:p>
-            <a:pPr marL="285750" indent="-285750">
-              <a:buFont typeface="Arial" panose="020B0604020202020204" pitchFamily="34" charset="0"/>
-              <a:buChar char="•"/>
-            </a:pPr>
-            <a:r>
-              <a:rPr lang="fr-FR" b="1" dirty="0" err="1">
-                <a:solidFill>
-                  <a:srgbClr val="0E0E0E"/>
-                </a:solidFill>
-                <a:effectLst/>
-              </a:rPr>
-              <a:t>ini_file</a:t>
-            </a:r>
-            <a:r>
-              <a:rPr lang="fr-FR" dirty="0">
-                <a:solidFill>
-                  <a:srgbClr val="0E0E0E"/>
-                </a:solidFill>
-                <a:effectLst/>
-              </a:rPr>
-              <a:t> : Gère les fichiers de configuration au format INI.</a:t>
-            </a:r>
-          </a:p>
-          <a:p>
-            <a:pPr marL="285750" indent="-285750">
-              <a:buFont typeface="Arial" panose="020B0604020202020204" pitchFamily="34" charset="0"/>
-              <a:buChar char="•"/>
-            </a:pPr>
-            <a:r>
-              <a:rPr lang="fr-FR" b="1" dirty="0" err="1">
-                <a:solidFill>
-                  <a:srgbClr val="0E0E0E"/>
-                </a:solidFill>
-                <a:effectLst/>
-              </a:rPr>
-              <a:t>lineinfile</a:t>
-            </a:r>
-            <a:r>
-              <a:rPr lang="fr-FR" dirty="0">
-                <a:solidFill>
-                  <a:srgbClr val="0E0E0E"/>
-                </a:solidFill>
-                <a:effectLst/>
-              </a:rPr>
-              <a:t> : Assure qu’une ligne spécifique est présente dans un fichier.</a:t>
-            </a:r>
-          </a:p>
         </p:txBody>
       </p:sp>
     </p:spTree>
     <p:extLst>
       <p:ext uri="{BB962C8B-B14F-4D97-AF65-F5344CB8AC3E}">
-        <p14:creationId xmlns:p14="http://schemas.microsoft.com/office/powerpoint/2010/main" val="1778192823"/>
+        <p14:creationId xmlns:p14="http://schemas.microsoft.com/office/powerpoint/2010/main" val="1335618285"/>
       </p:ext>
     </p:extLst>
   </p:cSld>
@@ -12957,8 +12887,8 @@
         </p:nvSpPr>
         <p:spPr>
           <a:xfrm>
-            <a:off x="2822315" y="2605637"/>
-            <a:ext cx="6547370" cy="2585323"/>
+            <a:off x="2219522" y="2265771"/>
+            <a:ext cx="7752956" cy="3693319"/>
           </a:xfrm>
           <a:prstGeom prst="rect">
             <a:avLst/>
@@ -12978,7 +12908,7 @@
                 </a:solidFill>
                 <a:effectLst/>
               </a:rPr>
-              <a:t>Modules de Contrôle de Version</a:t>
+              <a:t>Modules Docker</a:t>
             </a:r>
             <a:endParaRPr lang="fr-FR" dirty="0">
               <a:solidFill>
@@ -12993,13 +12923,13 @@
               <a:buChar char="•"/>
             </a:pPr>
             <a:r>
-              <a:rPr lang="fr-FR" b="1" dirty="0">
-                <a:solidFill>
-                  <a:srgbClr val="0E0E0E"/>
-                </a:solidFill>
-                <a:effectLst/>
-              </a:rPr>
-              <a:t>git</a:t>
+              <a:rPr lang="fr-FR" b="1" dirty="0" err="1">
+                <a:solidFill>
+                  <a:srgbClr val="0E0E0E"/>
+                </a:solidFill>
+                <a:effectLst/>
+              </a:rPr>
+              <a:t>docker_container</a:t>
             </a:r>
             <a:r>
               <a:rPr lang="fr-FR" dirty="0">
@@ -13008,7 +12938,7 @@
                 </a:solidFill>
                 <a:effectLst/>
               </a:rPr>
-              <a:t> : Clone ou met à jour un dépôt Git.</a:t>
+              <a:t> : Gère les conteneurs Docker.</a:t>
             </a:r>
           </a:p>
           <a:p>
@@ -13017,13 +12947,13 @@
               <a:buChar char="•"/>
             </a:pPr>
             <a:r>
-              <a:rPr lang="fr-FR" b="1" dirty="0">
-                <a:solidFill>
-                  <a:srgbClr val="0E0E0E"/>
-                </a:solidFill>
-                <a:effectLst/>
-              </a:rPr>
-              <a:t>subversion</a:t>
+              <a:rPr lang="fr-FR" b="1" dirty="0" err="1">
+                <a:solidFill>
+                  <a:srgbClr val="0E0E0E"/>
+                </a:solidFill>
+                <a:effectLst/>
+              </a:rPr>
+              <a:t>docker_image</a:t>
             </a:r>
             <a:r>
               <a:rPr lang="fr-FR" dirty="0">
@@ -13032,18 +12962,34 @@
                 </a:solidFill>
                 <a:effectLst/>
               </a:rPr>
-              <a:t> : Gère les dépôts SVN.</a:t>
-            </a:r>
-          </a:p>
-          <a:p>
-            <a:br>
+              <a:t> : Gère les images Docker.</a:t>
+            </a:r>
+          </a:p>
+          <a:p>
+            <a:pPr marL="285750" indent="-285750">
+              <a:buFont typeface="Arial" panose="020B0604020202020204" pitchFamily="34" charset="0"/>
+              <a:buChar char="•"/>
+            </a:pPr>
+            <a:r>
+              <a:rPr lang="fr-FR" b="1" dirty="0" err="1">
+                <a:solidFill>
+                  <a:srgbClr val="0E0E0E"/>
+                </a:solidFill>
+                <a:effectLst/>
+              </a:rPr>
+              <a:t>docker_network</a:t>
+            </a:r>
+            <a:r>
               <a:rPr lang="fr-FR" dirty="0">
                 <a:solidFill>
                   <a:srgbClr val="0E0E0E"/>
                 </a:solidFill>
                 <a:effectLst/>
               </a:rPr>
-            </a:br>
+              <a:t> : Gère les réseaux Docker.</a:t>
+            </a:r>
+          </a:p>
+          <a:p>
             <a:endParaRPr lang="fr-FR" dirty="0">
               <a:solidFill>
                 <a:srgbClr val="0E0E0E"/>
@@ -13059,7 +13005,7 @@
                 </a:solidFill>
                 <a:effectLst/>
               </a:rPr>
-              <a:t>Modules Windows</a:t>
+              <a:t>Modules de Gestion de Bases de Données</a:t>
             </a:r>
             <a:endParaRPr lang="fr-FR" dirty="0">
               <a:solidFill>
@@ -13080,7 +13026,7 @@
                 </a:solidFill>
                 <a:effectLst/>
               </a:rPr>
-              <a:t>win_copy</a:t>
+              <a:t>mysql_db</a:t>
             </a:r>
             <a:r>
               <a:rPr lang="fr-FR" dirty="0">
@@ -13089,7 +13035,7 @@
                 </a:solidFill>
                 <a:effectLst/>
               </a:rPr>
-              <a:t> : Copie des fichiers sur des machines Windows.</a:t>
+              <a:t> : Gère les bases de données MySQL.</a:t>
             </a:r>
           </a:p>
           <a:p>
@@ -13104,7 +13050,7 @@
                 </a:solidFill>
                 <a:effectLst/>
               </a:rPr>
-              <a:t>win_user</a:t>
+              <a:t>postgresql_db</a:t>
             </a:r>
             <a:r>
               <a:rPr lang="fr-FR" dirty="0">
@@ -13113,7 +13059,7 @@
                 </a:solidFill>
                 <a:effectLst/>
               </a:rPr>
-              <a:t> : Gère les utilisateurs sur des systèmes Windows.</a:t>
+              <a:t> : Gère les bases de données PostgreSQL.</a:t>
             </a:r>
           </a:p>
           <a:p>
@@ -13128,7 +13074,7 @@
                 </a:solidFill>
                 <a:effectLst/>
               </a:rPr>
-              <a:t>win_service</a:t>
+              <a:t>mongodb_user</a:t>
             </a:r>
             <a:r>
               <a:rPr lang="fr-FR" dirty="0">
@@ -13137,7 +13083,80 @@
                 </a:solidFill>
                 <a:effectLst/>
               </a:rPr>
-              <a:t> : Gère les services Windows.</a:t>
+              <a:t> : Gère les utilisateurs MongoDB.</a:t>
+            </a:r>
+          </a:p>
+          <a:p>
+            <a:endParaRPr lang="fr-FR" dirty="0">
+              <a:solidFill>
+                <a:srgbClr val="0E0E0E"/>
+              </a:solidFill>
+              <a:effectLst/>
+            </a:endParaRPr>
+          </a:p>
+          <a:p>
+            <a:r>
+              <a:rPr lang="fr-FR" b="1" dirty="0">
+                <a:solidFill>
+                  <a:srgbClr val="0E0E0E"/>
+                </a:solidFill>
+                <a:effectLst/>
+              </a:rPr>
+              <a:t>Modules de Gestion de Configuration</a:t>
+            </a:r>
+            <a:endParaRPr lang="fr-FR" dirty="0">
+              <a:solidFill>
+                <a:srgbClr val="0E0E0E"/>
+              </a:solidFill>
+              <a:effectLst/>
+            </a:endParaRPr>
+          </a:p>
+          <a:p>
+            <a:pPr marL="285750" indent="-285750">
+              <a:buFont typeface="Arial" panose="020B0604020202020204" pitchFamily="34" charset="0"/>
+              <a:buChar char="•"/>
+            </a:pPr>
+            <a:r>
+              <a:rPr lang="fr-FR" b="1" dirty="0" err="1">
+                <a:solidFill>
+                  <a:srgbClr val="0E0E0E"/>
+                </a:solidFill>
+                <a:effectLst/>
+              </a:rPr>
+              <a:t>ini_file</a:t>
+            </a:r>
+            <a:r>
+              <a:rPr lang="fr-FR" dirty="0">
+                <a:solidFill>
+                  <a:srgbClr val="0E0E0E"/>
+                </a:solidFill>
+                <a:effectLst/>
+              </a:rPr>
+              <a:t> : Gère les fichiers de configuration au format INI.</a:t>
+            </a:r>
+          </a:p>
+          <a:p>
+            <a:pPr marL="285750" indent="-285750">
+              <a:buFont typeface="Arial" panose="020B0604020202020204" pitchFamily="34" charset="0"/>
+              <a:buChar char="•"/>
+            </a:pPr>
+            <a:r>
+              <a:rPr lang="fr-FR" b="1" dirty="0" err="1">
+                <a:solidFill>
+                  <a:srgbClr val="0E0E0E"/>
+                </a:solidFill>
+                <a:effectLst/>
+              </a:rPr>
+              <a:t>lineinfile</a:t>
+            </a:r>
+            <a:r>
+              <a:rPr lang="fr-FR" dirty="0">
+                <a:solidFill>
+                  <a:srgbClr val="0E0E0E"/>
+                </a:solidFill>
+                <a:effectLst/>
+              </a:rPr>
+              <a:t> : Assure qu’une ligne spécifique est présente dans un fichier.</a:t>
             </a:r>
           </a:p>
         </p:txBody>
@@ -13145,7 +13164,7 @@
     </p:spTree>
     <p:extLst>
       <p:ext uri="{BB962C8B-B14F-4D97-AF65-F5344CB8AC3E}">
-        <p14:creationId xmlns:p14="http://schemas.microsoft.com/office/powerpoint/2010/main" val="1417196013"/>
+        <p14:creationId xmlns:p14="http://schemas.microsoft.com/office/powerpoint/2010/main" val="1778192823"/>
       </p:ext>
     </p:extLst>
   </p:cSld>
@@ -13177,6 +13196,295 @@
           <p:cNvPr id="2" name="Titre 1">
             <a:extLst>
               <a:ext uri="{FF2B5EF4-FFF2-40B4-BE49-F238E27FC236}">
+                <a16:creationId xmlns:a16="http://schemas.microsoft.com/office/drawing/2014/main" id="{0052C339-44E4-2CCB-491F-F17B93976516}"/>
+              </a:ext>
+            </a:extLst>
+          </p:cNvPr>
+          <p:cNvSpPr>
+            <a:spLocks noGrp="1"/>
+          </p:cNvSpPr>
+          <p:nvPr>
+            <p:ph type="title"/>
+          </p:nvPr>
+        </p:nvSpPr>
+        <p:spPr/>
+        <p:txBody>
+          <a:bodyPr>
+            <a:normAutofit/>
+          </a:bodyPr>
+          <a:lstStyle/>
+          <a:p>
+            <a:r>
+              <a:rPr lang="fr-FR" dirty="0"/>
+              <a:t>Ansible – Modules</a:t>
+            </a:r>
+          </a:p>
+        </p:txBody>
+      </p:sp>
+      <p:pic>
+        <p:nvPicPr>
+          <p:cNvPr id="5" name="Image 4">
+            <a:extLst>
+              <a:ext uri="{FF2B5EF4-FFF2-40B4-BE49-F238E27FC236}">
+                <a16:creationId xmlns:a16="http://schemas.microsoft.com/office/drawing/2014/main" id="{7C8F72B6-2777-62C8-C7DE-C62E19F98793}"/>
+              </a:ext>
+            </a:extLst>
+          </p:cNvPr>
+          <p:cNvPicPr>
+            <a:picLocks noChangeAspect="1"/>
+          </p:cNvPicPr>
+          <p:nvPr/>
+        </p:nvPicPr>
+        <p:blipFill>
+          <a:blip r:embed="rId3"/>
+          <a:stretch>
+            <a:fillRect/>
+          </a:stretch>
+        </p:blipFill>
+        <p:spPr>
+          <a:xfrm>
+            <a:off x="10312850" y="666694"/>
+            <a:ext cx="1129289" cy="1129289"/>
+          </a:xfrm>
+          <a:prstGeom prst="rect">
+            <a:avLst/>
+          </a:prstGeom>
+        </p:spPr>
+      </p:pic>
+      <p:sp>
+        <p:nvSpPr>
+          <p:cNvPr id="6" name="ZoneTexte 5">
+            <a:extLst>
+              <a:ext uri="{FF2B5EF4-FFF2-40B4-BE49-F238E27FC236}">
+                <a16:creationId xmlns:a16="http://schemas.microsoft.com/office/drawing/2014/main" id="{57FE29B7-9B5B-9DB0-90FA-2800CCB48C4D}"/>
+              </a:ext>
+            </a:extLst>
+          </p:cNvPr>
+          <p:cNvSpPr txBox="1"/>
+          <p:nvPr/>
+        </p:nvSpPr>
+        <p:spPr>
+          <a:xfrm>
+            <a:off x="2822315" y="2605637"/>
+            <a:ext cx="6547370" cy="2585323"/>
+          </a:xfrm>
+          <a:prstGeom prst="rect">
+            <a:avLst/>
+          </a:prstGeom>
+          <a:noFill/>
+        </p:spPr>
+        <p:txBody>
+          <a:bodyPr wrap="none" rtlCol="0">
+            <a:spAutoFit/>
+          </a:bodyPr>
+          <a:lstStyle/>
+          <a:p>
+            <a:r>
+              <a:rPr lang="fr-FR" b="1" dirty="0">
+                <a:solidFill>
+                  <a:srgbClr val="0E0E0E"/>
+                </a:solidFill>
+                <a:effectLst/>
+              </a:rPr>
+              <a:t>Modules de Contrôle de Version</a:t>
+            </a:r>
+            <a:endParaRPr lang="fr-FR" dirty="0">
+              <a:solidFill>
+                <a:srgbClr val="0E0E0E"/>
+              </a:solidFill>
+              <a:effectLst/>
+            </a:endParaRPr>
+          </a:p>
+          <a:p>
+            <a:pPr marL="285750" indent="-285750">
+              <a:buFont typeface="Arial" panose="020B0604020202020204" pitchFamily="34" charset="0"/>
+              <a:buChar char="•"/>
+            </a:pPr>
+            <a:r>
+              <a:rPr lang="fr-FR" b="1" dirty="0">
+                <a:solidFill>
+                  <a:srgbClr val="0E0E0E"/>
+                </a:solidFill>
+                <a:effectLst/>
+              </a:rPr>
+              <a:t>git</a:t>
+            </a:r>
+            <a:r>
+              <a:rPr lang="fr-FR" dirty="0">
+                <a:solidFill>
+                  <a:srgbClr val="0E0E0E"/>
+                </a:solidFill>
+                <a:effectLst/>
+              </a:rPr>
+              <a:t> : Clone ou met à jour un dépôt Git.</a:t>
+            </a:r>
+          </a:p>
+          <a:p>
+            <a:pPr marL="285750" indent="-285750">
+              <a:buFont typeface="Arial" panose="020B0604020202020204" pitchFamily="34" charset="0"/>
+              <a:buChar char="•"/>
+            </a:pPr>
+            <a:r>
+              <a:rPr lang="fr-FR" b="1" dirty="0">
+                <a:solidFill>
+                  <a:srgbClr val="0E0E0E"/>
+                </a:solidFill>
+                <a:effectLst/>
+              </a:rPr>
+              <a:t>subversion</a:t>
+            </a:r>
+            <a:r>
+              <a:rPr lang="fr-FR" dirty="0">
+                <a:solidFill>
+                  <a:srgbClr val="0E0E0E"/>
+                </a:solidFill>
+                <a:effectLst/>
+              </a:rPr>
+              <a:t> : Gère les dépôts SVN.</a:t>
+            </a:r>
+          </a:p>
+          <a:p>
+            <a:br>
+              <a:rPr lang="fr-FR" dirty="0">
+                <a:solidFill>
+                  <a:srgbClr val="0E0E0E"/>
+                </a:solidFill>
+                <a:effectLst/>
+              </a:rPr>
+            </a:br>
+            <a:endParaRPr lang="fr-FR" dirty="0">
+              <a:solidFill>
+                <a:srgbClr val="0E0E0E"/>
+              </a:solidFill>
+              <a:effectLst/>
+            </a:endParaRPr>
+          </a:p>
+          <a:p>
+            <a:r>
+              <a:rPr lang="fr-FR" b="1" dirty="0">
+                <a:solidFill>
+                  <a:srgbClr val="0E0E0E"/>
+                </a:solidFill>
+                <a:effectLst/>
+              </a:rPr>
+              <a:t>Modules Windows</a:t>
+            </a:r>
+            <a:endParaRPr lang="fr-FR" dirty="0">
+              <a:solidFill>
+                <a:srgbClr val="0E0E0E"/>
+              </a:solidFill>
+              <a:effectLst/>
+            </a:endParaRPr>
+          </a:p>
+          <a:p>
+            <a:pPr marL="285750" indent="-285750">
+              <a:buFont typeface="Arial" panose="020B0604020202020204" pitchFamily="34" charset="0"/>
+              <a:buChar char="•"/>
+            </a:pPr>
+            <a:r>
+              <a:rPr lang="fr-FR" b="1" dirty="0" err="1">
+                <a:solidFill>
+                  <a:srgbClr val="0E0E0E"/>
+                </a:solidFill>
+                <a:effectLst/>
+              </a:rPr>
+              <a:t>win_copy</a:t>
+            </a:r>
+            <a:r>
+              <a:rPr lang="fr-FR" dirty="0">
+                <a:solidFill>
+                  <a:srgbClr val="0E0E0E"/>
+                </a:solidFill>
+                <a:effectLst/>
+              </a:rPr>
+              <a:t> : Copie des fichiers sur des machines Windows.</a:t>
+            </a:r>
+          </a:p>
+          <a:p>
+            <a:pPr marL="285750" indent="-285750">
+              <a:buFont typeface="Arial" panose="020B0604020202020204" pitchFamily="34" charset="0"/>
+              <a:buChar char="•"/>
+            </a:pPr>
+            <a:r>
+              <a:rPr lang="fr-FR" b="1" dirty="0" err="1">
+                <a:solidFill>
+                  <a:srgbClr val="0E0E0E"/>
+                </a:solidFill>
+                <a:effectLst/>
+              </a:rPr>
+              <a:t>win_user</a:t>
+            </a:r>
+            <a:r>
+              <a:rPr lang="fr-FR" dirty="0">
+                <a:solidFill>
+                  <a:srgbClr val="0E0E0E"/>
+                </a:solidFill>
+                <a:effectLst/>
+              </a:rPr>
+              <a:t> : Gère les utilisateurs sur des systèmes Windows.</a:t>
+            </a:r>
+          </a:p>
+          <a:p>
+            <a:pPr marL="285750" indent="-285750">
+              <a:buFont typeface="Arial" panose="020B0604020202020204" pitchFamily="34" charset="0"/>
+              <a:buChar char="•"/>
+            </a:pPr>
+            <a:r>
+              <a:rPr lang="fr-FR" b="1" dirty="0" err="1">
+                <a:solidFill>
+                  <a:srgbClr val="0E0E0E"/>
+                </a:solidFill>
+                <a:effectLst/>
+              </a:rPr>
+              <a:t>win_service</a:t>
+            </a:r>
+            <a:r>
+              <a:rPr lang="fr-FR" dirty="0">
+                <a:solidFill>
+                  <a:srgbClr val="0E0E0E"/>
+                </a:solidFill>
+                <a:effectLst/>
+              </a:rPr>
+              <a:t> : Gère les services Windows.</a:t>
+            </a:r>
+          </a:p>
+        </p:txBody>
+      </p:sp>
+    </p:spTree>
+    <p:extLst>
+      <p:ext uri="{BB962C8B-B14F-4D97-AF65-F5344CB8AC3E}">
+        <p14:creationId xmlns:p14="http://schemas.microsoft.com/office/powerpoint/2010/main" val="1417196013"/>
+      </p:ext>
+    </p:extLst>
+  </p:cSld>
+  <p:clrMapOvr>
+    <a:masterClrMapping/>
+  </p:clrMapOvr>
+</p:sld>
+</file>
+
+<file path=ppt/slides/slide33.xml><?xml version="1.0" encoding="utf-8"?>
+<p:sld xmlns:a="http://schemas.openxmlformats.org/drawingml/2006/main" xmlns:r="http://schemas.openxmlformats.org/officeDocument/2006/relationships" xmlns:p="http://schemas.openxmlformats.org/presentationml/2006/main">
+  <p:cSld>
+    <p:spTree>
+      <p:nvGrpSpPr>
+        <p:cNvPr id="1" name=""/>
+        <p:cNvGrpSpPr/>
+        <p:nvPr/>
+      </p:nvGrpSpPr>
+      <p:grpSpPr>
+        <a:xfrm>
+          <a:off x="0" y="0"/>
+          <a:ext cx="0" cy="0"/>
+          <a:chOff x="0" y="0"/>
+          <a:chExt cx="0" cy="0"/>
+        </a:xfrm>
+      </p:grpSpPr>
+      <p:sp>
+        <p:nvSpPr>
+          <p:cNvPr id="2" name="Titre 1">
+            <a:extLst>
+              <a:ext uri="{FF2B5EF4-FFF2-40B4-BE49-F238E27FC236}">
                 <a16:creationId xmlns:a16="http://schemas.microsoft.com/office/drawing/2014/main" id="{6A204DD4-5828-E7F4-698E-9F618D3117BA}"/>
               </a:ext>
             </a:extLst>
@@ -13667,7 +13975,7 @@
 </p:sld>
 </file>
 
-<file path=ppt/slides/slide33.xml><?xml version="1.0" encoding="utf-8"?>
+<file path=ppt/slides/slide34.xml><?xml version="1.0" encoding="utf-8"?>
 <p:sld xmlns:a="http://schemas.openxmlformats.org/drawingml/2006/main" xmlns:r="http://schemas.openxmlformats.org/officeDocument/2006/relationships" xmlns:p="http://schemas.openxmlformats.org/presentationml/2006/main">
   <p:cSld>
     <p:spTree>

--- a/EPSI - Module IaC.pptx
+++ b/EPSI - Module IaC.pptx
@@ -7161,6 +7161,36 @@
           </a:prstGeom>
         </p:spPr>
       </p:pic>
+      <p:pic>
+        <p:nvPicPr>
+          <p:cNvPr id="4" name="Image 3">
+            <a:extLst>
+              <a:ext uri="{FF2B5EF4-FFF2-40B4-BE49-F238E27FC236}">
+                <a16:creationId xmlns:a16="http://schemas.microsoft.com/office/drawing/2014/main" id="{DB846183-0699-A0DF-B490-140E444B2371}"/>
+              </a:ext>
+            </a:extLst>
+          </p:cNvPr>
+          <p:cNvPicPr>
+            <a:picLocks noChangeAspect="1"/>
+          </p:cNvPicPr>
+          <p:nvPr/>
+        </p:nvPicPr>
+        <p:blipFill>
+          <a:blip r:embed="rId3"/>
+          <a:stretch>
+            <a:fillRect/>
+          </a:stretch>
+        </p:blipFill>
+        <p:spPr>
+          <a:xfrm>
+            <a:off x="9398000" y="786839"/>
+            <a:ext cx="2222500" cy="889000"/>
+          </a:xfrm>
+          <a:prstGeom prst="rect">
+            <a:avLst/>
+          </a:prstGeom>
+        </p:spPr>
+      </p:pic>
     </p:spTree>
     <p:extLst>
       <p:ext uri="{BB962C8B-B14F-4D97-AF65-F5344CB8AC3E}">
@@ -7311,6 +7341,36 @@
           </a:p>
         </p:txBody>
       </p:sp>
+      <p:pic>
+        <p:nvPicPr>
+          <p:cNvPr id="3" name="Image 2">
+            <a:extLst>
+              <a:ext uri="{FF2B5EF4-FFF2-40B4-BE49-F238E27FC236}">
+                <a16:creationId xmlns:a16="http://schemas.microsoft.com/office/drawing/2014/main" id="{265AFA8F-C15C-8B4E-380E-30C323D1EEE9}"/>
+              </a:ext>
+            </a:extLst>
+          </p:cNvPr>
+          <p:cNvPicPr>
+            <a:picLocks noChangeAspect="1"/>
+          </p:cNvPicPr>
+          <p:nvPr/>
+        </p:nvPicPr>
+        <p:blipFill>
+          <a:blip r:embed="rId3"/>
+          <a:stretch>
+            <a:fillRect/>
+          </a:stretch>
+        </p:blipFill>
+        <p:spPr>
+          <a:xfrm>
+            <a:off x="9398000" y="786839"/>
+            <a:ext cx="2222500" cy="889000"/>
+          </a:xfrm>
+          <a:prstGeom prst="rect">
+            <a:avLst/>
+          </a:prstGeom>
+        </p:spPr>
+      </p:pic>
     </p:spTree>
     <p:extLst>
       <p:ext uri="{BB962C8B-B14F-4D97-AF65-F5344CB8AC3E}">
@@ -7486,6 +7546,36 @@
           </a:p>
         </p:txBody>
       </p:sp>
+      <p:pic>
+        <p:nvPicPr>
+          <p:cNvPr id="4" name="Image 3">
+            <a:extLst>
+              <a:ext uri="{FF2B5EF4-FFF2-40B4-BE49-F238E27FC236}">
+                <a16:creationId xmlns:a16="http://schemas.microsoft.com/office/drawing/2014/main" id="{88253585-CBF3-A05D-037D-238A1DDC33D3}"/>
+              </a:ext>
+            </a:extLst>
+          </p:cNvPr>
+          <p:cNvPicPr>
+            <a:picLocks noChangeAspect="1"/>
+          </p:cNvPicPr>
+          <p:nvPr/>
+        </p:nvPicPr>
+        <p:blipFill>
+          <a:blip r:embed="rId3"/>
+          <a:stretch>
+            <a:fillRect/>
+          </a:stretch>
+        </p:blipFill>
+        <p:spPr>
+          <a:xfrm>
+            <a:off x="9398000" y="786839"/>
+            <a:ext cx="2222500" cy="889000"/>
+          </a:xfrm>
+          <a:prstGeom prst="rect">
+            <a:avLst/>
+          </a:prstGeom>
+        </p:spPr>
+      </p:pic>
     </p:spTree>
     <p:extLst>
       <p:ext uri="{BB962C8B-B14F-4D97-AF65-F5344CB8AC3E}">
@@ -7732,6 +7822,36 @@
           <a:xfrm>
             <a:off x="5003328" y="1990687"/>
             <a:ext cx="2595093" cy="3910987"/>
+          </a:xfrm>
+          <a:prstGeom prst="rect">
+            <a:avLst/>
+          </a:prstGeom>
+        </p:spPr>
+      </p:pic>
+      <p:pic>
+        <p:nvPicPr>
+          <p:cNvPr id="5" name="Image 4">
+            <a:extLst>
+              <a:ext uri="{FF2B5EF4-FFF2-40B4-BE49-F238E27FC236}">
+                <a16:creationId xmlns:a16="http://schemas.microsoft.com/office/drawing/2014/main" id="{91D439DE-21F9-43AA-B766-1CC2AF160D82}"/>
+              </a:ext>
+            </a:extLst>
+          </p:cNvPr>
+          <p:cNvPicPr>
+            <a:picLocks noChangeAspect="1"/>
+          </p:cNvPicPr>
+          <p:nvPr/>
+        </p:nvPicPr>
+        <p:blipFill>
+          <a:blip r:embed="rId4"/>
+          <a:stretch>
+            <a:fillRect/>
+          </a:stretch>
+        </p:blipFill>
+        <p:spPr>
+          <a:xfrm>
+            <a:off x="9398000" y="786839"/>
+            <a:ext cx="2222500" cy="889000"/>
           </a:xfrm>
           <a:prstGeom prst="rect">
             <a:avLst/>
@@ -7901,6 +8021,36 @@
           </a:prstGeom>
         </p:spPr>
       </p:pic>
+      <p:pic>
+        <p:nvPicPr>
+          <p:cNvPr id="5" name="Image 4">
+            <a:extLst>
+              <a:ext uri="{FF2B5EF4-FFF2-40B4-BE49-F238E27FC236}">
+                <a16:creationId xmlns:a16="http://schemas.microsoft.com/office/drawing/2014/main" id="{27019F31-437C-F193-2DC6-02FB806DE39D}"/>
+              </a:ext>
+            </a:extLst>
+          </p:cNvPr>
+          <p:cNvPicPr>
+            <a:picLocks noChangeAspect="1"/>
+          </p:cNvPicPr>
+          <p:nvPr/>
+        </p:nvPicPr>
+        <p:blipFill>
+          <a:blip r:embed="rId3"/>
+          <a:stretch>
+            <a:fillRect/>
+          </a:stretch>
+        </p:blipFill>
+        <p:spPr>
+          <a:xfrm>
+            <a:off x="9398000" y="786839"/>
+            <a:ext cx="2222500" cy="889000"/>
+          </a:xfrm>
+          <a:prstGeom prst="rect">
+            <a:avLst/>
+          </a:prstGeom>
+        </p:spPr>
+      </p:pic>
     </p:spTree>
     <p:extLst>
       <p:ext uri="{BB962C8B-B14F-4D97-AF65-F5344CB8AC3E}">
@@ -8055,6 +8205,36 @@
           <a:xfrm>
             <a:off x="3580277" y="3836579"/>
             <a:ext cx="5385699" cy="1881035"/>
+          </a:xfrm>
+          <a:prstGeom prst="rect">
+            <a:avLst/>
+          </a:prstGeom>
+        </p:spPr>
+      </p:pic>
+      <p:pic>
+        <p:nvPicPr>
+          <p:cNvPr id="4" name="Image 3">
+            <a:extLst>
+              <a:ext uri="{FF2B5EF4-FFF2-40B4-BE49-F238E27FC236}">
+                <a16:creationId xmlns:a16="http://schemas.microsoft.com/office/drawing/2014/main" id="{FA97EF57-ED66-B58D-CE1F-878F1AFE3DCD}"/>
+              </a:ext>
+            </a:extLst>
+          </p:cNvPr>
+          <p:cNvPicPr>
+            <a:picLocks noChangeAspect="1"/>
+          </p:cNvPicPr>
+          <p:nvPr/>
+        </p:nvPicPr>
+        <p:blipFill>
+          <a:blip r:embed="rId3"/>
+          <a:stretch>
+            <a:fillRect/>
+          </a:stretch>
+        </p:blipFill>
+        <p:spPr>
+          <a:xfrm>
+            <a:off x="9398000" y="786839"/>
+            <a:ext cx="2222500" cy="889000"/>
           </a:xfrm>
           <a:prstGeom prst="rect">
             <a:avLst/>
@@ -8241,6 +8421,36 @@
           </a:prstGeom>
         </p:spPr>
       </p:pic>
+      <p:pic>
+        <p:nvPicPr>
+          <p:cNvPr id="4" name="Image 3">
+            <a:extLst>
+              <a:ext uri="{FF2B5EF4-FFF2-40B4-BE49-F238E27FC236}">
+                <a16:creationId xmlns:a16="http://schemas.microsoft.com/office/drawing/2014/main" id="{1E2F8995-DE1A-E023-5CFB-96CD6D6B55A4}"/>
+              </a:ext>
+            </a:extLst>
+          </p:cNvPr>
+          <p:cNvPicPr>
+            <a:picLocks noChangeAspect="1"/>
+          </p:cNvPicPr>
+          <p:nvPr/>
+        </p:nvPicPr>
+        <p:blipFill>
+          <a:blip r:embed="rId3"/>
+          <a:stretch>
+            <a:fillRect/>
+          </a:stretch>
+        </p:blipFill>
+        <p:spPr>
+          <a:xfrm>
+            <a:off x="9398000" y="786839"/>
+            <a:ext cx="2222500" cy="889000"/>
+          </a:xfrm>
+          <a:prstGeom prst="rect">
+            <a:avLst/>
+          </a:prstGeom>
+        </p:spPr>
+      </p:pic>
     </p:spTree>
     <p:extLst>
       <p:ext uri="{BB962C8B-B14F-4D97-AF65-F5344CB8AC3E}">
@@ -8399,6 +8609,36 @@
           <a:xfrm>
             <a:off x="3435968" y="3851695"/>
             <a:ext cx="6607052" cy="1464771"/>
+          </a:xfrm>
+          <a:prstGeom prst="rect">
+            <a:avLst/>
+          </a:prstGeom>
+        </p:spPr>
+      </p:pic>
+      <p:pic>
+        <p:nvPicPr>
+          <p:cNvPr id="5" name="Image 4">
+            <a:extLst>
+              <a:ext uri="{FF2B5EF4-FFF2-40B4-BE49-F238E27FC236}">
+                <a16:creationId xmlns:a16="http://schemas.microsoft.com/office/drawing/2014/main" id="{E923C589-C5D9-4017-D1B9-174A474D97FF}"/>
+              </a:ext>
+            </a:extLst>
+          </p:cNvPr>
+          <p:cNvPicPr>
+            <a:picLocks noChangeAspect="1"/>
+          </p:cNvPicPr>
+          <p:nvPr/>
+        </p:nvPicPr>
+        <p:blipFill>
+          <a:blip r:embed="rId3"/>
+          <a:stretch>
+            <a:fillRect/>
+          </a:stretch>
+        </p:blipFill>
+        <p:spPr>
+          <a:xfrm>
+            <a:off x="9398000" y="786839"/>
+            <a:ext cx="2222500" cy="889000"/>
           </a:xfrm>
           <a:prstGeom prst="rect">
             <a:avLst/>
@@ -8483,9 +8723,16 @@
             <p:ph idx="1"/>
           </p:nvPr>
         </p:nvSpPr>
-        <p:spPr/>
-        <p:txBody>
-          <a:bodyPr/>
+        <p:spPr>
+          <a:xfrm>
+            <a:off x="571500" y="3099816"/>
+            <a:ext cx="4805172" cy="2905147"/>
+          </a:xfrm>
+        </p:spPr>
+        <p:txBody>
+          <a:bodyPr>
+            <a:normAutofit/>
+          </a:bodyPr>
           <a:lstStyle/>
           <a:p>
             <a:pPr marL="0" indent="0">
@@ -8565,11 +8812,43 @@
             </a:endParaRPr>
           </a:p>
           <a:p>
+            <a:endParaRPr lang="fr-FR" dirty="0"/>
+          </a:p>
+        </p:txBody>
+      </p:sp>
+      <p:sp>
+        <p:nvSpPr>
+          <p:cNvPr id="9" name="ZoneTexte 8">
+            <a:extLst>
+              <a:ext uri="{FF2B5EF4-FFF2-40B4-BE49-F238E27FC236}">
+                <a16:creationId xmlns:a16="http://schemas.microsoft.com/office/drawing/2014/main" id="{50C49233-BC01-B6B0-5CCC-0F6C918F8D0E}"/>
+              </a:ext>
+            </a:extLst>
+          </p:cNvPr>
+          <p:cNvSpPr txBox="1"/>
+          <p:nvPr/>
+        </p:nvSpPr>
+        <p:spPr>
+          <a:xfrm>
+            <a:off x="5838444" y="3164485"/>
+            <a:ext cx="6099048" cy="2862322"/>
+          </a:xfrm>
+          <a:prstGeom prst="rect">
+            <a:avLst/>
+          </a:prstGeom>
+          <a:noFill/>
+        </p:spPr>
+        <p:txBody>
+          <a:bodyPr wrap="square">
+            <a:spAutoFit/>
+          </a:bodyPr>
+          <a:lstStyle/>
+          <a:p>
             <a:pPr marL="0" indent="0">
               <a:buNone/>
             </a:pPr>
             <a:r>
-              <a:rPr lang="fr-FR" b="1" dirty="0">
+              <a:rPr lang="fr-FR" sz="2000" b="1" dirty="0">
                 <a:solidFill>
                   <a:srgbClr val="0E0E0E"/>
                 </a:solidFill>
@@ -8577,15 +8856,24 @@
               </a:rPr>
               <a:t>Configuration avec Ansible :</a:t>
             </a:r>
-            <a:endParaRPr lang="fr-FR" b="1" dirty="0">
+          </a:p>
+          <a:p>
+            <a:pPr marL="0" indent="0">
+              <a:buNone/>
+            </a:pPr>
+            <a:endParaRPr lang="fr-FR" sz="2000" b="1" dirty="0">
               <a:solidFill>
                 <a:srgbClr val="0E0E0E"/>
               </a:solidFill>
             </a:endParaRPr>
           </a:p>
           <a:p>
-            <a:r>
-              <a:rPr lang="fr-FR" dirty="0">
+            <a:pPr marL="285750" indent="-285750">
+              <a:buFont typeface="Arial" panose="020B0604020202020204" pitchFamily="34" charset="0"/>
+              <a:buChar char="•"/>
+            </a:pPr>
+            <a:r>
+              <a:rPr lang="fr-FR" sz="2000" dirty="0">
                 <a:solidFill>
                   <a:srgbClr val="0E0E0E"/>
                 </a:solidFill>
@@ -8594,7 +8882,7 @@
               <a:t>Une fois l’infrastructure déployée par </a:t>
             </a:r>
             <a:r>
-              <a:rPr lang="fr-FR" dirty="0" err="1">
+              <a:rPr lang="fr-FR" sz="2000" dirty="0" err="1">
                 <a:solidFill>
                   <a:srgbClr val="0E0E0E"/>
                 </a:solidFill>
@@ -8603,7 +8891,7 @@
               <a:t>Terraform</a:t>
             </a:r>
             <a:r>
-              <a:rPr lang="fr-FR" dirty="0">
+              <a:rPr lang="fr-FR" sz="2000" dirty="0">
                 <a:solidFill>
                   <a:srgbClr val="0E0E0E"/>
                 </a:solidFill>
@@ -8613,8 +8901,24 @@
             </a:r>
           </a:p>
           <a:p>
-            <a:r>
-              <a:rPr lang="fr-FR" dirty="0">
+            <a:pPr marL="285750" indent="-285750">
+              <a:buFont typeface="Arial" panose="020B0604020202020204" pitchFamily="34" charset="0"/>
+              <a:buChar char="•"/>
+            </a:pPr>
+            <a:endParaRPr lang="fr-FR" sz="2000" dirty="0">
+              <a:solidFill>
+                <a:srgbClr val="0E0E0E"/>
+              </a:solidFill>
+              <a:effectLst/>
+            </a:endParaRPr>
+          </a:p>
+          <a:p>
+            <a:pPr marL="285750" indent="-285750">
+              <a:buFont typeface="Arial" panose="020B0604020202020204" pitchFamily="34" charset="0"/>
+              <a:buChar char="•"/>
+            </a:pPr>
+            <a:r>
+              <a:rPr lang="fr-FR" sz="2000" dirty="0">
                 <a:solidFill>
                   <a:srgbClr val="0E0E0E"/>
                 </a:solidFill>
@@ -8623,11 +8927,104 @@
               <a:t>Gère les mises à jour, la configuration continue et l’application des changements.</a:t>
             </a:r>
           </a:p>
-          <a:p>
-            <a:endParaRPr lang="fr-FR" dirty="0"/>
-          </a:p>
-        </p:txBody>
-      </p:sp>
+        </p:txBody>
+      </p:sp>
+      <p:pic>
+        <p:nvPicPr>
+          <p:cNvPr id="10" name="Image 9">
+            <a:extLst>
+              <a:ext uri="{FF2B5EF4-FFF2-40B4-BE49-F238E27FC236}">
+                <a16:creationId xmlns:a16="http://schemas.microsoft.com/office/drawing/2014/main" id="{74FAF5F3-15CD-688E-C0BE-088F79D91DB0}"/>
+              </a:ext>
+            </a:extLst>
+          </p:cNvPr>
+          <p:cNvPicPr>
+            <a:picLocks noChangeAspect="1"/>
+          </p:cNvPicPr>
+          <p:nvPr/>
+        </p:nvPicPr>
+        <p:blipFill>
+          <a:blip r:embed="rId2"/>
+          <a:stretch>
+            <a:fillRect/>
+          </a:stretch>
+        </p:blipFill>
+        <p:spPr>
+          <a:xfrm>
+            <a:off x="7758679" y="1970527"/>
+            <a:ext cx="1129289" cy="1129289"/>
+          </a:xfrm>
+          <a:prstGeom prst="rect">
+            <a:avLst/>
+          </a:prstGeom>
+        </p:spPr>
+      </p:pic>
+      <p:pic>
+        <p:nvPicPr>
+          <p:cNvPr id="11" name="Image 10">
+            <a:extLst>
+              <a:ext uri="{FF2B5EF4-FFF2-40B4-BE49-F238E27FC236}">
+                <a16:creationId xmlns:a16="http://schemas.microsoft.com/office/drawing/2014/main" id="{92FC6328-9F40-C85A-F722-615C737100A1}"/>
+              </a:ext>
+            </a:extLst>
+          </p:cNvPr>
+          <p:cNvPicPr>
+            <a:picLocks noChangeAspect="1"/>
+          </p:cNvPicPr>
+          <p:nvPr/>
+        </p:nvPicPr>
+        <p:blipFill>
+          <a:blip r:embed="rId3"/>
+          <a:stretch>
+            <a:fillRect/>
+          </a:stretch>
+        </p:blipFill>
+        <p:spPr>
+          <a:xfrm>
+            <a:off x="1899920" y="2035196"/>
+            <a:ext cx="2222500" cy="889000"/>
+          </a:xfrm>
+          <a:prstGeom prst="rect">
+            <a:avLst/>
+          </a:prstGeom>
+        </p:spPr>
+      </p:pic>
+      <p:cxnSp>
+        <p:nvCxnSpPr>
+          <p:cNvPr id="13" name="Connecteur droit 12">
+            <a:extLst>
+              <a:ext uri="{FF2B5EF4-FFF2-40B4-BE49-F238E27FC236}">
+                <a16:creationId xmlns:a16="http://schemas.microsoft.com/office/drawing/2014/main" id="{3522EE2F-A59A-839B-EAFB-2BAF20307BE0}"/>
+              </a:ext>
+            </a:extLst>
+          </p:cNvPr>
+          <p:cNvCxnSpPr/>
+          <p:nvPr/>
+        </p:nvCxnSpPr>
+        <p:spPr>
+          <a:xfrm>
+            <a:off x="5376672" y="2035196"/>
+            <a:ext cx="0" cy="4063852"/>
+          </a:xfrm>
+          <a:prstGeom prst="line">
+            <a:avLst/>
+          </a:prstGeom>
+        </p:spPr>
+        <p:style>
+          <a:lnRef idx="3">
+            <a:schemeClr val="accent3"/>
+          </a:lnRef>
+          <a:fillRef idx="0">
+            <a:schemeClr val="accent3"/>
+          </a:fillRef>
+          <a:effectRef idx="2">
+            <a:schemeClr val="accent3"/>
+          </a:effectRef>
+          <a:fontRef idx="minor">
+            <a:schemeClr val="tx1"/>
+          </a:fontRef>
+        </p:style>
+      </p:cxnSp>
     </p:spTree>
     <p:extLst>
       <p:ext uri="{BB962C8B-B14F-4D97-AF65-F5344CB8AC3E}">
@@ -14435,6 +14832,36 @@
           </a:p>
         </p:txBody>
       </p:sp>
+      <p:pic>
+        <p:nvPicPr>
+          <p:cNvPr id="4" name="Image 3">
+            <a:extLst>
+              <a:ext uri="{FF2B5EF4-FFF2-40B4-BE49-F238E27FC236}">
+                <a16:creationId xmlns:a16="http://schemas.microsoft.com/office/drawing/2014/main" id="{0834C460-BD7C-D73C-60AC-99140F4E895B}"/>
+              </a:ext>
+            </a:extLst>
+          </p:cNvPr>
+          <p:cNvPicPr>
+            <a:picLocks noChangeAspect="1"/>
+          </p:cNvPicPr>
+          <p:nvPr/>
+        </p:nvPicPr>
+        <p:blipFill>
+          <a:blip r:embed="rId3"/>
+          <a:stretch>
+            <a:fillRect/>
+          </a:stretch>
+        </p:blipFill>
+        <p:spPr>
+          <a:xfrm>
+            <a:off x="9398000" y="786839"/>
+            <a:ext cx="2222500" cy="889000"/>
+          </a:xfrm>
+          <a:prstGeom prst="rect">
+            <a:avLst/>
+          </a:prstGeom>
+        </p:spPr>
+      </p:pic>
     </p:spTree>
     <p:extLst>
       <p:ext uri="{BB962C8B-B14F-4D97-AF65-F5344CB8AC3E}">
@@ -14807,6 +15234,36 @@
           </a:p>
         </p:txBody>
       </p:sp>
+      <p:pic>
+        <p:nvPicPr>
+          <p:cNvPr id="4" name="Image 3">
+            <a:extLst>
+              <a:ext uri="{FF2B5EF4-FFF2-40B4-BE49-F238E27FC236}">
+                <a16:creationId xmlns:a16="http://schemas.microsoft.com/office/drawing/2014/main" id="{A80C9C15-1690-2447-6982-6897EF65605C}"/>
+              </a:ext>
+            </a:extLst>
+          </p:cNvPr>
+          <p:cNvPicPr>
+            <a:picLocks noChangeAspect="1"/>
+          </p:cNvPicPr>
+          <p:nvPr/>
+        </p:nvPicPr>
+        <p:blipFill>
+          <a:blip r:embed="rId4"/>
+          <a:stretch>
+            <a:fillRect/>
+          </a:stretch>
+        </p:blipFill>
+        <p:spPr>
+          <a:xfrm>
+            <a:off x="9398000" y="786839"/>
+            <a:ext cx="2222500" cy="889000"/>
+          </a:xfrm>
+          <a:prstGeom prst="rect">
+            <a:avLst/>
+          </a:prstGeom>
+        </p:spPr>
+      </p:pic>
     </p:spTree>
     <p:extLst>
       <p:ext uri="{BB962C8B-B14F-4D97-AF65-F5344CB8AC3E}">
@@ -15213,6 +15670,36 @@
           </a:p>
         </p:txBody>
       </p:sp>
+      <p:pic>
+        <p:nvPicPr>
+          <p:cNvPr id="5" name="Image 4">
+            <a:extLst>
+              <a:ext uri="{FF2B5EF4-FFF2-40B4-BE49-F238E27FC236}">
+                <a16:creationId xmlns:a16="http://schemas.microsoft.com/office/drawing/2014/main" id="{0B6154CA-2403-C367-3E21-040B67D0E3F8}"/>
+              </a:ext>
+            </a:extLst>
+          </p:cNvPr>
+          <p:cNvPicPr>
+            <a:picLocks noChangeAspect="1"/>
+          </p:cNvPicPr>
+          <p:nvPr/>
+        </p:nvPicPr>
+        <p:blipFill>
+          <a:blip r:embed="rId4"/>
+          <a:stretch>
+            <a:fillRect/>
+          </a:stretch>
+        </p:blipFill>
+        <p:spPr>
+          <a:xfrm>
+            <a:off x="9398000" y="786839"/>
+            <a:ext cx="2222500" cy="889000"/>
+          </a:xfrm>
+          <a:prstGeom prst="rect">
+            <a:avLst/>
+          </a:prstGeom>
+        </p:spPr>
+      </p:pic>
     </p:spTree>
     <p:extLst>
       <p:ext uri="{BB962C8B-B14F-4D97-AF65-F5344CB8AC3E}">
@@ -15295,6 +15782,36 @@
           <a:xfrm>
             <a:off x="1359331" y="1988674"/>
             <a:ext cx="9439849" cy="4180037"/>
+          </a:xfrm>
+          <a:prstGeom prst="rect">
+            <a:avLst/>
+          </a:prstGeom>
+        </p:spPr>
+      </p:pic>
+      <p:pic>
+        <p:nvPicPr>
+          <p:cNvPr id="3" name="Image 2">
+            <a:extLst>
+              <a:ext uri="{FF2B5EF4-FFF2-40B4-BE49-F238E27FC236}">
+                <a16:creationId xmlns:a16="http://schemas.microsoft.com/office/drawing/2014/main" id="{CBB68E89-82D4-8F5D-05AD-70B78F82349F}"/>
+              </a:ext>
+            </a:extLst>
+          </p:cNvPr>
+          <p:cNvPicPr>
+            <a:picLocks noChangeAspect="1"/>
+          </p:cNvPicPr>
+          <p:nvPr/>
+        </p:nvPicPr>
+        <p:blipFill>
+          <a:blip r:embed="rId3"/>
+          <a:stretch>
+            <a:fillRect/>
+          </a:stretch>
+        </p:blipFill>
+        <p:spPr>
+          <a:xfrm>
+            <a:off x="9398000" y="786839"/>
+            <a:ext cx="2222500" cy="889000"/>
           </a:xfrm>
           <a:prstGeom prst="rect">
             <a:avLst/>
@@ -15464,6 +15981,36 @@
           </a:prstGeom>
         </p:spPr>
       </p:pic>
+      <p:pic>
+        <p:nvPicPr>
+          <p:cNvPr id="4" name="Image 3">
+            <a:extLst>
+              <a:ext uri="{FF2B5EF4-FFF2-40B4-BE49-F238E27FC236}">
+                <a16:creationId xmlns:a16="http://schemas.microsoft.com/office/drawing/2014/main" id="{E3301103-932E-89A0-27DA-892E19A74868}"/>
+              </a:ext>
+            </a:extLst>
+          </p:cNvPr>
+          <p:cNvPicPr>
+            <a:picLocks noChangeAspect="1"/>
+          </p:cNvPicPr>
+          <p:nvPr/>
+        </p:nvPicPr>
+        <p:blipFill>
+          <a:blip r:embed="rId3"/>
+          <a:stretch>
+            <a:fillRect/>
+          </a:stretch>
+        </p:blipFill>
+        <p:spPr>
+          <a:xfrm>
+            <a:off x="9398000" y="786839"/>
+            <a:ext cx="2222500" cy="889000"/>
+          </a:xfrm>
+          <a:prstGeom prst="rect">
+            <a:avLst/>
+          </a:prstGeom>
+        </p:spPr>
+      </p:pic>
     </p:spTree>
     <p:extLst>
       <p:ext uri="{BB962C8B-B14F-4D97-AF65-F5344CB8AC3E}">
@@ -15717,6 +16264,36 @@
           </a:p>
         </p:txBody>
       </p:sp>
+      <p:pic>
+        <p:nvPicPr>
+          <p:cNvPr id="3" name="Image 2">
+            <a:extLst>
+              <a:ext uri="{FF2B5EF4-FFF2-40B4-BE49-F238E27FC236}">
+                <a16:creationId xmlns:a16="http://schemas.microsoft.com/office/drawing/2014/main" id="{29D0CB4A-6FA9-4DA1-2C9C-230BAEC35ED9}"/>
+              </a:ext>
+            </a:extLst>
+          </p:cNvPr>
+          <p:cNvPicPr>
+            <a:picLocks noChangeAspect="1"/>
+          </p:cNvPicPr>
+          <p:nvPr/>
+        </p:nvPicPr>
+        <p:blipFill>
+          <a:blip r:embed="rId2"/>
+          <a:stretch>
+            <a:fillRect/>
+          </a:stretch>
+        </p:blipFill>
+        <p:spPr>
+          <a:xfrm>
+            <a:off x="9398000" y="786839"/>
+            <a:ext cx="2222500" cy="889000"/>
+          </a:xfrm>
+          <a:prstGeom prst="rect">
+            <a:avLst/>
+          </a:prstGeom>
+        </p:spPr>
+      </p:pic>
     </p:spTree>
     <p:extLst>
       <p:ext uri="{BB962C8B-B14F-4D97-AF65-F5344CB8AC3E}">
